--- a/Portfolio Project.pptx
+++ b/Portfolio Project.pptx
@@ -110,6 +110,11 @@
       </a:defRPr>
     </a:lvl9pPr>
   </p:defaultTextStyle>
+  <p:extLst>
+    <p:ext uri="{EFAFB233-063F-42B5-8137-9DF3F51BA10A}">
+      <p15:sldGuideLst xmlns:p15="http://schemas.microsoft.com/office/powerpoint/2012/main"/>
+    </p:ext>
+  </p:extLst>
 </p:presentation>
 </file>
 
@@ -159,7 +164,7 @@
           </a:lstStyle>
           <a:p>
             <a:r>
-              <a:rPr lang="it-IT" smtClean="0"/>
+              <a:rPr lang="it-IT"/>
               <a:t>Fare clic per modificare lo stile del titolo</a:t>
             </a:r>
             <a:endParaRPr lang="en-US" dirty="0"/>
@@ -280,7 +285,7 @@
           </a:lstStyle>
           <a:p>
             <a:r>
-              <a:rPr lang="it-IT" smtClean="0"/>
+              <a:rPr lang="it-IT"/>
               <a:t>Fare clic per modificare lo stile del sottotitolo dello schema</a:t>
             </a:r>
             <a:endParaRPr lang="en-US" dirty="0"/>
@@ -304,7 +309,7 @@
           <a:p>
             <a:fld id="{76906E81-2588-4A67-B0A1-CCAA73920AE5}" type="datetimeFigureOut">
               <a:rPr lang="it-IT" smtClean="0"/>
-              <a:t>28/11/2018</a:t>
+              <a:t>29/11/2018</a:t>
             </a:fld>
             <a:endParaRPr lang="it-IT"/>
           </a:p>
@@ -346,7 +351,7 @@
           <a:p>
             <a:fld id="{CB57A42B-3637-4C4A-9233-8809E6101E25}" type="slidenum">
               <a:rPr lang="it-IT" smtClean="0"/>
-              <a:t>‹N›</a:t>
+              <a:t>‹#›</a:t>
             </a:fld>
             <a:endParaRPr lang="it-IT"/>
           </a:p>
@@ -573,7 +578,7 @@
           <a:lstStyle/>
           <a:p>
             <a:r>
-              <a:rPr lang="it-IT" smtClean="0"/>
+              <a:rPr lang="it-IT"/>
               <a:t>Fare clic per modificare lo stile del titolo</a:t>
             </a:r>
             <a:endParaRPr lang="en-US" dirty="0"/>
@@ -660,7 +665,7 @@
           </a:lstStyle>
           <a:p>
             <a:r>
-              <a:rPr lang="it-IT" smtClean="0"/>
+              <a:rPr lang="it-IT"/>
               <a:t>Fare clic sull'icona per inserire un'immagine</a:t>
             </a:r>
             <a:endParaRPr lang="en-US" dirty="0"/>
@@ -717,7 +722,7 @@
           <a:p>
             <a:pPr lvl="0"/>
             <a:r>
-              <a:rPr lang="it-IT" smtClean="0"/>
+              <a:rPr lang="it-IT"/>
               <a:t>Fare clic per modificare stili del testo dello schema</a:t>
             </a:r>
           </a:p>
@@ -740,7 +745,7 @@
           <a:p>
             <a:fld id="{76906E81-2588-4A67-B0A1-CCAA73920AE5}" type="datetimeFigureOut">
               <a:rPr lang="it-IT" smtClean="0"/>
-              <a:t>28/11/2018</a:t>
+              <a:t>29/11/2018</a:t>
             </a:fld>
             <a:endParaRPr lang="it-IT"/>
           </a:p>
@@ -782,7 +787,7 @@
           <a:p>
             <a:fld id="{CB57A42B-3637-4C4A-9233-8809E6101E25}" type="slidenum">
               <a:rPr lang="it-IT" smtClean="0"/>
-              <a:t>‹N›</a:t>
+              <a:t>‹#›</a:t>
             </a:fld>
             <a:endParaRPr lang="it-IT"/>
           </a:p>
@@ -845,7 +850,7 @@
           </a:lstStyle>
           <a:p>
             <a:r>
-              <a:rPr lang="it-IT" smtClean="0"/>
+              <a:rPr lang="it-IT"/>
               <a:t>Fare clic per modificare lo stile del titolo</a:t>
             </a:r>
             <a:endParaRPr lang="en-US" dirty="0"/>
@@ -967,7 +972,7 @@
           <a:p>
             <a:pPr lvl="0"/>
             <a:r>
-              <a:rPr lang="it-IT" smtClean="0"/>
+              <a:rPr lang="it-IT"/>
               <a:t>Fare clic per modificare stili del testo dello schema</a:t>
             </a:r>
           </a:p>
@@ -990,7 +995,7 @@
           <a:p>
             <a:fld id="{76906E81-2588-4A67-B0A1-CCAA73920AE5}" type="datetimeFigureOut">
               <a:rPr lang="it-IT" smtClean="0"/>
-              <a:t>28/11/2018</a:t>
+              <a:t>29/11/2018</a:t>
             </a:fld>
             <a:endParaRPr lang="it-IT"/>
           </a:p>
@@ -1032,7 +1037,7 @@
           <a:p>
             <a:fld id="{CB57A42B-3637-4C4A-9233-8809E6101E25}" type="slidenum">
               <a:rPr lang="it-IT" smtClean="0"/>
-              <a:t>‹N›</a:t>
+              <a:t>‹#›</a:t>
             </a:fld>
             <a:endParaRPr lang="it-IT"/>
           </a:p>
@@ -1099,7 +1104,7 @@
           </a:lstStyle>
           <a:p>
             <a:r>
-              <a:rPr lang="it-IT" smtClean="0"/>
+              <a:rPr lang="it-IT"/>
               <a:t>Fare clic per modificare lo stile del titolo</a:t>
             </a:r>
             <a:endParaRPr lang="en-US" dirty="0"/>
@@ -1154,7 +1159,7 @@
           <a:p>
             <a:pPr lvl="0"/>
             <a:r>
-              <a:rPr lang="it-IT" smtClean="0"/>
+              <a:rPr lang="it-IT"/>
               <a:t>Fare clic per modificare stili del testo dello schema</a:t>
             </a:r>
           </a:p>
@@ -1275,7 +1280,7 @@
           <a:p>
             <a:pPr lvl="0"/>
             <a:r>
-              <a:rPr lang="it-IT" smtClean="0"/>
+              <a:rPr lang="it-IT"/>
               <a:t>Fare clic per modificare stili del testo dello schema</a:t>
             </a:r>
           </a:p>
@@ -1298,7 +1303,7 @@
           <a:p>
             <a:fld id="{76906E81-2588-4A67-B0A1-CCAA73920AE5}" type="datetimeFigureOut">
               <a:rPr lang="it-IT" smtClean="0"/>
-              <a:t>28/11/2018</a:t>
+              <a:t>29/11/2018</a:t>
             </a:fld>
             <a:endParaRPr lang="it-IT"/>
           </a:p>
@@ -1340,7 +1345,7 @@
           <a:p>
             <a:fld id="{CB57A42B-3637-4C4A-9233-8809E6101E25}" type="slidenum">
               <a:rPr lang="it-IT" smtClean="0"/>
-              <a:t>‹N›</a:t>
+              <a:t>‹#›</a:t>
             </a:fld>
             <a:endParaRPr lang="it-IT"/>
           </a:p>
@@ -1471,7 +1476,7 @@
           </a:lstStyle>
           <a:p>
             <a:r>
-              <a:rPr lang="it-IT" smtClean="0"/>
+              <a:rPr lang="it-IT"/>
               <a:t>Fare clic per modificare lo stile del titolo</a:t>
             </a:r>
             <a:endParaRPr lang="en-US" dirty="0"/>
@@ -1593,7 +1598,7 @@
           <a:p>
             <a:pPr lvl="0"/>
             <a:r>
-              <a:rPr lang="it-IT" smtClean="0"/>
+              <a:rPr lang="it-IT"/>
               <a:t>Fare clic per modificare stili del testo dello schema</a:t>
             </a:r>
           </a:p>
@@ -1616,7 +1621,7 @@
           <a:p>
             <a:fld id="{76906E81-2588-4A67-B0A1-CCAA73920AE5}" type="datetimeFigureOut">
               <a:rPr lang="it-IT" smtClean="0"/>
-              <a:t>28/11/2018</a:t>
+              <a:t>29/11/2018</a:t>
             </a:fld>
             <a:endParaRPr lang="it-IT"/>
           </a:p>
@@ -1658,7 +1663,7 @@
           <a:p>
             <a:fld id="{CB57A42B-3637-4C4A-9233-8809E6101E25}" type="slidenum">
               <a:rPr lang="it-IT" smtClean="0"/>
-              <a:t>‹N›</a:t>
+              <a:t>‹#›</a:t>
             </a:fld>
             <a:endParaRPr lang="it-IT"/>
           </a:p>
@@ -1725,7 +1730,7 @@
           </a:lstStyle>
           <a:p>
             <a:r>
-              <a:rPr lang="it-IT" smtClean="0"/>
+              <a:rPr lang="it-IT"/>
               <a:t>Fare clic per modificare lo stile del titolo</a:t>
             </a:r>
             <a:endParaRPr lang="en-US" dirty="0"/>
@@ -1774,7 +1779,7 @@
               <a:buNone/>
             </a:pPr>
             <a:r>
-              <a:rPr lang="it-IT" smtClean="0"/>
+              <a:rPr lang="it-IT"/>
               <a:t>Fare clic per modificare stili del testo dello schema</a:t>
             </a:r>
           </a:p>
@@ -1895,7 +1900,7 @@
           <a:p>
             <a:pPr lvl="0"/>
             <a:r>
-              <a:rPr lang="it-IT" smtClean="0"/>
+              <a:rPr lang="it-IT"/>
               <a:t>Fare clic per modificare stili del testo dello schema</a:t>
             </a:r>
           </a:p>
@@ -1918,7 +1923,7 @@
           <a:p>
             <a:fld id="{76906E81-2588-4A67-B0A1-CCAA73920AE5}" type="datetimeFigureOut">
               <a:rPr lang="it-IT" smtClean="0"/>
-              <a:t>28/11/2018</a:t>
+              <a:t>29/11/2018</a:t>
             </a:fld>
             <a:endParaRPr lang="it-IT"/>
           </a:p>
@@ -1960,7 +1965,7 @@
           <a:p>
             <a:fld id="{CB57A42B-3637-4C4A-9233-8809E6101E25}" type="slidenum">
               <a:rPr lang="it-IT" smtClean="0"/>
-              <a:t>‹N›</a:t>
+              <a:t>‹#›</a:t>
             </a:fld>
             <a:endParaRPr lang="it-IT"/>
           </a:p>
@@ -2092,7 +2097,7 @@
           <a:p>
             <a:pPr marL="0" lvl="0"/>
             <a:r>
-              <a:rPr lang="it-IT" smtClean="0"/>
+              <a:rPr lang="it-IT"/>
               <a:t>Fare clic per modificare lo stile del titolo</a:t>
             </a:r>
             <a:endParaRPr lang="en-US" dirty="0"/>
@@ -2141,7 +2146,7 @@
               <a:buNone/>
             </a:pPr>
             <a:r>
-              <a:rPr lang="it-IT" smtClean="0"/>
+              <a:rPr lang="it-IT"/>
               <a:t>Fare clic per modificare stili del testo dello schema</a:t>
             </a:r>
           </a:p>
@@ -2262,7 +2267,7 @@
           <a:p>
             <a:pPr lvl="0"/>
             <a:r>
-              <a:rPr lang="it-IT" smtClean="0"/>
+              <a:rPr lang="it-IT"/>
               <a:t>Fare clic per modificare stili del testo dello schema</a:t>
             </a:r>
           </a:p>
@@ -2285,7 +2290,7 @@
           <a:p>
             <a:fld id="{76906E81-2588-4A67-B0A1-CCAA73920AE5}" type="datetimeFigureOut">
               <a:rPr lang="it-IT" smtClean="0"/>
-              <a:t>28/11/2018</a:t>
+              <a:t>29/11/2018</a:t>
             </a:fld>
             <a:endParaRPr lang="it-IT"/>
           </a:p>
@@ -2327,7 +2332,7 @@
           <a:p>
             <a:fld id="{CB57A42B-3637-4C4A-9233-8809E6101E25}" type="slidenum">
               <a:rPr lang="it-IT" smtClean="0"/>
-              <a:t>‹N›</a:t>
+              <a:t>‹#›</a:t>
             </a:fld>
             <a:endParaRPr lang="it-IT"/>
           </a:p>
@@ -2383,7 +2388,7 @@
           </a:lstStyle>
           <a:p>
             <a:r>
-              <a:rPr lang="it-IT" smtClean="0"/>
+              <a:rPr lang="it-IT"/>
               <a:t>Fare clic per modificare lo stile del titolo</a:t>
             </a:r>
             <a:endParaRPr lang="en-US" dirty="0"/>
@@ -2407,35 +2412,35 @@
           <a:p>
             <a:pPr lvl="0"/>
             <a:r>
-              <a:rPr lang="it-IT" smtClean="0"/>
+              <a:rPr lang="it-IT"/>
               <a:t>Fare clic per modificare stili del testo dello schema</a:t>
             </a:r>
           </a:p>
           <a:p>
             <a:pPr lvl="1"/>
             <a:r>
-              <a:rPr lang="it-IT" smtClean="0"/>
+              <a:rPr lang="it-IT"/>
               <a:t>Secondo livello</a:t>
             </a:r>
           </a:p>
           <a:p>
             <a:pPr lvl="2"/>
             <a:r>
-              <a:rPr lang="it-IT" smtClean="0"/>
+              <a:rPr lang="it-IT"/>
               <a:t>Terzo livello</a:t>
             </a:r>
           </a:p>
           <a:p>
             <a:pPr lvl="3"/>
             <a:r>
-              <a:rPr lang="it-IT" smtClean="0"/>
+              <a:rPr lang="it-IT"/>
               <a:t>Quarto livello</a:t>
             </a:r>
           </a:p>
           <a:p>
             <a:pPr lvl="4"/>
             <a:r>
-              <a:rPr lang="it-IT" smtClean="0"/>
+              <a:rPr lang="it-IT"/>
               <a:t>Quinto livello</a:t>
             </a:r>
             <a:endParaRPr lang="en-US" dirty="0"/>
@@ -2459,7 +2464,7 @@
           <a:p>
             <a:fld id="{76906E81-2588-4A67-B0A1-CCAA73920AE5}" type="datetimeFigureOut">
               <a:rPr lang="it-IT" smtClean="0"/>
-              <a:t>28/11/2018</a:t>
+              <a:t>29/11/2018</a:t>
             </a:fld>
             <a:endParaRPr lang="it-IT"/>
           </a:p>
@@ -2501,7 +2506,7 @@
           <a:p>
             <a:fld id="{CB57A42B-3637-4C4A-9233-8809E6101E25}" type="slidenum">
               <a:rPr lang="it-IT" smtClean="0"/>
-              <a:t>‹N›</a:t>
+              <a:t>‹#›</a:t>
             </a:fld>
             <a:endParaRPr lang="it-IT"/>
           </a:p>
@@ -2558,7 +2563,7 @@
           <a:lstStyle/>
           <a:p>
             <a:r>
-              <a:rPr lang="it-IT" smtClean="0"/>
+              <a:rPr lang="it-IT"/>
               <a:t>Fare clic per modificare lo stile del titolo</a:t>
             </a:r>
             <a:endParaRPr lang="en-US" dirty="0"/>
@@ -2587,35 +2592,35 @@
           <a:p>
             <a:pPr lvl="0"/>
             <a:r>
-              <a:rPr lang="it-IT" smtClean="0"/>
+              <a:rPr lang="it-IT"/>
               <a:t>Fare clic per modificare stili del testo dello schema</a:t>
             </a:r>
           </a:p>
           <a:p>
             <a:pPr lvl="1"/>
             <a:r>
-              <a:rPr lang="it-IT" smtClean="0"/>
+              <a:rPr lang="it-IT"/>
               <a:t>Secondo livello</a:t>
             </a:r>
           </a:p>
           <a:p>
             <a:pPr lvl="2"/>
             <a:r>
-              <a:rPr lang="it-IT" smtClean="0"/>
+              <a:rPr lang="it-IT"/>
               <a:t>Terzo livello</a:t>
             </a:r>
           </a:p>
           <a:p>
             <a:pPr lvl="3"/>
             <a:r>
-              <a:rPr lang="it-IT" smtClean="0"/>
+              <a:rPr lang="it-IT"/>
               <a:t>Quarto livello</a:t>
             </a:r>
           </a:p>
           <a:p>
             <a:pPr lvl="4"/>
             <a:r>
-              <a:rPr lang="it-IT" smtClean="0"/>
+              <a:rPr lang="it-IT"/>
               <a:t>Quinto livello</a:t>
             </a:r>
             <a:endParaRPr lang="en-US" dirty="0"/>
@@ -2639,7 +2644,7 @@
           <a:p>
             <a:fld id="{76906E81-2588-4A67-B0A1-CCAA73920AE5}" type="datetimeFigureOut">
               <a:rPr lang="it-IT" smtClean="0"/>
-              <a:t>28/11/2018</a:t>
+              <a:t>29/11/2018</a:t>
             </a:fld>
             <a:endParaRPr lang="it-IT"/>
           </a:p>
@@ -2681,7 +2686,7 @@
           <a:p>
             <a:fld id="{CB57A42B-3637-4C4A-9233-8809E6101E25}" type="slidenum">
               <a:rPr lang="it-IT" smtClean="0"/>
-              <a:t>‹N›</a:t>
+              <a:t>‹#›</a:t>
             </a:fld>
             <a:endParaRPr lang="it-IT"/>
           </a:p>
@@ -2733,7 +2738,7 @@
           <a:lstStyle/>
           <a:p>
             <a:r>
-              <a:rPr lang="it-IT" smtClean="0"/>
+              <a:rPr lang="it-IT"/>
               <a:t>Fare clic per modificare lo stile del titolo</a:t>
             </a:r>
             <a:endParaRPr lang="en-US" dirty="0"/>
@@ -2757,35 +2762,35 @@
           <a:p>
             <a:pPr lvl="0"/>
             <a:r>
-              <a:rPr lang="it-IT" smtClean="0"/>
+              <a:rPr lang="it-IT"/>
               <a:t>Fare clic per modificare stili del testo dello schema</a:t>
             </a:r>
           </a:p>
           <a:p>
             <a:pPr lvl="1"/>
             <a:r>
-              <a:rPr lang="it-IT" smtClean="0"/>
+              <a:rPr lang="it-IT"/>
               <a:t>Secondo livello</a:t>
             </a:r>
           </a:p>
           <a:p>
             <a:pPr lvl="2"/>
             <a:r>
-              <a:rPr lang="it-IT" smtClean="0"/>
+              <a:rPr lang="it-IT"/>
               <a:t>Terzo livello</a:t>
             </a:r>
           </a:p>
           <a:p>
             <a:pPr lvl="3"/>
             <a:r>
-              <a:rPr lang="it-IT" smtClean="0"/>
+              <a:rPr lang="it-IT"/>
               <a:t>Quarto livello</a:t>
             </a:r>
           </a:p>
           <a:p>
             <a:pPr lvl="4"/>
             <a:r>
-              <a:rPr lang="it-IT" smtClean="0"/>
+              <a:rPr lang="it-IT"/>
               <a:t>Quinto livello</a:t>
             </a:r>
             <a:endParaRPr lang="en-US" dirty="0"/>
@@ -2809,7 +2814,7 @@
           <a:p>
             <a:fld id="{76906E81-2588-4A67-B0A1-CCAA73920AE5}" type="datetimeFigureOut">
               <a:rPr lang="it-IT" smtClean="0"/>
-              <a:t>28/11/2018</a:t>
+              <a:t>29/11/2018</a:t>
             </a:fld>
             <a:endParaRPr lang="it-IT"/>
           </a:p>
@@ -2851,7 +2856,7 @@
           <a:p>
             <a:fld id="{CB57A42B-3637-4C4A-9233-8809E6101E25}" type="slidenum">
               <a:rPr lang="it-IT" smtClean="0"/>
-              <a:t>‹N›</a:t>
+              <a:t>‹#›</a:t>
             </a:fld>
             <a:endParaRPr lang="it-IT"/>
           </a:p>
@@ -2914,7 +2919,7 @@
           </a:lstStyle>
           <a:p>
             <a:r>
-              <a:rPr lang="it-IT" smtClean="0"/>
+              <a:rPr lang="it-IT"/>
               <a:t>Fare clic per modificare lo stile del titolo</a:t>
             </a:r>
             <a:endParaRPr lang="en-US" dirty="0"/>
@@ -3036,7 +3041,7 @@
           <a:p>
             <a:pPr lvl="0"/>
             <a:r>
-              <a:rPr lang="it-IT" smtClean="0"/>
+              <a:rPr lang="it-IT"/>
               <a:t>Fare clic per modificare stili del testo dello schema</a:t>
             </a:r>
           </a:p>
@@ -3059,7 +3064,7 @@
           <a:p>
             <a:fld id="{76906E81-2588-4A67-B0A1-CCAA73920AE5}" type="datetimeFigureOut">
               <a:rPr lang="it-IT" smtClean="0"/>
-              <a:t>28/11/2018</a:t>
+              <a:t>29/11/2018</a:t>
             </a:fld>
             <a:endParaRPr lang="it-IT"/>
           </a:p>
@@ -3101,7 +3106,7 @@
           <a:p>
             <a:fld id="{CB57A42B-3637-4C4A-9233-8809E6101E25}" type="slidenum">
               <a:rPr lang="it-IT" smtClean="0"/>
-              <a:t>‹N›</a:t>
+              <a:t>‹#›</a:t>
             </a:fld>
             <a:endParaRPr lang="it-IT"/>
           </a:p>
@@ -3153,7 +3158,7 @@
           <a:lstStyle/>
           <a:p>
             <a:r>
-              <a:rPr lang="it-IT" smtClean="0"/>
+              <a:rPr lang="it-IT"/>
               <a:t>Fare clic per modificare lo stile del titolo</a:t>
             </a:r>
             <a:endParaRPr lang="en-US" dirty="0"/>
@@ -3184,35 +3189,35 @@
           <a:p>
             <a:pPr lvl="0"/>
             <a:r>
-              <a:rPr lang="it-IT" smtClean="0"/>
+              <a:rPr lang="it-IT"/>
               <a:t>Fare clic per modificare stili del testo dello schema</a:t>
             </a:r>
           </a:p>
           <a:p>
             <a:pPr lvl="1"/>
             <a:r>
-              <a:rPr lang="it-IT" smtClean="0"/>
+              <a:rPr lang="it-IT"/>
               <a:t>Secondo livello</a:t>
             </a:r>
           </a:p>
           <a:p>
             <a:pPr lvl="2"/>
             <a:r>
-              <a:rPr lang="it-IT" smtClean="0"/>
+              <a:rPr lang="it-IT"/>
               <a:t>Terzo livello</a:t>
             </a:r>
           </a:p>
           <a:p>
             <a:pPr lvl="3"/>
             <a:r>
-              <a:rPr lang="it-IT" smtClean="0"/>
+              <a:rPr lang="it-IT"/>
               <a:t>Quarto livello</a:t>
             </a:r>
           </a:p>
           <a:p>
             <a:pPr lvl="4"/>
             <a:r>
-              <a:rPr lang="it-IT" smtClean="0"/>
+              <a:rPr lang="it-IT"/>
               <a:t>Quinto livello</a:t>
             </a:r>
             <a:endParaRPr lang="en-US" dirty="0"/>
@@ -3243,35 +3248,35 @@
           <a:p>
             <a:pPr lvl="0"/>
             <a:r>
-              <a:rPr lang="it-IT" smtClean="0"/>
+              <a:rPr lang="it-IT"/>
               <a:t>Fare clic per modificare stili del testo dello schema</a:t>
             </a:r>
           </a:p>
           <a:p>
             <a:pPr lvl="1"/>
             <a:r>
-              <a:rPr lang="it-IT" smtClean="0"/>
+              <a:rPr lang="it-IT"/>
               <a:t>Secondo livello</a:t>
             </a:r>
           </a:p>
           <a:p>
             <a:pPr lvl="2"/>
             <a:r>
-              <a:rPr lang="it-IT" smtClean="0"/>
+              <a:rPr lang="it-IT"/>
               <a:t>Terzo livello</a:t>
             </a:r>
           </a:p>
           <a:p>
             <a:pPr lvl="3"/>
             <a:r>
-              <a:rPr lang="it-IT" smtClean="0"/>
+              <a:rPr lang="it-IT"/>
               <a:t>Quarto livello</a:t>
             </a:r>
           </a:p>
           <a:p>
             <a:pPr lvl="4"/>
             <a:r>
-              <a:rPr lang="it-IT" smtClean="0"/>
+              <a:rPr lang="it-IT"/>
               <a:t>Quinto livello</a:t>
             </a:r>
             <a:endParaRPr lang="en-US" dirty="0"/>
@@ -3295,7 +3300,7 @@
           <a:p>
             <a:fld id="{76906E81-2588-4A67-B0A1-CCAA73920AE5}" type="datetimeFigureOut">
               <a:rPr lang="it-IT" smtClean="0"/>
-              <a:t>28/11/2018</a:t>
+              <a:t>29/11/2018</a:t>
             </a:fld>
             <a:endParaRPr lang="it-IT"/>
           </a:p>
@@ -3337,7 +3342,7 @@
           <a:p>
             <a:fld id="{CB57A42B-3637-4C4A-9233-8809E6101E25}" type="slidenum">
               <a:rPr lang="it-IT" smtClean="0"/>
-              <a:t>‹N›</a:t>
+              <a:t>‹#›</a:t>
             </a:fld>
             <a:endParaRPr lang="it-IT"/>
           </a:p>
@@ -3393,7 +3398,7 @@
           </a:lstStyle>
           <a:p>
             <a:r>
-              <a:rPr lang="it-IT" smtClean="0"/>
+              <a:rPr lang="it-IT"/>
               <a:t>Fare clic per modificare lo stile del titolo</a:t>
             </a:r>
             <a:endParaRPr lang="en-US" dirty="0"/>
@@ -3465,7 +3470,7 @@
           <a:p>
             <a:pPr lvl="0"/>
             <a:r>
-              <a:rPr lang="it-IT" smtClean="0"/>
+              <a:rPr lang="it-IT"/>
               <a:t>Fare clic per modificare stili del testo dello schema</a:t>
             </a:r>
           </a:p>
@@ -3495,35 +3500,35 @@
           <a:p>
             <a:pPr lvl="0"/>
             <a:r>
-              <a:rPr lang="it-IT" smtClean="0"/>
+              <a:rPr lang="it-IT"/>
               <a:t>Fare clic per modificare stili del testo dello schema</a:t>
             </a:r>
           </a:p>
           <a:p>
             <a:pPr lvl="1"/>
             <a:r>
-              <a:rPr lang="it-IT" smtClean="0"/>
+              <a:rPr lang="it-IT"/>
               <a:t>Secondo livello</a:t>
             </a:r>
           </a:p>
           <a:p>
             <a:pPr lvl="2"/>
             <a:r>
-              <a:rPr lang="it-IT" smtClean="0"/>
+              <a:rPr lang="it-IT"/>
               <a:t>Terzo livello</a:t>
             </a:r>
           </a:p>
           <a:p>
             <a:pPr lvl="3"/>
             <a:r>
-              <a:rPr lang="it-IT" smtClean="0"/>
+              <a:rPr lang="it-IT"/>
               <a:t>Quarto livello</a:t>
             </a:r>
           </a:p>
           <a:p>
             <a:pPr lvl="4"/>
             <a:r>
-              <a:rPr lang="it-IT" smtClean="0"/>
+              <a:rPr lang="it-IT"/>
               <a:t>Quinto livello</a:t>
             </a:r>
             <a:endParaRPr lang="en-US" dirty="0"/>
@@ -3595,7 +3600,7 @@
           <a:p>
             <a:pPr lvl="0"/>
             <a:r>
-              <a:rPr lang="it-IT" smtClean="0"/>
+              <a:rPr lang="it-IT"/>
               <a:t>Fare clic per modificare stili del testo dello schema</a:t>
             </a:r>
           </a:p>
@@ -3625,35 +3630,35 @@
           <a:p>
             <a:pPr lvl="0"/>
             <a:r>
-              <a:rPr lang="it-IT" smtClean="0"/>
+              <a:rPr lang="it-IT"/>
               <a:t>Fare clic per modificare stili del testo dello schema</a:t>
             </a:r>
           </a:p>
           <a:p>
             <a:pPr lvl="1"/>
             <a:r>
-              <a:rPr lang="it-IT" smtClean="0"/>
+              <a:rPr lang="it-IT"/>
               <a:t>Secondo livello</a:t>
             </a:r>
           </a:p>
           <a:p>
             <a:pPr lvl="2"/>
             <a:r>
-              <a:rPr lang="it-IT" smtClean="0"/>
+              <a:rPr lang="it-IT"/>
               <a:t>Terzo livello</a:t>
             </a:r>
           </a:p>
           <a:p>
             <a:pPr lvl="3"/>
             <a:r>
-              <a:rPr lang="it-IT" smtClean="0"/>
+              <a:rPr lang="it-IT"/>
               <a:t>Quarto livello</a:t>
             </a:r>
           </a:p>
           <a:p>
             <a:pPr lvl="4"/>
             <a:r>
-              <a:rPr lang="it-IT" smtClean="0"/>
+              <a:rPr lang="it-IT"/>
               <a:t>Quinto livello</a:t>
             </a:r>
             <a:endParaRPr lang="en-US" dirty="0"/>
@@ -3677,7 +3682,7 @@
           <a:p>
             <a:fld id="{76906E81-2588-4A67-B0A1-CCAA73920AE5}" type="datetimeFigureOut">
               <a:rPr lang="it-IT" smtClean="0"/>
-              <a:t>28/11/2018</a:t>
+              <a:t>29/11/2018</a:t>
             </a:fld>
             <a:endParaRPr lang="it-IT"/>
           </a:p>
@@ -3719,7 +3724,7 @@
           <a:p>
             <a:fld id="{CB57A42B-3637-4C4A-9233-8809E6101E25}" type="slidenum">
               <a:rPr lang="it-IT" smtClean="0"/>
-              <a:t>‹N›</a:t>
+              <a:t>‹#›</a:t>
             </a:fld>
             <a:endParaRPr lang="it-IT"/>
           </a:p>
@@ -3771,7 +3776,7 @@
           <a:lstStyle/>
           <a:p>
             <a:r>
-              <a:rPr lang="it-IT" smtClean="0"/>
+              <a:rPr lang="it-IT"/>
               <a:t>Fare clic per modificare lo stile del titolo</a:t>
             </a:r>
             <a:endParaRPr lang="en-US" dirty="0"/>
@@ -3795,7 +3800,7 @@
           <a:p>
             <a:fld id="{76906E81-2588-4A67-B0A1-CCAA73920AE5}" type="datetimeFigureOut">
               <a:rPr lang="it-IT" smtClean="0"/>
-              <a:t>28/11/2018</a:t>
+              <a:t>29/11/2018</a:t>
             </a:fld>
             <a:endParaRPr lang="it-IT"/>
           </a:p>
@@ -3837,7 +3842,7 @@
           <a:p>
             <a:fld id="{CB57A42B-3637-4C4A-9233-8809E6101E25}" type="slidenum">
               <a:rPr lang="it-IT" smtClean="0"/>
-              <a:t>‹N›</a:t>
+              <a:t>‹#›</a:t>
             </a:fld>
             <a:endParaRPr lang="it-IT"/>
           </a:p>
@@ -3890,7 +3895,7 @@
           <a:p>
             <a:fld id="{76906E81-2588-4A67-B0A1-CCAA73920AE5}" type="datetimeFigureOut">
               <a:rPr lang="it-IT" smtClean="0"/>
-              <a:t>28/11/2018</a:t>
+              <a:t>29/11/2018</a:t>
             </a:fld>
             <a:endParaRPr lang="it-IT"/>
           </a:p>
@@ -3932,7 +3937,7 @@
           <a:p>
             <a:fld id="{CB57A42B-3637-4C4A-9233-8809E6101E25}" type="slidenum">
               <a:rPr lang="it-IT" smtClean="0"/>
-              <a:t>‹N›</a:t>
+              <a:t>‹#›</a:t>
             </a:fld>
             <a:endParaRPr lang="it-IT"/>
           </a:p>
@@ -3995,7 +4000,7 @@
           </a:lstStyle>
           <a:p>
             <a:r>
-              <a:rPr lang="it-IT" smtClean="0"/>
+              <a:rPr lang="it-IT"/>
               <a:t>Fare clic per modificare lo stile del titolo</a:t>
             </a:r>
             <a:endParaRPr lang="en-US" dirty="0"/>
@@ -4026,35 +4031,35 @@
           <a:p>
             <a:pPr lvl="0"/>
             <a:r>
-              <a:rPr lang="it-IT" smtClean="0"/>
+              <a:rPr lang="it-IT"/>
               <a:t>Fare clic per modificare stili del testo dello schema</a:t>
             </a:r>
           </a:p>
           <a:p>
             <a:pPr lvl="1"/>
             <a:r>
-              <a:rPr lang="it-IT" smtClean="0"/>
+              <a:rPr lang="it-IT"/>
               <a:t>Secondo livello</a:t>
             </a:r>
           </a:p>
           <a:p>
             <a:pPr lvl="2"/>
             <a:r>
-              <a:rPr lang="it-IT" smtClean="0"/>
+              <a:rPr lang="it-IT"/>
               <a:t>Terzo livello</a:t>
             </a:r>
           </a:p>
           <a:p>
             <a:pPr lvl="3"/>
             <a:r>
-              <a:rPr lang="it-IT" smtClean="0"/>
+              <a:rPr lang="it-IT"/>
               <a:t>Quarto livello</a:t>
             </a:r>
           </a:p>
           <a:p>
             <a:pPr lvl="4"/>
             <a:r>
-              <a:rPr lang="it-IT" smtClean="0"/>
+              <a:rPr lang="it-IT"/>
               <a:t>Quinto livello</a:t>
             </a:r>
             <a:endParaRPr lang="en-US" dirty="0"/>
@@ -4122,7 +4127,7 @@
           <a:p>
             <a:pPr lvl="0"/>
             <a:r>
-              <a:rPr lang="it-IT" smtClean="0"/>
+              <a:rPr lang="it-IT"/>
               <a:t>Fare clic per modificare stili del testo dello schema</a:t>
             </a:r>
           </a:p>
@@ -4145,7 +4150,7 @@
           <a:p>
             <a:fld id="{76906E81-2588-4A67-B0A1-CCAA73920AE5}" type="datetimeFigureOut">
               <a:rPr lang="it-IT" smtClean="0"/>
-              <a:t>28/11/2018</a:t>
+              <a:t>29/11/2018</a:t>
             </a:fld>
             <a:endParaRPr lang="it-IT"/>
           </a:p>
@@ -4187,7 +4192,7 @@
           <a:p>
             <a:fld id="{CB57A42B-3637-4C4A-9233-8809E6101E25}" type="slidenum">
               <a:rPr lang="it-IT" smtClean="0"/>
-              <a:t>‹N›</a:t>
+              <a:t>‹#›</a:t>
             </a:fld>
             <a:endParaRPr lang="it-IT"/>
           </a:p>
@@ -4250,7 +4255,7 @@
           </a:lstStyle>
           <a:p>
             <a:r>
-              <a:rPr lang="it-IT" smtClean="0"/>
+              <a:rPr lang="it-IT"/>
               <a:t>Fare clic per modificare lo stile del titolo</a:t>
             </a:r>
             <a:endParaRPr lang="en-US" dirty="0"/>
@@ -4337,7 +4342,7 @@
           </a:lstStyle>
           <a:p>
             <a:r>
-              <a:rPr lang="it-IT" smtClean="0"/>
+              <a:rPr lang="it-IT"/>
               <a:t>Fare clic sull'icona per inserire un'immagine</a:t>
             </a:r>
             <a:endParaRPr lang="en-US" dirty="0"/>
@@ -4405,7 +4410,7 @@
           <a:p>
             <a:pPr lvl="0"/>
             <a:r>
-              <a:rPr lang="it-IT" smtClean="0"/>
+              <a:rPr lang="it-IT"/>
               <a:t>Fare clic per modificare stili del testo dello schema</a:t>
             </a:r>
           </a:p>
@@ -4428,7 +4433,7 @@
           <a:p>
             <a:fld id="{76906E81-2588-4A67-B0A1-CCAA73920AE5}" type="datetimeFigureOut">
               <a:rPr lang="it-IT" smtClean="0"/>
-              <a:t>28/11/2018</a:t>
+              <a:t>29/11/2018</a:t>
             </a:fld>
             <a:endParaRPr lang="it-IT"/>
           </a:p>
@@ -4470,7 +4475,7 @@
           <a:p>
             <a:fld id="{CB57A42B-3637-4C4A-9233-8809E6101E25}" type="slidenum">
               <a:rPr lang="it-IT" smtClean="0"/>
-              <a:t>‹N›</a:t>
+              <a:t>‹#›</a:t>
             </a:fld>
             <a:endParaRPr lang="it-IT"/>
           </a:p>
@@ -4728,7 +4733,7 @@
           <a:lstStyle/>
           <a:p>
             <a:r>
-              <a:rPr lang="it-IT" smtClean="0"/>
+              <a:rPr lang="it-IT"/>
               <a:t>Fare clic per modificare lo stile del titolo</a:t>
             </a:r>
             <a:endParaRPr lang="en-US" dirty="0"/>
@@ -4762,35 +4767,35 @@
           <a:p>
             <a:pPr lvl="0"/>
             <a:r>
-              <a:rPr lang="it-IT" smtClean="0"/>
+              <a:rPr lang="it-IT"/>
               <a:t>Fare clic per modificare stili del testo dello schema</a:t>
             </a:r>
           </a:p>
           <a:p>
             <a:pPr lvl="1"/>
             <a:r>
-              <a:rPr lang="it-IT" smtClean="0"/>
+              <a:rPr lang="it-IT"/>
               <a:t>Secondo livello</a:t>
             </a:r>
           </a:p>
           <a:p>
             <a:pPr lvl="2"/>
             <a:r>
-              <a:rPr lang="it-IT" smtClean="0"/>
+              <a:rPr lang="it-IT"/>
               <a:t>Terzo livello</a:t>
             </a:r>
           </a:p>
           <a:p>
             <a:pPr lvl="3"/>
             <a:r>
-              <a:rPr lang="it-IT" smtClean="0"/>
+              <a:rPr lang="it-IT"/>
               <a:t>Quarto livello</a:t>
             </a:r>
           </a:p>
           <a:p>
             <a:pPr lvl="4"/>
             <a:r>
-              <a:rPr lang="it-IT" smtClean="0"/>
+              <a:rPr lang="it-IT"/>
               <a:t>Quinto livello</a:t>
             </a:r>
             <a:endParaRPr lang="en-US" dirty="0"/>
@@ -4834,7 +4839,7 @@
           <a:p>
             <a:fld id="{76906E81-2588-4A67-B0A1-CCAA73920AE5}" type="datetimeFigureOut">
               <a:rPr lang="it-IT" smtClean="0"/>
-              <a:t>28/11/2018</a:t>
+              <a:t>29/11/2018</a:t>
             </a:fld>
             <a:endParaRPr lang="it-IT"/>
           </a:p>
@@ -4916,7 +4921,7 @@
           <a:p>
             <a:fld id="{CB57A42B-3637-4C4A-9233-8809E6101E25}" type="slidenum">
               <a:rPr lang="it-IT" smtClean="0"/>
-              <a:t>‹N›</a:t>
+              <a:t>‹#›</a:t>
             </a:fld>
             <a:endParaRPr lang="it-IT"/>
           </a:p>
@@ -5390,10 +5395,9 @@
           <a:lstStyle/>
           <a:p>
             <a:r>
-              <a:rPr lang="it-IT" dirty="0" smtClean="0"/>
+              <a:rPr lang="it-IT" dirty="0"/>
               <a:t>Horror Arena</a:t>
             </a:r>
-            <a:endParaRPr lang="it-IT" dirty="0"/>
           </a:p>
         </p:txBody>
       </p:sp>
@@ -5448,14 +5452,13 @@
           <a:lstStyle/>
           <a:p>
             <a:r>
-              <a:rPr lang="it-IT" dirty="0" err="1" smtClean="0"/>
+              <a:rPr lang="it-IT" dirty="0" err="1"/>
               <a:t>Selling</a:t>
             </a:r>
             <a:r>
-              <a:rPr lang="it-IT" dirty="0" smtClean="0"/>
+              <a:rPr lang="it-IT" dirty="0"/>
               <a:t> Point</a:t>
             </a:r>
-            <a:endParaRPr lang="it-IT" dirty="0"/>
           </a:p>
         </p:txBody>
       </p:sp>
@@ -5486,7 +5489,7 @@
               <a:buChar char="Ø"/>
             </a:pPr>
             <a:r>
-              <a:rPr lang="it-IT" dirty="0" err="1" smtClean="0">
+              <a:rPr lang="it-IT" dirty="0" err="1">
                 <a:solidFill>
                   <a:schemeClr val="tx1"/>
                 </a:solidFill>
@@ -5494,7 +5497,7 @@
               <a:t>Adrenalinic</a:t>
             </a:r>
             <a:r>
-              <a:rPr lang="it-IT" dirty="0" smtClean="0">
+              <a:rPr lang="it-IT" dirty="0">
                 <a:solidFill>
                   <a:schemeClr val="tx1"/>
                 </a:solidFill>
@@ -5502,7 +5505,7 @@
               <a:t> and Fast </a:t>
             </a:r>
             <a:r>
-              <a:rPr lang="it-IT" dirty="0" err="1" smtClean="0">
+              <a:rPr lang="it-IT" dirty="0" err="1">
                 <a:solidFill>
                   <a:schemeClr val="tx1"/>
                 </a:solidFill>
@@ -5510,7 +5513,7 @@
               <a:t>Paced</a:t>
             </a:r>
             <a:r>
-              <a:rPr lang="it-IT" dirty="0" smtClean="0">
+              <a:rPr lang="it-IT" dirty="0">
                 <a:solidFill>
                   <a:schemeClr val="tx1"/>
                 </a:solidFill>
@@ -5524,7 +5527,7 @@
               <a:buChar char="•"/>
             </a:pPr>
             <a:r>
-              <a:rPr lang="it-IT" dirty="0" err="1" smtClean="0">
+              <a:rPr lang="it-IT" dirty="0" err="1">
                 <a:solidFill>
                   <a:schemeClr val="tx1"/>
                 </a:solidFill>
@@ -5532,7 +5535,7 @@
               <a:t>As</a:t>
             </a:r>
             <a:r>
-              <a:rPr lang="it-IT" dirty="0" smtClean="0">
+              <a:rPr lang="it-IT" dirty="0">
                 <a:solidFill>
                   <a:schemeClr val="tx1"/>
                 </a:solidFill>
@@ -5540,7 +5543,7 @@
               <a:t> </a:t>
             </a:r>
             <a:r>
-              <a:rPr lang="it-IT" dirty="0" err="1" smtClean="0">
+              <a:rPr lang="it-IT" dirty="0" err="1">
                 <a:solidFill>
                   <a:schemeClr val="tx1"/>
                 </a:solidFill>
@@ -5548,7 +5551,7 @@
               <a:t>every</a:t>
             </a:r>
             <a:r>
-              <a:rPr lang="it-IT" dirty="0" smtClean="0">
+              <a:rPr lang="it-IT" dirty="0">
                 <a:solidFill>
                   <a:schemeClr val="tx1"/>
                 </a:solidFill>
@@ -5556,7 +5559,7 @@
               <a:t> </a:t>
             </a:r>
             <a:r>
-              <a:rPr lang="it-IT" dirty="0" err="1" smtClean="0">
+              <a:rPr lang="it-IT" dirty="0" err="1">
                 <a:solidFill>
                   <a:schemeClr val="tx1"/>
                 </a:solidFill>
@@ -5564,7 +5567,7 @@
               <a:t>fighting</a:t>
             </a:r>
             <a:r>
-              <a:rPr lang="it-IT" dirty="0" smtClean="0">
+              <a:rPr lang="it-IT" dirty="0">
                 <a:solidFill>
                   <a:schemeClr val="tx1"/>
                 </a:solidFill>
@@ -5572,7 +5575,7 @@
               <a:t> game </a:t>
             </a:r>
             <a:r>
-              <a:rPr lang="it-IT" dirty="0" err="1" smtClean="0">
+              <a:rPr lang="it-IT" dirty="0" err="1">
                 <a:solidFill>
                   <a:schemeClr val="tx1"/>
                 </a:solidFill>
@@ -5580,7 +5583,7 @@
               <a:t>your</a:t>
             </a:r>
             <a:r>
-              <a:rPr lang="it-IT" dirty="0" smtClean="0">
+              <a:rPr lang="it-IT" dirty="0">
                 <a:solidFill>
                   <a:schemeClr val="tx1"/>
                 </a:solidFill>
@@ -5588,7 +5591,7 @@
               <a:t> </a:t>
             </a:r>
             <a:r>
-              <a:rPr lang="it-IT" dirty="0" err="1" smtClean="0">
+              <a:rPr lang="it-IT" dirty="0" err="1">
                 <a:solidFill>
                   <a:schemeClr val="tx1"/>
                 </a:solidFill>
@@ -5596,7 +5599,7 @@
               <a:t>reflexes</a:t>
             </a:r>
             <a:r>
-              <a:rPr lang="it-IT" dirty="0" smtClean="0">
+              <a:rPr lang="it-IT" dirty="0">
                 <a:solidFill>
                   <a:schemeClr val="tx1"/>
                 </a:solidFill>
@@ -5604,7 +5607,7 @@
               <a:t> and </a:t>
             </a:r>
             <a:r>
-              <a:rPr lang="it-IT" dirty="0" err="1" smtClean="0">
+              <a:rPr lang="it-IT" dirty="0" err="1">
                 <a:solidFill>
                   <a:schemeClr val="tx1"/>
                 </a:solidFill>
@@ -5612,7 +5615,7 @@
               <a:t>your</a:t>
             </a:r>
             <a:r>
-              <a:rPr lang="it-IT" dirty="0" smtClean="0">
+              <a:rPr lang="it-IT" dirty="0">
                 <a:solidFill>
                   <a:schemeClr val="tx1"/>
                 </a:solidFill>
@@ -5620,7 +5623,7 @@
               <a:t> </a:t>
             </a:r>
             <a:r>
-              <a:rPr lang="it-IT" dirty="0" err="1" smtClean="0">
+              <a:rPr lang="it-IT" dirty="0" err="1">
                 <a:solidFill>
                   <a:schemeClr val="tx1"/>
                 </a:solidFill>
@@ -5628,7 +5631,7 @@
               <a:t>reaction</a:t>
             </a:r>
             <a:r>
-              <a:rPr lang="it-IT" dirty="0" smtClean="0">
+              <a:rPr lang="it-IT" dirty="0">
                 <a:solidFill>
                   <a:schemeClr val="tx1"/>
                 </a:solidFill>
@@ -5636,7 +5639,7 @@
               <a:t> time </a:t>
             </a:r>
             <a:r>
-              <a:rPr lang="it-IT" dirty="0" err="1" smtClean="0">
+              <a:rPr lang="it-IT" dirty="0" err="1">
                 <a:solidFill>
                   <a:schemeClr val="tx1"/>
                 </a:solidFill>
@@ -5644,7 +5647,7 @@
               <a:t>will</a:t>
             </a:r>
             <a:r>
-              <a:rPr lang="it-IT" dirty="0" smtClean="0">
+              <a:rPr lang="it-IT" dirty="0">
                 <a:solidFill>
                   <a:schemeClr val="tx1"/>
                 </a:solidFill>
@@ -5652,7 +5655,7 @@
               <a:t> be </a:t>
             </a:r>
             <a:r>
-              <a:rPr lang="it-IT" dirty="0" err="1" smtClean="0">
+              <a:rPr lang="it-IT" dirty="0" err="1">
                 <a:solidFill>
                   <a:schemeClr val="tx1"/>
                 </a:solidFill>
@@ -5660,7 +5663,7 @@
               <a:t>hardly</a:t>
             </a:r>
             <a:r>
-              <a:rPr lang="it-IT" dirty="0" smtClean="0">
+              <a:rPr lang="it-IT" dirty="0">
                 <a:solidFill>
                   <a:schemeClr val="tx1"/>
                 </a:solidFill>
@@ -5668,7 +5671,7 @@
               <a:t> </a:t>
             </a:r>
             <a:r>
-              <a:rPr lang="it-IT" dirty="0" err="1" smtClean="0">
+              <a:rPr lang="it-IT" dirty="0" err="1">
                 <a:solidFill>
                   <a:schemeClr val="tx1"/>
                 </a:solidFill>
@@ -5681,18 +5684,10 @@
                   <a:schemeClr val="tx1"/>
                 </a:solidFill>
               </a:rPr>
-              <a:t> </a:t>
-            </a:r>
-            <a:r>
-              <a:rPr lang="it-IT" dirty="0" smtClean="0">
-                <a:solidFill>
-                  <a:schemeClr val="tx1"/>
-                </a:solidFill>
-              </a:rPr>
-              <a:t>by </a:t>
-            </a:r>
-            <a:r>
-              <a:rPr lang="it-IT" dirty="0" err="1" smtClean="0">
+              <a:t> by </a:t>
+            </a:r>
+            <a:r>
+              <a:rPr lang="it-IT" dirty="0" err="1">
                 <a:solidFill>
                   <a:schemeClr val="tx1"/>
                 </a:solidFill>
@@ -5700,7 +5695,7 @@
               <a:t>your</a:t>
             </a:r>
             <a:r>
-              <a:rPr lang="it-IT" dirty="0" smtClean="0">
+              <a:rPr lang="it-IT" dirty="0">
                 <a:solidFill>
                   <a:schemeClr val="tx1"/>
                 </a:solidFill>
@@ -5708,491 +5703,326 @@
               <a:t> </a:t>
             </a:r>
             <a:r>
-              <a:rPr lang="it-IT" dirty="0" err="1" smtClean="0">
+              <a:rPr lang="it-IT" dirty="0" err="1">
                 <a:solidFill>
                   <a:schemeClr val="tx1"/>
                 </a:solidFill>
               </a:rPr>
               <a:t>opponent</a:t>
-            </a:r>
-            <a:endParaRPr lang="it-IT" dirty="0" smtClean="0">
-              <a:solidFill>
-                <a:schemeClr val="tx1"/>
-              </a:solidFill>
-            </a:endParaRPr>
-          </a:p>
-          <a:p>
-            <a:pPr>
-              <a:buFont typeface="Wingdings" panose="05000000000000000000" pitchFamily="2" charset="2"/>
-              <a:buChar char="Ø"/>
-            </a:pPr>
-            <a:r>
-              <a:rPr lang="it-IT" dirty="0" smtClean="0">
-                <a:solidFill>
-                  <a:schemeClr val="tx1"/>
-                </a:solidFill>
-              </a:rPr>
-              <a:t>Multiplayer 1 Vs 1</a:t>
-            </a:r>
-          </a:p>
-          <a:p>
-            <a:pPr lvl="1">
-              <a:buFont typeface="Arial" panose="020B0604020202020204" pitchFamily="34" charset="0"/>
-              <a:buChar char="•"/>
-            </a:pPr>
-            <a:r>
-              <a:rPr lang="it-IT" dirty="0" err="1" smtClean="0">
-                <a:solidFill>
-                  <a:schemeClr val="tx1"/>
-                </a:solidFill>
-              </a:rPr>
-              <a:t>Gather</a:t>
-            </a:r>
-            <a:r>
-              <a:rPr lang="it-IT" dirty="0" smtClean="0">
-                <a:solidFill>
-                  <a:schemeClr val="tx1"/>
-                </a:solidFill>
-              </a:rPr>
-              <a:t> </a:t>
-            </a:r>
-            <a:r>
-              <a:rPr lang="it-IT" dirty="0" err="1" smtClean="0">
-                <a:solidFill>
-                  <a:schemeClr val="tx1"/>
-                </a:solidFill>
-              </a:rPr>
-              <a:t>your</a:t>
-            </a:r>
-            <a:r>
-              <a:rPr lang="it-IT" dirty="0" smtClean="0">
-                <a:solidFill>
-                  <a:schemeClr val="tx1"/>
-                </a:solidFill>
-              </a:rPr>
-              <a:t> friends for </a:t>
-            </a:r>
-            <a:r>
-              <a:rPr lang="it-IT" dirty="0" err="1" smtClean="0">
-                <a:solidFill>
-                  <a:schemeClr val="tx1"/>
-                </a:solidFill>
-              </a:rPr>
-              <a:t>have</a:t>
-            </a:r>
-            <a:r>
-              <a:rPr lang="it-IT" dirty="0" smtClean="0">
-                <a:solidFill>
-                  <a:schemeClr val="tx1"/>
-                </a:solidFill>
-              </a:rPr>
-              <a:t> </a:t>
-            </a:r>
-            <a:r>
-              <a:rPr lang="it-IT" dirty="0" err="1" smtClean="0">
-                <a:solidFill>
-                  <a:schemeClr val="tx1"/>
-                </a:solidFill>
-              </a:rPr>
-              <a:t>fun</a:t>
-            </a:r>
-            <a:r>
-              <a:rPr lang="it-IT" dirty="0" smtClean="0">
-                <a:solidFill>
-                  <a:schemeClr val="tx1"/>
-                </a:solidFill>
-              </a:rPr>
-              <a:t> </a:t>
-            </a:r>
-            <a:r>
-              <a:rPr lang="it-IT" dirty="0" err="1" smtClean="0">
-                <a:solidFill>
-                  <a:schemeClr val="tx1"/>
-                </a:solidFill>
-              </a:rPr>
-              <a:t>togheter</a:t>
-            </a:r>
-            <a:r>
-              <a:rPr lang="it-IT" dirty="0" smtClean="0">
-                <a:solidFill>
-                  <a:schemeClr val="tx1"/>
-                </a:solidFill>
-              </a:rPr>
-              <a:t> (or for decide </a:t>
-            </a:r>
-            <a:r>
-              <a:rPr lang="it-IT" dirty="0" err="1" smtClean="0">
-                <a:solidFill>
-                  <a:schemeClr val="tx1"/>
-                </a:solidFill>
-              </a:rPr>
-              <a:t>who’s</a:t>
-            </a:r>
-            <a:r>
-              <a:rPr lang="it-IT" dirty="0" smtClean="0">
-                <a:solidFill>
-                  <a:schemeClr val="tx1"/>
-                </a:solidFill>
-              </a:rPr>
-              <a:t> gonna </a:t>
-            </a:r>
-            <a:r>
-              <a:rPr lang="it-IT" dirty="0" err="1" smtClean="0">
-                <a:solidFill>
-                  <a:schemeClr val="tx1"/>
-                </a:solidFill>
-              </a:rPr>
-              <a:t>pay</a:t>
-            </a:r>
-            <a:r>
-              <a:rPr lang="it-IT" dirty="0" smtClean="0">
-                <a:solidFill>
-                  <a:schemeClr val="tx1"/>
-                </a:solidFill>
-              </a:rPr>
-              <a:t> for the </a:t>
-            </a:r>
-            <a:r>
-              <a:rPr lang="it-IT" dirty="0" err="1" smtClean="0">
-                <a:solidFill>
-                  <a:schemeClr val="tx1"/>
-                </a:solidFill>
-              </a:rPr>
-              <a:t>drinks</a:t>
-            </a:r>
-            <a:r>
-              <a:rPr lang="it-IT" dirty="0" smtClean="0">
-                <a:solidFill>
-                  <a:schemeClr val="tx1"/>
-                </a:solidFill>
-              </a:rPr>
-              <a:t> </a:t>
-            </a:r>
-            <a:r>
-              <a:rPr lang="it-IT" dirty="0" err="1" smtClean="0">
-                <a:solidFill>
-                  <a:schemeClr val="tx1"/>
-                </a:solidFill>
-              </a:rPr>
-              <a:t>tonight</a:t>
-            </a:r>
-            <a:r>
-              <a:rPr lang="it-IT" dirty="0" smtClean="0">
-                <a:solidFill>
-                  <a:schemeClr val="tx1"/>
-                </a:solidFill>
-              </a:rPr>
-              <a:t>) in the ultimate </a:t>
-            </a:r>
-            <a:r>
-              <a:rPr lang="it-IT" dirty="0" err="1" smtClean="0">
-                <a:solidFill>
-                  <a:schemeClr val="tx1"/>
-                </a:solidFill>
-              </a:rPr>
-              <a:t>Tournament</a:t>
-            </a:r>
-            <a:r>
-              <a:rPr lang="it-IT" dirty="0" smtClean="0">
-                <a:solidFill>
-                  <a:schemeClr val="tx1"/>
-                </a:solidFill>
-              </a:rPr>
-              <a:t>.</a:t>
-            </a:r>
-          </a:p>
-          <a:p>
-            <a:pPr>
-              <a:buFont typeface="Wingdings" panose="05000000000000000000" pitchFamily="2" charset="2"/>
-              <a:buChar char="Ø"/>
-            </a:pPr>
-            <a:r>
-              <a:rPr lang="it-IT" dirty="0" err="1" smtClean="0">
-                <a:solidFill>
-                  <a:schemeClr val="tx1"/>
-                </a:solidFill>
-              </a:rPr>
-              <a:t>Many</a:t>
-            </a:r>
-            <a:r>
-              <a:rPr lang="it-IT" dirty="0" smtClean="0">
-                <a:solidFill>
-                  <a:schemeClr val="tx1"/>
-                </a:solidFill>
-              </a:rPr>
-              <a:t> </a:t>
-            </a:r>
-            <a:r>
-              <a:rPr lang="it-IT" dirty="0" err="1" smtClean="0">
-                <a:solidFill>
-                  <a:schemeClr val="tx1"/>
-                </a:solidFill>
-              </a:rPr>
-              <a:t>different</a:t>
-            </a:r>
-            <a:r>
-              <a:rPr lang="it-IT" dirty="0" smtClean="0">
-                <a:solidFill>
-                  <a:schemeClr val="tx1"/>
-                </a:solidFill>
-              </a:rPr>
-              <a:t> </a:t>
-            </a:r>
-            <a:r>
-              <a:rPr lang="it-IT" dirty="0" err="1" smtClean="0">
-                <a:solidFill>
-                  <a:schemeClr val="tx1"/>
-                </a:solidFill>
-              </a:rPr>
-              <a:t>Characters</a:t>
-            </a:r>
-            <a:r>
-              <a:rPr lang="it-IT" dirty="0" smtClean="0">
-                <a:solidFill>
-                  <a:schemeClr val="tx1"/>
-                </a:solidFill>
-              </a:rPr>
-              <a:t> with </a:t>
-            </a:r>
-            <a:r>
-              <a:rPr lang="it-IT" dirty="0" err="1" smtClean="0">
-                <a:solidFill>
-                  <a:schemeClr val="tx1"/>
-                </a:solidFill>
-              </a:rPr>
-              <a:t>different</a:t>
-            </a:r>
-            <a:r>
-              <a:rPr lang="it-IT" dirty="0" smtClean="0">
-                <a:solidFill>
-                  <a:schemeClr val="tx1"/>
-                </a:solidFill>
-              </a:rPr>
-              <a:t> </a:t>
-            </a:r>
-            <a:r>
-              <a:rPr lang="it-IT" dirty="0" err="1">
-                <a:solidFill>
-                  <a:schemeClr val="tx1"/>
-                </a:solidFill>
-              </a:rPr>
-              <a:t>M</a:t>
-            </a:r>
-            <a:r>
-              <a:rPr lang="it-IT" dirty="0" err="1" smtClean="0">
-                <a:solidFill>
-                  <a:schemeClr val="tx1"/>
-                </a:solidFill>
-              </a:rPr>
-              <a:t>ove</a:t>
-            </a:r>
-            <a:r>
-              <a:rPr lang="it-IT" dirty="0" smtClean="0">
-                <a:solidFill>
-                  <a:schemeClr val="tx1"/>
-                </a:solidFill>
-              </a:rPr>
-              <a:t> Sets</a:t>
-            </a:r>
-          </a:p>
-          <a:p>
-            <a:pPr lvl="1">
-              <a:buFont typeface="Arial" panose="020B0604020202020204" pitchFamily="34" charset="0"/>
-              <a:buChar char="•"/>
-            </a:pPr>
-            <a:r>
-              <a:rPr lang="it-IT" dirty="0" err="1" smtClean="0">
-                <a:solidFill>
-                  <a:schemeClr val="tx1"/>
-                </a:solidFill>
-              </a:rPr>
-              <a:t>Inspired</a:t>
-            </a:r>
-            <a:r>
-              <a:rPr lang="it-IT" dirty="0" smtClean="0">
-                <a:solidFill>
-                  <a:schemeClr val="tx1"/>
-                </a:solidFill>
-              </a:rPr>
-              <a:t> by the </a:t>
-            </a:r>
-            <a:r>
-              <a:rPr lang="it-IT" dirty="0" err="1" smtClean="0">
-                <a:solidFill>
-                  <a:schemeClr val="tx1"/>
-                </a:solidFill>
-              </a:rPr>
-              <a:t>creepiest</a:t>
-            </a:r>
-            <a:r>
-              <a:rPr lang="it-IT" dirty="0" smtClean="0">
-                <a:solidFill>
-                  <a:schemeClr val="tx1"/>
-                </a:solidFill>
-              </a:rPr>
-              <a:t> </a:t>
-            </a:r>
-            <a:r>
-              <a:rPr lang="it-IT" dirty="0" err="1" smtClean="0">
-                <a:solidFill>
-                  <a:schemeClr val="tx1"/>
-                </a:solidFill>
-              </a:rPr>
-              <a:t>Gothic</a:t>
-            </a:r>
-            <a:r>
-              <a:rPr lang="it-IT" dirty="0" smtClean="0">
-                <a:solidFill>
-                  <a:schemeClr val="tx1"/>
-                </a:solidFill>
-              </a:rPr>
-              <a:t> </a:t>
-            </a:r>
-            <a:r>
-              <a:rPr lang="it-IT" dirty="0" err="1" smtClean="0">
-                <a:solidFill>
-                  <a:schemeClr val="tx1"/>
-                </a:solidFill>
-              </a:rPr>
-              <a:t>setting</a:t>
-            </a:r>
-            <a:r>
-              <a:rPr lang="it-IT" dirty="0" smtClean="0">
-                <a:solidFill>
-                  <a:schemeClr val="tx1"/>
-                </a:solidFill>
-              </a:rPr>
-              <a:t> ,and </a:t>
-            </a:r>
-            <a:r>
-              <a:rPr lang="it-IT" dirty="0" err="1" smtClean="0">
-                <a:solidFill>
-                  <a:schemeClr val="tx1"/>
-                </a:solidFill>
-              </a:rPr>
-              <a:t>reinterpreted</a:t>
-            </a:r>
-            <a:r>
-              <a:rPr lang="it-IT" dirty="0" smtClean="0">
-                <a:solidFill>
-                  <a:schemeClr val="tx1"/>
-                </a:solidFill>
-              </a:rPr>
-              <a:t> with a Sci-Fi twist</a:t>
-            </a:r>
-          </a:p>
-          <a:p>
-            <a:pPr>
-              <a:buFont typeface="Wingdings" panose="05000000000000000000" pitchFamily="2" charset="2"/>
-              <a:buChar char="Ø"/>
-            </a:pPr>
-            <a:r>
-              <a:rPr lang="it-IT" dirty="0" err="1" smtClean="0">
-                <a:solidFill>
-                  <a:schemeClr val="tx1"/>
-                </a:solidFill>
-              </a:rPr>
-              <a:t>Old</a:t>
-            </a:r>
-            <a:r>
-              <a:rPr lang="it-IT" dirty="0" smtClean="0">
-                <a:solidFill>
-                  <a:schemeClr val="tx1"/>
-                </a:solidFill>
-              </a:rPr>
-              <a:t> School </a:t>
-            </a:r>
-            <a:r>
-              <a:rPr lang="it-IT" dirty="0" err="1" smtClean="0">
-                <a:solidFill>
-                  <a:schemeClr val="tx1"/>
-                </a:solidFill>
-              </a:rPr>
-              <a:t>looking</a:t>
-            </a:r>
-            <a:r>
-              <a:rPr lang="it-IT" dirty="0" smtClean="0">
-                <a:solidFill>
-                  <a:schemeClr val="tx1"/>
-                </a:solidFill>
-              </a:rPr>
-              <a:t> game.</a:t>
-            </a:r>
-          </a:p>
-          <a:p>
-            <a:pPr lvl="1">
-              <a:buFont typeface="Arial" panose="020B0604020202020204" pitchFamily="34" charset="0"/>
-              <a:buChar char="•"/>
-            </a:pPr>
-            <a:r>
-              <a:rPr lang="it-IT" dirty="0" err="1" smtClean="0">
-                <a:solidFill>
-                  <a:schemeClr val="tx1"/>
-                </a:solidFill>
-              </a:rPr>
-              <a:t>Pounch</a:t>
-            </a:r>
-            <a:r>
-              <a:rPr lang="it-IT" dirty="0" smtClean="0">
-                <a:solidFill>
-                  <a:schemeClr val="tx1"/>
-                </a:solidFill>
-              </a:rPr>
-              <a:t> </a:t>
-            </a:r>
-            <a:r>
-              <a:rPr lang="it-IT" dirty="0" err="1" smtClean="0">
-                <a:solidFill>
-                  <a:schemeClr val="tx1"/>
-                </a:solidFill>
-              </a:rPr>
-              <a:t>someone</a:t>
-            </a:r>
-            <a:r>
-              <a:rPr lang="it-IT" dirty="0" smtClean="0">
-                <a:solidFill>
-                  <a:schemeClr val="tx1"/>
-                </a:solidFill>
-              </a:rPr>
-              <a:t> in the face </a:t>
-            </a:r>
-            <a:r>
-              <a:rPr lang="it-IT" dirty="0" err="1" smtClean="0">
-                <a:solidFill>
-                  <a:schemeClr val="tx1"/>
-                </a:solidFill>
-              </a:rPr>
-              <a:t>is</a:t>
-            </a:r>
-            <a:r>
-              <a:rPr lang="it-IT" dirty="0" smtClean="0">
-                <a:solidFill>
-                  <a:schemeClr val="tx1"/>
-                </a:solidFill>
-              </a:rPr>
-              <a:t> </a:t>
-            </a:r>
-            <a:r>
-              <a:rPr lang="it-IT" dirty="0" err="1" smtClean="0">
-                <a:solidFill>
-                  <a:schemeClr val="tx1"/>
-                </a:solidFill>
-              </a:rPr>
-              <a:t>never</a:t>
-            </a:r>
-            <a:r>
-              <a:rPr lang="it-IT" dirty="0" smtClean="0">
-                <a:solidFill>
-                  <a:schemeClr val="tx1"/>
-                </a:solidFill>
-              </a:rPr>
-              <a:t> out of style</a:t>
             </a:r>
             <a:endParaRPr lang="it-IT" dirty="0">
               <a:solidFill>
                 <a:schemeClr val="tx1"/>
               </a:solidFill>
             </a:endParaRPr>
+          </a:p>
+          <a:p>
+            <a:pPr>
+              <a:buFont typeface="Wingdings" panose="05000000000000000000" pitchFamily="2" charset="2"/>
+              <a:buChar char="Ø"/>
+            </a:pPr>
+            <a:r>
+              <a:rPr lang="it-IT" dirty="0">
+                <a:solidFill>
+                  <a:schemeClr val="tx1"/>
+                </a:solidFill>
+              </a:rPr>
+              <a:t>Multiplayer 1 Vs 1</a:t>
+            </a:r>
+          </a:p>
+          <a:p>
+            <a:pPr lvl="1">
+              <a:buFont typeface="Arial" panose="020B0604020202020204" pitchFamily="34" charset="0"/>
+              <a:buChar char="•"/>
+            </a:pPr>
+            <a:r>
+              <a:rPr lang="it-IT" dirty="0">
+                <a:solidFill>
+                  <a:schemeClr val="tx1"/>
+                </a:solidFill>
+              </a:rPr>
+              <a:t>Gather your friends for have fun together (or to decide who’s gonna pay for the drinks tonight) in the ultimate Tournament.</a:t>
+            </a:r>
+          </a:p>
+          <a:p>
+            <a:pPr>
+              <a:buFont typeface="Wingdings" panose="05000000000000000000" pitchFamily="2" charset="2"/>
+              <a:buChar char="Ø"/>
+            </a:pPr>
+            <a:r>
+              <a:rPr lang="it-IT" dirty="0" err="1">
+                <a:solidFill>
+                  <a:schemeClr val="tx1"/>
+                </a:solidFill>
+              </a:rPr>
+              <a:t>Many</a:t>
+            </a:r>
+            <a:r>
+              <a:rPr lang="it-IT" dirty="0">
+                <a:solidFill>
+                  <a:schemeClr val="tx1"/>
+                </a:solidFill>
+              </a:rPr>
+              <a:t> </a:t>
+            </a:r>
+            <a:r>
+              <a:rPr lang="it-IT" dirty="0" err="1">
+                <a:solidFill>
+                  <a:schemeClr val="tx1"/>
+                </a:solidFill>
+              </a:rPr>
+              <a:t>different</a:t>
+            </a:r>
+            <a:r>
+              <a:rPr lang="it-IT" dirty="0">
+                <a:solidFill>
+                  <a:schemeClr val="tx1"/>
+                </a:solidFill>
+              </a:rPr>
+              <a:t> </a:t>
+            </a:r>
+            <a:r>
+              <a:rPr lang="it-IT" dirty="0" err="1">
+                <a:solidFill>
+                  <a:schemeClr val="tx1"/>
+                </a:solidFill>
+              </a:rPr>
+              <a:t>Characters</a:t>
+            </a:r>
+            <a:r>
+              <a:rPr lang="it-IT" dirty="0">
+                <a:solidFill>
+                  <a:schemeClr val="tx1"/>
+                </a:solidFill>
+              </a:rPr>
+              <a:t> with </a:t>
+            </a:r>
+            <a:r>
+              <a:rPr lang="it-IT" dirty="0" err="1">
+                <a:solidFill>
+                  <a:schemeClr val="tx1"/>
+                </a:solidFill>
+              </a:rPr>
+              <a:t>different</a:t>
+            </a:r>
+            <a:r>
+              <a:rPr lang="it-IT" dirty="0">
+                <a:solidFill>
+                  <a:schemeClr val="tx1"/>
+                </a:solidFill>
+              </a:rPr>
+              <a:t> </a:t>
+            </a:r>
+            <a:r>
+              <a:rPr lang="it-IT" dirty="0" err="1">
+                <a:solidFill>
+                  <a:schemeClr val="tx1"/>
+                </a:solidFill>
+              </a:rPr>
+              <a:t>Move</a:t>
+            </a:r>
+            <a:r>
+              <a:rPr lang="it-IT" dirty="0">
+                <a:solidFill>
+                  <a:schemeClr val="tx1"/>
+                </a:solidFill>
+              </a:rPr>
+              <a:t> Sets</a:t>
+            </a:r>
+          </a:p>
+          <a:p>
+            <a:pPr lvl="1">
+              <a:buFont typeface="Arial" panose="020B0604020202020204" pitchFamily="34" charset="0"/>
+              <a:buChar char="•"/>
+            </a:pPr>
+            <a:r>
+              <a:rPr lang="it-IT" dirty="0" err="1">
+                <a:solidFill>
+                  <a:schemeClr val="tx1"/>
+                </a:solidFill>
+              </a:rPr>
+              <a:t>Inspired</a:t>
+            </a:r>
+            <a:r>
+              <a:rPr lang="it-IT" dirty="0">
+                <a:solidFill>
+                  <a:schemeClr val="tx1"/>
+                </a:solidFill>
+              </a:rPr>
+              <a:t> by the </a:t>
+            </a:r>
+            <a:r>
+              <a:rPr lang="it-IT" dirty="0" err="1">
+                <a:solidFill>
+                  <a:schemeClr val="tx1"/>
+                </a:solidFill>
+              </a:rPr>
+              <a:t>creepiest</a:t>
+            </a:r>
+            <a:r>
+              <a:rPr lang="it-IT" dirty="0">
+                <a:solidFill>
+                  <a:schemeClr val="tx1"/>
+                </a:solidFill>
+              </a:rPr>
+              <a:t> </a:t>
+            </a:r>
+            <a:r>
+              <a:rPr lang="it-IT" dirty="0" err="1">
+                <a:solidFill>
+                  <a:schemeClr val="tx1"/>
+                </a:solidFill>
+              </a:rPr>
+              <a:t>Gothic</a:t>
+            </a:r>
+            <a:r>
+              <a:rPr lang="it-IT" dirty="0">
+                <a:solidFill>
+                  <a:schemeClr val="tx1"/>
+                </a:solidFill>
+              </a:rPr>
+              <a:t> </a:t>
+            </a:r>
+            <a:r>
+              <a:rPr lang="it-IT" dirty="0" err="1">
+                <a:solidFill>
+                  <a:schemeClr val="tx1"/>
+                </a:solidFill>
+              </a:rPr>
+              <a:t>setting</a:t>
+            </a:r>
+            <a:r>
+              <a:rPr lang="it-IT" dirty="0">
+                <a:solidFill>
+                  <a:schemeClr val="tx1"/>
+                </a:solidFill>
+              </a:rPr>
+              <a:t> ,and </a:t>
+            </a:r>
+            <a:r>
+              <a:rPr lang="it-IT" dirty="0" err="1">
+                <a:solidFill>
+                  <a:schemeClr val="tx1"/>
+                </a:solidFill>
+              </a:rPr>
+              <a:t>reinterpreted</a:t>
+            </a:r>
+            <a:r>
+              <a:rPr lang="it-IT" dirty="0">
+                <a:solidFill>
+                  <a:schemeClr val="tx1"/>
+                </a:solidFill>
+              </a:rPr>
+              <a:t> with a Sci-Fi twist</a:t>
+            </a:r>
+          </a:p>
+          <a:p>
+            <a:pPr>
+              <a:buFont typeface="Wingdings" panose="05000000000000000000" pitchFamily="2" charset="2"/>
+              <a:buChar char="Ø"/>
+            </a:pPr>
+            <a:r>
+              <a:rPr lang="it-IT" dirty="0" err="1">
+                <a:solidFill>
+                  <a:schemeClr val="tx1"/>
+                </a:solidFill>
+              </a:rPr>
+              <a:t>Old</a:t>
+            </a:r>
+            <a:r>
+              <a:rPr lang="it-IT" dirty="0">
+                <a:solidFill>
+                  <a:schemeClr val="tx1"/>
+                </a:solidFill>
+              </a:rPr>
+              <a:t> School </a:t>
+            </a:r>
+            <a:r>
+              <a:rPr lang="it-IT" dirty="0" err="1">
+                <a:solidFill>
+                  <a:schemeClr val="tx1"/>
+                </a:solidFill>
+              </a:rPr>
+              <a:t>looking</a:t>
+            </a:r>
+            <a:r>
+              <a:rPr lang="it-IT" dirty="0">
+                <a:solidFill>
+                  <a:schemeClr val="tx1"/>
+                </a:solidFill>
+              </a:rPr>
+              <a:t> game.</a:t>
+            </a:r>
+          </a:p>
+          <a:p>
+            <a:pPr lvl="1">
+              <a:buFont typeface="Arial" panose="020B0604020202020204" pitchFamily="34" charset="0"/>
+              <a:buChar char="•"/>
+            </a:pPr>
+            <a:r>
+              <a:rPr lang="it-IT" dirty="0" err="1">
+                <a:solidFill>
+                  <a:schemeClr val="tx1"/>
+                </a:solidFill>
+              </a:rPr>
+              <a:t>Pounch</a:t>
+            </a:r>
+            <a:r>
+              <a:rPr lang="it-IT" dirty="0">
+                <a:solidFill>
+                  <a:schemeClr val="tx1"/>
+                </a:solidFill>
+              </a:rPr>
+              <a:t> </a:t>
+            </a:r>
+            <a:r>
+              <a:rPr lang="it-IT" dirty="0" err="1">
+                <a:solidFill>
+                  <a:schemeClr val="tx1"/>
+                </a:solidFill>
+              </a:rPr>
+              <a:t>someone</a:t>
+            </a:r>
+            <a:r>
+              <a:rPr lang="it-IT" dirty="0">
+                <a:solidFill>
+                  <a:schemeClr val="tx1"/>
+                </a:solidFill>
+              </a:rPr>
+              <a:t> in the face </a:t>
+            </a:r>
+            <a:r>
+              <a:rPr lang="it-IT" dirty="0" err="1">
+                <a:solidFill>
+                  <a:schemeClr val="tx1"/>
+                </a:solidFill>
+              </a:rPr>
+              <a:t>is</a:t>
+            </a:r>
+            <a:r>
+              <a:rPr lang="it-IT" dirty="0">
+                <a:solidFill>
+                  <a:schemeClr val="tx1"/>
+                </a:solidFill>
+              </a:rPr>
+              <a:t> </a:t>
+            </a:r>
+            <a:r>
+              <a:rPr lang="it-IT" dirty="0" err="1">
+                <a:solidFill>
+                  <a:schemeClr val="tx1"/>
+                </a:solidFill>
+              </a:rPr>
+              <a:t>never</a:t>
+            </a:r>
+            <a:r>
+              <a:rPr lang="it-IT" dirty="0">
+                <a:solidFill>
+                  <a:schemeClr val="tx1"/>
+                </a:solidFill>
+              </a:rPr>
+              <a:t> out of style</a:t>
+            </a:r>
           </a:p>
         </p:txBody>
       </p:sp>
@@ -6206,13 +6036,6 @@
   <p:clrMapOvr>
     <a:masterClrMapping/>
   </p:clrMapOvr>
-  <p:timing>
-    <p:tnLst>
-      <p:par>
-        <p:cTn id="1" dur="indefinite" restart="never" nodeType="tmRoot"/>
-      </p:par>
-    </p:tnLst>
-  </p:timing>
 </p:sld>
 </file>
 
@@ -6254,15 +6077,15 @@
           <a:lstStyle/>
           <a:p>
             <a:r>
-              <a:rPr lang="it-IT" dirty="0" err="1" smtClean="0"/>
+              <a:rPr lang="it-IT" dirty="0" err="1"/>
               <a:t>Overall</a:t>
             </a:r>
             <a:r>
-              <a:rPr lang="it-IT" dirty="0" smtClean="0"/>
+              <a:rPr lang="it-IT" dirty="0"/>
               <a:t> </a:t>
             </a:r>
             <a:r>
-              <a:rPr lang="it-IT" dirty="0" err="1" smtClean="0"/>
+              <a:rPr lang="it-IT" dirty="0" err="1"/>
               <a:t>structure</a:t>
             </a:r>
             <a:endParaRPr lang="it-IT" dirty="0"/>
@@ -6292,7 +6115,7 @@
           <a:lstStyle/>
           <a:p>
             <a:r>
-              <a:rPr lang="it-IT" dirty="0" smtClean="0"/>
+              <a:rPr lang="it-IT" dirty="0"/>
               <a:t>Menu:</a:t>
             </a:r>
           </a:p>
@@ -6302,10 +6125,10 @@
               <a:buChar char="•"/>
             </a:pPr>
             <a:r>
-              <a:rPr lang="it-IT" dirty="0" err="1" smtClean="0"/>
+              <a:rPr lang="it-IT" dirty="0" err="1"/>
               <a:t>Instructions</a:t>
             </a:r>
-            <a:endParaRPr lang="it-IT" dirty="0" smtClean="0"/>
+            <a:endParaRPr lang="it-IT" dirty="0"/>
           </a:p>
           <a:p>
             <a:pPr marL="285750" indent="-285750">
@@ -6313,11 +6136,11 @@
               <a:buChar char="•"/>
             </a:pPr>
             <a:r>
-              <a:rPr lang="it-IT" dirty="0" err="1" smtClean="0"/>
+              <a:rPr lang="it-IT" dirty="0" err="1"/>
               <a:t>Character’s</a:t>
             </a:r>
             <a:r>
-              <a:rPr lang="it-IT" dirty="0" smtClean="0"/>
+              <a:rPr lang="it-IT" dirty="0"/>
               <a:t> menu</a:t>
             </a:r>
           </a:p>
@@ -6327,15 +6150,15 @@
               <a:buChar char="•"/>
             </a:pPr>
             <a:r>
-              <a:rPr lang="it-IT" dirty="0" smtClean="0"/>
+              <a:rPr lang="it-IT" dirty="0"/>
               <a:t>In game Pause menu (for go back to the </a:t>
             </a:r>
             <a:r>
-              <a:rPr lang="it-IT" dirty="0" err="1" smtClean="0"/>
+              <a:rPr lang="it-IT" dirty="0" err="1"/>
               <a:t>main</a:t>
             </a:r>
             <a:r>
-              <a:rPr lang="it-IT" dirty="0" smtClean="0"/>
+              <a:rPr lang="it-IT" dirty="0"/>
               <a:t> menu)</a:t>
             </a:r>
           </a:p>
@@ -6345,17 +6168,17 @@
               <a:buChar char="•"/>
             </a:pPr>
             <a:r>
-              <a:rPr lang="it-IT" dirty="0" err="1" smtClean="0"/>
+              <a:rPr lang="it-IT" dirty="0" err="1"/>
               <a:t>Quit</a:t>
             </a:r>
-            <a:endParaRPr lang="it-IT" dirty="0" smtClean="0"/>
-          </a:p>
-          <a:p>
             <a:endParaRPr lang="it-IT" dirty="0"/>
           </a:p>
           <a:p>
-            <a:r>
-              <a:rPr lang="it-IT" dirty="0" smtClean="0"/>
+            <a:endParaRPr lang="it-IT" dirty="0"/>
+          </a:p>
+          <a:p>
+            <a:r>
+              <a:rPr lang="it-IT" dirty="0"/>
               <a:t>Game:</a:t>
             </a:r>
           </a:p>
@@ -6365,22 +6188,22 @@
               <a:buChar char="•"/>
             </a:pPr>
             <a:r>
-              <a:rPr lang="it-IT" dirty="0" smtClean="0"/>
+              <a:rPr lang="it-IT" dirty="0"/>
               <a:t>3 </a:t>
             </a:r>
             <a:r>
-              <a:rPr lang="it-IT" dirty="0" err="1" smtClean="0"/>
+              <a:rPr lang="it-IT" dirty="0" err="1"/>
               <a:t>different</a:t>
             </a:r>
             <a:r>
-              <a:rPr lang="it-IT" dirty="0" smtClean="0"/>
+              <a:rPr lang="it-IT" dirty="0"/>
               <a:t> </a:t>
             </a:r>
             <a:r>
-              <a:rPr lang="it-IT" dirty="0" err="1" smtClean="0"/>
+              <a:rPr lang="it-IT" dirty="0" err="1"/>
               <a:t>Maps</a:t>
             </a:r>
-            <a:endParaRPr lang="it-IT" dirty="0" smtClean="0"/>
+            <a:endParaRPr lang="it-IT" dirty="0"/>
           </a:p>
           <a:p>
             <a:pPr marL="285750" indent="-285750">
@@ -6388,22 +6211,22 @@
               <a:buChar char="•"/>
             </a:pPr>
             <a:r>
-              <a:rPr lang="it-IT" dirty="0" smtClean="0"/>
+              <a:rPr lang="it-IT" dirty="0"/>
               <a:t>7 </a:t>
             </a:r>
             <a:r>
-              <a:rPr lang="it-IT" dirty="0" err="1" smtClean="0"/>
+              <a:rPr lang="it-IT" dirty="0" err="1"/>
               <a:t>different</a:t>
             </a:r>
             <a:r>
-              <a:rPr lang="it-IT" dirty="0" smtClean="0"/>
+              <a:rPr lang="it-IT" dirty="0"/>
               <a:t> </a:t>
             </a:r>
             <a:r>
-              <a:rPr lang="it-IT" dirty="0" err="1" smtClean="0"/>
+              <a:rPr lang="it-IT" dirty="0" err="1"/>
               <a:t>Characters</a:t>
             </a:r>
-            <a:endParaRPr lang="it-IT" dirty="0" smtClean="0"/>
+            <a:endParaRPr lang="it-IT" dirty="0"/>
           </a:p>
           <a:p>
             <a:pPr marL="285750" indent="-285750">
@@ -6411,30 +6234,30 @@
               <a:buChar char="•"/>
             </a:pPr>
             <a:r>
-              <a:rPr lang="it-IT" dirty="0" smtClean="0"/>
+              <a:rPr lang="it-IT" dirty="0"/>
               <a:t>2 minutes </a:t>
             </a:r>
             <a:r>
-              <a:rPr lang="it-IT" dirty="0" err="1" smtClean="0"/>
+              <a:rPr lang="it-IT" dirty="0" err="1"/>
               <a:t>rounds</a:t>
             </a:r>
             <a:r>
-              <a:rPr lang="it-IT" dirty="0" smtClean="0"/>
+              <a:rPr lang="it-IT" dirty="0"/>
               <a:t> (default) or </a:t>
             </a:r>
             <a:r>
-              <a:rPr lang="it-IT" dirty="0" err="1" smtClean="0"/>
+              <a:rPr lang="it-IT" dirty="0" err="1"/>
               <a:t>personalised</a:t>
             </a:r>
             <a:r>
-              <a:rPr lang="it-IT" dirty="0" smtClean="0"/>
+              <a:rPr lang="it-IT" dirty="0"/>
               <a:t> </a:t>
             </a:r>
             <a:r>
-              <a:rPr lang="it-IT" dirty="0" err="1" smtClean="0"/>
+              <a:rPr lang="it-IT" dirty="0" err="1"/>
               <a:t>options</a:t>
             </a:r>
-            <a:endParaRPr lang="it-IT" dirty="0" smtClean="0"/>
+            <a:endParaRPr lang="it-IT" dirty="0"/>
           </a:p>
           <a:p>
             <a:pPr marL="285750" indent="-285750">
@@ -6442,46 +6265,46 @@
               <a:buChar char="•"/>
             </a:pPr>
             <a:r>
-              <a:rPr lang="it-IT" dirty="0" smtClean="0"/>
+              <a:rPr lang="it-IT" dirty="0"/>
               <a:t>3D Graphics and </a:t>
             </a:r>
             <a:r>
-              <a:rPr lang="it-IT" dirty="0" err="1" smtClean="0"/>
+              <a:rPr lang="it-IT" dirty="0" err="1"/>
               <a:t>settings</a:t>
             </a:r>
-            <a:endParaRPr lang="it-IT" dirty="0" smtClean="0"/>
+            <a:endParaRPr lang="it-IT" dirty="0"/>
           </a:p>
           <a:p>
             <a:pPr marL="285750" indent="-285750">
               <a:buFont typeface="Arial" panose="020B0604020202020204" pitchFamily="34" charset="0"/>
               <a:buChar char="•"/>
             </a:pPr>
-            <a:endParaRPr lang="it-IT" dirty="0" smtClean="0"/>
+            <a:endParaRPr lang="it-IT" dirty="0"/>
           </a:p>
           <a:p>
             <a:pPr marL="285750" indent="-285750">
               <a:buFont typeface="Arial" panose="020B0604020202020204" pitchFamily="34" charset="0"/>
               <a:buChar char="•"/>
             </a:pPr>
-            <a:endParaRPr lang="it-IT" dirty="0" smtClean="0"/>
-          </a:p>
-          <a:p>
             <a:endParaRPr lang="it-IT" dirty="0"/>
           </a:p>
           <a:p>
-            <a:endParaRPr lang="it-IT" dirty="0" smtClean="0"/>
-          </a:p>
-          <a:p>
             <a:endParaRPr lang="it-IT" dirty="0"/>
           </a:p>
           <a:p>
-            <a:endParaRPr lang="it-IT" dirty="0" smtClean="0"/>
-          </a:p>
-          <a:p>
             <a:endParaRPr lang="it-IT" dirty="0"/>
           </a:p>
           <a:p>
-            <a:endParaRPr lang="it-IT" dirty="0" smtClean="0"/>
+            <a:endParaRPr lang="it-IT" dirty="0"/>
+          </a:p>
+          <a:p>
+            <a:endParaRPr lang="it-IT" dirty="0"/>
+          </a:p>
+          <a:p>
+            <a:endParaRPr lang="it-IT" dirty="0"/>
+          </a:p>
+          <a:p>
+            <a:endParaRPr lang="it-IT" dirty="0"/>
           </a:p>
           <a:p>
             <a:endParaRPr lang="it-IT" dirty="0"/>
@@ -6498,13 +6321,6 @@
   <p:clrMapOvr>
     <a:masterClrMapping/>
   </p:clrMapOvr>
-  <p:timing>
-    <p:tnLst>
-      <p:par>
-        <p:cTn id="1" dur="indefinite" restart="never" nodeType="tmRoot"/>
-      </p:par>
-    </p:tnLst>
-  </p:timing>
 </p:sld>
 </file>
 
@@ -6546,11 +6362,11 @@
           <a:lstStyle/>
           <a:p>
             <a:r>
-              <a:rPr lang="it-IT" dirty="0" smtClean="0"/>
+              <a:rPr lang="it-IT" dirty="0"/>
               <a:t>Game </a:t>
             </a:r>
             <a:r>
-              <a:rPr lang="it-IT" dirty="0" err="1" smtClean="0"/>
+              <a:rPr lang="it-IT" dirty="0" err="1"/>
               <a:t>mechanics</a:t>
             </a:r>
             <a:endParaRPr lang="it-IT" dirty="0"/>
@@ -6580,11 +6396,11 @@
           <a:lstStyle/>
           <a:p>
             <a:r>
-              <a:rPr lang="it-IT" dirty="0" err="1" smtClean="0"/>
+              <a:rPr lang="it-IT" dirty="0" err="1"/>
               <a:t>Controls</a:t>
             </a:r>
             <a:r>
-              <a:rPr lang="it-IT" dirty="0" smtClean="0"/>
+              <a:rPr lang="it-IT" dirty="0"/>
               <a:t> for Player 1:</a:t>
             </a:r>
           </a:p>
@@ -6593,100 +6409,50 @@
           </a:p>
           <a:p>
             <a:r>
-              <a:rPr lang="it-IT" dirty="0" smtClean="0"/>
-              <a:t>W,A,S,D = </a:t>
-            </a:r>
-            <a:r>
-              <a:rPr lang="it-IT" dirty="0" err="1" smtClean="0"/>
-              <a:t>Movement</a:t>
-            </a:r>
-            <a:r>
               <a:rPr lang="it-IT" dirty="0"/>
-              <a:t>	</a:t>
-            </a:r>
-            <a:r>
-              <a:rPr lang="it-IT" dirty="0" smtClean="0"/>
-              <a:t>F = </a:t>
-            </a:r>
-            <a:r>
-              <a:rPr lang="it-IT" dirty="0" err="1" smtClean="0"/>
-              <a:t>Pounch</a:t>
-            </a:r>
-            <a:r>
-              <a:rPr lang="it-IT" dirty="0" smtClean="0"/>
-              <a:t>	G = </a:t>
-            </a:r>
-            <a:r>
-              <a:rPr lang="it-IT" dirty="0" err="1" smtClean="0"/>
-              <a:t>Block</a:t>
-            </a:r>
-            <a:endParaRPr lang="it-IT" dirty="0" smtClean="0"/>
+              <a:t>W,A,S,D = Movement	F = Punch	G = Block</a:t>
+            </a:r>
           </a:p>
           <a:p>
             <a:endParaRPr lang="it-IT" dirty="0"/>
           </a:p>
           <a:p>
             <a:r>
-              <a:rPr lang="it-IT" dirty="0" err="1" smtClean="0"/>
+              <a:rPr lang="it-IT" dirty="0" err="1"/>
               <a:t>Controls</a:t>
             </a:r>
             <a:r>
-              <a:rPr lang="it-IT" dirty="0" smtClean="0"/>
+              <a:rPr lang="it-IT" dirty="0"/>
               <a:t> for Player 2:</a:t>
             </a:r>
           </a:p>
           <a:p>
-            <a:endParaRPr lang="it-IT" dirty="0" smtClean="0"/>
-          </a:p>
-          <a:p>
-            <a:r>
-              <a:rPr lang="it-IT" dirty="0" err="1" smtClean="0"/>
-              <a:t>Arrows</a:t>
-            </a:r>
-            <a:r>
-              <a:rPr lang="it-IT" dirty="0" smtClean="0"/>
-              <a:t> = </a:t>
-            </a:r>
-            <a:r>
-              <a:rPr lang="it-IT" dirty="0" err="1" smtClean="0"/>
-              <a:t>Movement</a:t>
-            </a:r>
-            <a:r>
-              <a:rPr lang="it-IT" dirty="0" smtClean="0"/>
-              <a:t>	4 = </a:t>
-            </a:r>
-            <a:r>
-              <a:rPr lang="it-IT" dirty="0" err="1" smtClean="0"/>
-              <a:t>Pounch</a:t>
-            </a:r>
-            <a:r>
-              <a:rPr lang="it-IT" dirty="0" smtClean="0"/>
-              <a:t>	5 = </a:t>
-            </a:r>
-            <a:r>
-              <a:rPr lang="it-IT" dirty="0" err="1" smtClean="0"/>
-              <a:t>Block</a:t>
-            </a:r>
             <a:endParaRPr lang="it-IT" dirty="0"/>
           </a:p>
           <a:p>
-            <a:endParaRPr lang="it-IT" dirty="0" smtClean="0"/>
-          </a:p>
-          <a:p>
-            <a:r>
-              <a:rPr lang="it-IT" dirty="0" err="1" smtClean="0"/>
+            <a:r>
+              <a:rPr lang="it-IT" dirty="0"/>
+              <a:t>Arrows = Movement	4 = Punch	5 = Block</a:t>
+            </a:r>
+          </a:p>
+          <a:p>
+            <a:endParaRPr lang="it-IT" dirty="0"/>
+          </a:p>
+          <a:p>
+            <a:r>
+              <a:rPr lang="it-IT" dirty="0" err="1"/>
               <a:t>Other</a:t>
             </a:r>
             <a:r>
-              <a:rPr lang="it-IT" dirty="0" smtClean="0"/>
+              <a:rPr lang="it-IT" dirty="0"/>
               <a:t> </a:t>
             </a:r>
             <a:r>
-              <a:rPr lang="it-IT" dirty="0" err="1" smtClean="0"/>
+              <a:rPr lang="it-IT" dirty="0" err="1"/>
               <a:t>Mechanics</a:t>
             </a:r>
             <a:r>
-              <a:rPr lang="it-IT" dirty="0" smtClean="0"/>
+              <a:rPr lang="it-IT" dirty="0"/>
               <a:t>:</a:t>
             </a:r>
           </a:p>
@@ -6699,38 +6465,38 @@
               <a:buChar char="•"/>
             </a:pPr>
             <a:r>
-              <a:rPr lang="it-IT" dirty="0" smtClean="0"/>
+              <a:rPr lang="it-IT" dirty="0"/>
               <a:t>Best of </a:t>
             </a:r>
             <a:r>
-              <a:rPr lang="it-IT" dirty="0" err="1" smtClean="0"/>
+              <a:rPr lang="it-IT" dirty="0" err="1"/>
               <a:t>three</a:t>
             </a:r>
             <a:r>
-              <a:rPr lang="it-IT" dirty="0" smtClean="0"/>
+              <a:rPr lang="it-IT" dirty="0"/>
               <a:t> </a:t>
             </a:r>
             <a:r>
-              <a:rPr lang="it-IT" dirty="0" err="1" smtClean="0"/>
+              <a:rPr lang="it-IT" dirty="0" err="1"/>
               <a:t>matches</a:t>
             </a:r>
             <a:r>
-              <a:rPr lang="it-IT" dirty="0" smtClean="0"/>
+              <a:rPr lang="it-IT" dirty="0"/>
               <a:t> (default) or </a:t>
             </a:r>
             <a:r>
-              <a:rPr lang="it-IT" dirty="0" err="1" smtClean="0"/>
+              <a:rPr lang="it-IT" dirty="0" err="1"/>
               <a:t>personalised</a:t>
             </a:r>
             <a:r>
-              <a:rPr lang="it-IT" dirty="0" smtClean="0"/>
+              <a:rPr lang="it-IT" dirty="0"/>
               <a:t> </a:t>
             </a:r>
             <a:r>
-              <a:rPr lang="it-IT" dirty="0" err="1" smtClean="0"/>
+              <a:rPr lang="it-IT" dirty="0" err="1"/>
               <a:t>options</a:t>
             </a:r>
-            <a:endParaRPr lang="it-IT" dirty="0" smtClean="0"/>
+            <a:endParaRPr lang="it-IT" dirty="0"/>
           </a:p>
           <a:p>
             <a:pPr marL="285750" indent="-285750">
@@ -6738,47 +6504,47 @@
               <a:buChar char="•"/>
             </a:pPr>
             <a:r>
-              <a:rPr lang="it-IT" dirty="0" smtClean="0"/>
+              <a:rPr lang="it-IT" dirty="0"/>
               <a:t>Clear HUD </a:t>
             </a:r>
             <a:r>
-              <a:rPr lang="it-IT" dirty="0" err="1" smtClean="0"/>
+              <a:rPr lang="it-IT" dirty="0" err="1"/>
               <a:t>showing</a:t>
             </a:r>
             <a:r>
-              <a:rPr lang="it-IT" dirty="0" smtClean="0"/>
+              <a:rPr lang="it-IT" dirty="0"/>
               <a:t>: </a:t>
             </a:r>
             <a:r>
-              <a:rPr lang="it-IT" dirty="0" err="1" smtClean="0"/>
+              <a:rPr lang="it-IT" dirty="0" err="1"/>
               <a:t>Health</a:t>
             </a:r>
             <a:r>
-              <a:rPr lang="it-IT" dirty="0" smtClean="0"/>
+              <a:rPr lang="it-IT" dirty="0"/>
               <a:t> Bar, </a:t>
             </a:r>
             <a:r>
-              <a:rPr lang="it-IT" dirty="0" err="1" smtClean="0"/>
+              <a:rPr lang="it-IT" dirty="0" err="1"/>
               <a:t>Number</a:t>
             </a:r>
             <a:r>
-              <a:rPr lang="it-IT" dirty="0" smtClean="0"/>
+              <a:rPr lang="it-IT" dirty="0"/>
               <a:t> of </a:t>
             </a:r>
             <a:r>
-              <a:rPr lang="it-IT" dirty="0" err="1" smtClean="0"/>
+              <a:rPr lang="it-IT" dirty="0" err="1"/>
               <a:t>won’s</a:t>
             </a:r>
             <a:r>
-              <a:rPr lang="it-IT" dirty="0" smtClean="0"/>
+              <a:rPr lang="it-IT" dirty="0"/>
               <a:t> </a:t>
             </a:r>
             <a:r>
-              <a:rPr lang="it-IT" dirty="0" err="1" smtClean="0"/>
+              <a:rPr lang="it-IT" dirty="0" err="1"/>
               <a:t>rounds</a:t>
             </a:r>
             <a:r>
-              <a:rPr lang="it-IT" dirty="0" smtClean="0"/>
+              <a:rPr lang="it-IT" dirty="0"/>
               <a:t> and timer</a:t>
             </a:r>
           </a:p>
@@ -6787,14 +6553,14 @@
               <a:buFont typeface="Arial" panose="020B0604020202020204" pitchFamily="34" charset="0"/>
               <a:buChar char="•"/>
             </a:pPr>
-            <a:endParaRPr lang="it-IT" dirty="0" smtClean="0"/>
+            <a:endParaRPr lang="it-IT" dirty="0"/>
           </a:p>
           <a:p>
             <a:pPr marL="285750" indent="-285750">
               <a:buFont typeface="Arial" panose="020B0604020202020204" pitchFamily="34" charset="0"/>
               <a:buChar char="•"/>
             </a:pPr>
-            <a:endParaRPr lang="it-IT" dirty="0" smtClean="0"/>
+            <a:endParaRPr lang="it-IT" dirty="0"/>
           </a:p>
           <a:p>
             <a:endParaRPr lang="it-IT" dirty="0"/>
@@ -6811,13 +6577,6 @@
   <p:clrMapOvr>
     <a:masterClrMapping/>
   </p:clrMapOvr>
-  <p:timing>
-    <p:tnLst>
-      <p:par>
-        <p:cTn id="1" dur="indefinite" restart="never" nodeType="tmRoot"/>
-      </p:par>
-    </p:tnLst>
-  </p:timing>
 </p:sld>
 </file>
 
@@ -6859,14 +6618,9 @@
           <a:lstStyle/>
           <a:p>
             <a:r>
-              <a:rPr lang="it-IT" dirty="0" err="1" smtClean="0"/>
-              <a:t>Attraction</a:t>
-            </a:r>
-            <a:r>
-              <a:rPr lang="it-IT" dirty="0" smtClean="0"/>
-              <a:t> mode</a:t>
-            </a:r>
-            <a:endParaRPr lang="it-IT" dirty="0"/>
+              <a:rPr lang="it-IT" dirty="0"/>
+              <a:t>Attract mode</a:t>
+            </a:r>
           </a:p>
         </p:txBody>
       </p:sp>
@@ -6893,96 +6647,8 @@
           <a:lstStyle/>
           <a:p>
             <a:r>
-              <a:rPr lang="it-IT" dirty="0" smtClean="0"/>
-              <a:t>Brief </a:t>
-            </a:r>
-            <a:r>
-              <a:rPr lang="it-IT" dirty="0" err="1" smtClean="0"/>
-              <a:t>Gameplay</a:t>
-            </a:r>
-            <a:r>
-              <a:rPr lang="it-IT" dirty="0" smtClean="0"/>
-              <a:t> </a:t>
-            </a:r>
-            <a:r>
-              <a:rPr lang="it-IT" dirty="0" err="1" smtClean="0"/>
-              <a:t>after</a:t>
-            </a:r>
-            <a:r>
-              <a:rPr lang="it-IT" dirty="0" smtClean="0"/>
-              <a:t> 20 </a:t>
-            </a:r>
-            <a:r>
-              <a:rPr lang="it-IT" dirty="0" err="1" smtClean="0"/>
-              <a:t>seconds</a:t>
-            </a:r>
-            <a:r>
-              <a:rPr lang="it-IT" dirty="0" smtClean="0"/>
-              <a:t> of </a:t>
-            </a:r>
-            <a:r>
-              <a:rPr lang="it-IT" dirty="0" err="1" smtClean="0"/>
-              <a:t>inactivit</a:t>
-            </a:r>
-            <a:r>
-              <a:rPr lang="it-IT" dirty="0" smtClean="0"/>
-              <a:t> </a:t>
-            </a:r>
-            <a:r>
-              <a:rPr lang="it-IT" dirty="0" err="1" smtClean="0"/>
-              <a:t>recorded</a:t>
-            </a:r>
-            <a:r>
-              <a:rPr lang="it-IT" dirty="0" smtClean="0"/>
-              <a:t> by *The </a:t>
-            </a:r>
-            <a:r>
-              <a:rPr lang="it-IT" dirty="0" err="1" smtClean="0"/>
-              <a:t>program</a:t>
-            </a:r>
-            <a:r>
-              <a:rPr lang="it-IT" dirty="0" smtClean="0"/>
-              <a:t> </a:t>
-            </a:r>
-            <a:r>
-              <a:rPr lang="it-IT" dirty="0" err="1" smtClean="0"/>
-              <a:t>that</a:t>
-            </a:r>
-            <a:r>
-              <a:rPr lang="it-IT" dirty="0" smtClean="0"/>
-              <a:t> Adrian </a:t>
-            </a:r>
-            <a:r>
-              <a:rPr lang="it-IT" dirty="0" err="1" smtClean="0"/>
-              <a:t>told</a:t>
-            </a:r>
-            <a:r>
-              <a:rPr lang="it-IT" dirty="0" smtClean="0"/>
-              <a:t> me* , </a:t>
-            </a:r>
-            <a:r>
-              <a:rPr lang="it-IT" dirty="0" err="1" smtClean="0"/>
-              <a:t>including</a:t>
-            </a:r>
-            <a:r>
-              <a:rPr lang="it-IT" dirty="0" smtClean="0"/>
-              <a:t> </a:t>
-            </a:r>
-            <a:r>
-              <a:rPr lang="it-IT" dirty="0" err="1" smtClean="0"/>
-              <a:t>sund</a:t>
-            </a:r>
-            <a:r>
-              <a:rPr lang="it-IT" dirty="0" smtClean="0"/>
-              <a:t> </a:t>
-            </a:r>
-            <a:r>
-              <a:rPr lang="it-IT" dirty="0" err="1" smtClean="0"/>
-              <a:t>effect</a:t>
-            </a:r>
-            <a:r>
-              <a:rPr lang="it-IT" dirty="0" smtClean="0"/>
-              <a:t> and music</a:t>
+              <a:rPr lang="it-IT" dirty="0"/>
+              <a:t>Brief Gameplay after 20 seconds of inactivit recorded by *The program that Adrian told me* , including sound effect and music</a:t>
             </a:r>
           </a:p>
           <a:p>
@@ -7001,13 +6667,6 @@
   <p:clrMapOvr>
     <a:masterClrMapping/>
   </p:clrMapOvr>
-  <p:timing>
-    <p:tnLst>
-      <p:par>
-        <p:cTn id="1" dur="indefinite" restart="never" nodeType="tmRoot"/>
-      </p:par>
-    </p:tnLst>
-  </p:timing>
 </p:sld>
 </file>
 
@@ -7049,63 +6708,63 @@
           <a:lstStyle/>
           <a:p>
             <a:r>
-              <a:rPr lang="it-IT" dirty="0" err="1" smtClean="0"/>
+              <a:rPr lang="it-IT" dirty="0" err="1"/>
               <a:t>Question</a:t>
             </a:r>
             <a:r>
-              <a:rPr lang="it-IT" dirty="0" smtClean="0"/>
+              <a:rPr lang="it-IT" dirty="0"/>
               <a:t> time! </a:t>
             </a:r>
             <a:r>
-              <a:rPr lang="it-IT" dirty="0" err="1" smtClean="0"/>
+              <a:rPr lang="it-IT" dirty="0" err="1"/>
               <a:t>Tell</a:t>
             </a:r>
             <a:r>
-              <a:rPr lang="it-IT" dirty="0" smtClean="0"/>
+              <a:rPr lang="it-IT" dirty="0"/>
               <a:t> </a:t>
             </a:r>
             <a:r>
-              <a:rPr lang="it-IT" dirty="0" err="1" smtClean="0"/>
+              <a:rPr lang="it-IT" dirty="0" err="1"/>
               <a:t>us</a:t>
             </a:r>
             <a:r>
-              <a:rPr lang="it-IT" dirty="0" smtClean="0"/>
+              <a:rPr lang="it-IT" dirty="0"/>
               <a:t> </a:t>
             </a:r>
             <a:r>
-              <a:rPr lang="it-IT" dirty="0" err="1" smtClean="0"/>
+              <a:rPr lang="it-IT" dirty="0" err="1"/>
               <a:t>what</a:t>
             </a:r>
             <a:r>
-              <a:rPr lang="it-IT" dirty="0" smtClean="0"/>
+              <a:rPr lang="it-IT" dirty="0"/>
               <a:t> </a:t>
             </a:r>
             <a:r>
-              <a:rPr lang="it-IT" dirty="0" err="1" smtClean="0"/>
+              <a:rPr lang="it-IT" dirty="0" err="1"/>
               <a:t>you</a:t>
             </a:r>
             <a:r>
-              <a:rPr lang="it-IT" dirty="0" smtClean="0"/>
+              <a:rPr lang="it-IT" dirty="0"/>
               <a:t> </a:t>
             </a:r>
             <a:r>
-              <a:rPr lang="it-IT" dirty="0" err="1" smtClean="0"/>
+              <a:rPr lang="it-IT" dirty="0" err="1"/>
               <a:t>think</a:t>
             </a:r>
             <a:r>
-              <a:rPr lang="it-IT" dirty="0" smtClean="0"/>
+              <a:rPr lang="it-IT" dirty="0"/>
               <a:t> </a:t>
             </a:r>
             <a:r>
-              <a:rPr lang="it-IT" dirty="0" err="1" smtClean="0"/>
+              <a:rPr lang="it-IT" dirty="0" err="1"/>
               <a:t>about</a:t>
             </a:r>
             <a:r>
-              <a:rPr lang="it-IT" dirty="0" smtClean="0"/>
+              <a:rPr lang="it-IT" dirty="0"/>
               <a:t> </a:t>
             </a:r>
             <a:r>
-              <a:rPr lang="it-IT" dirty="0" err="1" smtClean="0"/>
+              <a:rPr lang="it-IT" dirty="0" err="1"/>
               <a:t>it!</a:t>
             </a:r>
             <a:endParaRPr lang="it-IT" dirty="0"/>
@@ -7122,13 +6781,6 @@
   <p:clrMapOvr>
     <a:masterClrMapping/>
   </p:clrMapOvr>
-  <p:timing>
-    <p:tnLst>
-      <p:par>
-        <p:cTn id="1" dur="indefinite" restart="never" nodeType="tmRoot"/>
-      </p:par>
-    </p:tnLst>
-  </p:timing>
 </p:sld>
 </file>
 
@@ -7170,104 +6822,99 @@
           <a:lstStyle/>
           <a:p>
             <a:r>
-              <a:rPr lang="it-IT" dirty="0" err="1" smtClean="0"/>
+              <a:rPr lang="it-IT" dirty="0" err="1"/>
               <a:t>Thank</a:t>
             </a:r>
             <a:r>
-              <a:rPr lang="it-IT" dirty="0" smtClean="0"/>
+              <a:rPr lang="it-IT" dirty="0"/>
               <a:t> </a:t>
             </a:r>
             <a:r>
-              <a:rPr lang="it-IT" dirty="0" err="1" smtClean="0"/>
+              <a:rPr lang="it-IT" dirty="0" err="1"/>
               <a:t>you</a:t>
             </a:r>
             <a:r>
-              <a:rPr lang="it-IT" dirty="0" smtClean="0"/>
+              <a:rPr lang="it-IT" dirty="0"/>
               <a:t> </a:t>
             </a:r>
             <a:r>
-              <a:rPr lang="it-IT" dirty="0" err="1" smtClean="0"/>
+              <a:rPr lang="it-IT" dirty="0" err="1"/>
               <a:t>kindly</a:t>
             </a:r>
             <a:r>
-              <a:rPr lang="it-IT" dirty="0" smtClean="0"/>
+              <a:rPr lang="it-IT" dirty="0"/>
               <a:t> for </a:t>
             </a:r>
             <a:r>
-              <a:rPr lang="it-IT" dirty="0" err="1" smtClean="0"/>
+              <a:rPr lang="it-IT" dirty="0" err="1"/>
               <a:t>your</a:t>
             </a:r>
             <a:r>
-              <a:rPr lang="it-IT" dirty="0" smtClean="0"/>
+              <a:rPr lang="it-IT" dirty="0"/>
               <a:t> </a:t>
             </a:r>
             <a:r>
-              <a:rPr lang="it-IT" dirty="0" err="1" smtClean="0"/>
+              <a:rPr lang="it-IT" dirty="0" err="1"/>
               <a:t>attention</a:t>
             </a:r>
             <a:r>
-              <a:rPr lang="it-IT" dirty="0" smtClean="0"/>
+              <a:rPr lang="it-IT" dirty="0"/>
               <a:t> and </a:t>
             </a:r>
             <a:r>
-              <a:rPr lang="it-IT" dirty="0" err="1" smtClean="0"/>
+              <a:rPr lang="it-IT" dirty="0" err="1"/>
               <a:t>suggestions</a:t>
             </a:r>
             <a:r>
-              <a:rPr lang="it-IT" dirty="0" smtClean="0"/>
+              <a:rPr lang="it-IT" dirty="0"/>
               <a:t>.</a:t>
             </a:r>
             <a:br>
-              <a:rPr lang="it-IT" dirty="0" smtClean="0"/>
+              <a:rPr lang="it-IT" dirty="0"/>
             </a:br>
-            <a:r>
-              <a:rPr lang="it-IT" dirty="0" smtClean="0"/>
-              <a:t/>
-            </a:r>
             <a:br>
-              <a:rPr lang="it-IT" dirty="0" smtClean="0"/>
+              <a:rPr lang="it-IT" dirty="0"/>
             </a:br>
             <a:r>
-              <a:rPr lang="it-IT" dirty="0" err="1" smtClean="0"/>
+              <a:rPr lang="it-IT" dirty="0" err="1"/>
               <a:t>We</a:t>
             </a:r>
             <a:r>
-              <a:rPr lang="it-IT" dirty="0" smtClean="0"/>
+              <a:rPr lang="it-IT" dirty="0"/>
               <a:t> are </a:t>
             </a:r>
             <a:r>
-              <a:rPr lang="it-IT" dirty="0" err="1" smtClean="0"/>
+              <a:rPr lang="it-IT" dirty="0" err="1"/>
               <a:t>looking</a:t>
             </a:r>
             <a:r>
-              <a:rPr lang="it-IT" dirty="0" smtClean="0"/>
+              <a:rPr lang="it-IT" dirty="0"/>
               <a:t> </a:t>
             </a:r>
             <a:r>
-              <a:rPr lang="it-IT" dirty="0" err="1" smtClean="0"/>
+              <a:rPr lang="it-IT" dirty="0" err="1"/>
               <a:t>forward</a:t>
             </a:r>
             <a:r>
-              <a:rPr lang="it-IT" dirty="0" smtClean="0"/>
+              <a:rPr lang="it-IT" dirty="0"/>
               <a:t> for </a:t>
             </a:r>
             <a:r>
-              <a:rPr lang="it-IT" dirty="0" err="1" smtClean="0"/>
+              <a:rPr lang="it-IT" dirty="0" err="1"/>
               <a:t>you</a:t>
             </a:r>
             <a:r>
-              <a:rPr lang="it-IT" dirty="0" smtClean="0"/>
+              <a:rPr lang="it-IT" dirty="0"/>
               <a:t> to play </a:t>
             </a:r>
             <a:r>
-              <a:rPr lang="it-IT" dirty="0" err="1" smtClean="0"/>
+              <a:rPr lang="it-IT" dirty="0" err="1"/>
               <a:t>our</a:t>
             </a:r>
             <a:r>
-              <a:rPr lang="it-IT" dirty="0" smtClean="0"/>
+              <a:rPr lang="it-IT" dirty="0"/>
               <a:t> game!</a:t>
             </a:r>
-            <a:endParaRPr lang="it-IT" dirty="0"/>
           </a:p>
         </p:txBody>
       </p:sp>
@@ -7281,13 +6928,6 @@
   <p:clrMapOvr>
     <a:masterClrMapping/>
   </p:clrMapOvr>
-  <p:timing>
-    <p:tnLst>
-      <p:par>
-        <p:cTn id="1" dur="indefinite" restart="never" nodeType="tmRoot"/>
-      </p:par>
-    </p:tnLst>
-  </p:timing>
 </p:sld>
 </file>
 

--- a/Portfolio Project.pptx
+++ b/Portfolio Project.pptx
@@ -2,24 +2,25 @@
 <file path=ppt/presentation.xml><?xml version="1.0" encoding="utf-8"?>
 <p:presentation xmlns:a="http://schemas.openxmlformats.org/drawingml/2006/main" xmlns:r="http://schemas.openxmlformats.org/officeDocument/2006/relationships" xmlns:p="http://schemas.openxmlformats.org/presentationml/2006/main" saveSubsetFonts="1">
   <p:sldMasterIdLst>
-    <p:sldMasterId id="2147483672" r:id="rId1"/>
+    <p:sldMasterId id="2147483708" r:id="rId1"/>
   </p:sldMasterIdLst>
   <p:sldIdLst>
     <p:sldId id="256" r:id="rId2"/>
     <p:sldId id="257" r:id="rId3"/>
     <p:sldId id="258" r:id="rId4"/>
     <p:sldId id="259" r:id="rId5"/>
-    <p:sldId id="260" r:id="rId6"/>
-    <p:sldId id="261" r:id="rId7"/>
-    <p:sldId id="262" r:id="rId8"/>
+    <p:sldId id="263" r:id="rId6"/>
+    <p:sldId id="260" r:id="rId7"/>
+    <p:sldId id="261" r:id="rId8"/>
+    <p:sldId id="262" r:id="rId9"/>
   </p:sldIdLst>
   <p:sldSz cx="12192000" cy="6858000"/>
   <p:notesSz cx="6858000" cy="9144000"/>
   <p:defaultTextStyle>
     <a:defPPr>
-      <a:defRPr lang="it-IT"/>
+      <a:defRPr lang="en-US"/>
     </a:defPPr>
-    <a:lvl1pPr marL="0" algn="l" defTabSz="914400" rtl="0" eaLnBrk="1" latinLnBrk="0" hangingPunct="1">
+    <a:lvl1pPr marL="0" algn="l" defTabSz="457200" rtl="0" eaLnBrk="1" latinLnBrk="0" hangingPunct="1">
       <a:defRPr sz="1800" kern="1200">
         <a:solidFill>
           <a:schemeClr val="tx1"/>
@@ -29,7 +30,7 @@
         <a:cs typeface="+mn-cs"/>
       </a:defRPr>
     </a:lvl1pPr>
-    <a:lvl2pPr marL="457200" algn="l" defTabSz="914400" rtl="0" eaLnBrk="1" latinLnBrk="0" hangingPunct="1">
+    <a:lvl2pPr marL="457200" algn="l" defTabSz="457200" rtl="0" eaLnBrk="1" latinLnBrk="0" hangingPunct="1">
       <a:defRPr sz="1800" kern="1200">
         <a:solidFill>
           <a:schemeClr val="tx1"/>
@@ -39,7 +40,7 @@
         <a:cs typeface="+mn-cs"/>
       </a:defRPr>
     </a:lvl2pPr>
-    <a:lvl3pPr marL="914400" algn="l" defTabSz="914400" rtl="0" eaLnBrk="1" latinLnBrk="0" hangingPunct="1">
+    <a:lvl3pPr marL="914400" algn="l" defTabSz="457200" rtl="0" eaLnBrk="1" latinLnBrk="0" hangingPunct="1">
       <a:defRPr sz="1800" kern="1200">
         <a:solidFill>
           <a:schemeClr val="tx1"/>
@@ -49,7 +50,7 @@
         <a:cs typeface="+mn-cs"/>
       </a:defRPr>
     </a:lvl3pPr>
-    <a:lvl4pPr marL="1371600" algn="l" defTabSz="914400" rtl="0" eaLnBrk="1" latinLnBrk="0" hangingPunct="1">
+    <a:lvl4pPr marL="1371600" algn="l" defTabSz="457200" rtl="0" eaLnBrk="1" latinLnBrk="0" hangingPunct="1">
       <a:defRPr sz="1800" kern="1200">
         <a:solidFill>
           <a:schemeClr val="tx1"/>
@@ -59,7 +60,7 @@
         <a:cs typeface="+mn-cs"/>
       </a:defRPr>
     </a:lvl4pPr>
-    <a:lvl5pPr marL="1828800" algn="l" defTabSz="914400" rtl="0" eaLnBrk="1" latinLnBrk="0" hangingPunct="1">
+    <a:lvl5pPr marL="1828800" algn="l" defTabSz="457200" rtl="0" eaLnBrk="1" latinLnBrk="0" hangingPunct="1">
       <a:defRPr sz="1800" kern="1200">
         <a:solidFill>
           <a:schemeClr val="tx1"/>
@@ -69,7 +70,7 @@
         <a:cs typeface="+mn-cs"/>
       </a:defRPr>
     </a:lvl5pPr>
-    <a:lvl6pPr marL="2286000" algn="l" defTabSz="914400" rtl="0" eaLnBrk="1" latinLnBrk="0" hangingPunct="1">
+    <a:lvl6pPr marL="2286000" algn="l" defTabSz="457200" rtl="0" eaLnBrk="1" latinLnBrk="0" hangingPunct="1">
       <a:defRPr sz="1800" kern="1200">
         <a:solidFill>
           <a:schemeClr val="tx1"/>
@@ -79,7 +80,7 @@
         <a:cs typeface="+mn-cs"/>
       </a:defRPr>
     </a:lvl6pPr>
-    <a:lvl7pPr marL="2743200" algn="l" defTabSz="914400" rtl="0" eaLnBrk="1" latinLnBrk="0" hangingPunct="1">
+    <a:lvl7pPr marL="2743200" algn="l" defTabSz="457200" rtl="0" eaLnBrk="1" latinLnBrk="0" hangingPunct="1">
       <a:defRPr sz="1800" kern="1200">
         <a:solidFill>
           <a:schemeClr val="tx1"/>
@@ -89,7 +90,7 @@
         <a:cs typeface="+mn-cs"/>
       </a:defRPr>
     </a:lvl7pPr>
-    <a:lvl8pPr marL="3200400" algn="l" defTabSz="914400" rtl="0" eaLnBrk="1" latinLnBrk="0" hangingPunct="1">
+    <a:lvl8pPr marL="3200400" algn="l" defTabSz="457200" rtl="0" eaLnBrk="1" latinLnBrk="0" hangingPunct="1">
       <a:defRPr sz="1800" kern="1200">
         <a:solidFill>
           <a:schemeClr val="tx1"/>
@@ -99,7 +100,7 @@
         <a:cs typeface="+mn-cs"/>
       </a:defRPr>
     </a:lvl8pPr>
-    <a:lvl9pPr marL="3657600" algn="l" defTabSz="914400" rtl="0" eaLnBrk="1" latinLnBrk="0" hangingPunct="1">
+    <a:lvl9pPr marL="3657600" algn="l" defTabSz="457200" rtl="0" eaLnBrk="1" latinLnBrk="0" hangingPunct="1">
       <a:defRPr sz="1800" kern="1200">
         <a:solidFill>
           <a:schemeClr val="tx1"/>
@@ -119,8 +120,8 @@
 </file>
 
 <file path=ppt/slideLayouts/slideLayout1.xml><?xml version="1.0" encoding="utf-8"?>
-<p:sldLayout xmlns:a="http://schemas.openxmlformats.org/drawingml/2006/main" xmlns:r="http://schemas.openxmlformats.org/officeDocument/2006/relationships" xmlns:p="http://schemas.openxmlformats.org/presentationml/2006/main" showMasterSp="0" type="title" preserve="1">
-  <p:cSld name="Diapositiva titolo">
+<p:sldLayout xmlns:a="http://schemas.openxmlformats.org/drawingml/2006/main" xmlns:r="http://schemas.openxmlformats.org/officeDocument/2006/relationships" xmlns:p="http://schemas.openxmlformats.org/presentationml/2006/main" type="title" preserve="1">
+  <p:cSld name="Title Slide">
     <p:spTree>
       <p:nvGrpSpPr>
         <p:cNvPr id="1" name=""/>
@@ -135,6 +136,36 @@
           <a:chExt cx="0" cy="0"/>
         </a:xfrm>
       </p:grpSpPr>
+      <p:pic>
+        <p:nvPicPr>
+          <p:cNvPr id="7" name="Picture 6" descr="C0-HD-BTM.png"/>
+          <p:cNvPicPr>
+            <a:picLocks noChangeAspect="1"/>
+          </p:cNvPicPr>
+          <p:nvPr/>
+        </p:nvPicPr>
+        <p:blipFill>
+          <a:blip r:embed="rId2">
+            <a:extLst>
+              <a:ext uri="{28A0092B-C50C-407E-A947-70E740481C1C}">
+                <a14:useLocalDpi xmlns:a14="http://schemas.microsoft.com/office/drawing/2010/main" val="0"/>
+              </a:ext>
+            </a:extLst>
+          </a:blip>
+          <a:stretch>
+            <a:fillRect/>
+          </a:stretch>
+        </p:blipFill>
+        <p:spPr>
+          <a:xfrm>
+            <a:off x="0" y="4375150"/>
+            <a:ext cx="12192000" cy="2482850"/>
+          </a:xfrm>
+          <a:prstGeom prst="rect">
+            <a:avLst/>
+          </a:prstGeom>
+        </p:spPr>
+      </p:pic>
       <p:sp>
         <p:nvSpPr>
           <p:cNvPr id="2" name="Title 1"/>
@@ -147,8 +178,8 @@
         </p:nvSpPr>
         <p:spPr>
           <a:xfrm>
-            <a:off x="684212" y="685799"/>
-            <a:ext cx="8001000" cy="2971801"/>
+            <a:off x="1371600" y="1803405"/>
+            <a:ext cx="9448800" cy="1825096"/>
           </a:xfrm>
         </p:spPr>
         <p:txBody>
@@ -157,15 +188,13 @@
           </a:bodyPr>
           <a:lstStyle>
             <a:lvl1pPr algn="l">
-              <a:defRPr sz="4800">
-                <a:effectLst/>
-              </a:defRPr>
+              <a:defRPr sz="6000"/>
             </a:lvl1pPr>
           </a:lstStyle>
           <a:p>
             <a:r>
-              <a:rPr lang="it-IT"/>
-              <a:t>Fare clic per modificare lo stile del titolo</a:t>
+              <a:rPr lang="en-US" smtClean="0"/>
+              <a:t>Click to edit Master title style</a:t>
             </a:r>
             <a:endParaRPr lang="en-US" dirty="0"/>
           </a:p>
@@ -183,110 +212,56 @@
         </p:nvSpPr>
         <p:spPr>
           <a:xfrm>
-            <a:off x="684212" y="3843867"/>
-            <a:ext cx="6400800" cy="1947333"/>
-          </a:xfrm>
-        </p:spPr>
-        <p:txBody>
-          <a:bodyPr anchor="t">
+            <a:off x="1371600" y="3632201"/>
+            <a:ext cx="9448800" cy="685800"/>
+          </a:xfrm>
+        </p:spPr>
+        <p:txBody>
+          <a:bodyPr>
             <a:normAutofit/>
           </a:bodyPr>
           <a:lstStyle>
             <a:lvl1pPr marL="0" indent="0" algn="l">
               <a:buNone/>
-              <a:defRPr sz="2100">
-                <a:solidFill>
-                  <a:schemeClr val="bg2">
-                    <a:lumMod val="75000"/>
-                  </a:schemeClr>
-                </a:solidFill>
-              </a:defRPr>
+              <a:defRPr sz="2000"/>
             </a:lvl1pPr>
             <a:lvl2pPr marL="457200" indent="0" algn="ctr">
               <a:buNone/>
-              <a:defRPr>
-                <a:solidFill>
-                  <a:schemeClr val="tx1">
-                    <a:tint val="75000"/>
-                  </a:schemeClr>
-                </a:solidFill>
-              </a:defRPr>
+              <a:defRPr sz="2000"/>
             </a:lvl2pPr>
             <a:lvl3pPr marL="914400" indent="0" algn="ctr">
               <a:buNone/>
-              <a:defRPr>
-                <a:solidFill>
-                  <a:schemeClr val="tx1">
-                    <a:tint val="75000"/>
-                  </a:schemeClr>
-                </a:solidFill>
-              </a:defRPr>
+              <a:defRPr sz="1800"/>
             </a:lvl3pPr>
             <a:lvl4pPr marL="1371600" indent="0" algn="ctr">
               <a:buNone/>
-              <a:defRPr>
-                <a:solidFill>
-                  <a:schemeClr val="tx1">
-                    <a:tint val="75000"/>
-                  </a:schemeClr>
-                </a:solidFill>
-              </a:defRPr>
+              <a:defRPr sz="1600"/>
             </a:lvl4pPr>
             <a:lvl5pPr marL="1828800" indent="0" algn="ctr">
               <a:buNone/>
-              <a:defRPr>
-                <a:solidFill>
-                  <a:schemeClr val="tx1">
-                    <a:tint val="75000"/>
-                  </a:schemeClr>
-                </a:solidFill>
-              </a:defRPr>
+              <a:defRPr sz="1600"/>
             </a:lvl5pPr>
             <a:lvl6pPr marL="2286000" indent="0" algn="ctr">
               <a:buNone/>
-              <a:defRPr>
-                <a:solidFill>
-                  <a:schemeClr val="tx1">
-                    <a:tint val="75000"/>
-                  </a:schemeClr>
-                </a:solidFill>
-              </a:defRPr>
+              <a:defRPr sz="1600"/>
             </a:lvl6pPr>
             <a:lvl7pPr marL="2743200" indent="0" algn="ctr">
               <a:buNone/>
-              <a:defRPr>
-                <a:solidFill>
-                  <a:schemeClr val="tx1">
-                    <a:tint val="75000"/>
-                  </a:schemeClr>
-                </a:solidFill>
-              </a:defRPr>
+              <a:defRPr sz="1600"/>
             </a:lvl7pPr>
             <a:lvl8pPr marL="3200400" indent="0" algn="ctr">
               <a:buNone/>
-              <a:defRPr>
-                <a:solidFill>
-                  <a:schemeClr val="tx1">
-                    <a:tint val="75000"/>
-                  </a:schemeClr>
-                </a:solidFill>
-              </a:defRPr>
+              <a:defRPr sz="1600"/>
             </a:lvl8pPr>
             <a:lvl9pPr marL="3657600" indent="0" algn="ctr">
               <a:buNone/>
-              <a:defRPr>
-                <a:solidFill>
-                  <a:schemeClr val="tx1">
-                    <a:tint val="75000"/>
-                  </a:schemeClr>
-                </a:solidFill>
-              </a:defRPr>
+              <a:defRPr sz="1600"/>
             </a:lvl9pPr>
           </a:lstStyle>
           <a:p>
             <a:r>
-              <a:rPr lang="it-IT"/>
-              <a:t>Fare clic per modificare lo stile del sottotitolo dello schema</a:t>
+              <a:rPr lang="en-US" smtClean="0"/>
+              <a:t>Click to edit Master subtitle style</a:t>
             </a:r>
             <a:endParaRPr lang="en-US" dirty="0"/>
           </a:p>
@@ -302,14 +277,19 @@
             <p:ph type="dt" sz="half" idx="10"/>
           </p:nvPr>
         </p:nvSpPr>
-        <p:spPr/>
+        <p:spPr>
+          <a:xfrm>
+            <a:off x="7909561" y="4314328"/>
+            <a:ext cx="2910840" cy="374642"/>
+          </a:xfrm>
+        </p:spPr>
         <p:txBody>
           <a:bodyPr/>
           <a:lstStyle/>
           <a:p>
             <a:fld id="{76906E81-2588-4A67-B0A1-CCAA73920AE5}" type="datetimeFigureOut">
               <a:rPr lang="it-IT" smtClean="0"/>
-              <a:t>29/11/2018</a:t>
+              <a:t>04/12/2018</a:t>
             </a:fld>
             <a:endParaRPr lang="it-IT"/>
           </a:p>
@@ -325,7 +305,12 @@
             <p:ph type="ftr" sz="quarter" idx="11"/>
           </p:nvPr>
         </p:nvSpPr>
-        <p:spPr/>
+        <p:spPr>
+          <a:xfrm>
+            <a:off x="1371600" y="4323845"/>
+            <a:ext cx="6400800" cy="365125"/>
+          </a:xfrm>
+        </p:spPr>
         <p:txBody>
           <a:bodyPr/>
           <a:lstStyle/>
@@ -344,7 +329,12 @@
             <p:ph type="sldNum" sz="quarter" idx="12"/>
           </p:nvPr>
         </p:nvSpPr>
-        <p:spPr/>
+        <p:spPr>
+          <a:xfrm>
+            <a:off x="8077200" y="1430866"/>
+            <a:ext cx="2743200" cy="365125"/>
+          </a:xfrm>
+        </p:spPr>
         <p:txBody>
           <a:bodyPr/>
           <a:lstStyle/>
@@ -357,185 +347,10 @@
           </a:p>
         </p:txBody>
       </p:sp>
-      <p:cxnSp>
-        <p:nvCxnSpPr>
-          <p:cNvPr id="16" name="Straight Connector 15"/>
-          <p:cNvCxnSpPr/>
-          <p:nvPr/>
-        </p:nvCxnSpPr>
-        <p:spPr>
-          <a:xfrm flipH="1">
-            <a:off x="8228012" y="8467"/>
-            <a:ext cx="3810000" cy="3810000"/>
-          </a:xfrm>
-          <a:prstGeom prst="line">
-            <a:avLst/>
-          </a:prstGeom>
-          <a:ln w="12700">
-            <a:solidFill>
-              <a:schemeClr val="tx1"/>
-            </a:solidFill>
-          </a:ln>
-        </p:spPr>
-        <p:style>
-          <a:lnRef idx="2">
-            <a:schemeClr val="accent1"/>
-          </a:lnRef>
-          <a:fillRef idx="0">
-            <a:schemeClr val="accent1"/>
-          </a:fillRef>
-          <a:effectRef idx="1">
-            <a:schemeClr val="accent1"/>
-          </a:effectRef>
-          <a:fontRef idx="minor">
-            <a:schemeClr val="tx1"/>
-          </a:fontRef>
-        </p:style>
-      </p:cxnSp>
-      <p:cxnSp>
-        <p:nvCxnSpPr>
-          <p:cNvPr id="17" name="Straight Connector 16"/>
-          <p:cNvCxnSpPr/>
-          <p:nvPr/>
-        </p:nvCxnSpPr>
-        <p:spPr>
-          <a:xfrm flipH="1">
-            <a:off x="6108170" y="91545"/>
-            <a:ext cx="6080655" cy="6080655"/>
-          </a:xfrm>
-          <a:prstGeom prst="line">
-            <a:avLst/>
-          </a:prstGeom>
-          <a:ln w="12700">
-            <a:solidFill>
-              <a:schemeClr val="tx1"/>
-            </a:solidFill>
-          </a:ln>
-        </p:spPr>
-        <p:style>
-          <a:lnRef idx="2">
-            <a:schemeClr val="accent1"/>
-          </a:lnRef>
-          <a:fillRef idx="0">
-            <a:schemeClr val="accent1"/>
-          </a:fillRef>
-          <a:effectRef idx="1">
-            <a:schemeClr val="accent1"/>
-          </a:effectRef>
-          <a:fontRef idx="minor">
-            <a:schemeClr val="tx1"/>
-          </a:fontRef>
-        </p:style>
-      </p:cxnSp>
-      <p:cxnSp>
-        <p:nvCxnSpPr>
-          <p:cNvPr id="19" name="Straight Connector 18"/>
-          <p:cNvCxnSpPr/>
-          <p:nvPr/>
-        </p:nvCxnSpPr>
-        <p:spPr>
-          <a:xfrm flipH="1">
-            <a:off x="7235825" y="228600"/>
-            <a:ext cx="4953000" cy="4953000"/>
-          </a:xfrm>
-          <a:prstGeom prst="line">
-            <a:avLst/>
-          </a:prstGeom>
-          <a:ln w="12700">
-            <a:solidFill>
-              <a:schemeClr val="tx1"/>
-            </a:solidFill>
-          </a:ln>
-        </p:spPr>
-        <p:style>
-          <a:lnRef idx="2">
-            <a:schemeClr val="accent1"/>
-          </a:lnRef>
-          <a:fillRef idx="0">
-            <a:schemeClr val="accent1"/>
-          </a:fillRef>
-          <a:effectRef idx="1">
-            <a:schemeClr val="accent1"/>
-          </a:effectRef>
-          <a:fontRef idx="minor">
-            <a:schemeClr val="tx1"/>
-          </a:fontRef>
-        </p:style>
-      </p:cxnSp>
-      <p:cxnSp>
-        <p:nvCxnSpPr>
-          <p:cNvPr id="21" name="Straight Connector 20"/>
-          <p:cNvCxnSpPr/>
-          <p:nvPr/>
-        </p:nvCxnSpPr>
-        <p:spPr>
-          <a:xfrm flipH="1">
-            <a:off x="7335837" y="32278"/>
-            <a:ext cx="4852989" cy="4852989"/>
-          </a:xfrm>
-          <a:prstGeom prst="line">
-            <a:avLst/>
-          </a:prstGeom>
-          <a:ln w="31750">
-            <a:solidFill>
-              <a:schemeClr val="tx1"/>
-            </a:solidFill>
-          </a:ln>
-        </p:spPr>
-        <p:style>
-          <a:lnRef idx="2">
-            <a:schemeClr val="accent1"/>
-          </a:lnRef>
-          <a:fillRef idx="0">
-            <a:schemeClr val="accent1"/>
-          </a:fillRef>
-          <a:effectRef idx="1">
-            <a:schemeClr val="accent1"/>
-          </a:effectRef>
-          <a:fontRef idx="minor">
-            <a:schemeClr val="tx1"/>
-          </a:fontRef>
-        </p:style>
-      </p:cxnSp>
-      <p:cxnSp>
-        <p:nvCxnSpPr>
-          <p:cNvPr id="23" name="Straight Connector 22"/>
-          <p:cNvCxnSpPr/>
-          <p:nvPr/>
-        </p:nvCxnSpPr>
-        <p:spPr>
-          <a:xfrm flipH="1">
-            <a:off x="7845426" y="609601"/>
-            <a:ext cx="4343399" cy="4343399"/>
-          </a:xfrm>
-          <a:prstGeom prst="line">
-            <a:avLst/>
-          </a:prstGeom>
-          <a:ln w="31750">
-            <a:solidFill>
-              <a:schemeClr val="tx1"/>
-            </a:solidFill>
-          </a:ln>
-        </p:spPr>
-        <p:style>
-          <a:lnRef idx="2">
-            <a:schemeClr val="accent1"/>
-          </a:lnRef>
-          <a:fillRef idx="0">
-            <a:schemeClr val="accent1"/>
-          </a:fillRef>
-          <a:effectRef idx="1">
-            <a:schemeClr val="accent1"/>
-          </a:effectRef>
-          <a:fontRef idx="minor">
-            <a:schemeClr val="tx1"/>
-          </a:fontRef>
-        </p:style>
-      </p:cxnSp>
     </p:spTree>
     <p:extLst>
       <p:ext uri="{BB962C8B-B14F-4D97-AF65-F5344CB8AC3E}">
-        <p14:creationId xmlns:p14="http://schemas.microsoft.com/office/powerpoint/2010/main" val="2587015015"/>
+        <p14:creationId xmlns:p14="http://schemas.microsoft.com/office/powerpoint/2010/main" val="3208704684"/>
       </p:ext>
     </p:extLst>
   </p:cSld>
@@ -547,7 +362,7 @@
 
 <file path=ppt/slideLayouts/slideLayout10.xml><?xml version="1.0" encoding="utf-8"?>
 <p:sldLayout xmlns:a="http://schemas.openxmlformats.org/drawingml/2006/main" xmlns:r="http://schemas.openxmlformats.org/officeDocument/2006/relationships" xmlns:p="http://schemas.openxmlformats.org/presentationml/2006/main" preserve="1">
-  <p:cSld name="Immagine panoramica con didascalia">
+  <p:cSld name="Panoramic Picture with Caption">
     <p:spTree>
       <p:nvGrpSpPr>
         <p:cNvPr id="1" name=""/>
@@ -572,165 +387,161 @@
             <p:ph type="title"/>
           </p:nvPr>
         </p:nvSpPr>
-        <p:spPr/>
+        <p:spPr>
+          <a:xfrm>
+            <a:off x="685777" y="4697360"/>
+            <a:ext cx="10822034" cy="819355"/>
+          </a:xfrm>
+        </p:spPr>
+        <p:txBody>
+          <a:bodyPr anchor="b"/>
+          <a:lstStyle>
+            <a:lvl1pPr algn="l">
+              <a:defRPr sz="3200"/>
+            </a:lvl1pPr>
+          </a:lstStyle>
+          <a:p>
+            <a:r>
+              <a:rPr lang="en-US" smtClean="0"/>
+              <a:t>Click to edit Master title style</a:t>
+            </a:r>
+            <a:endParaRPr lang="en-US" dirty="0"/>
+          </a:p>
+        </p:txBody>
+      </p:sp>
+      <p:sp>
+        <p:nvSpPr>
+          <p:cNvPr id="3" name="Picture Placeholder 2"/>
+          <p:cNvSpPr>
+            <a:spLocks noGrp="1" noChangeAspect="1"/>
+          </p:cNvSpPr>
+          <p:nvPr>
+            <p:ph type="pic" idx="1"/>
+          </p:nvPr>
+        </p:nvSpPr>
+        <p:spPr>
+          <a:xfrm>
+            <a:off x="681727" y="941439"/>
+            <a:ext cx="10821840" cy="3478161"/>
+          </a:xfrm>
+        </p:spPr>
+        <p:txBody>
+          <a:bodyPr anchor="t"/>
+          <a:lstStyle>
+            <a:lvl1pPr marL="0" indent="0">
+              <a:buNone/>
+              <a:defRPr sz="3200"/>
+            </a:lvl1pPr>
+            <a:lvl2pPr marL="457200" indent="0">
+              <a:buNone/>
+              <a:defRPr sz="2800"/>
+            </a:lvl2pPr>
+            <a:lvl3pPr marL="914400" indent="0">
+              <a:buNone/>
+              <a:defRPr sz="2400"/>
+            </a:lvl3pPr>
+            <a:lvl4pPr marL="1371600" indent="0">
+              <a:buNone/>
+              <a:defRPr sz="2000"/>
+            </a:lvl4pPr>
+            <a:lvl5pPr marL="1828800" indent="0">
+              <a:buNone/>
+              <a:defRPr sz="2000"/>
+            </a:lvl5pPr>
+            <a:lvl6pPr marL="2286000" indent="0">
+              <a:buNone/>
+              <a:defRPr sz="2000"/>
+            </a:lvl6pPr>
+            <a:lvl7pPr marL="2743200" indent="0">
+              <a:buNone/>
+              <a:defRPr sz="2000"/>
+            </a:lvl7pPr>
+            <a:lvl8pPr marL="3200400" indent="0">
+              <a:buNone/>
+              <a:defRPr sz="2000"/>
+            </a:lvl8pPr>
+            <a:lvl9pPr marL="3657600" indent="0">
+              <a:buNone/>
+              <a:defRPr sz="2000"/>
+            </a:lvl9pPr>
+          </a:lstStyle>
+          <a:p>
+            <a:r>
+              <a:rPr lang="en-US" smtClean="0"/>
+              <a:t>Click icon to add picture</a:t>
+            </a:r>
+            <a:endParaRPr lang="en-US" dirty="0"/>
+          </a:p>
+        </p:txBody>
+      </p:sp>
+      <p:sp>
+        <p:nvSpPr>
+          <p:cNvPr id="4" name="Text Placeholder 3"/>
+          <p:cNvSpPr>
+            <a:spLocks noGrp="1"/>
+          </p:cNvSpPr>
+          <p:nvPr>
+            <p:ph type="body" sz="half" idx="2"/>
+          </p:nvPr>
+        </p:nvSpPr>
+        <p:spPr>
+          <a:xfrm>
+            <a:off x="685800" y="5516715"/>
+            <a:ext cx="10820400" cy="701969"/>
+          </a:xfrm>
+        </p:spPr>
         <p:txBody>
           <a:bodyPr/>
-          <a:lstStyle/>
-          <a:p>
-            <a:r>
-              <a:rPr lang="it-IT"/>
-              <a:t>Fare clic per modificare lo stile del titolo</a:t>
-            </a:r>
-            <a:endParaRPr lang="en-US" dirty="0"/>
-          </a:p>
-        </p:txBody>
-      </p:sp>
-      <p:sp>
-        <p:nvSpPr>
-          <p:cNvPr id="17" name="Picture Placeholder 2"/>
-          <p:cNvSpPr>
-            <a:spLocks noGrp="1" noChangeAspect="1"/>
-          </p:cNvSpPr>
-          <p:nvPr>
-            <p:ph type="pic" idx="13"/>
-          </p:nvPr>
-        </p:nvSpPr>
-        <p:spPr>
-          <a:xfrm>
-            <a:off x="685800" y="533400"/>
-            <a:ext cx="10818812" cy="3124200"/>
-          </a:xfrm>
-          <a:prstGeom prst="snip2DiagRect">
-            <a:avLst>
-              <a:gd name="adj1" fmla="val 10815"/>
-              <a:gd name="adj2" fmla="val 0"/>
-            </a:avLst>
-          </a:prstGeom>
-          <a:ln w="15875">
-            <a:solidFill>
-              <a:schemeClr val="tx1">
-                <a:alpha val="40000"/>
-              </a:schemeClr>
-            </a:solidFill>
-          </a:ln>
-          <a:effectLst>
-            <a:innerShdw blurRad="57150" dist="38100" dir="14460000">
-              <a:srgbClr val="000000">
-                <a:alpha val="70000"/>
-              </a:srgbClr>
-            </a:innerShdw>
-          </a:effectLst>
-        </p:spPr>
-        <p:txBody>
-          <a:bodyPr anchor="t">
-            <a:normAutofit/>
-          </a:bodyPr>
           <a:lstStyle>
-            <a:lvl1pPr marL="0" indent="0" algn="ctr">
+            <a:lvl1pPr marL="0" indent="0" algn="l">
               <a:buNone/>
               <a:defRPr sz="1600"/>
             </a:lvl1pPr>
             <a:lvl2pPr marL="457200" indent="0">
               <a:buNone/>
-              <a:defRPr sz="1600"/>
+              <a:defRPr sz="1400"/>
             </a:lvl2pPr>
             <a:lvl3pPr marL="914400" indent="0">
               <a:buNone/>
-              <a:defRPr sz="1600"/>
+              <a:defRPr sz="1200"/>
             </a:lvl3pPr>
             <a:lvl4pPr marL="1371600" indent="0">
               <a:buNone/>
-              <a:defRPr sz="1600"/>
+              <a:defRPr sz="1000"/>
             </a:lvl4pPr>
             <a:lvl5pPr marL="1828800" indent="0">
               <a:buNone/>
-              <a:defRPr sz="1600"/>
+              <a:defRPr sz="1000"/>
             </a:lvl5pPr>
             <a:lvl6pPr marL="2286000" indent="0">
               <a:buNone/>
-              <a:defRPr sz="1600"/>
+              <a:defRPr sz="1000"/>
             </a:lvl6pPr>
             <a:lvl7pPr marL="2743200" indent="0">
               <a:buNone/>
-              <a:defRPr sz="1600"/>
+              <a:defRPr sz="1000"/>
             </a:lvl7pPr>
             <a:lvl8pPr marL="3200400" indent="0">
               <a:buNone/>
-              <a:defRPr sz="1600"/>
+              <a:defRPr sz="1000"/>
             </a:lvl8pPr>
             <a:lvl9pPr marL="3657600" indent="0">
               <a:buNone/>
-              <a:defRPr sz="1600"/>
+              <a:defRPr sz="1000"/>
             </a:lvl9pPr>
           </a:lstStyle>
           <a:p>
-            <a:r>
-              <a:rPr lang="it-IT"/>
-              <a:t>Fare clic sull'icona per inserire un'immagine</a:t>
-            </a:r>
-            <a:endParaRPr lang="en-US" dirty="0"/>
-          </a:p>
-        </p:txBody>
-      </p:sp>
-      <p:sp>
-        <p:nvSpPr>
-          <p:cNvPr id="16" name="Text Placeholder 9"/>
-          <p:cNvSpPr>
-            <a:spLocks noGrp="1"/>
-          </p:cNvSpPr>
-          <p:nvPr>
-            <p:ph type="body" sz="quarter" idx="14"/>
-          </p:nvPr>
-        </p:nvSpPr>
-        <p:spPr>
-          <a:xfrm>
-            <a:off x="914402" y="3843867"/>
-            <a:ext cx="8304210" cy="457200"/>
-          </a:xfrm>
-        </p:spPr>
-        <p:txBody>
-          <a:bodyPr anchor="t">
-            <a:normAutofit/>
-          </a:bodyPr>
-          <a:lstStyle>
-            <a:lvl1pPr marL="0" indent="0">
-              <a:buFontTx/>
-              <a:buNone/>
-              <a:defRPr sz="1600"/>
-            </a:lvl1pPr>
-            <a:lvl2pPr marL="457200" indent="0">
-              <a:buFontTx/>
-              <a:buNone/>
-              <a:defRPr/>
-            </a:lvl2pPr>
-            <a:lvl3pPr marL="914400" indent="0">
-              <a:buFontTx/>
-              <a:buNone/>
-              <a:defRPr/>
-            </a:lvl3pPr>
-            <a:lvl4pPr marL="1371600" indent="0">
-              <a:buFontTx/>
-              <a:buNone/>
-              <a:defRPr/>
-            </a:lvl4pPr>
-            <a:lvl5pPr marL="1828800" indent="0">
-              <a:buFontTx/>
-              <a:buNone/>
-              <a:defRPr/>
-            </a:lvl5pPr>
-          </a:lstStyle>
-          <a:p>
             <a:pPr lvl="0"/>
             <a:r>
-              <a:rPr lang="it-IT"/>
-              <a:t>Fare clic per modificare stili del testo dello schema</a:t>
-            </a:r>
-          </a:p>
-        </p:txBody>
-      </p:sp>
-      <p:sp>
-        <p:nvSpPr>
-          <p:cNvPr id="3" name="Date Placeholder 2"/>
+              <a:rPr lang="en-US" smtClean="0"/>
+              <a:t>Edit Master text styles</a:t>
+            </a:r>
+          </a:p>
+        </p:txBody>
+      </p:sp>
+      <p:sp>
+        <p:nvSpPr>
+          <p:cNvPr id="5" name="Date Placeholder 4"/>
           <p:cNvSpPr>
             <a:spLocks noGrp="1"/>
           </p:cNvSpPr>
@@ -745,7 +556,7 @@
           <a:p>
             <a:fld id="{76906E81-2588-4A67-B0A1-CCAA73920AE5}" type="datetimeFigureOut">
               <a:rPr lang="it-IT" smtClean="0"/>
-              <a:t>29/11/2018</a:t>
+              <a:t>04/12/2018</a:t>
             </a:fld>
             <a:endParaRPr lang="it-IT"/>
           </a:p>
@@ -753,7 +564,7 @@
       </p:sp>
       <p:sp>
         <p:nvSpPr>
-          <p:cNvPr id="4" name="Footer Placeholder 3"/>
+          <p:cNvPr id="6" name="Footer Placeholder 5"/>
           <p:cNvSpPr>
             <a:spLocks noGrp="1"/>
           </p:cNvSpPr>
@@ -772,7 +583,7 @@
       </p:sp>
       <p:sp>
         <p:nvSpPr>
-          <p:cNvPr id="5" name="Slide Number Placeholder 4"/>
+          <p:cNvPr id="7" name="Slide Number Placeholder 6"/>
           <p:cNvSpPr>
             <a:spLocks noGrp="1"/>
           </p:cNvSpPr>
@@ -796,7 +607,7 @@
     </p:spTree>
     <p:extLst>
       <p:ext uri="{BB962C8B-B14F-4D97-AF65-F5344CB8AC3E}">
-        <p14:creationId xmlns:p14="http://schemas.microsoft.com/office/powerpoint/2010/main" val="2198183889"/>
+        <p14:creationId xmlns:p14="http://schemas.microsoft.com/office/powerpoint/2010/main" val="505861605"/>
       </p:ext>
     </p:extLst>
   </p:cSld>
@@ -807,8 +618,8 @@
 </file>
 
 <file path=ppt/slideLayouts/slideLayout11.xml><?xml version="1.0" encoding="utf-8"?>
-<p:sldLayout xmlns:a="http://schemas.openxmlformats.org/drawingml/2006/main" xmlns:r="http://schemas.openxmlformats.org/officeDocument/2006/relationships" xmlns:p="http://schemas.openxmlformats.org/presentationml/2006/main" preserve="1">
-  <p:cSld name="Titolo e sottotitolo">
+<p:sldLayout xmlns:a="http://schemas.openxmlformats.org/drawingml/2006/main" xmlns:r="http://schemas.openxmlformats.org/officeDocument/2006/relationships" xmlns:p="http://schemas.openxmlformats.org/presentationml/2006/main" showMasterSp="0" preserve="1">
+  <p:cSld name="Title and Caption">
     <p:spTree>
       <p:nvGrpSpPr>
         <p:cNvPr id="1" name=""/>
@@ -823,6 +634,36 @@
           <a:chExt cx="0" cy="0"/>
         </a:xfrm>
       </p:grpSpPr>
+      <p:pic>
+        <p:nvPicPr>
+          <p:cNvPr id="8" name="Picture 7" descr="C0-HD-BTM.png"/>
+          <p:cNvPicPr>
+            <a:picLocks noChangeAspect="1"/>
+          </p:cNvPicPr>
+          <p:nvPr/>
+        </p:nvPicPr>
+        <p:blipFill>
+          <a:blip r:embed="rId2">
+            <a:extLst>
+              <a:ext uri="{28A0092B-C50C-407E-A947-70E740481C1C}">
+                <a14:useLocalDpi xmlns:a14="http://schemas.microsoft.com/office/drawing/2010/main" val="0"/>
+              </a:ext>
+            </a:extLst>
+          </a:blip>
+          <a:stretch>
+            <a:fillRect/>
+          </a:stretch>
+        </p:blipFill>
+        <p:spPr>
+          <a:xfrm>
+            <a:off x="0" y="4375150"/>
+            <a:ext cx="12192000" cy="2482850"/>
+          </a:xfrm>
+          <a:prstGeom prst="rect">
+            <a:avLst/>
+          </a:prstGeom>
+        </p:spPr>
+      </p:pic>
       <p:sp>
         <p:nvSpPr>
           <p:cNvPr id="2" name="Title 1"/>
@@ -835,23 +676,21 @@
         </p:nvSpPr>
         <p:spPr>
           <a:xfrm>
-            <a:off x="684213" y="685800"/>
-            <a:ext cx="10058400" cy="2743200"/>
-          </a:xfrm>
-        </p:spPr>
-        <p:txBody>
-          <a:bodyPr anchor="ctr">
-            <a:normAutofit/>
-          </a:bodyPr>
+            <a:off x="685800" y="753532"/>
+            <a:ext cx="10820400" cy="2802467"/>
+          </a:xfrm>
+        </p:spPr>
+        <p:txBody>
+          <a:bodyPr anchor="ctr"/>
           <a:lstStyle>
             <a:lvl1pPr algn="l">
-              <a:defRPr sz="3200" b="0" cap="all"/>
+              <a:defRPr sz="3200"/>
             </a:lvl1pPr>
           </a:lstStyle>
           <a:p>
             <a:r>
-              <a:rPr lang="it-IT"/>
-              <a:t>Fare clic per modificare lo stile del titolo</a:t>
+              <a:rPr lang="en-US" smtClean="0"/>
+              <a:t>Click to edit Master title style</a:t>
             </a:r>
             <a:endParaRPr lang="en-US" dirty="0"/>
           </a:p>
@@ -859,128 +698,72 @@
       </p:sp>
       <p:sp>
         <p:nvSpPr>
-          <p:cNvPr id="3" name="Text Placeholder 2"/>
-          <p:cNvSpPr>
-            <a:spLocks noGrp="1"/>
-          </p:cNvSpPr>
-          <p:nvPr>
-            <p:ph type="body" idx="1"/>
-          </p:nvPr>
-        </p:nvSpPr>
-        <p:spPr>
-          <a:xfrm>
-            <a:off x="684212" y="4114800"/>
-            <a:ext cx="8535988" cy="1879600"/>
-          </a:xfrm>
-        </p:spPr>
-        <p:txBody>
-          <a:bodyPr anchor="ctr">
-            <a:normAutofit/>
-          </a:bodyPr>
+          <p:cNvPr id="4" name="Text Placeholder 3"/>
+          <p:cNvSpPr>
+            <a:spLocks noGrp="1"/>
+          </p:cNvSpPr>
+          <p:nvPr>
+            <p:ph type="body" sz="half" idx="2"/>
+          </p:nvPr>
+        </p:nvSpPr>
+        <p:spPr>
+          <a:xfrm>
+            <a:off x="1024467" y="3649133"/>
+            <a:ext cx="10130516" cy="999067"/>
+          </a:xfrm>
+        </p:spPr>
+        <p:txBody>
+          <a:bodyPr anchor="ctr"/>
           <a:lstStyle>
-            <a:lvl1pPr marL="0" indent="0" algn="l">
-              <a:buNone/>
-              <a:defRPr sz="2000">
-                <a:solidFill>
-                  <a:schemeClr val="bg2">
-                    <a:lumMod val="75000"/>
-                  </a:schemeClr>
-                </a:solidFill>
-              </a:defRPr>
+            <a:lvl1pPr marL="0" indent="0">
+              <a:buNone/>
+              <a:defRPr sz="1600"/>
             </a:lvl1pPr>
             <a:lvl2pPr marL="457200" indent="0">
               <a:buNone/>
-              <a:defRPr sz="1800">
-                <a:solidFill>
-                  <a:schemeClr val="tx1">
-                    <a:tint val="75000"/>
-                  </a:schemeClr>
-                </a:solidFill>
-              </a:defRPr>
+              <a:defRPr sz="1400"/>
             </a:lvl2pPr>
             <a:lvl3pPr marL="914400" indent="0">
               <a:buNone/>
-              <a:defRPr sz="1600">
-                <a:solidFill>
-                  <a:schemeClr val="tx1">
-                    <a:tint val="75000"/>
-                  </a:schemeClr>
-                </a:solidFill>
-              </a:defRPr>
+              <a:defRPr sz="1200"/>
             </a:lvl3pPr>
             <a:lvl4pPr marL="1371600" indent="0">
               <a:buNone/>
-              <a:defRPr sz="1400">
-                <a:solidFill>
-                  <a:schemeClr val="tx1">
-                    <a:tint val="75000"/>
-                  </a:schemeClr>
-                </a:solidFill>
-              </a:defRPr>
+              <a:defRPr sz="1000"/>
             </a:lvl4pPr>
             <a:lvl5pPr marL="1828800" indent="0">
               <a:buNone/>
-              <a:defRPr sz="1400">
-                <a:solidFill>
-                  <a:schemeClr val="tx1">
-                    <a:tint val="75000"/>
-                  </a:schemeClr>
-                </a:solidFill>
-              </a:defRPr>
+              <a:defRPr sz="1000"/>
             </a:lvl5pPr>
             <a:lvl6pPr marL="2286000" indent="0">
               <a:buNone/>
-              <a:defRPr sz="1400">
-                <a:solidFill>
-                  <a:schemeClr val="tx1">
-                    <a:tint val="75000"/>
-                  </a:schemeClr>
-                </a:solidFill>
-              </a:defRPr>
+              <a:defRPr sz="1000"/>
             </a:lvl6pPr>
             <a:lvl7pPr marL="2743200" indent="0">
               <a:buNone/>
-              <a:defRPr sz="1400">
-                <a:solidFill>
-                  <a:schemeClr val="tx1">
-                    <a:tint val="75000"/>
-                  </a:schemeClr>
-                </a:solidFill>
-              </a:defRPr>
+              <a:defRPr sz="1000"/>
             </a:lvl7pPr>
             <a:lvl8pPr marL="3200400" indent="0">
               <a:buNone/>
-              <a:defRPr sz="1400">
-                <a:solidFill>
-                  <a:schemeClr val="tx1">
-                    <a:tint val="75000"/>
-                  </a:schemeClr>
-                </a:solidFill>
-              </a:defRPr>
+              <a:defRPr sz="1000"/>
             </a:lvl8pPr>
             <a:lvl9pPr marL="3657600" indent="0">
               <a:buNone/>
-              <a:defRPr sz="1400">
-                <a:solidFill>
-                  <a:schemeClr val="tx1">
-                    <a:tint val="75000"/>
-                  </a:schemeClr>
-                </a:solidFill>
-              </a:defRPr>
+              <a:defRPr sz="1000"/>
             </a:lvl9pPr>
           </a:lstStyle>
           <a:p>
             <a:pPr lvl="0"/>
             <a:r>
-              <a:rPr lang="it-IT"/>
-              <a:t>Fare clic per modificare stili del testo dello schema</a:t>
-            </a:r>
-          </a:p>
-        </p:txBody>
-      </p:sp>
-      <p:sp>
-        <p:nvSpPr>
-          <p:cNvPr id="4" name="Date Placeholder 3"/>
+              <a:rPr lang="en-US" smtClean="0"/>
+              <a:t>Edit Master text styles</a:t>
+            </a:r>
+          </a:p>
+        </p:txBody>
+      </p:sp>
+      <p:sp>
+        <p:nvSpPr>
+          <p:cNvPr id="5" name="Date Placeholder 4"/>
           <p:cNvSpPr>
             <a:spLocks noGrp="1"/>
           </p:cNvSpPr>
@@ -988,14 +771,23 @@
             <p:ph type="dt" sz="half" idx="10"/>
           </p:nvPr>
         </p:nvSpPr>
-        <p:spPr/>
+        <p:spPr>
+          <a:xfrm>
+            <a:off x="7814452" y="381000"/>
+            <a:ext cx="2910840" cy="365125"/>
+          </a:xfrm>
+        </p:spPr>
         <p:txBody>
           <a:bodyPr/>
-          <a:lstStyle/>
+          <a:lstStyle>
+            <a:lvl1pPr algn="r">
+              <a:defRPr/>
+            </a:lvl1pPr>
+          </a:lstStyle>
           <a:p>
             <a:fld id="{76906E81-2588-4A67-B0A1-CCAA73920AE5}" type="datetimeFigureOut">
               <a:rPr lang="it-IT" smtClean="0"/>
-              <a:t>29/11/2018</a:t>
+              <a:t>04/12/2018</a:t>
             </a:fld>
             <a:endParaRPr lang="it-IT"/>
           </a:p>
@@ -1003,7 +795,7 @@
       </p:sp>
       <p:sp>
         <p:nvSpPr>
-          <p:cNvPr id="5" name="Footer Placeholder 4"/>
+          <p:cNvPr id="6" name="Footer Placeholder 5"/>
           <p:cNvSpPr>
             <a:spLocks noGrp="1"/>
           </p:cNvSpPr>
@@ -1011,7 +803,12 @@
             <p:ph type="ftr" sz="quarter" idx="11"/>
           </p:nvPr>
         </p:nvSpPr>
-        <p:spPr/>
+        <p:spPr>
+          <a:xfrm>
+            <a:off x="685800" y="379941"/>
+            <a:ext cx="6991492" cy="365125"/>
+          </a:xfrm>
+        </p:spPr>
         <p:txBody>
           <a:bodyPr/>
           <a:lstStyle/>
@@ -1022,7 +819,7 @@
       </p:sp>
       <p:sp>
         <p:nvSpPr>
-          <p:cNvPr id="6" name="Slide Number Placeholder 5"/>
+          <p:cNvPr id="7" name="Slide Number Placeholder 6"/>
           <p:cNvSpPr>
             <a:spLocks noGrp="1"/>
           </p:cNvSpPr>
@@ -1030,7 +827,12 @@
             <p:ph type="sldNum" sz="quarter" idx="12"/>
           </p:nvPr>
         </p:nvSpPr>
-        <p:spPr/>
+        <p:spPr>
+          <a:xfrm>
+            <a:off x="10862452" y="381000"/>
+            <a:ext cx="643748" cy="365125"/>
+          </a:xfrm>
+        </p:spPr>
         <p:txBody>
           <a:bodyPr/>
           <a:lstStyle/>
@@ -1046,7 +848,7 @@
     </p:spTree>
     <p:extLst>
       <p:ext uri="{BB962C8B-B14F-4D97-AF65-F5344CB8AC3E}">
-        <p14:creationId xmlns:p14="http://schemas.microsoft.com/office/powerpoint/2010/main" val="3321064517"/>
+        <p14:creationId xmlns:p14="http://schemas.microsoft.com/office/powerpoint/2010/main" val="3523534369"/>
       </p:ext>
     </p:extLst>
   </p:cSld>
@@ -1057,8 +859,8 @@
 </file>
 
 <file path=ppt/slideLayouts/slideLayout12.xml><?xml version="1.0" encoding="utf-8"?>
-<p:sldLayout xmlns:a="http://schemas.openxmlformats.org/drawingml/2006/main" xmlns:r="http://schemas.openxmlformats.org/officeDocument/2006/relationships" xmlns:p="http://schemas.openxmlformats.org/presentationml/2006/main" preserve="1">
-  <p:cSld name="Citazione con didascalia">
+<p:sldLayout xmlns:a="http://schemas.openxmlformats.org/drawingml/2006/main" xmlns:r="http://schemas.openxmlformats.org/officeDocument/2006/relationships" xmlns:p="http://schemas.openxmlformats.org/presentationml/2006/main" showMasterSp="0" preserve="1">
+  <p:cSld name="Quote with Caption">
     <p:spTree>
       <p:nvGrpSpPr>
         <p:cNvPr id="1" name=""/>
@@ -1073,6 +875,36 @@
           <a:chExt cx="0" cy="0"/>
         </a:xfrm>
       </p:grpSpPr>
+      <p:pic>
+        <p:nvPicPr>
+          <p:cNvPr id="13" name="Picture 12" descr="C0-HD-BTM.png"/>
+          <p:cNvPicPr>
+            <a:picLocks noChangeAspect="1"/>
+          </p:cNvPicPr>
+          <p:nvPr/>
+        </p:nvPicPr>
+        <p:blipFill>
+          <a:blip r:embed="rId2">
+            <a:extLst>
+              <a:ext uri="{28A0092B-C50C-407E-A947-70E740481C1C}">
+                <a14:useLocalDpi xmlns:a14="http://schemas.microsoft.com/office/drawing/2010/main" val="0"/>
+              </a:ext>
+            </a:extLst>
+          </a:blip>
+          <a:stretch>
+            <a:fillRect/>
+          </a:stretch>
+        </p:blipFill>
+        <p:spPr>
+          <a:xfrm>
+            <a:off x="0" y="4375150"/>
+            <a:ext cx="12192000" cy="2482850"/>
+          </a:xfrm>
+          <a:prstGeom prst="rect">
+            <a:avLst/>
+          </a:prstGeom>
+        </p:spPr>
+      </p:pic>
       <p:sp>
         <p:nvSpPr>
           <p:cNvPr id="2" name="Title 1"/>
@@ -1085,8 +917,107 @@
         </p:nvSpPr>
         <p:spPr>
           <a:xfrm>
-            <a:off x="1141411" y="685800"/>
-            <a:ext cx="9144001" cy="2743200"/>
+            <a:off x="1024467" y="753533"/>
+            <a:ext cx="10151533" cy="2604495"/>
+          </a:xfrm>
+        </p:spPr>
+        <p:txBody>
+          <a:bodyPr anchor="ctr"/>
+          <a:lstStyle>
+            <a:lvl1pPr algn="l">
+              <a:defRPr sz="3200"/>
+            </a:lvl1pPr>
+          </a:lstStyle>
+          <a:p>
+            <a:r>
+              <a:rPr lang="en-US" smtClean="0"/>
+              <a:t>Click to edit Master title style</a:t>
+            </a:r>
+            <a:endParaRPr lang="en-US" dirty="0"/>
+          </a:p>
+        </p:txBody>
+      </p:sp>
+      <p:sp>
+        <p:nvSpPr>
+          <p:cNvPr id="12" name="Text Placeholder 3"/>
+          <p:cNvSpPr>
+            <a:spLocks noGrp="1"/>
+          </p:cNvSpPr>
+          <p:nvPr>
+            <p:ph type="body" sz="half" idx="13"/>
+          </p:nvPr>
+        </p:nvSpPr>
+        <p:spPr>
+          <a:xfrm>
+            <a:off x="1303865" y="3365556"/>
+            <a:ext cx="9592736" cy="444443"/>
+          </a:xfrm>
+        </p:spPr>
+        <p:txBody>
+          <a:bodyPr anchor="t">
+            <a:normAutofit/>
+          </a:bodyPr>
+          <a:lstStyle>
+            <a:lvl1pPr marL="0" indent="0">
+              <a:buNone/>
+              <a:defRPr sz="1400"/>
+            </a:lvl1pPr>
+            <a:lvl2pPr marL="457200" indent="0">
+              <a:buNone/>
+              <a:defRPr sz="1400"/>
+            </a:lvl2pPr>
+            <a:lvl3pPr marL="914400" indent="0">
+              <a:buNone/>
+              <a:defRPr sz="1200"/>
+            </a:lvl3pPr>
+            <a:lvl4pPr marL="1371600" indent="0">
+              <a:buNone/>
+              <a:defRPr sz="1000"/>
+            </a:lvl4pPr>
+            <a:lvl5pPr marL="1828800" indent="0">
+              <a:buNone/>
+              <a:defRPr sz="1000"/>
+            </a:lvl5pPr>
+            <a:lvl6pPr marL="2286000" indent="0">
+              <a:buNone/>
+              <a:defRPr sz="1000"/>
+            </a:lvl6pPr>
+            <a:lvl7pPr marL="2743200" indent="0">
+              <a:buNone/>
+              <a:defRPr sz="1000"/>
+            </a:lvl7pPr>
+            <a:lvl8pPr marL="3200400" indent="0">
+              <a:buNone/>
+              <a:defRPr sz="1000"/>
+            </a:lvl8pPr>
+            <a:lvl9pPr marL="3657600" indent="0">
+              <a:buNone/>
+              <a:defRPr sz="1000"/>
+            </a:lvl9pPr>
+          </a:lstStyle>
+          <a:p>
+            <a:pPr lvl="0"/>
+            <a:r>
+              <a:rPr lang="en-US" smtClean="0"/>
+              <a:t>Edit Master text styles</a:t>
+            </a:r>
+          </a:p>
+        </p:txBody>
+      </p:sp>
+      <p:sp>
+        <p:nvSpPr>
+          <p:cNvPr id="4" name="Text Placeholder 3"/>
+          <p:cNvSpPr>
+            <a:spLocks noGrp="1"/>
+          </p:cNvSpPr>
+          <p:nvPr>
+            <p:ph type="body" sz="half" idx="2"/>
+          </p:nvPr>
+        </p:nvSpPr>
+        <p:spPr>
+          <a:xfrm>
+            <a:off x="1024467" y="3959862"/>
+            <a:ext cx="10151533" cy="679871"/>
           </a:xfrm>
         </p:spPr>
         <p:txBody>
@@ -1094,216 +1025,79 @@
             <a:normAutofit/>
           </a:bodyPr>
           <a:lstStyle>
-            <a:lvl1pPr algn="l">
-              <a:defRPr sz="3200" b="0" cap="all">
-                <a:solidFill>
-                  <a:schemeClr val="tx1"/>
-                </a:solidFill>
-              </a:defRPr>
+            <a:lvl1pPr marL="0" indent="0">
+              <a:buNone/>
+              <a:defRPr sz="1600"/>
+            </a:lvl1pPr>
+            <a:lvl2pPr marL="457200" indent="0">
+              <a:buNone/>
+              <a:defRPr sz="1400"/>
+            </a:lvl2pPr>
+            <a:lvl3pPr marL="914400" indent="0">
+              <a:buNone/>
+              <a:defRPr sz="1200"/>
+            </a:lvl3pPr>
+            <a:lvl4pPr marL="1371600" indent="0">
+              <a:buNone/>
+              <a:defRPr sz="1000"/>
+            </a:lvl4pPr>
+            <a:lvl5pPr marL="1828800" indent="0">
+              <a:buNone/>
+              <a:defRPr sz="1000"/>
+            </a:lvl5pPr>
+            <a:lvl6pPr marL="2286000" indent="0">
+              <a:buNone/>
+              <a:defRPr sz="1000"/>
+            </a:lvl6pPr>
+            <a:lvl7pPr marL="2743200" indent="0">
+              <a:buNone/>
+              <a:defRPr sz="1000"/>
+            </a:lvl7pPr>
+            <a:lvl8pPr marL="3200400" indent="0">
+              <a:buNone/>
+              <a:defRPr sz="1000"/>
+            </a:lvl8pPr>
+            <a:lvl9pPr marL="3657600" indent="0">
+              <a:buNone/>
+              <a:defRPr sz="1000"/>
+            </a:lvl9pPr>
+          </a:lstStyle>
+          <a:p>
+            <a:pPr lvl="0"/>
+            <a:r>
+              <a:rPr lang="en-US" smtClean="0"/>
+              <a:t>Edit Master text styles</a:t>
+            </a:r>
+          </a:p>
+        </p:txBody>
+      </p:sp>
+      <p:sp>
+        <p:nvSpPr>
+          <p:cNvPr id="5" name="Date Placeholder 4"/>
+          <p:cNvSpPr>
+            <a:spLocks noGrp="1"/>
+          </p:cNvSpPr>
+          <p:nvPr>
+            <p:ph type="dt" sz="half" idx="10"/>
+          </p:nvPr>
+        </p:nvSpPr>
+        <p:spPr>
+          <a:xfrm>
+            <a:off x="7814452" y="381000"/>
+            <a:ext cx="2910840" cy="365125"/>
+          </a:xfrm>
+        </p:spPr>
+        <p:txBody>
+          <a:bodyPr/>
+          <a:lstStyle>
+            <a:lvl1pPr algn="r">
+              <a:defRPr/>
             </a:lvl1pPr>
           </a:lstStyle>
           <a:p>
-            <a:r>
-              <a:rPr lang="it-IT"/>
-              <a:t>Fare clic per modificare lo stile del titolo</a:t>
-            </a:r>
-            <a:endParaRPr lang="en-US" dirty="0"/>
-          </a:p>
-        </p:txBody>
-      </p:sp>
-      <p:sp>
-        <p:nvSpPr>
-          <p:cNvPr id="10" name="Text Placeholder 9"/>
-          <p:cNvSpPr>
-            <a:spLocks noGrp="1"/>
-          </p:cNvSpPr>
-          <p:nvPr>
-            <p:ph type="body" sz="quarter" idx="13"/>
-          </p:nvPr>
-        </p:nvSpPr>
-        <p:spPr>
-          <a:xfrm>
-            <a:off x="1446212" y="3429000"/>
-            <a:ext cx="8534400" cy="381000"/>
-          </a:xfrm>
-        </p:spPr>
-        <p:txBody>
-          <a:bodyPr anchor="ctr"/>
-          <a:lstStyle>
-            <a:lvl1pPr marL="0" indent="0">
-              <a:buFontTx/>
-              <a:buNone/>
-              <a:defRPr/>
-            </a:lvl1pPr>
-            <a:lvl2pPr marL="457200" indent="0">
-              <a:buFontTx/>
-              <a:buNone/>
-              <a:defRPr/>
-            </a:lvl2pPr>
-            <a:lvl3pPr marL="914400" indent="0">
-              <a:buFontTx/>
-              <a:buNone/>
-              <a:defRPr/>
-            </a:lvl3pPr>
-            <a:lvl4pPr marL="1371600" indent="0">
-              <a:buFontTx/>
-              <a:buNone/>
-              <a:defRPr/>
-            </a:lvl4pPr>
-            <a:lvl5pPr marL="1828800" indent="0">
-              <a:buFontTx/>
-              <a:buNone/>
-              <a:defRPr/>
-            </a:lvl5pPr>
-          </a:lstStyle>
-          <a:p>
-            <a:pPr lvl="0"/>
-            <a:r>
-              <a:rPr lang="it-IT"/>
-              <a:t>Fare clic per modificare stili del testo dello schema</a:t>
-            </a:r>
-          </a:p>
-        </p:txBody>
-      </p:sp>
-      <p:sp>
-        <p:nvSpPr>
-          <p:cNvPr id="3" name="Text Placeholder 2"/>
-          <p:cNvSpPr>
-            <a:spLocks noGrp="1"/>
-          </p:cNvSpPr>
-          <p:nvPr>
-            <p:ph type="body" idx="1"/>
-          </p:nvPr>
-        </p:nvSpPr>
-        <p:spPr>
-          <a:xfrm>
-            <a:off x="684213" y="4301067"/>
-            <a:ext cx="8534400" cy="1684865"/>
-          </a:xfrm>
-        </p:spPr>
-        <p:txBody>
-          <a:bodyPr anchor="ctr">
-            <a:normAutofit/>
-          </a:bodyPr>
-          <a:lstStyle>
-            <a:lvl1pPr marL="0" indent="0" algn="l">
-              <a:buNone/>
-              <a:defRPr sz="2000">
-                <a:solidFill>
-                  <a:schemeClr val="bg2">
-                    <a:lumMod val="75000"/>
-                  </a:schemeClr>
-                </a:solidFill>
-              </a:defRPr>
-            </a:lvl1pPr>
-            <a:lvl2pPr marL="457200" indent="0">
-              <a:buNone/>
-              <a:defRPr sz="1800">
-                <a:solidFill>
-                  <a:schemeClr val="tx1">
-                    <a:tint val="75000"/>
-                  </a:schemeClr>
-                </a:solidFill>
-              </a:defRPr>
-            </a:lvl2pPr>
-            <a:lvl3pPr marL="914400" indent="0">
-              <a:buNone/>
-              <a:defRPr sz="1600">
-                <a:solidFill>
-                  <a:schemeClr val="tx1">
-                    <a:tint val="75000"/>
-                  </a:schemeClr>
-                </a:solidFill>
-              </a:defRPr>
-            </a:lvl3pPr>
-            <a:lvl4pPr marL="1371600" indent="0">
-              <a:buNone/>
-              <a:defRPr sz="1400">
-                <a:solidFill>
-                  <a:schemeClr val="tx1">
-                    <a:tint val="75000"/>
-                  </a:schemeClr>
-                </a:solidFill>
-              </a:defRPr>
-            </a:lvl4pPr>
-            <a:lvl5pPr marL="1828800" indent="0">
-              <a:buNone/>
-              <a:defRPr sz="1400">
-                <a:solidFill>
-                  <a:schemeClr val="tx1">
-                    <a:tint val="75000"/>
-                  </a:schemeClr>
-                </a:solidFill>
-              </a:defRPr>
-            </a:lvl5pPr>
-            <a:lvl6pPr marL="2286000" indent="0">
-              <a:buNone/>
-              <a:defRPr sz="1400">
-                <a:solidFill>
-                  <a:schemeClr val="tx1">
-                    <a:tint val="75000"/>
-                  </a:schemeClr>
-                </a:solidFill>
-              </a:defRPr>
-            </a:lvl6pPr>
-            <a:lvl7pPr marL="2743200" indent="0">
-              <a:buNone/>
-              <a:defRPr sz="1400">
-                <a:solidFill>
-                  <a:schemeClr val="tx1">
-                    <a:tint val="75000"/>
-                  </a:schemeClr>
-                </a:solidFill>
-              </a:defRPr>
-            </a:lvl7pPr>
-            <a:lvl8pPr marL="3200400" indent="0">
-              <a:buNone/>
-              <a:defRPr sz="1400">
-                <a:solidFill>
-                  <a:schemeClr val="tx1">
-                    <a:tint val="75000"/>
-                  </a:schemeClr>
-                </a:solidFill>
-              </a:defRPr>
-            </a:lvl8pPr>
-            <a:lvl9pPr marL="3657600" indent="0">
-              <a:buNone/>
-              <a:defRPr sz="1400">
-                <a:solidFill>
-                  <a:schemeClr val="tx1">
-                    <a:tint val="75000"/>
-                  </a:schemeClr>
-                </a:solidFill>
-              </a:defRPr>
-            </a:lvl9pPr>
-          </a:lstStyle>
-          <a:p>
-            <a:pPr lvl="0"/>
-            <a:r>
-              <a:rPr lang="it-IT"/>
-              <a:t>Fare clic per modificare stili del testo dello schema</a:t>
-            </a:r>
-          </a:p>
-        </p:txBody>
-      </p:sp>
-      <p:sp>
-        <p:nvSpPr>
-          <p:cNvPr id="4" name="Date Placeholder 3"/>
-          <p:cNvSpPr>
-            <a:spLocks noGrp="1"/>
-          </p:cNvSpPr>
-          <p:nvPr>
-            <p:ph type="dt" sz="half" idx="10"/>
-          </p:nvPr>
-        </p:nvSpPr>
-        <p:spPr/>
-        <p:txBody>
-          <a:bodyPr/>
-          <a:lstStyle/>
-          <a:p>
             <a:fld id="{76906E81-2588-4A67-B0A1-CCAA73920AE5}" type="datetimeFigureOut">
               <a:rPr lang="it-IT" smtClean="0"/>
-              <a:t>29/11/2018</a:t>
+              <a:t>04/12/2018</a:t>
             </a:fld>
             <a:endParaRPr lang="it-IT"/>
           </a:p>
@@ -1311,7 +1105,7 @@
       </p:sp>
       <p:sp>
         <p:nvSpPr>
-          <p:cNvPr id="5" name="Footer Placeholder 4"/>
+          <p:cNvPr id="6" name="Footer Placeholder 5"/>
           <p:cNvSpPr>
             <a:spLocks noGrp="1"/>
           </p:cNvSpPr>
@@ -1319,7 +1113,12 @@
             <p:ph type="ftr" sz="quarter" idx="11"/>
           </p:nvPr>
         </p:nvSpPr>
-        <p:spPr/>
+        <p:spPr>
+          <a:xfrm>
+            <a:off x="685800" y="379941"/>
+            <a:ext cx="6991492" cy="365125"/>
+          </a:xfrm>
+        </p:spPr>
         <p:txBody>
           <a:bodyPr/>
           <a:lstStyle/>
@@ -1330,7 +1129,7 @@
       </p:sp>
       <p:sp>
         <p:nvSpPr>
-          <p:cNvPr id="6" name="Slide Number Placeholder 5"/>
+          <p:cNvPr id="7" name="Slide Number Placeholder 6"/>
           <p:cNvSpPr>
             <a:spLocks noGrp="1"/>
           </p:cNvSpPr>
@@ -1338,7 +1137,12 @@
             <p:ph type="sldNum" sz="quarter" idx="12"/>
           </p:nvPr>
         </p:nvSpPr>
-        <p:spPr/>
+        <p:spPr>
+          <a:xfrm>
+            <a:off x="10862452" y="381000"/>
+            <a:ext cx="643748" cy="365125"/>
+          </a:xfrm>
+        </p:spPr>
         <p:txBody>
           <a:bodyPr/>
           <a:lstStyle/>
@@ -1353,13 +1157,13 @@
       </p:sp>
       <p:sp>
         <p:nvSpPr>
-          <p:cNvPr id="14" name="TextBox 13"/>
+          <p:cNvPr id="9" name="TextBox 8"/>
           <p:cNvSpPr txBox="1"/>
           <p:nvPr/>
         </p:nvSpPr>
         <p:spPr>
           <a:xfrm>
-            <a:off x="531812" y="812222"/>
+            <a:off x="476250" y="933450"/>
             <a:ext cx="609600" cy="584776"/>
           </a:xfrm>
           <a:prstGeom prst="rect">
@@ -1370,7 +1174,89 @@
           <a:bodyPr vert="horz" lIns="91440" tIns="45720" rIns="91440" bIns="45720" rtlCol="0" anchor="ctr">
             <a:noAutofit/>
           </a:bodyPr>
-          <a:lstStyle/>
+          <a:lstStyle>
+            <a:lvl1pPr>
+              <a:spcBef>
+                <a:spcPct val="0"/>
+              </a:spcBef>
+              <a:buNone/>
+              <a:defRPr sz="3200" b="0" cap="all">
+                <a:ln w="3175" cmpd="sng">
+                  <a:noFill/>
+                </a:ln>
+                <a:effectLst>
+                  <a:glow rad="38100">
+                    <a:schemeClr val="bg1">
+                      <a:lumMod val="65000"/>
+                      <a:lumOff val="35000"/>
+                      <a:alpha val="40000"/>
+                    </a:schemeClr>
+                  </a:glow>
+                  <a:outerShdw blurRad="28575" dist="38100" dir="14040000" algn="tl" rotWithShape="0">
+                    <a:srgbClr val="000000">
+                      <a:alpha val="25000"/>
+                    </a:srgbClr>
+                  </a:outerShdw>
+                </a:effectLst>
+              </a:defRPr>
+            </a:lvl1pPr>
+            <a:lvl2pPr>
+              <a:defRPr>
+                <a:solidFill>
+                  <a:schemeClr val="tx2"/>
+                </a:solidFill>
+              </a:defRPr>
+            </a:lvl2pPr>
+            <a:lvl3pPr>
+              <a:defRPr>
+                <a:solidFill>
+                  <a:schemeClr val="tx2"/>
+                </a:solidFill>
+              </a:defRPr>
+            </a:lvl3pPr>
+            <a:lvl4pPr>
+              <a:defRPr>
+                <a:solidFill>
+                  <a:schemeClr val="tx2"/>
+                </a:solidFill>
+              </a:defRPr>
+            </a:lvl4pPr>
+            <a:lvl5pPr>
+              <a:defRPr>
+                <a:solidFill>
+                  <a:schemeClr val="tx2"/>
+                </a:solidFill>
+              </a:defRPr>
+            </a:lvl5pPr>
+            <a:lvl6pPr>
+              <a:defRPr>
+                <a:solidFill>
+                  <a:schemeClr val="tx2"/>
+                </a:solidFill>
+              </a:defRPr>
+            </a:lvl6pPr>
+            <a:lvl7pPr>
+              <a:defRPr>
+                <a:solidFill>
+                  <a:schemeClr val="tx2"/>
+                </a:solidFill>
+              </a:defRPr>
+            </a:lvl7pPr>
+            <a:lvl8pPr>
+              <a:defRPr>
+                <a:solidFill>
+                  <a:schemeClr val="tx2"/>
+                </a:solidFill>
+              </a:defRPr>
+            </a:lvl8pPr>
+            <a:lvl9pPr>
+              <a:defRPr>
+                <a:solidFill>
+                  <a:schemeClr val="tx2"/>
+                </a:solidFill>
+              </a:defRPr>
+            </a:lvl9pPr>
+          </a:lstStyle>
           <a:p>
             <a:pPr lvl="0"/>
             <a:r>
@@ -1387,13 +1273,13 @@
       </p:sp>
       <p:sp>
         <p:nvSpPr>
-          <p:cNvPr id="15" name="TextBox 14"/>
+          <p:cNvPr id="10" name="TextBox 9"/>
           <p:cNvSpPr txBox="1"/>
           <p:nvPr/>
         </p:nvSpPr>
         <p:spPr>
           <a:xfrm>
-            <a:off x="10285412" y="2768601"/>
+            <a:off x="10984230" y="2701290"/>
             <a:ext cx="609600" cy="584776"/>
           </a:xfrm>
           <a:prstGeom prst="rect">
@@ -1404,7 +1290,89 @@
           <a:bodyPr vert="horz" lIns="91440" tIns="45720" rIns="91440" bIns="45720" rtlCol="0" anchor="ctr">
             <a:noAutofit/>
           </a:bodyPr>
-          <a:lstStyle/>
+          <a:lstStyle>
+            <a:lvl1pPr>
+              <a:spcBef>
+                <a:spcPct val="0"/>
+              </a:spcBef>
+              <a:buNone/>
+              <a:defRPr sz="3200" b="0" cap="all">
+                <a:ln w="3175" cmpd="sng">
+                  <a:noFill/>
+                </a:ln>
+                <a:effectLst>
+                  <a:glow rad="38100">
+                    <a:schemeClr val="bg1">
+                      <a:lumMod val="65000"/>
+                      <a:lumOff val="35000"/>
+                      <a:alpha val="40000"/>
+                    </a:schemeClr>
+                  </a:glow>
+                  <a:outerShdw blurRad="28575" dist="38100" dir="14040000" algn="tl" rotWithShape="0">
+                    <a:srgbClr val="000000">
+                      <a:alpha val="25000"/>
+                    </a:srgbClr>
+                  </a:outerShdw>
+                </a:effectLst>
+              </a:defRPr>
+            </a:lvl1pPr>
+            <a:lvl2pPr>
+              <a:defRPr>
+                <a:solidFill>
+                  <a:schemeClr val="tx2"/>
+                </a:solidFill>
+              </a:defRPr>
+            </a:lvl2pPr>
+            <a:lvl3pPr>
+              <a:defRPr>
+                <a:solidFill>
+                  <a:schemeClr val="tx2"/>
+                </a:solidFill>
+              </a:defRPr>
+            </a:lvl3pPr>
+            <a:lvl4pPr>
+              <a:defRPr>
+                <a:solidFill>
+                  <a:schemeClr val="tx2"/>
+                </a:solidFill>
+              </a:defRPr>
+            </a:lvl4pPr>
+            <a:lvl5pPr>
+              <a:defRPr>
+                <a:solidFill>
+                  <a:schemeClr val="tx2"/>
+                </a:solidFill>
+              </a:defRPr>
+            </a:lvl5pPr>
+            <a:lvl6pPr>
+              <a:defRPr>
+                <a:solidFill>
+                  <a:schemeClr val="tx2"/>
+                </a:solidFill>
+              </a:defRPr>
+            </a:lvl6pPr>
+            <a:lvl7pPr>
+              <a:defRPr>
+                <a:solidFill>
+                  <a:schemeClr val="tx2"/>
+                </a:solidFill>
+              </a:defRPr>
+            </a:lvl7pPr>
+            <a:lvl8pPr>
+              <a:defRPr>
+                <a:solidFill>
+                  <a:schemeClr val="tx2"/>
+                </a:solidFill>
+              </a:defRPr>
+            </a:lvl8pPr>
+            <a:lvl9pPr>
+              <a:defRPr>
+                <a:solidFill>
+                  <a:schemeClr val="tx2"/>
+                </a:solidFill>
+              </a:defRPr>
+            </a:lvl9pPr>
+          </a:lstStyle>
           <a:p>
             <a:pPr lvl="0" algn="r"/>
             <a:r>
@@ -1422,7 +1390,7 @@
     </p:spTree>
     <p:extLst>
       <p:ext uri="{BB962C8B-B14F-4D97-AF65-F5344CB8AC3E}">
-        <p14:creationId xmlns:p14="http://schemas.microsoft.com/office/powerpoint/2010/main" val="1199915119"/>
+        <p14:creationId xmlns:p14="http://schemas.microsoft.com/office/powerpoint/2010/main" val="739565490"/>
       </p:ext>
     </p:extLst>
   </p:cSld>
@@ -1433,8 +1401,8 @@
 </file>
 
 <file path=ppt/slideLayouts/slideLayout13.xml><?xml version="1.0" encoding="utf-8"?>
-<p:sldLayout xmlns:a="http://schemas.openxmlformats.org/drawingml/2006/main" xmlns:r="http://schemas.openxmlformats.org/officeDocument/2006/relationships" xmlns:p="http://schemas.openxmlformats.org/presentationml/2006/main" preserve="1">
-  <p:cSld name="Scheda nome">
+<p:sldLayout xmlns:a="http://schemas.openxmlformats.org/drawingml/2006/main" xmlns:r="http://schemas.openxmlformats.org/officeDocument/2006/relationships" xmlns:p="http://schemas.openxmlformats.org/presentationml/2006/main" showMasterSp="0" preserve="1">
+  <p:cSld name="Name Card">
     <p:spTree>
       <p:nvGrpSpPr>
         <p:cNvPr id="1" name=""/>
@@ -1449,6 +1417,36 @@
           <a:chExt cx="0" cy="0"/>
         </a:xfrm>
       </p:grpSpPr>
+      <p:pic>
+        <p:nvPicPr>
+          <p:cNvPr id="9" name="Picture 8" descr="C0-HD-BTM.png"/>
+          <p:cNvPicPr>
+            <a:picLocks noChangeAspect="1"/>
+          </p:cNvPicPr>
+          <p:nvPr/>
+        </p:nvPicPr>
+        <p:blipFill>
+          <a:blip r:embed="rId2">
+            <a:extLst>
+              <a:ext uri="{28A0092B-C50C-407E-A947-70E740481C1C}">
+                <a14:useLocalDpi xmlns:a14="http://schemas.microsoft.com/office/drawing/2010/main" val="0"/>
+              </a:ext>
+            </a:extLst>
+          </a:blip>
+          <a:stretch>
+            <a:fillRect/>
+          </a:stretch>
+        </p:blipFill>
+        <p:spPr>
+          <a:xfrm>
+            <a:off x="0" y="4375150"/>
+            <a:ext cx="12192000" cy="2482850"/>
+          </a:xfrm>
+          <a:prstGeom prst="rect">
+            <a:avLst/>
+          </a:prstGeom>
+        </p:spPr>
+      </p:pic>
       <p:sp>
         <p:nvSpPr>
           <p:cNvPr id="2" name="Title 1"/>
@@ -1461,23 +1459,21 @@
         </p:nvSpPr>
         <p:spPr>
           <a:xfrm>
-            <a:off x="684212" y="3429000"/>
-            <a:ext cx="8534400" cy="1697400"/>
-          </a:xfrm>
-        </p:spPr>
-        <p:txBody>
-          <a:bodyPr anchor="b">
-            <a:normAutofit/>
-          </a:bodyPr>
+            <a:off x="1024495" y="1124701"/>
+            <a:ext cx="10146186" cy="2511835"/>
+          </a:xfrm>
+        </p:spPr>
+        <p:txBody>
+          <a:bodyPr anchor="b"/>
           <a:lstStyle>
             <a:lvl1pPr algn="l">
-              <a:defRPr sz="3200" b="0" cap="all"/>
+              <a:defRPr sz="3200"/>
             </a:lvl1pPr>
           </a:lstStyle>
           <a:p>
             <a:r>
-              <a:rPr lang="it-IT"/>
-              <a:t>Fare clic per modificare lo stile del titolo</a:t>
+              <a:rPr lang="en-US" smtClean="0"/>
+              <a:t>Click to edit Master title style</a:t>
             </a:r>
             <a:endParaRPr lang="en-US" dirty="0"/>
           </a:p>
@@ -1485,128 +1481,72 @@
       </p:sp>
       <p:sp>
         <p:nvSpPr>
-          <p:cNvPr id="3" name="Text Placeholder 2"/>
-          <p:cNvSpPr>
-            <a:spLocks noGrp="1"/>
-          </p:cNvSpPr>
-          <p:nvPr>
-            <p:ph type="body" idx="1"/>
-          </p:nvPr>
-        </p:nvSpPr>
-        <p:spPr>
-          <a:xfrm>
-            <a:off x="684211" y="5132981"/>
-            <a:ext cx="8535990" cy="860400"/>
-          </a:xfrm>
-        </p:spPr>
-        <p:txBody>
-          <a:bodyPr anchor="t">
-            <a:normAutofit/>
-          </a:bodyPr>
+          <p:cNvPr id="4" name="Text Placeholder 3"/>
+          <p:cNvSpPr>
+            <a:spLocks noGrp="1"/>
+          </p:cNvSpPr>
+          <p:nvPr>
+            <p:ph type="body" sz="half" idx="2"/>
+          </p:nvPr>
+        </p:nvSpPr>
+        <p:spPr>
+          <a:xfrm>
+            <a:off x="1024467" y="3648315"/>
+            <a:ext cx="10144654" cy="999885"/>
+          </a:xfrm>
+        </p:spPr>
+        <p:txBody>
+          <a:bodyPr anchor="t"/>
           <a:lstStyle>
-            <a:lvl1pPr marL="0" indent="0" algn="l">
-              <a:buNone/>
-              <a:defRPr sz="2000">
-                <a:solidFill>
-                  <a:schemeClr val="bg2">
-                    <a:lumMod val="75000"/>
-                  </a:schemeClr>
-                </a:solidFill>
-              </a:defRPr>
+            <a:lvl1pPr marL="0" indent="0">
+              <a:buNone/>
+              <a:defRPr sz="1600"/>
             </a:lvl1pPr>
             <a:lvl2pPr marL="457200" indent="0">
               <a:buNone/>
-              <a:defRPr sz="1800">
-                <a:solidFill>
-                  <a:schemeClr val="tx1">
-                    <a:tint val="75000"/>
-                  </a:schemeClr>
-                </a:solidFill>
-              </a:defRPr>
+              <a:defRPr sz="1400"/>
             </a:lvl2pPr>
             <a:lvl3pPr marL="914400" indent="0">
               <a:buNone/>
-              <a:defRPr sz="1600">
-                <a:solidFill>
-                  <a:schemeClr val="tx1">
-                    <a:tint val="75000"/>
-                  </a:schemeClr>
-                </a:solidFill>
-              </a:defRPr>
+              <a:defRPr sz="1200"/>
             </a:lvl3pPr>
             <a:lvl4pPr marL="1371600" indent="0">
               <a:buNone/>
-              <a:defRPr sz="1400">
-                <a:solidFill>
-                  <a:schemeClr val="tx1">
-                    <a:tint val="75000"/>
-                  </a:schemeClr>
-                </a:solidFill>
-              </a:defRPr>
+              <a:defRPr sz="1000"/>
             </a:lvl4pPr>
             <a:lvl5pPr marL="1828800" indent="0">
               <a:buNone/>
-              <a:defRPr sz="1400">
-                <a:solidFill>
-                  <a:schemeClr val="tx1">
-                    <a:tint val="75000"/>
-                  </a:schemeClr>
-                </a:solidFill>
-              </a:defRPr>
+              <a:defRPr sz="1000"/>
             </a:lvl5pPr>
             <a:lvl6pPr marL="2286000" indent="0">
               <a:buNone/>
-              <a:defRPr sz="1400">
-                <a:solidFill>
-                  <a:schemeClr val="tx1">
-                    <a:tint val="75000"/>
-                  </a:schemeClr>
-                </a:solidFill>
-              </a:defRPr>
+              <a:defRPr sz="1000"/>
             </a:lvl6pPr>
             <a:lvl7pPr marL="2743200" indent="0">
               <a:buNone/>
-              <a:defRPr sz="1400">
-                <a:solidFill>
-                  <a:schemeClr val="tx1">
-                    <a:tint val="75000"/>
-                  </a:schemeClr>
-                </a:solidFill>
-              </a:defRPr>
+              <a:defRPr sz="1000"/>
             </a:lvl7pPr>
             <a:lvl8pPr marL="3200400" indent="0">
               <a:buNone/>
-              <a:defRPr sz="1400">
-                <a:solidFill>
-                  <a:schemeClr val="tx1">
-                    <a:tint val="75000"/>
-                  </a:schemeClr>
-                </a:solidFill>
-              </a:defRPr>
+              <a:defRPr sz="1000"/>
             </a:lvl8pPr>
             <a:lvl9pPr marL="3657600" indent="0">
               <a:buNone/>
-              <a:defRPr sz="1400">
-                <a:solidFill>
-                  <a:schemeClr val="tx1">
-                    <a:tint val="75000"/>
-                  </a:schemeClr>
-                </a:solidFill>
-              </a:defRPr>
+              <a:defRPr sz="1000"/>
             </a:lvl9pPr>
           </a:lstStyle>
           <a:p>
             <a:pPr lvl="0"/>
             <a:r>
-              <a:rPr lang="it-IT"/>
-              <a:t>Fare clic per modificare stili del testo dello schema</a:t>
-            </a:r>
-          </a:p>
-        </p:txBody>
-      </p:sp>
-      <p:sp>
-        <p:nvSpPr>
-          <p:cNvPr id="4" name="Date Placeholder 3"/>
+              <a:rPr lang="en-US" smtClean="0"/>
+              <a:t>Edit Master text styles</a:t>
+            </a:r>
+          </a:p>
+        </p:txBody>
+      </p:sp>
+      <p:sp>
+        <p:nvSpPr>
+          <p:cNvPr id="5" name="Date Placeholder 4"/>
           <p:cNvSpPr>
             <a:spLocks noGrp="1"/>
           </p:cNvSpPr>
@@ -1614,14 +1554,23 @@
             <p:ph type="dt" sz="half" idx="10"/>
           </p:nvPr>
         </p:nvSpPr>
-        <p:spPr/>
+        <p:spPr>
+          <a:xfrm>
+            <a:off x="7814452" y="378883"/>
+            <a:ext cx="2910840" cy="365125"/>
+          </a:xfrm>
+        </p:spPr>
         <p:txBody>
           <a:bodyPr/>
-          <a:lstStyle/>
+          <a:lstStyle>
+            <a:lvl1pPr algn="r">
+              <a:defRPr/>
+            </a:lvl1pPr>
+          </a:lstStyle>
           <a:p>
             <a:fld id="{76906E81-2588-4A67-B0A1-CCAA73920AE5}" type="datetimeFigureOut">
               <a:rPr lang="it-IT" smtClean="0"/>
-              <a:t>29/11/2018</a:t>
+              <a:t>04/12/2018</a:t>
             </a:fld>
             <a:endParaRPr lang="it-IT"/>
           </a:p>
@@ -1629,7 +1578,7 @@
       </p:sp>
       <p:sp>
         <p:nvSpPr>
-          <p:cNvPr id="5" name="Footer Placeholder 4"/>
+          <p:cNvPr id="6" name="Footer Placeholder 5"/>
           <p:cNvSpPr>
             <a:spLocks noGrp="1"/>
           </p:cNvSpPr>
@@ -1637,7 +1586,12 @@
             <p:ph type="ftr" sz="quarter" idx="11"/>
           </p:nvPr>
         </p:nvSpPr>
-        <p:spPr/>
+        <p:spPr>
+          <a:xfrm>
+            <a:off x="685800" y="378883"/>
+            <a:ext cx="6991492" cy="365125"/>
+          </a:xfrm>
+        </p:spPr>
         <p:txBody>
           <a:bodyPr/>
           <a:lstStyle/>
@@ -1648,7 +1602,7 @@
       </p:sp>
       <p:sp>
         <p:nvSpPr>
-          <p:cNvPr id="6" name="Slide Number Placeholder 5"/>
+          <p:cNvPr id="7" name="Slide Number Placeholder 6"/>
           <p:cNvSpPr>
             <a:spLocks noGrp="1"/>
           </p:cNvSpPr>
@@ -1656,7 +1610,12 @@
             <p:ph type="sldNum" sz="quarter" idx="12"/>
           </p:nvPr>
         </p:nvSpPr>
-        <p:spPr/>
+        <p:spPr>
+          <a:xfrm>
+            <a:off x="10862452" y="381000"/>
+            <a:ext cx="643748" cy="365125"/>
+          </a:xfrm>
+        </p:spPr>
         <p:txBody>
           <a:bodyPr/>
           <a:lstStyle/>
@@ -1672,7 +1631,7 @@
     </p:spTree>
     <p:extLst>
       <p:ext uri="{BB962C8B-B14F-4D97-AF65-F5344CB8AC3E}">
-        <p14:creationId xmlns:p14="http://schemas.microsoft.com/office/powerpoint/2010/main" val="1228082142"/>
+        <p14:creationId xmlns:p14="http://schemas.microsoft.com/office/powerpoint/2010/main" val="3929711671"/>
       </p:ext>
     </p:extLst>
   </p:cSld>
@@ -1684,7 +1643,7 @@
 
 <file path=ppt/slideLayouts/slideLayout14.xml><?xml version="1.0" encoding="utf-8"?>
 <p:sldLayout xmlns:a="http://schemas.openxmlformats.org/drawingml/2006/main" xmlns:r="http://schemas.openxmlformats.org/officeDocument/2006/relationships" xmlns:p="http://schemas.openxmlformats.org/presentationml/2006/main" preserve="1">
-  <p:cSld name="Scheda nome citazione">
+  <p:cSld name="3 Column">
     <p:spTree>
       <p:nvGrpSpPr>
         <p:cNvPr id="1" name=""/>
@@ -1701,7 +1660,7 @@
       </p:grpSpPr>
       <p:sp>
         <p:nvSpPr>
-          <p:cNvPr id="2" name="Title 1"/>
+          <p:cNvPr id="15" name="Title 1"/>
           <p:cNvSpPr>
             <a:spLocks noGrp="1"/>
           </p:cNvSpPr>
@@ -1711,94 +1670,107 @@
         </p:nvSpPr>
         <p:spPr>
           <a:xfrm>
-            <a:off x="1141413" y="685800"/>
-            <a:ext cx="9144000" cy="2743200"/>
-          </a:xfrm>
-        </p:spPr>
-        <p:txBody>
-          <a:bodyPr anchor="ctr">
-            <a:normAutofit/>
+            <a:off x="2895600" y="761999"/>
+            <a:ext cx="8610599" cy="1303867"/>
+          </a:xfrm>
+        </p:spPr>
+        <p:txBody>
+          <a:bodyPr/>
+          <a:lstStyle/>
+          <a:p>
+            <a:r>
+              <a:rPr lang="en-US" smtClean="0"/>
+              <a:t>Click to edit Master title style</a:t>
+            </a:r>
+            <a:endParaRPr lang="en-US" dirty="0"/>
+          </a:p>
+        </p:txBody>
+      </p:sp>
+      <p:sp>
+        <p:nvSpPr>
+          <p:cNvPr id="7" name="Text Placeholder 2"/>
+          <p:cNvSpPr>
+            <a:spLocks noGrp="1"/>
+          </p:cNvSpPr>
+          <p:nvPr>
+            <p:ph type="body" idx="1"/>
+          </p:nvPr>
+        </p:nvSpPr>
+        <p:spPr>
+          <a:xfrm>
+            <a:off x="685800" y="2202080"/>
+            <a:ext cx="3456432" cy="617320"/>
+          </a:xfrm>
+        </p:spPr>
+        <p:txBody>
+          <a:bodyPr anchor="b">
+            <a:noAutofit/>
           </a:bodyPr>
           <a:lstStyle>
-            <a:lvl1pPr algn="l">
-              <a:defRPr sz="3200" b="0" cap="all">
+            <a:lvl1pPr marL="0" indent="0">
+              <a:buNone/>
+              <a:defRPr sz="2400" b="0">
                 <a:solidFill>
                   <a:schemeClr val="tx1"/>
                 </a:solidFill>
               </a:defRPr>
             </a:lvl1pPr>
+            <a:lvl2pPr marL="457200" indent="0">
+              <a:buNone/>
+              <a:defRPr sz="2000" b="1"/>
+            </a:lvl2pPr>
+            <a:lvl3pPr marL="914400" indent="0">
+              <a:buNone/>
+              <a:defRPr sz="1800" b="1"/>
+            </a:lvl3pPr>
+            <a:lvl4pPr marL="1371600" indent="0">
+              <a:buNone/>
+              <a:defRPr sz="1600" b="1"/>
+            </a:lvl4pPr>
+            <a:lvl5pPr marL="1828800" indent="0">
+              <a:buNone/>
+              <a:defRPr sz="1600" b="1"/>
+            </a:lvl5pPr>
+            <a:lvl6pPr marL="2286000" indent="0">
+              <a:buNone/>
+              <a:defRPr sz="1600" b="1"/>
+            </a:lvl6pPr>
+            <a:lvl7pPr marL="2743200" indent="0">
+              <a:buNone/>
+              <a:defRPr sz="1600" b="1"/>
+            </a:lvl7pPr>
+            <a:lvl8pPr marL="3200400" indent="0">
+              <a:buNone/>
+              <a:defRPr sz="1600" b="1"/>
+            </a:lvl8pPr>
+            <a:lvl9pPr marL="3657600" indent="0">
+              <a:buNone/>
+              <a:defRPr sz="1600" b="1"/>
+            </a:lvl9pPr>
           </a:lstStyle>
           <a:p>
-            <a:r>
-              <a:rPr lang="it-IT"/>
-              <a:t>Fare clic per modificare lo stile del titolo</a:t>
-            </a:r>
-            <a:endParaRPr lang="en-US" dirty="0"/>
-          </a:p>
-        </p:txBody>
-      </p:sp>
-      <p:sp>
-        <p:nvSpPr>
-          <p:cNvPr id="10" name="Text Placeholder 9"/>
-          <p:cNvSpPr>
-            <a:spLocks noGrp="1"/>
-          </p:cNvSpPr>
-          <p:nvPr>
-            <p:ph type="body" sz="quarter" idx="13"/>
-          </p:nvPr>
-        </p:nvSpPr>
-        <p:spPr>
-          <a:xfrm>
-            <a:off x="684212" y="3928534"/>
-            <a:ext cx="8534401" cy="1049866"/>
-          </a:xfrm>
-        </p:spPr>
-        <p:txBody>
-          <a:bodyPr vert="horz" lIns="91440" tIns="45720" rIns="91440" bIns="45720" rtlCol="0" anchor="b">
-            <a:normAutofit/>
-          </a:bodyPr>
-          <a:lstStyle>
-            <a:lvl1pPr>
-              <a:buNone/>
-              <a:defRPr lang="en-US" sz="2400" b="0" cap="all" dirty="0">
-                <a:ln w="3175" cmpd="sng">
-                  <a:noFill/>
-                </a:ln>
-                <a:solidFill>
-                  <a:schemeClr val="tx1"/>
-                </a:solidFill>
-                <a:effectLst/>
-              </a:defRPr>
-            </a:lvl1pPr>
-          </a:lstStyle>
-          <a:p>
-            <a:pPr marL="0" lvl="0">
-              <a:spcBef>
-                <a:spcPct val="0"/>
-              </a:spcBef>
-              <a:buNone/>
-            </a:pPr>
-            <a:r>
-              <a:rPr lang="it-IT"/>
-              <a:t>Fare clic per modificare stili del testo dello schema</a:t>
-            </a:r>
-          </a:p>
-        </p:txBody>
-      </p:sp>
-      <p:sp>
-        <p:nvSpPr>
-          <p:cNvPr id="3" name="Text Placeholder 2"/>
-          <p:cNvSpPr>
-            <a:spLocks noGrp="1"/>
-          </p:cNvSpPr>
-          <p:nvPr>
-            <p:ph type="body" idx="1"/>
-          </p:nvPr>
-        </p:nvSpPr>
-        <p:spPr>
-          <a:xfrm>
-            <a:off x="684211" y="4978400"/>
-            <a:ext cx="8534401" cy="1016000"/>
+            <a:pPr lvl="0"/>
+            <a:r>
+              <a:rPr lang="en-US" smtClean="0"/>
+              <a:t>Edit Master text styles</a:t>
+            </a:r>
+          </a:p>
+        </p:txBody>
+      </p:sp>
+      <p:sp>
+        <p:nvSpPr>
+          <p:cNvPr id="8" name="Text Placeholder 3"/>
+          <p:cNvSpPr>
+            <a:spLocks noGrp="1"/>
+          </p:cNvSpPr>
+          <p:nvPr>
+            <p:ph type="body" sz="half" idx="15"/>
+          </p:nvPr>
+        </p:nvSpPr>
+        <p:spPr>
+          <a:xfrm>
+            <a:off x="685799" y="2904565"/>
+            <a:ext cx="3456432" cy="3314132"/>
           </a:xfrm>
         </p:spPr>
         <p:txBody>
@@ -1806,109 +1778,331 @@
             <a:normAutofit/>
           </a:bodyPr>
           <a:lstStyle>
-            <a:lvl1pPr marL="0" indent="0" algn="l">
-              <a:buNone/>
-              <a:defRPr sz="1800">
+            <a:lvl1pPr marL="0" indent="0">
+              <a:buNone/>
+              <a:defRPr sz="1400"/>
+            </a:lvl1pPr>
+            <a:lvl2pPr marL="457200" indent="0">
+              <a:buNone/>
+              <a:defRPr sz="1200"/>
+            </a:lvl2pPr>
+            <a:lvl3pPr marL="914400" indent="0">
+              <a:buNone/>
+              <a:defRPr sz="1000"/>
+            </a:lvl3pPr>
+            <a:lvl4pPr marL="1371600" indent="0">
+              <a:buNone/>
+              <a:defRPr sz="900"/>
+            </a:lvl4pPr>
+            <a:lvl5pPr marL="1828800" indent="0">
+              <a:buNone/>
+              <a:defRPr sz="900"/>
+            </a:lvl5pPr>
+            <a:lvl6pPr marL="2286000" indent="0">
+              <a:buNone/>
+              <a:defRPr sz="900"/>
+            </a:lvl6pPr>
+            <a:lvl7pPr marL="2743200" indent="0">
+              <a:buNone/>
+              <a:defRPr sz="900"/>
+            </a:lvl7pPr>
+            <a:lvl8pPr marL="3200400" indent="0">
+              <a:buNone/>
+              <a:defRPr sz="900"/>
+            </a:lvl8pPr>
+            <a:lvl9pPr marL="3657600" indent="0">
+              <a:buNone/>
+              <a:defRPr sz="900"/>
+            </a:lvl9pPr>
+          </a:lstStyle>
+          <a:p>
+            <a:pPr lvl="0"/>
+            <a:r>
+              <a:rPr lang="en-US" smtClean="0"/>
+              <a:t>Edit Master text styles</a:t>
+            </a:r>
+          </a:p>
+        </p:txBody>
+      </p:sp>
+      <p:sp>
+        <p:nvSpPr>
+          <p:cNvPr id="9" name="Text Placeholder 4"/>
+          <p:cNvSpPr>
+            <a:spLocks noGrp="1"/>
+          </p:cNvSpPr>
+          <p:nvPr>
+            <p:ph type="body" sz="quarter" idx="3"/>
+          </p:nvPr>
+        </p:nvSpPr>
+        <p:spPr>
+          <a:xfrm>
+            <a:off x="4368800" y="2201333"/>
+            <a:ext cx="3456432" cy="626534"/>
+          </a:xfrm>
+        </p:spPr>
+        <p:txBody>
+          <a:bodyPr anchor="b">
+            <a:noAutofit/>
+          </a:bodyPr>
+          <a:lstStyle>
+            <a:lvl1pPr marL="0" indent="0">
+              <a:buNone/>
+              <a:defRPr sz="2400" b="0">
                 <a:solidFill>
-                  <a:schemeClr val="bg2">
-                    <a:lumMod val="75000"/>
-                  </a:schemeClr>
+                  <a:schemeClr val="tx1"/>
                 </a:solidFill>
               </a:defRPr>
             </a:lvl1pPr>
             <a:lvl2pPr marL="457200" indent="0">
               <a:buNone/>
-              <a:defRPr sz="1800">
+              <a:defRPr sz="2000" b="1"/>
+            </a:lvl2pPr>
+            <a:lvl3pPr marL="914400" indent="0">
+              <a:buNone/>
+              <a:defRPr sz="1800" b="1"/>
+            </a:lvl3pPr>
+            <a:lvl4pPr marL="1371600" indent="0">
+              <a:buNone/>
+              <a:defRPr sz="1600" b="1"/>
+            </a:lvl4pPr>
+            <a:lvl5pPr marL="1828800" indent="0">
+              <a:buNone/>
+              <a:defRPr sz="1600" b="1"/>
+            </a:lvl5pPr>
+            <a:lvl6pPr marL="2286000" indent="0">
+              <a:buNone/>
+              <a:defRPr sz="1600" b="1"/>
+            </a:lvl6pPr>
+            <a:lvl7pPr marL="2743200" indent="0">
+              <a:buNone/>
+              <a:defRPr sz="1600" b="1"/>
+            </a:lvl7pPr>
+            <a:lvl8pPr marL="3200400" indent="0">
+              <a:buNone/>
+              <a:defRPr sz="1600" b="1"/>
+            </a:lvl8pPr>
+            <a:lvl9pPr marL="3657600" indent="0">
+              <a:buNone/>
+              <a:defRPr sz="1600" b="1"/>
+            </a:lvl9pPr>
+          </a:lstStyle>
+          <a:p>
+            <a:pPr lvl="0"/>
+            <a:r>
+              <a:rPr lang="en-US" smtClean="0"/>
+              <a:t>Edit Master text styles</a:t>
+            </a:r>
+          </a:p>
+        </p:txBody>
+      </p:sp>
+      <p:sp>
+        <p:nvSpPr>
+          <p:cNvPr id="10" name="Text Placeholder 3"/>
+          <p:cNvSpPr>
+            <a:spLocks noGrp="1"/>
+          </p:cNvSpPr>
+          <p:nvPr>
+            <p:ph type="body" sz="half" idx="16"/>
+          </p:nvPr>
+        </p:nvSpPr>
+        <p:spPr>
+          <a:xfrm>
+            <a:off x="4366858" y="2904067"/>
+            <a:ext cx="3456432" cy="3314618"/>
+          </a:xfrm>
+        </p:spPr>
+        <p:txBody>
+          <a:bodyPr anchor="t">
+            <a:normAutofit/>
+          </a:bodyPr>
+          <a:lstStyle>
+            <a:lvl1pPr marL="0" indent="0">
+              <a:buNone/>
+              <a:defRPr sz="1400"/>
+            </a:lvl1pPr>
+            <a:lvl2pPr marL="457200" indent="0">
+              <a:buNone/>
+              <a:defRPr sz="1200"/>
+            </a:lvl2pPr>
+            <a:lvl3pPr marL="914400" indent="0">
+              <a:buNone/>
+              <a:defRPr sz="1000"/>
+            </a:lvl3pPr>
+            <a:lvl4pPr marL="1371600" indent="0">
+              <a:buNone/>
+              <a:defRPr sz="900"/>
+            </a:lvl4pPr>
+            <a:lvl5pPr marL="1828800" indent="0">
+              <a:buNone/>
+              <a:defRPr sz="900"/>
+            </a:lvl5pPr>
+            <a:lvl6pPr marL="2286000" indent="0">
+              <a:buNone/>
+              <a:defRPr sz="900"/>
+            </a:lvl6pPr>
+            <a:lvl7pPr marL="2743200" indent="0">
+              <a:buNone/>
+              <a:defRPr sz="900"/>
+            </a:lvl7pPr>
+            <a:lvl8pPr marL="3200400" indent="0">
+              <a:buNone/>
+              <a:defRPr sz="900"/>
+            </a:lvl8pPr>
+            <a:lvl9pPr marL="3657600" indent="0">
+              <a:buNone/>
+              <a:defRPr sz="900"/>
+            </a:lvl9pPr>
+          </a:lstStyle>
+          <a:p>
+            <a:pPr lvl="0"/>
+            <a:r>
+              <a:rPr lang="en-US" smtClean="0"/>
+              <a:t>Edit Master text styles</a:t>
+            </a:r>
+          </a:p>
+        </p:txBody>
+      </p:sp>
+      <p:sp>
+        <p:nvSpPr>
+          <p:cNvPr id="11" name="Text Placeholder 4"/>
+          <p:cNvSpPr>
+            <a:spLocks noGrp="1"/>
+          </p:cNvSpPr>
+          <p:nvPr>
+            <p:ph type="body" sz="quarter" idx="13"/>
+          </p:nvPr>
+        </p:nvSpPr>
+        <p:spPr>
+          <a:xfrm>
+            <a:off x="8051800" y="2192866"/>
+            <a:ext cx="3456432" cy="626534"/>
+          </a:xfrm>
+        </p:spPr>
+        <p:txBody>
+          <a:bodyPr anchor="b">
+            <a:noAutofit/>
+          </a:bodyPr>
+          <a:lstStyle>
+            <a:lvl1pPr marL="0" indent="0">
+              <a:buNone/>
+              <a:defRPr sz="2400" b="0">
                 <a:solidFill>
-                  <a:schemeClr val="tx1">
-                    <a:tint val="75000"/>
-                  </a:schemeClr>
+                  <a:schemeClr val="tx1"/>
                 </a:solidFill>
               </a:defRPr>
+            </a:lvl1pPr>
+            <a:lvl2pPr marL="457200" indent="0">
+              <a:buNone/>
+              <a:defRPr sz="2000" b="1"/>
             </a:lvl2pPr>
             <a:lvl3pPr marL="914400" indent="0">
               <a:buNone/>
-              <a:defRPr sz="1600">
-                <a:solidFill>
-                  <a:schemeClr val="tx1">
-                    <a:tint val="75000"/>
-                  </a:schemeClr>
-                </a:solidFill>
-              </a:defRPr>
+              <a:defRPr sz="1800" b="1"/>
             </a:lvl3pPr>
             <a:lvl4pPr marL="1371600" indent="0">
               <a:buNone/>
-              <a:defRPr sz="1400">
-                <a:solidFill>
-                  <a:schemeClr val="tx1">
-                    <a:tint val="75000"/>
-                  </a:schemeClr>
-                </a:solidFill>
-              </a:defRPr>
+              <a:defRPr sz="1600" b="1"/>
             </a:lvl4pPr>
             <a:lvl5pPr marL="1828800" indent="0">
               <a:buNone/>
-              <a:defRPr sz="1400">
-                <a:solidFill>
-                  <a:schemeClr val="tx1">
-                    <a:tint val="75000"/>
-                  </a:schemeClr>
-                </a:solidFill>
-              </a:defRPr>
+              <a:defRPr sz="1600" b="1"/>
             </a:lvl5pPr>
             <a:lvl6pPr marL="2286000" indent="0">
               <a:buNone/>
-              <a:defRPr sz="1400">
-                <a:solidFill>
-                  <a:schemeClr val="tx1">
-                    <a:tint val="75000"/>
-                  </a:schemeClr>
-                </a:solidFill>
-              </a:defRPr>
+              <a:defRPr sz="1600" b="1"/>
             </a:lvl6pPr>
             <a:lvl7pPr marL="2743200" indent="0">
               <a:buNone/>
-              <a:defRPr sz="1400">
-                <a:solidFill>
-                  <a:schemeClr val="tx1">
-                    <a:tint val="75000"/>
-                  </a:schemeClr>
-                </a:solidFill>
-              </a:defRPr>
+              <a:defRPr sz="1600" b="1"/>
             </a:lvl7pPr>
             <a:lvl8pPr marL="3200400" indent="0">
               <a:buNone/>
-              <a:defRPr sz="1400">
-                <a:solidFill>
-                  <a:schemeClr val="tx1">
-                    <a:tint val="75000"/>
-                  </a:schemeClr>
-                </a:solidFill>
-              </a:defRPr>
+              <a:defRPr sz="1600" b="1"/>
             </a:lvl8pPr>
             <a:lvl9pPr marL="3657600" indent="0">
               <a:buNone/>
-              <a:defRPr sz="1400">
-                <a:solidFill>
-                  <a:schemeClr val="tx1">
-                    <a:tint val="75000"/>
-                  </a:schemeClr>
-                </a:solidFill>
-              </a:defRPr>
+              <a:defRPr sz="1600" b="1"/>
             </a:lvl9pPr>
           </a:lstStyle>
           <a:p>
             <a:pPr lvl="0"/>
             <a:r>
-              <a:rPr lang="it-IT"/>
-              <a:t>Fare clic per modificare stili del testo dello schema</a:t>
-            </a:r>
-          </a:p>
-        </p:txBody>
-      </p:sp>
-      <p:sp>
-        <p:nvSpPr>
-          <p:cNvPr id="4" name="Date Placeholder 3"/>
+              <a:rPr lang="en-US" smtClean="0"/>
+              <a:t>Edit Master text styles</a:t>
+            </a:r>
+          </a:p>
+        </p:txBody>
+      </p:sp>
+      <p:sp>
+        <p:nvSpPr>
+          <p:cNvPr id="12" name="Text Placeholder 3"/>
+          <p:cNvSpPr>
+            <a:spLocks noGrp="1"/>
+          </p:cNvSpPr>
+          <p:nvPr>
+            <p:ph type="body" sz="half" idx="17"/>
+          </p:nvPr>
+        </p:nvSpPr>
+        <p:spPr>
+          <a:xfrm>
+            <a:off x="8051801" y="2904565"/>
+            <a:ext cx="3456432" cy="3314132"/>
+          </a:xfrm>
+        </p:spPr>
+        <p:txBody>
+          <a:bodyPr anchor="t">
+            <a:normAutofit/>
+          </a:bodyPr>
+          <a:lstStyle>
+            <a:lvl1pPr marL="0" indent="0">
+              <a:buNone/>
+              <a:defRPr sz="1400"/>
+            </a:lvl1pPr>
+            <a:lvl2pPr marL="457200" indent="0">
+              <a:buNone/>
+              <a:defRPr sz="1200"/>
+            </a:lvl2pPr>
+            <a:lvl3pPr marL="914400" indent="0">
+              <a:buNone/>
+              <a:defRPr sz="1000"/>
+            </a:lvl3pPr>
+            <a:lvl4pPr marL="1371600" indent="0">
+              <a:buNone/>
+              <a:defRPr sz="900"/>
+            </a:lvl4pPr>
+            <a:lvl5pPr marL="1828800" indent="0">
+              <a:buNone/>
+              <a:defRPr sz="900"/>
+            </a:lvl5pPr>
+            <a:lvl6pPr marL="2286000" indent="0">
+              <a:buNone/>
+              <a:defRPr sz="900"/>
+            </a:lvl6pPr>
+            <a:lvl7pPr marL="2743200" indent="0">
+              <a:buNone/>
+              <a:defRPr sz="900"/>
+            </a:lvl7pPr>
+            <a:lvl8pPr marL="3200400" indent="0">
+              <a:buNone/>
+              <a:defRPr sz="900"/>
+            </a:lvl8pPr>
+            <a:lvl9pPr marL="3657600" indent="0">
+              <a:buNone/>
+              <a:defRPr sz="900"/>
+            </a:lvl9pPr>
+          </a:lstStyle>
+          <a:p>
+            <a:pPr lvl="0"/>
+            <a:r>
+              <a:rPr lang="en-US" smtClean="0"/>
+              <a:t>Edit Master text styles</a:t>
+            </a:r>
+          </a:p>
+        </p:txBody>
+      </p:sp>
+      <p:sp>
+        <p:nvSpPr>
+          <p:cNvPr id="3" name="Date Placeholder 2"/>
           <p:cNvSpPr>
             <a:spLocks noGrp="1"/>
           </p:cNvSpPr>
@@ -1923,7 +2117,7 @@
           <a:p>
             <a:fld id="{76906E81-2588-4A67-B0A1-CCAA73920AE5}" type="datetimeFigureOut">
               <a:rPr lang="it-IT" smtClean="0"/>
-              <a:t>29/11/2018</a:t>
+              <a:t>04/12/2018</a:t>
             </a:fld>
             <a:endParaRPr lang="it-IT"/>
           </a:p>
@@ -1931,7 +2125,7 @@
       </p:sp>
       <p:sp>
         <p:nvSpPr>
-          <p:cNvPr id="5" name="Footer Placeholder 4"/>
+          <p:cNvPr id="4" name="Footer Placeholder 3"/>
           <p:cNvSpPr>
             <a:spLocks noGrp="1"/>
           </p:cNvSpPr>
@@ -1950,7 +2144,7 @@
       </p:sp>
       <p:sp>
         <p:nvSpPr>
-          <p:cNvPr id="6" name="Slide Number Placeholder 5"/>
+          <p:cNvPr id="5" name="Slide Number Placeholder 4"/>
           <p:cNvSpPr>
             <a:spLocks noGrp="1"/>
           </p:cNvSpPr>
@@ -1971,78 +2165,10 @@
           </a:p>
         </p:txBody>
       </p:sp>
-      <p:sp>
-        <p:nvSpPr>
-          <p:cNvPr id="11" name="TextBox 10"/>
-          <p:cNvSpPr txBox="1"/>
-          <p:nvPr/>
-        </p:nvSpPr>
-        <p:spPr>
-          <a:xfrm>
-            <a:off x="531812" y="812222"/>
-            <a:ext cx="609600" cy="584776"/>
-          </a:xfrm>
-          <a:prstGeom prst="rect">
-            <a:avLst/>
-          </a:prstGeom>
-        </p:spPr>
-        <p:txBody>
-          <a:bodyPr vert="horz" lIns="91440" tIns="45720" rIns="91440" bIns="45720" rtlCol="0" anchor="ctr">
-            <a:noAutofit/>
-          </a:bodyPr>
-          <a:lstStyle/>
-          <a:p>
-            <a:pPr lvl="0"/>
-            <a:r>
-              <a:rPr lang="en-US" sz="8000" dirty="0">
-                <a:solidFill>
-                  <a:schemeClr val="tx1"/>
-                </a:solidFill>
-                <a:effectLst/>
-              </a:rPr>
-              <a:t>“</a:t>
-            </a:r>
-          </a:p>
-        </p:txBody>
-      </p:sp>
-      <p:sp>
-        <p:nvSpPr>
-          <p:cNvPr id="12" name="TextBox 11"/>
-          <p:cNvSpPr txBox="1"/>
-          <p:nvPr/>
-        </p:nvSpPr>
-        <p:spPr>
-          <a:xfrm>
-            <a:off x="10285412" y="2768601"/>
-            <a:ext cx="609600" cy="584776"/>
-          </a:xfrm>
-          <a:prstGeom prst="rect">
-            <a:avLst/>
-          </a:prstGeom>
-        </p:spPr>
-        <p:txBody>
-          <a:bodyPr vert="horz" lIns="91440" tIns="45720" rIns="91440" bIns="45720" rtlCol="0" anchor="ctr">
-            <a:noAutofit/>
-          </a:bodyPr>
-          <a:lstStyle/>
-          <a:p>
-            <a:pPr lvl="0" algn="r"/>
-            <a:r>
-              <a:rPr lang="en-US" sz="8000" dirty="0">
-                <a:solidFill>
-                  <a:schemeClr val="tx1"/>
-                </a:solidFill>
-                <a:effectLst/>
-              </a:rPr>
-              <a:t>”</a:t>
-            </a:r>
-          </a:p>
-        </p:txBody>
-      </p:sp>
     </p:spTree>
     <p:extLst>
       <p:ext uri="{BB962C8B-B14F-4D97-AF65-F5344CB8AC3E}">
-        <p14:creationId xmlns:p14="http://schemas.microsoft.com/office/powerpoint/2010/main" val="1745218905"/>
+        <p14:creationId xmlns:p14="http://schemas.microsoft.com/office/powerpoint/2010/main" val="12085357"/>
       </p:ext>
     </p:extLst>
   </p:cSld>
@@ -2054,7 +2180,7 @@
 
 <file path=ppt/slideLayouts/slideLayout15.xml><?xml version="1.0" encoding="utf-8"?>
 <p:sldLayout xmlns:a="http://schemas.openxmlformats.org/drawingml/2006/main" xmlns:r="http://schemas.openxmlformats.org/officeDocument/2006/relationships" xmlns:p="http://schemas.openxmlformats.org/presentationml/2006/main" preserve="1">
-  <p:cSld name="Vero o falso">
+  <p:cSld name="3 Picture Column">
     <p:spTree>
       <p:nvGrpSpPr>
         <p:cNvPr id="1" name=""/>
@@ -2071,7 +2197,7 @@
       </p:grpSpPr>
       <p:sp>
         <p:nvSpPr>
-          <p:cNvPr id="2" name="Title 1"/>
+          <p:cNvPr id="30" name="Title 1"/>
           <p:cNvSpPr>
             <a:spLocks noGrp="1"/>
           </p:cNvSpPr>
@@ -2081,201 +2207,676 @@
         </p:nvSpPr>
         <p:spPr>
           <a:xfrm>
-            <a:off x="684213" y="685800"/>
-            <a:ext cx="10058400" cy="2743200"/>
-          </a:xfrm>
-        </p:spPr>
-        <p:txBody>
-          <a:bodyPr vert="horz" lIns="91440" tIns="45720" rIns="91440" bIns="45720" rtlCol="0" anchor="ctr">
-            <a:normAutofit/>
+            <a:off x="2895600" y="762000"/>
+            <a:ext cx="8610599" cy="1295400"/>
+          </a:xfrm>
+        </p:spPr>
+        <p:txBody>
+          <a:bodyPr/>
+          <a:lstStyle/>
+          <a:p>
+            <a:r>
+              <a:rPr lang="en-US" smtClean="0"/>
+              <a:t>Click to edit Master title style</a:t>
+            </a:r>
+            <a:endParaRPr lang="en-US" dirty="0"/>
+          </a:p>
+        </p:txBody>
+      </p:sp>
+      <p:sp>
+        <p:nvSpPr>
+          <p:cNvPr id="19" name="Text Placeholder 2"/>
+          <p:cNvSpPr>
+            <a:spLocks noGrp="1"/>
+          </p:cNvSpPr>
+          <p:nvPr>
+            <p:ph type="body" idx="1"/>
+          </p:nvPr>
+        </p:nvSpPr>
+        <p:spPr>
+          <a:xfrm>
+            <a:off x="688618" y="4191000"/>
+            <a:ext cx="3451582" cy="682765"/>
+          </a:xfrm>
+        </p:spPr>
+        <p:txBody>
+          <a:bodyPr anchor="b">
+            <a:noAutofit/>
           </a:bodyPr>
           <a:lstStyle>
-            <a:lvl1pPr>
-              <a:defRPr lang="en-US" b="0" dirty="0"/>
-            </a:lvl1pPr>
-          </a:lstStyle>
-          <a:p>
-            <a:pPr marL="0" lvl="0"/>
-            <a:r>
-              <a:rPr lang="it-IT"/>
-              <a:t>Fare clic per modificare lo stile del titolo</a:t>
-            </a:r>
-            <a:endParaRPr lang="en-US" dirty="0"/>
-          </a:p>
-        </p:txBody>
-      </p:sp>
-      <p:sp>
-        <p:nvSpPr>
-          <p:cNvPr id="10" name="Text Placeholder 9"/>
-          <p:cNvSpPr>
-            <a:spLocks noGrp="1"/>
-          </p:cNvSpPr>
-          <p:nvPr>
-            <p:ph type="body" sz="quarter" idx="13"/>
-          </p:nvPr>
-        </p:nvSpPr>
-        <p:spPr>
-          <a:xfrm>
-            <a:off x="684212" y="3928534"/>
-            <a:ext cx="8534400" cy="838200"/>
-          </a:xfrm>
-        </p:spPr>
-        <p:txBody>
-          <a:bodyPr vert="horz" lIns="91440" tIns="45720" rIns="91440" bIns="45720" rtlCol="0" anchor="b">
-            <a:normAutofit/>
-          </a:bodyPr>
-          <a:lstStyle>
-            <a:lvl1pPr>
-              <a:buNone/>
-              <a:defRPr lang="en-US" sz="2400" b="0" cap="all" dirty="0">
-                <a:ln w="3175" cmpd="sng">
-                  <a:noFill/>
-                </a:ln>
+            <a:lvl1pPr marL="0" indent="0">
+              <a:buNone/>
+              <a:defRPr sz="2400" b="0">
                 <a:solidFill>
                   <a:schemeClr val="tx1"/>
                 </a:solidFill>
-                <a:effectLst/>
               </a:defRPr>
             </a:lvl1pPr>
+            <a:lvl2pPr marL="457200" indent="0">
+              <a:buNone/>
+              <a:defRPr sz="2000" b="1"/>
+            </a:lvl2pPr>
+            <a:lvl3pPr marL="914400" indent="0">
+              <a:buNone/>
+              <a:defRPr sz="1800" b="1"/>
+            </a:lvl3pPr>
+            <a:lvl4pPr marL="1371600" indent="0">
+              <a:buNone/>
+              <a:defRPr sz="1600" b="1"/>
+            </a:lvl4pPr>
+            <a:lvl5pPr marL="1828800" indent="0">
+              <a:buNone/>
+              <a:defRPr sz="1600" b="1"/>
+            </a:lvl5pPr>
+            <a:lvl6pPr marL="2286000" indent="0">
+              <a:buNone/>
+              <a:defRPr sz="1600" b="1"/>
+            </a:lvl6pPr>
+            <a:lvl7pPr marL="2743200" indent="0">
+              <a:buNone/>
+              <a:defRPr sz="1600" b="1"/>
+            </a:lvl7pPr>
+            <a:lvl8pPr marL="3200400" indent="0">
+              <a:buNone/>
+              <a:defRPr sz="1600" b="1"/>
+            </a:lvl8pPr>
+            <a:lvl9pPr marL="3657600" indent="0">
+              <a:buNone/>
+              <a:defRPr sz="1600" b="1"/>
+            </a:lvl9pPr>
           </a:lstStyle>
           <a:p>
-            <a:pPr marL="0" lvl="0">
-              <a:spcBef>
-                <a:spcPct val="0"/>
-              </a:spcBef>
-              <a:buNone/>
-            </a:pPr>
-            <a:r>
-              <a:rPr lang="it-IT"/>
-              <a:t>Fare clic per modificare stili del testo dello schema</a:t>
-            </a:r>
-          </a:p>
-        </p:txBody>
-      </p:sp>
-      <p:sp>
-        <p:nvSpPr>
-          <p:cNvPr id="3" name="Text Placeholder 2"/>
-          <p:cNvSpPr>
-            <a:spLocks noGrp="1"/>
-          </p:cNvSpPr>
-          <p:nvPr>
-            <p:ph type="body" idx="1"/>
-          </p:nvPr>
-        </p:nvSpPr>
-        <p:spPr>
-          <a:xfrm>
-            <a:off x="684211" y="4766732"/>
-            <a:ext cx="8534401" cy="1227667"/>
-          </a:xfrm>
+            <a:pPr lvl="0"/>
+            <a:r>
+              <a:rPr lang="en-US" smtClean="0"/>
+              <a:t>Edit Master text styles</a:t>
+            </a:r>
+          </a:p>
+        </p:txBody>
+      </p:sp>
+      <p:sp>
+        <p:nvSpPr>
+          <p:cNvPr id="20" name="Picture Placeholder 2"/>
+          <p:cNvSpPr>
+            <a:spLocks noGrp="1" noChangeAspect="1"/>
+          </p:cNvSpPr>
+          <p:nvPr>
+            <p:ph type="pic" idx="15"/>
+          </p:nvPr>
+        </p:nvSpPr>
+        <p:spPr>
+          <a:xfrm>
+            <a:off x="688618" y="2362200"/>
+            <a:ext cx="3451582" cy="1524000"/>
+          </a:xfrm>
+          <a:prstGeom prst="roundRect">
+            <a:avLst>
+              <a:gd name="adj" fmla="val 0"/>
+            </a:avLst>
+          </a:prstGeom>
+          <a:effectLst>
+            <a:outerShdw blurRad="50800" dist="50800" dir="5400000" algn="tl" rotWithShape="0">
+              <a:srgbClr val="000000">
+                <a:alpha val="43000"/>
+              </a:srgbClr>
+            </a:outerShdw>
+          </a:effectLst>
         </p:spPr>
         <p:txBody>
           <a:bodyPr anchor="t">
             <a:normAutofit/>
           </a:bodyPr>
           <a:lstStyle>
-            <a:lvl1pPr marL="0" indent="0" algn="l">
-              <a:buNone/>
-              <a:defRPr sz="1800">
+            <a:lvl1pPr marL="0" indent="0" algn="ctr">
+              <a:buNone/>
+              <a:defRPr sz="1600"/>
+            </a:lvl1pPr>
+            <a:lvl2pPr marL="457200" indent="0">
+              <a:buNone/>
+              <a:defRPr sz="1600"/>
+            </a:lvl2pPr>
+            <a:lvl3pPr marL="914400" indent="0">
+              <a:buNone/>
+              <a:defRPr sz="1600"/>
+            </a:lvl3pPr>
+            <a:lvl4pPr marL="1371600" indent="0">
+              <a:buNone/>
+              <a:defRPr sz="1600"/>
+            </a:lvl4pPr>
+            <a:lvl5pPr marL="1828800" indent="0">
+              <a:buNone/>
+              <a:defRPr sz="1600"/>
+            </a:lvl5pPr>
+            <a:lvl6pPr marL="2286000" indent="0">
+              <a:buNone/>
+              <a:defRPr sz="1600"/>
+            </a:lvl6pPr>
+            <a:lvl7pPr marL="2743200" indent="0">
+              <a:buNone/>
+              <a:defRPr sz="1600"/>
+            </a:lvl7pPr>
+            <a:lvl8pPr marL="3200400" indent="0">
+              <a:buNone/>
+              <a:defRPr sz="1600"/>
+            </a:lvl8pPr>
+            <a:lvl9pPr marL="3657600" indent="0">
+              <a:buNone/>
+              <a:defRPr sz="1600"/>
+            </a:lvl9pPr>
+          </a:lstStyle>
+          <a:p>
+            <a:r>
+              <a:rPr lang="en-US" smtClean="0"/>
+              <a:t>Click icon to add picture</a:t>
+            </a:r>
+            <a:endParaRPr lang="en-US" dirty="0"/>
+          </a:p>
+        </p:txBody>
+      </p:sp>
+      <p:sp>
+        <p:nvSpPr>
+          <p:cNvPr id="21" name="Text Placeholder 3"/>
+          <p:cNvSpPr>
+            <a:spLocks noGrp="1"/>
+          </p:cNvSpPr>
+          <p:nvPr>
+            <p:ph type="body" sz="half" idx="18"/>
+          </p:nvPr>
+        </p:nvSpPr>
+        <p:spPr>
+          <a:xfrm>
+            <a:off x="688618" y="4873764"/>
+            <a:ext cx="3451582" cy="1344921"/>
+          </a:xfrm>
+        </p:spPr>
+        <p:txBody>
+          <a:bodyPr anchor="t">
+            <a:normAutofit/>
+          </a:bodyPr>
+          <a:lstStyle>
+            <a:lvl1pPr marL="0" indent="0">
+              <a:buNone/>
+              <a:defRPr sz="1400"/>
+            </a:lvl1pPr>
+            <a:lvl2pPr marL="457200" indent="0">
+              <a:buNone/>
+              <a:defRPr sz="1200"/>
+            </a:lvl2pPr>
+            <a:lvl3pPr marL="914400" indent="0">
+              <a:buNone/>
+              <a:defRPr sz="1000"/>
+            </a:lvl3pPr>
+            <a:lvl4pPr marL="1371600" indent="0">
+              <a:buNone/>
+              <a:defRPr sz="900"/>
+            </a:lvl4pPr>
+            <a:lvl5pPr marL="1828800" indent="0">
+              <a:buNone/>
+              <a:defRPr sz="900"/>
+            </a:lvl5pPr>
+            <a:lvl6pPr marL="2286000" indent="0">
+              <a:buNone/>
+              <a:defRPr sz="900"/>
+            </a:lvl6pPr>
+            <a:lvl7pPr marL="2743200" indent="0">
+              <a:buNone/>
+              <a:defRPr sz="900"/>
+            </a:lvl7pPr>
+            <a:lvl8pPr marL="3200400" indent="0">
+              <a:buNone/>
+              <a:defRPr sz="900"/>
+            </a:lvl8pPr>
+            <a:lvl9pPr marL="3657600" indent="0">
+              <a:buNone/>
+              <a:defRPr sz="900"/>
+            </a:lvl9pPr>
+          </a:lstStyle>
+          <a:p>
+            <a:pPr lvl="0"/>
+            <a:r>
+              <a:rPr lang="en-US" smtClean="0"/>
+              <a:t>Edit Master text styles</a:t>
+            </a:r>
+          </a:p>
+        </p:txBody>
+      </p:sp>
+      <p:sp>
+        <p:nvSpPr>
+          <p:cNvPr id="22" name="Text Placeholder 4"/>
+          <p:cNvSpPr>
+            <a:spLocks noGrp="1"/>
+          </p:cNvSpPr>
+          <p:nvPr>
+            <p:ph type="body" sz="quarter" idx="3"/>
+          </p:nvPr>
+        </p:nvSpPr>
+        <p:spPr>
+          <a:xfrm>
+            <a:off x="4374263" y="4191000"/>
+            <a:ext cx="3448935" cy="682765"/>
+          </a:xfrm>
+        </p:spPr>
+        <p:txBody>
+          <a:bodyPr anchor="b">
+            <a:noAutofit/>
+          </a:bodyPr>
+          <a:lstStyle>
+            <a:lvl1pPr marL="0" indent="0">
+              <a:buNone/>
+              <a:defRPr sz="2400" b="0">
                 <a:solidFill>
-                  <a:schemeClr val="bg2">
-                    <a:lumMod val="75000"/>
-                  </a:schemeClr>
+                  <a:schemeClr val="tx1"/>
                 </a:solidFill>
               </a:defRPr>
             </a:lvl1pPr>
             <a:lvl2pPr marL="457200" indent="0">
               <a:buNone/>
-              <a:defRPr sz="1800">
+              <a:defRPr sz="2000" b="1"/>
+            </a:lvl2pPr>
+            <a:lvl3pPr marL="914400" indent="0">
+              <a:buNone/>
+              <a:defRPr sz="1800" b="1"/>
+            </a:lvl3pPr>
+            <a:lvl4pPr marL="1371600" indent="0">
+              <a:buNone/>
+              <a:defRPr sz="1600" b="1"/>
+            </a:lvl4pPr>
+            <a:lvl5pPr marL="1828800" indent="0">
+              <a:buNone/>
+              <a:defRPr sz="1600" b="1"/>
+            </a:lvl5pPr>
+            <a:lvl6pPr marL="2286000" indent="0">
+              <a:buNone/>
+              <a:defRPr sz="1600" b="1"/>
+            </a:lvl6pPr>
+            <a:lvl7pPr marL="2743200" indent="0">
+              <a:buNone/>
+              <a:defRPr sz="1600" b="1"/>
+            </a:lvl7pPr>
+            <a:lvl8pPr marL="3200400" indent="0">
+              <a:buNone/>
+              <a:defRPr sz="1600" b="1"/>
+            </a:lvl8pPr>
+            <a:lvl9pPr marL="3657600" indent="0">
+              <a:buNone/>
+              <a:defRPr sz="1600" b="1"/>
+            </a:lvl9pPr>
+          </a:lstStyle>
+          <a:p>
+            <a:pPr lvl="0"/>
+            <a:r>
+              <a:rPr lang="en-US" smtClean="0"/>
+              <a:t>Edit Master text styles</a:t>
+            </a:r>
+          </a:p>
+        </p:txBody>
+      </p:sp>
+      <p:sp>
+        <p:nvSpPr>
+          <p:cNvPr id="23" name="Picture Placeholder 2"/>
+          <p:cNvSpPr>
+            <a:spLocks noGrp="1" noChangeAspect="1"/>
+          </p:cNvSpPr>
+          <p:nvPr>
+            <p:ph type="pic" idx="21"/>
+          </p:nvPr>
+        </p:nvSpPr>
+        <p:spPr>
+          <a:xfrm>
+            <a:off x="4374263" y="2362200"/>
+            <a:ext cx="3448936" cy="1524000"/>
+          </a:xfrm>
+          <a:prstGeom prst="roundRect">
+            <a:avLst>
+              <a:gd name="adj" fmla="val 0"/>
+            </a:avLst>
+          </a:prstGeom>
+          <a:effectLst>
+            <a:outerShdw blurRad="50800" dist="50800" dir="5400000" algn="tl" rotWithShape="0">
+              <a:srgbClr val="000000">
+                <a:alpha val="43000"/>
+              </a:srgbClr>
+            </a:outerShdw>
+          </a:effectLst>
+        </p:spPr>
+        <p:txBody>
+          <a:bodyPr anchor="t">
+            <a:normAutofit/>
+          </a:bodyPr>
+          <a:lstStyle>
+            <a:lvl1pPr marL="0" indent="0" algn="ctr">
+              <a:buNone/>
+              <a:defRPr sz="1600"/>
+            </a:lvl1pPr>
+            <a:lvl2pPr marL="457200" indent="0">
+              <a:buNone/>
+              <a:defRPr sz="1600"/>
+            </a:lvl2pPr>
+            <a:lvl3pPr marL="914400" indent="0">
+              <a:buNone/>
+              <a:defRPr sz="1600"/>
+            </a:lvl3pPr>
+            <a:lvl4pPr marL="1371600" indent="0">
+              <a:buNone/>
+              <a:defRPr sz="1600"/>
+            </a:lvl4pPr>
+            <a:lvl5pPr marL="1828800" indent="0">
+              <a:buNone/>
+              <a:defRPr sz="1600"/>
+            </a:lvl5pPr>
+            <a:lvl6pPr marL="2286000" indent="0">
+              <a:buNone/>
+              <a:defRPr sz="1600"/>
+            </a:lvl6pPr>
+            <a:lvl7pPr marL="2743200" indent="0">
+              <a:buNone/>
+              <a:defRPr sz="1600"/>
+            </a:lvl7pPr>
+            <a:lvl8pPr marL="3200400" indent="0">
+              <a:buNone/>
+              <a:defRPr sz="1600"/>
+            </a:lvl8pPr>
+            <a:lvl9pPr marL="3657600" indent="0">
+              <a:buNone/>
+              <a:defRPr sz="1600"/>
+            </a:lvl9pPr>
+          </a:lstStyle>
+          <a:p>
+            <a:r>
+              <a:rPr lang="en-US" smtClean="0"/>
+              <a:t>Click icon to add picture</a:t>
+            </a:r>
+            <a:endParaRPr lang="en-US" dirty="0"/>
+          </a:p>
+        </p:txBody>
+      </p:sp>
+      <p:sp>
+        <p:nvSpPr>
+          <p:cNvPr id="24" name="Text Placeholder 3"/>
+          <p:cNvSpPr>
+            <a:spLocks noGrp="1"/>
+          </p:cNvSpPr>
+          <p:nvPr>
+            <p:ph type="body" sz="half" idx="19"/>
+          </p:nvPr>
+        </p:nvSpPr>
+        <p:spPr>
+          <a:xfrm>
+            <a:off x="4374264" y="4873763"/>
+            <a:ext cx="3448935" cy="1344921"/>
+          </a:xfrm>
+        </p:spPr>
+        <p:txBody>
+          <a:bodyPr anchor="t">
+            <a:normAutofit/>
+          </a:bodyPr>
+          <a:lstStyle>
+            <a:lvl1pPr marL="0" indent="0">
+              <a:buNone/>
+              <a:defRPr sz="1400"/>
+            </a:lvl1pPr>
+            <a:lvl2pPr marL="457200" indent="0">
+              <a:buNone/>
+              <a:defRPr sz="1200"/>
+            </a:lvl2pPr>
+            <a:lvl3pPr marL="914400" indent="0">
+              <a:buNone/>
+              <a:defRPr sz="1000"/>
+            </a:lvl3pPr>
+            <a:lvl4pPr marL="1371600" indent="0">
+              <a:buNone/>
+              <a:defRPr sz="900"/>
+            </a:lvl4pPr>
+            <a:lvl5pPr marL="1828800" indent="0">
+              <a:buNone/>
+              <a:defRPr sz="900"/>
+            </a:lvl5pPr>
+            <a:lvl6pPr marL="2286000" indent="0">
+              <a:buNone/>
+              <a:defRPr sz="900"/>
+            </a:lvl6pPr>
+            <a:lvl7pPr marL="2743200" indent="0">
+              <a:buNone/>
+              <a:defRPr sz="900"/>
+            </a:lvl7pPr>
+            <a:lvl8pPr marL="3200400" indent="0">
+              <a:buNone/>
+              <a:defRPr sz="900"/>
+            </a:lvl8pPr>
+            <a:lvl9pPr marL="3657600" indent="0">
+              <a:buNone/>
+              <a:defRPr sz="900"/>
+            </a:lvl9pPr>
+          </a:lstStyle>
+          <a:p>
+            <a:pPr lvl="0"/>
+            <a:r>
+              <a:rPr lang="en-US" smtClean="0"/>
+              <a:t>Edit Master text styles</a:t>
+            </a:r>
+          </a:p>
+        </p:txBody>
+      </p:sp>
+      <p:sp>
+        <p:nvSpPr>
+          <p:cNvPr id="25" name="Text Placeholder 4"/>
+          <p:cNvSpPr>
+            <a:spLocks noGrp="1"/>
+          </p:cNvSpPr>
+          <p:nvPr>
+            <p:ph type="body" sz="quarter" idx="13"/>
+          </p:nvPr>
+        </p:nvSpPr>
+        <p:spPr>
+          <a:xfrm>
+            <a:off x="8049731" y="4191000"/>
+            <a:ext cx="3456469" cy="682765"/>
+          </a:xfrm>
+        </p:spPr>
+        <p:txBody>
+          <a:bodyPr anchor="b">
+            <a:noAutofit/>
+          </a:bodyPr>
+          <a:lstStyle>
+            <a:lvl1pPr marL="0" indent="0">
+              <a:buNone/>
+              <a:defRPr sz="2400" b="0">
                 <a:solidFill>
-                  <a:schemeClr val="tx1">
-                    <a:tint val="75000"/>
-                  </a:schemeClr>
+                  <a:schemeClr val="tx1"/>
                 </a:solidFill>
               </a:defRPr>
+            </a:lvl1pPr>
+            <a:lvl2pPr marL="457200" indent="0">
+              <a:buNone/>
+              <a:defRPr sz="2000" b="1"/>
             </a:lvl2pPr>
             <a:lvl3pPr marL="914400" indent="0">
               <a:buNone/>
-              <a:defRPr sz="1600">
-                <a:solidFill>
-                  <a:schemeClr val="tx1">
-                    <a:tint val="75000"/>
-                  </a:schemeClr>
-                </a:solidFill>
-              </a:defRPr>
+              <a:defRPr sz="1800" b="1"/>
             </a:lvl3pPr>
             <a:lvl4pPr marL="1371600" indent="0">
               <a:buNone/>
-              <a:defRPr sz="1400">
-                <a:solidFill>
-                  <a:schemeClr val="tx1">
-                    <a:tint val="75000"/>
-                  </a:schemeClr>
-                </a:solidFill>
-              </a:defRPr>
+              <a:defRPr sz="1600" b="1"/>
             </a:lvl4pPr>
             <a:lvl5pPr marL="1828800" indent="0">
               <a:buNone/>
-              <a:defRPr sz="1400">
-                <a:solidFill>
-                  <a:schemeClr val="tx1">
-                    <a:tint val="75000"/>
-                  </a:schemeClr>
-                </a:solidFill>
-              </a:defRPr>
+              <a:defRPr sz="1600" b="1"/>
             </a:lvl5pPr>
             <a:lvl6pPr marL="2286000" indent="0">
               <a:buNone/>
-              <a:defRPr sz="1400">
-                <a:solidFill>
-                  <a:schemeClr val="tx1">
-                    <a:tint val="75000"/>
-                  </a:schemeClr>
-                </a:solidFill>
-              </a:defRPr>
+              <a:defRPr sz="1600" b="1"/>
             </a:lvl6pPr>
             <a:lvl7pPr marL="2743200" indent="0">
               <a:buNone/>
-              <a:defRPr sz="1400">
-                <a:solidFill>
-                  <a:schemeClr val="tx1">
-                    <a:tint val="75000"/>
-                  </a:schemeClr>
-                </a:solidFill>
-              </a:defRPr>
+              <a:defRPr sz="1600" b="1"/>
             </a:lvl7pPr>
             <a:lvl8pPr marL="3200400" indent="0">
               <a:buNone/>
-              <a:defRPr sz="1400">
-                <a:solidFill>
-                  <a:schemeClr val="tx1">
-                    <a:tint val="75000"/>
-                  </a:schemeClr>
-                </a:solidFill>
-              </a:defRPr>
+              <a:defRPr sz="1600" b="1"/>
             </a:lvl8pPr>
             <a:lvl9pPr marL="3657600" indent="0">
               <a:buNone/>
-              <a:defRPr sz="1400">
-                <a:solidFill>
-                  <a:schemeClr val="tx1">
-                    <a:tint val="75000"/>
-                  </a:schemeClr>
-                </a:solidFill>
-              </a:defRPr>
+              <a:defRPr sz="1600" b="1"/>
             </a:lvl9pPr>
           </a:lstStyle>
           <a:p>
             <a:pPr lvl="0"/>
             <a:r>
-              <a:rPr lang="it-IT"/>
-              <a:t>Fare clic per modificare stili del testo dello schema</a:t>
-            </a:r>
-          </a:p>
-        </p:txBody>
-      </p:sp>
-      <p:sp>
-        <p:nvSpPr>
-          <p:cNvPr id="4" name="Date Placeholder 3"/>
+              <a:rPr lang="en-US" smtClean="0"/>
+              <a:t>Edit Master text styles</a:t>
+            </a:r>
+          </a:p>
+        </p:txBody>
+      </p:sp>
+      <p:sp>
+        <p:nvSpPr>
+          <p:cNvPr id="26" name="Picture Placeholder 2"/>
+          <p:cNvSpPr>
+            <a:spLocks noGrp="1" noChangeAspect="1"/>
+          </p:cNvSpPr>
+          <p:nvPr>
+            <p:ph type="pic" idx="22"/>
+          </p:nvPr>
+        </p:nvSpPr>
+        <p:spPr>
+          <a:xfrm>
+            <a:off x="8049855" y="2362200"/>
+            <a:ext cx="3447878" cy="1524000"/>
+          </a:xfrm>
+          <a:prstGeom prst="roundRect">
+            <a:avLst>
+              <a:gd name="adj" fmla="val 0"/>
+            </a:avLst>
+          </a:prstGeom>
+          <a:effectLst>
+            <a:outerShdw blurRad="50800" dist="50800" dir="5400000" algn="tl" rotWithShape="0">
+              <a:srgbClr val="000000">
+                <a:alpha val="43000"/>
+              </a:srgbClr>
+            </a:outerShdw>
+          </a:effectLst>
+        </p:spPr>
+        <p:txBody>
+          <a:bodyPr anchor="t">
+            <a:normAutofit/>
+          </a:bodyPr>
+          <a:lstStyle>
+            <a:lvl1pPr marL="0" indent="0" algn="ctr">
+              <a:buNone/>
+              <a:defRPr sz="1600"/>
+            </a:lvl1pPr>
+            <a:lvl2pPr marL="457200" indent="0">
+              <a:buNone/>
+              <a:defRPr sz="1600"/>
+            </a:lvl2pPr>
+            <a:lvl3pPr marL="914400" indent="0">
+              <a:buNone/>
+              <a:defRPr sz="1600"/>
+            </a:lvl3pPr>
+            <a:lvl4pPr marL="1371600" indent="0">
+              <a:buNone/>
+              <a:defRPr sz="1600"/>
+            </a:lvl4pPr>
+            <a:lvl5pPr marL="1828800" indent="0">
+              <a:buNone/>
+              <a:defRPr sz="1600"/>
+            </a:lvl5pPr>
+            <a:lvl6pPr marL="2286000" indent="0">
+              <a:buNone/>
+              <a:defRPr sz="1600"/>
+            </a:lvl6pPr>
+            <a:lvl7pPr marL="2743200" indent="0">
+              <a:buNone/>
+              <a:defRPr sz="1600"/>
+            </a:lvl7pPr>
+            <a:lvl8pPr marL="3200400" indent="0">
+              <a:buNone/>
+              <a:defRPr sz="1600"/>
+            </a:lvl8pPr>
+            <a:lvl9pPr marL="3657600" indent="0">
+              <a:buNone/>
+              <a:defRPr sz="1600"/>
+            </a:lvl9pPr>
+          </a:lstStyle>
+          <a:p>
+            <a:r>
+              <a:rPr lang="en-US" smtClean="0"/>
+              <a:t>Click icon to add picture</a:t>
+            </a:r>
+            <a:endParaRPr lang="en-US" dirty="0"/>
+          </a:p>
+        </p:txBody>
+      </p:sp>
+      <p:sp>
+        <p:nvSpPr>
+          <p:cNvPr id="27" name="Text Placeholder 3"/>
+          <p:cNvSpPr>
+            <a:spLocks noGrp="1"/>
+          </p:cNvSpPr>
+          <p:nvPr>
+            <p:ph type="body" sz="half" idx="20"/>
+          </p:nvPr>
+        </p:nvSpPr>
+        <p:spPr>
+          <a:xfrm>
+            <a:off x="8049731" y="4873761"/>
+            <a:ext cx="3452445" cy="1344921"/>
+          </a:xfrm>
+        </p:spPr>
+        <p:txBody>
+          <a:bodyPr anchor="t">
+            <a:normAutofit/>
+          </a:bodyPr>
+          <a:lstStyle>
+            <a:lvl1pPr marL="0" indent="0">
+              <a:buNone/>
+              <a:defRPr sz="1400"/>
+            </a:lvl1pPr>
+            <a:lvl2pPr marL="457200" indent="0">
+              <a:buNone/>
+              <a:defRPr sz="1200"/>
+            </a:lvl2pPr>
+            <a:lvl3pPr marL="914400" indent="0">
+              <a:buNone/>
+              <a:defRPr sz="1000"/>
+            </a:lvl3pPr>
+            <a:lvl4pPr marL="1371600" indent="0">
+              <a:buNone/>
+              <a:defRPr sz="900"/>
+            </a:lvl4pPr>
+            <a:lvl5pPr marL="1828800" indent="0">
+              <a:buNone/>
+              <a:defRPr sz="900"/>
+            </a:lvl5pPr>
+            <a:lvl6pPr marL="2286000" indent="0">
+              <a:buNone/>
+              <a:defRPr sz="900"/>
+            </a:lvl6pPr>
+            <a:lvl7pPr marL="2743200" indent="0">
+              <a:buNone/>
+              <a:defRPr sz="900"/>
+            </a:lvl7pPr>
+            <a:lvl8pPr marL="3200400" indent="0">
+              <a:buNone/>
+              <a:defRPr sz="900"/>
+            </a:lvl8pPr>
+            <a:lvl9pPr marL="3657600" indent="0">
+              <a:buNone/>
+              <a:defRPr sz="900"/>
+            </a:lvl9pPr>
+          </a:lstStyle>
+          <a:p>
+            <a:pPr lvl="0"/>
+            <a:r>
+              <a:rPr lang="en-US" smtClean="0"/>
+              <a:t>Edit Master text styles</a:t>
+            </a:r>
+          </a:p>
+        </p:txBody>
+      </p:sp>
+      <p:sp>
+        <p:nvSpPr>
+          <p:cNvPr id="3" name="Date Placeholder 2"/>
           <p:cNvSpPr>
             <a:spLocks noGrp="1"/>
           </p:cNvSpPr>
@@ -2290,7 +2891,7 @@
           <a:p>
             <a:fld id="{76906E81-2588-4A67-B0A1-CCAA73920AE5}" type="datetimeFigureOut">
               <a:rPr lang="it-IT" smtClean="0"/>
-              <a:t>29/11/2018</a:t>
+              <a:t>04/12/2018</a:t>
             </a:fld>
             <a:endParaRPr lang="it-IT"/>
           </a:p>
@@ -2298,7 +2899,7 @@
       </p:sp>
       <p:sp>
         <p:nvSpPr>
-          <p:cNvPr id="5" name="Footer Placeholder 4"/>
+          <p:cNvPr id="4" name="Footer Placeholder 3"/>
           <p:cNvSpPr>
             <a:spLocks noGrp="1"/>
           </p:cNvSpPr>
@@ -2317,7 +2918,7 @@
       </p:sp>
       <p:sp>
         <p:nvSpPr>
-          <p:cNvPr id="6" name="Slide Number Placeholder 5"/>
+          <p:cNvPr id="5" name="Slide Number Placeholder 4"/>
           <p:cNvSpPr>
             <a:spLocks noGrp="1"/>
           </p:cNvSpPr>
@@ -2341,7 +2942,7 @@
     </p:spTree>
     <p:extLst>
       <p:ext uri="{BB962C8B-B14F-4D97-AF65-F5344CB8AC3E}">
-        <p14:creationId xmlns:p14="http://schemas.microsoft.com/office/powerpoint/2010/main" val="1041616175"/>
+        <p14:creationId xmlns:p14="http://schemas.microsoft.com/office/powerpoint/2010/main" val="3937369832"/>
       </p:ext>
     </p:extLst>
   </p:cSld>
@@ -2353,7 +2954,7 @@
 
 <file path=ppt/slideLayouts/slideLayout16.xml><?xml version="1.0" encoding="utf-8"?>
 <p:sldLayout xmlns:a="http://schemas.openxmlformats.org/drawingml/2006/main" xmlns:r="http://schemas.openxmlformats.org/officeDocument/2006/relationships" xmlns:p="http://schemas.openxmlformats.org/presentationml/2006/main" type="vertTx" preserve="1">
-  <p:cSld name="Titolo e testo verticale">
+  <p:cSld name="Title and Vertical Text">
     <p:spTree>
       <p:nvGrpSpPr>
         <p:cNvPr id="1" name=""/>
@@ -2381,15 +2982,11 @@
         <p:spPr/>
         <p:txBody>
           <a:bodyPr/>
-          <a:lstStyle>
-            <a:lvl1pPr algn="l">
-              <a:defRPr/>
-            </a:lvl1pPr>
-          </a:lstStyle>
-          <a:p>
-            <a:r>
-              <a:rPr lang="it-IT"/>
-              <a:t>Fare clic per modificare lo stile del titolo</a:t>
+          <a:lstStyle/>
+          <a:p>
+            <a:r>
+              <a:rPr lang="en-US" smtClean="0"/>
+              <a:t>Click to edit Master title style</a:t>
             </a:r>
             <a:endParaRPr lang="en-US" dirty="0"/>
           </a:p>
@@ -2405,43 +3002,48 @@
             <p:ph type="body" orient="vert" idx="1"/>
           </p:nvPr>
         </p:nvSpPr>
-        <p:spPr/>
-        <p:txBody>
-          <a:bodyPr vert="eaVert" anchor="t"/>
+        <p:spPr>
+          <a:xfrm>
+            <a:off x="685800" y="2194559"/>
+            <a:ext cx="10820400" cy="4024125"/>
+          </a:xfrm>
+        </p:spPr>
+        <p:txBody>
+          <a:bodyPr vert="eaVert"/>
           <a:lstStyle/>
           <a:p>
             <a:pPr lvl="0"/>
             <a:r>
-              <a:rPr lang="it-IT"/>
-              <a:t>Fare clic per modificare stili del testo dello schema</a:t>
+              <a:rPr lang="en-US" smtClean="0"/>
+              <a:t>Edit Master text styles</a:t>
             </a:r>
           </a:p>
           <a:p>
             <a:pPr lvl="1"/>
             <a:r>
-              <a:rPr lang="it-IT"/>
-              <a:t>Secondo livello</a:t>
+              <a:rPr lang="en-US" smtClean="0"/>
+              <a:t>Second level</a:t>
             </a:r>
           </a:p>
           <a:p>
             <a:pPr lvl="2"/>
             <a:r>
-              <a:rPr lang="it-IT"/>
-              <a:t>Terzo livello</a:t>
+              <a:rPr lang="en-US" smtClean="0"/>
+              <a:t>Third level</a:t>
             </a:r>
           </a:p>
           <a:p>
             <a:pPr lvl="3"/>
             <a:r>
-              <a:rPr lang="it-IT"/>
-              <a:t>Quarto livello</a:t>
+              <a:rPr lang="en-US" smtClean="0"/>
+              <a:t>Fourth level</a:t>
             </a:r>
           </a:p>
           <a:p>
             <a:pPr lvl="4"/>
             <a:r>
-              <a:rPr lang="it-IT"/>
-              <a:t>Quinto livello</a:t>
+              <a:rPr lang="en-US" smtClean="0"/>
+              <a:t>Fifth level</a:t>
             </a:r>
             <a:endParaRPr lang="en-US" dirty="0"/>
           </a:p>
@@ -2464,7 +3066,7 @@
           <a:p>
             <a:fld id="{76906E81-2588-4A67-B0A1-CCAA73920AE5}" type="datetimeFigureOut">
               <a:rPr lang="it-IT" smtClean="0"/>
-              <a:t>29/11/2018</a:t>
+              <a:t>04/12/2018</a:t>
             </a:fld>
             <a:endParaRPr lang="it-IT"/>
           </a:p>
@@ -2515,7 +3117,7 @@
     </p:spTree>
     <p:extLst>
       <p:ext uri="{BB962C8B-B14F-4D97-AF65-F5344CB8AC3E}">
-        <p14:creationId xmlns:p14="http://schemas.microsoft.com/office/powerpoint/2010/main" val="3453967700"/>
+        <p14:creationId xmlns:p14="http://schemas.microsoft.com/office/powerpoint/2010/main" val="701142648"/>
       </p:ext>
     </p:extLst>
   </p:cSld>
@@ -2526,8 +3128,8 @@
 </file>
 
 <file path=ppt/slideLayouts/slideLayout17.xml><?xml version="1.0" encoding="utf-8"?>
-<p:sldLayout xmlns:a="http://schemas.openxmlformats.org/drawingml/2006/main" xmlns:r="http://schemas.openxmlformats.org/officeDocument/2006/relationships" xmlns:p="http://schemas.openxmlformats.org/presentationml/2006/main" type="vertTitleAndTx" preserve="1">
-  <p:cSld name="1_Titolo e testo verticale">
+<p:sldLayout xmlns:a="http://schemas.openxmlformats.org/drawingml/2006/main" xmlns:r="http://schemas.openxmlformats.org/officeDocument/2006/relationships" xmlns:p="http://schemas.openxmlformats.org/presentationml/2006/main" showMasterSp="0" type="vertTitleAndTx" preserve="1">
+  <p:cSld name="Vertical Title and Text">
     <p:spTree>
       <p:nvGrpSpPr>
         <p:cNvPr id="1" name=""/>
@@ -2542,6 +3144,36 @@
           <a:chExt cx="0" cy="0"/>
         </a:xfrm>
       </p:grpSpPr>
+      <p:pic>
+        <p:nvPicPr>
+          <p:cNvPr id="8" name="Picture 7" descr="C0-HD-BTM.png"/>
+          <p:cNvPicPr>
+            <a:picLocks noChangeAspect="1"/>
+          </p:cNvPicPr>
+          <p:nvPr/>
+        </p:nvPicPr>
+        <p:blipFill>
+          <a:blip r:embed="rId2">
+            <a:extLst>
+              <a:ext uri="{28A0092B-C50C-407E-A947-70E740481C1C}">
+                <a14:useLocalDpi xmlns:a14="http://schemas.microsoft.com/office/drawing/2010/main" val="0"/>
+              </a:ext>
+            </a:extLst>
+          </a:blip>
+          <a:stretch>
+            <a:fillRect/>
+          </a:stretch>
+        </p:blipFill>
+        <p:spPr>
+          <a:xfrm>
+            <a:off x="0" y="4375150"/>
+            <a:ext cx="12192000" cy="2482850"/>
+          </a:xfrm>
+          <a:prstGeom prst="rect">
+            <a:avLst/>
+          </a:prstGeom>
+        </p:spPr>
+      </p:pic>
       <p:sp>
         <p:nvSpPr>
           <p:cNvPr id="2" name="Vertical Title 1"/>
@@ -2554,17 +3186,21 @@
         </p:nvSpPr>
         <p:spPr>
           <a:xfrm>
-            <a:off x="8685212" y="685800"/>
-            <a:ext cx="2057400" cy="4572000"/>
+            <a:off x="9448800" y="745066"/>
+            <a:ext cx="2057400" cy="3903133"/>
           </a:xfrm>
         </p:spPr>
         <p:txBody>
           <a:bodyPr vert="eaVert"/>
-          <a:lstStyle/>
-          <a:p>
-            <a:r>
-              <a:rPr lang="it-IT"/>
-              <a:t>Fare clic per modificare lo stile del titolo</a:t>
+          <a:lstStyle>
+            <a:lvl1pPr algn="l">
+              <a:defRPr/>
+            </a:lvl1pPr>
+          </a:lstStyle>
+          <a:p>
+            <a:r>
+              <a:rPr lang="en-US" smtClean="0"/>
+              <a:t>Click to edit Master title style</a:t>
             </a:r>
             <a:endParaRPr lang="en-US" dirty="0"/>
           </a:p>
@@ -2582,46 +3218,46 @@
         </p:nvSpPr>
         <p:spPr>
           <a:xfrm>
-            <a:off x="685800" y="685800"/>
-            <a:ext cx="7823200" cy="5308600"/>
-          </a:xfrm>
-        </p:spPr>
-        <p:txBody>
-          <a:bodyPr vert="eaVert" anchor="t"/>
+            <a:off x="1024466" y="745067"/>
+            <a:ext cx="8204201" cy="3903133"/>
+          </a:xfrm>
+        </p:spPr>
+        <p:txBody>
+          <a:bodyPr vert="eaVert"/>
           <a:lstStyle/>
           <a:p>
             <a:pPr lvl="0"/>
             <a:r>
-              <a:rPr lang="it-IT"/>
-              <a:t>Fare clic per modificare stili del testo dello schema</a:t>
+              <a:rPr lang="en-US" smtClean="0"/>
+              <a:t>Edit Master text styles</a:t>
             </a:r>
           </a:p>
           <a:p>
             <a:pPr lvl="1"/>
             <a:r>
-              <a:rPr lang="it-IT"/>
-              <a:t>Secondo livello</a:t>
+              <a:rPr lang="en-US" smtClean="0"/>
+              <a:t>Second level</a:t>
             </a:r>
           </a:p>
           <a:p>
             <a:pPr lvl="2"/>
             <a:r>
-              <a:rPr lang="it-IT"/>
-              <a:t>Terzo livello</a:t>
+              <a:rPr lang="en-US" smtClean="0"/>
+              <a:t>Third level</a:t>
             </a:r>
           </a:p>
           <a:p>
             <a:pPr lvl="3"/>
             <a:r>
-              <a:rPr lang="it-IT"/>
-              <a:t>Quarto livello</a:t>
+              <a:rPr lang="en-US" smtClean="0"/>
+              <a:t>Fourth level</a:t>
             </a:r>
           </a:p>
           <a:p>
             <a:pPr lvl="4"/>
             <a:r>
-              <a:rPr lang="it-IT"/>
-              <a:t>Quinto livello</a:t>
+              <a:rPr lang="en-US" smtClean="0"/>
+              <a:t>Fifth level</a:t>
             </a:r>
             <a:endParaRPr lang="en-US" dirty="0"/>
           </a:p>
@@ -2637,14 +3273,23 @@
             <p:ph type="dt" sz="half" idx="10"/>
           </p:nvPr>
         </p:nvSpPr>
-        <p:spPr/>
+        <p:spPr>
+          <a:xfrm>
+            <a:off x="7814452" y="379941"/>
+            <a:ext cx="2910840" cy="365125"/>
+          </a:xfrm>
+        </p:spPr>
         <p:txBody>
           <a:bodyPr/>
-          <a:lstStyle/>
+          <a:lstStyle>
+            <a:lvl1pPr algn="r">
+              <a:defRPr/>
+            </a:lvl1pPr>
+          </a:lstStyle>
           <a:p>
             <a:fld id="{76906E81-2588-4A67-B0A1-CCAA73920AE5}" type="datetimeFigureOut">
               <a:rPr lang="it-IT" smtClean="0"/>
-              <a:t>29/11/2018</a:t>
+              <a:t>04/12/2018</a:t>
             </a:fld>
             <a:endParaRPr lang="it-IT"/>
           </a:p>
@@ -2660,7 +3305,12 @@
             <p:ph type="ftr" sz="quarter" idx="11"/>
           </p:nvPr>
         </p:nvSpPr>
-        <p:spPr/>
+        <p:spPr>
+          <a:xfrm>
+            <a:off x="685800" y="381000"/>
+            <a:ext cx="6991492" cy="365125"/>
+          </a:xfrm>
+        </p:spPr>
         <p:txBody>
           <a:bodyPr/>
           <a:lstStyle/>
@@ -2679,7 +3329,12 @@
             <p:ph type="sldNum" sz="quarter" idx="12"/>
           </p:nvPr>
         </p:nvSpPr>
-        <p:spPr/>
+        <p:spPr>
+          <a:xfrm>
+            <a:off x="10862452" y="381000"/>
+            <a:ext cx="643748" cy="365125"/>
+          </a:xfrm>
+        </p:spPr>
         <p:txBody>
           <a:bodyPr/>
           <a:lstStyle/>
@@ -2695,7 +3350,7 @@
     </p:spTree>
     <p:extLst>
       <p:ext uri="{BB962C8B-B14F-4D97-AF65-F5344CB8AC3E}">
-        <p14:creationId xmlns:p14="http://schemas.microsoft.com/office/powerpoint/2010/main" val="3166612172"/>
+        <p14:creationId xmlns:p14="http://schemas.microsoft.com/office/powerpoint/2010/main" val="3922754215"/>
       </p:ext>
     </p:extLst>
   </p:cSld>
@@ -2707,7 +3362,7 @@
 
 <file path=ppt/slideLayouts/slideLayout2.xml><?xml version="1.0" encoding="utf-8"?>
 <p:sldLayout xmlns:a="http://schemas.openxmlformats.org/drawingml/2006/main" xmlns:r="http://schemas.openxmlformats.org/officeDocument/2006/relationships" xmlns:p="http://schemas.openxmlformats.org/presentationml/2006/main" type="obj" preserve="1">
-  <p:cSld name="Titolo e contenuto">
+  <p:cSld name="Title and Content">
     <p:spTree>
       <p:nvGrpSpPr>
         <p:cNvPr id="1" name=""/>
@@ -2738,8 +3393,8 @@
           <a:lstStyle/>
           <a:p>
             <a:r>
-              <a:rPr lang="it-IT"/>
-              <a:t>Fare clic per modificare lo stile del titolo</a:t>
+              <a:rPr lang="en-US" smtClean="0"/>
+              <a:t>Click to edit Master title style</a:t>
             </a:r>
             <a:endParaRPr lang="en-US" dirty="0"/>
           </a:p>
@@ -2757,41 +3412,41 @@
         </p:nvSpPr>
         <p:spPr/>
         <p:txBody>
-          <a:bodyPr anchor="ctr"/>
+          <a:bodyPr/>
           <a:lstStyle/>
           <a:p>
             <a:pPr lvl="0"/>
             <a:r>
-              <a:rPr lang="it-IT"/>
-              <a:t>Fare clic per modificare stili del testo dello schema</a:t>
+              <a:rPr lang="en-US" smtClean="0"/>
+              <a:t>Edit Master text styles</a:t>
             </a:r>
           </a:p>
           <a:p>
             <a:pPr lvl="1"/>
             <a:r>
-              <a:rPr lang="it-IT"/>
-              <a:t>Secondo livello</a:t>
+              <a:rPr lang="en-US" smtClean="0"/>
+              <a:t>Second level</a:t>
             </a:r>
           </a:p>
           <a:p>
             <a:pPr lvl="2"/>
             <a:r>
-              <a:rPr lang="it-IT"/>
-              <a:t>Terzo livello</a:t>
+              <a:rPr lang="en-US" smtClean="0"/>
+              <a:t>Third level</a:t>
             </a:r>
           </a:p>
           <a:p>
             <a:pPr lvl="3"/>
             <a:r>
-              <a:rPr lang="it-IT"/>
-              <a:t>Quarto livello</a:t>
+              <a:rPr lang="en-US" smtClean="0"/>
+              <a:t>Fourth level</a:t>
             </a:r>
           </a:p>
           <a:p>
             <a:pPr lvl="4"/>
             <a:r>
-              <a:rPr lang="it-IT"/>
-              <a:t>Quinto livello</a:t>
+              <a:rPr lang="en-US" smtClean="0"/>
+              <a:t>Fifth level</a:t>
             </a:r>
             <a:endParaRPr lang="en-US" dirty="0"/>
           </a:p>
@@ -2814,7 +3469,7 @@
           <a:p>
             <a:fld id="{76906E81-2588-4A67-B0A1-CCAA73920AE5}" type="datetimeFigureOut">
               <a:rPr lang="it-IT" smtClean="0"/>
-              <a:t>29/11/2018</a:t>
+              <a:t>04/12/2018</a:t>
             </a:fld>
             <a:endParaRPr lang="it-IT"/>
           </a:p>
@@ -2865,7 +3520,7 @@
     </p:spTree>
     <p:extLst>
       <p:ext uri="{BB962C8B-B14F-4D97-AF65-F5344CB8AC3E}">
-        <p14:creationId xmlns:p14="http://schemas.microsoft.com/office/powerpoint/2010/main" val="3613841581"/>
+        <p14:creationId xmlns:p14="http://schemas.microsoft.com/office/powerpoint/2010/main" val="452240426"/>
       </p:ext>
     </p:extLst>
   </p:cSld>
@@ -2876,8 +3531,8 @@
 </file>
 
 <file path=ppt/slideLayouts/slideLayout3.xml><?xml version="1.0" encoding="utf-8"?>
-<p:sldLayout xmlns:a="http://schemas.openxmlformats.org/drawingml/2006/main" xmlns:r="http://schemas.openxmlformats.org/officeDocument/2006/relationships" xmlns:p="http://schemas.openxmlformats.org/presentationml/2006/main" type="secHead" preserve="1">
-  <p:cSld name="Intestazione sezione">
+<p:sldLayout xmlns:a="http://schemas.openxmlformats.org/drawingml/2006/main" xmlns:r="http://schemas.openxmlformats.org/officeDocument/2006/relationships" xmlns:p="http://schemas.openxmlformats.org/presentationml/2006/main" showMasterSp="0" type="secHead" preserve="1">
+  <p:cSld name="Section Header">
     <p:spTree>
       <p:nvGrpSpPr>
         <p:cNvPr id="1" name=""/>
@@ -2892,6 +3547,36 @@
           <a:chExt cx="0" cy="0"/>
         </a:xfrm>
       </p:grpSpPr>
+      <p:pic>
+        <p:nvPicPr>
+          <p:cNvPr id="9" name="Picture 8" descr="C0-HD-BTM.png"/>
+          <p:cNvPicPr>
+            <a:picLocks noChangeAspect="1"/>
+          </p:cNvPicPr>
+          <p:nvPr/>
+        </p:nvPicPr>
+        <p:blipFill>
+          <a:blip r:embed="rId2">
+            <a:extLst>
+              <a:ext uri="{28A0092B-C50C-407E-A947-70E740481C1C}">
+                <a14:useLocalDpi xmlns:a14="http://schemas.microsoft.com/office/drawing/2010/main" val="0"/>
+              </a:ext>
+            </a:extLst>
+          </a:blip>
+          <a:stretch>
+            <a:fillRect/>
+          </a:stretch>
+        </p:blipFill>
+        <p:spPr>
+          <a:xfrm>
+            <a:off x="0" y="4375150"/>
+            <a:ext cx="12192000" cy="2482850"/>
+          </a:xfrm>
+          <a:prstGeom prst="rect">
+            <a:avLst/>
+          </a:prstGeom>
+        </p:spPr>
+      </p:pic>
       <p:sp>
         <p:nvSpPr>
           <p:cNvPr id="2" name="Title 1"/>
@@ -2904,8 +3589,8 @@
         </p:nvSpPr>
         <p:spPr>
           <a:xfrm>
-            <a:off x="684211" y="2006600"/>
-            <a:ext cx="8534401" cy="2281600"/>
+            <a:off x="685800" y="753533"/>
+            <a:ext cx="10820399" cy="2801935"/>
           </a:xfrm>
         </p:spPr>
         <p:txBody>
@@ -2913,14 +3598,14 @@
             <a:normAutofit/>
           </a:bodyPr>
           <a:lstStyle>
-            <a:lvl1pPr algn="l">
-              <a:defRPr sz="3600" b="0" cap="all"/>
+            <a:lvl1pPr algn="r">
+              <a:defRPr sz="4000"/>
             </a:lvl1pPr>
           </a:lstStyle>
           <a:p>
             <a:r>
-              <a:rPr lang="it-IT"/>
-              <a:t>Fare clic per modificare lo stile del titolo</a:t>
+              <a:rPr lang="en-US" smtClean="0"/>
+              <a:t>Click to edit Master title style</a:t>
             </a:r>
             <a:endParaRPr lang="en-US" dirty="0"/>
           </a:p>
@@ -2938,28 +3623,28 @@
         </p:nvSpPr>
         <p:spPr>
           <a:xfrm>
-            <a:off x="684213" y="4495800"/>
-            <a:ext cx="8534400" cy="1498600"/>
-          </a:xfrm>
-        </p:spPr>
-        <p:txBody>
-          <a:bodyPr anchor="t">
+            <a:off x="1024467" y="3641725"/>
+            <a:ext cx="10490200" cy="955675"/>
+          </a:xfrm>
+        </p:spPr>
+        <p:txBody>
+          <a:bodyPr>
             <a:normAutofit/>
           </a:bodyPr>
           <a:lstStyle>
-            <a:lvl1pPr marL="0" indent="0" algn="l">
-              <a:buNone/>
-              <a:defRPr sz="1800">
+            <a:lvl1pPr marL="0" indent="0" algn="r">
+              <a:buNone/>
+              <a:defRPr sz="2200">
                 <a:solidFill>
-                  <a:schemeClr val="bg2">
-                    <a:lumMod val="75000"/>
+                  <a:schemeClr val="tx1">
+                    <a:tint val="75000"/>
                   </a:schemeClr>
                 </a:solidFill>
               </a:defRPr>
             </a:lvl1pPr>
             <a:lvl2pPr marL="457200" indent="0">
               <a:buNone/>
-              <a:defRPr sz="1800">
+              <a:defRPr sz="2000">
                 <a:solidFill>
                   <a:schemeClr val="tx1">
                     <a:tint val="75000"/>
@@ -2969,7 +3654,7 @@
             </a:lvl2pPr>
             <a:lvl3pPr marL="914400" indent="0">
               <a:buNone/>
-              <a:defRPr sz="1600">
+              <a:defRPr sz="1800">
                 <a:solidFill>
                   <a:schemeClr val="tx1">
                     <a:tint val="75000"/>
@@ -2979,7 +3664,7 @@
             </a:lvl3pPr>
             <a:lvl4pPr marL="1371600" indent="0">
               <a:buNone/>
-              <a:defRPr sz="1400">
+              <a:defRPr sz="1600">
                 <a:solidFill>
                   <a:schemeClr val="tx1">
                     <a:tint val="75000"/>
@@ -2989,7 +3674,7 @@
             </a:lvl4pPr>
             <a:lvl5pPr marL="1828800" indent="0">
               <a:buNone/>
-              <a:defRPr sz="1400">
+              <a:defRPr sz="1600">
                 <a:solidFill>
                   <a:schemeClr val="tx1">
                     <a:tint val="75000"/>
@@ -2999,7 +3684,7 @@
             </a:lvl5pPr>
             <a:lvl6pPr marL="2286000" indent="0">
               <a:buNone/>
-              <a:defRPr sz="1400">
+              <a:defRPr sz="1600">
                 <a:solidFill>
                   <a:schemeClr val="tx1">
                     <a:tint val="75000"/>
@@ -3009,7 +3694,7 @@
             </a:lvl6pPr>
             <a:lvl7pPr marL="2743200" indent="0">
               <a:buNone/>
-              <a:defRPr sz="1400">
+              <a:defRPr sz="1600">
                 <a:solidFill>
                   <a:schemeClr val="tx1">
                     <a:tint val="75000"/>
@@ -3019,7 +3704,7 @@
             </a:lvl7pPr>
             <a:lvl8pPr marL="3200400" indent="0">
               <a:buNone/>
-              <a:defRPr sz="1400">
+              <a:defRPr sz="1600">
                 <a:solidFill>
                   <a:schemeClr val="tx1">
                     <a:tint val="75000"/>
@@ -3029,7 +3714,7 @@
             </a:lvl8pPr>
             <a:lvl9pPr marL="3657600" indent="0">
               <a:buNone/>
-              <a:defRPr sz="1400">
+              <a:defRPr sz="1600">
                 <a:solidFill>
                   <a:schemeClr val="tx1">
                     <a:tint val="75000"/>
@@ -3041,8 +3726,8 @@
           <a:p>
             <a:pPr lvl="0"/>
             <a:r>
-              <a:rPr lang="it-IT"/>
-              <a:t>Fare clic per modificare stili del testo dello schema</a:t>
+              <a:rPr lang="en-US" smtClean="0"/>
+              <a:t>Edit Master text styles</a:t>
             </a:r>
           </a:p>
         </p:txBody>
@@ -3057,14 +3742,23 @@
             <p:ph type="dt" sz="half" idx="10"/>
           </p:nvPr>
         </p:nvSpPr>
-        <p:spPr/>
+        <p:spPr>
+          <a:xfrm>
+            <a:off x="7814452" y="381000"/>
+            <a:ext cx="2910840" cy="365125"/>
+          </a:xfrm>
+        </p:spPr>
         <p:txBody>
           <a:bodyPr/>
-          <a:lstStyle/>
+          <a:lstStyle>
+            <a:lvl1pPr algn="r">
+              <a:defRPr/>
+            </a:lvl1pPr>
+          </a:lstStyle>
           <a:p>
             <a:fld id="{76906E81-2588-4A67-B0A1-CCAA73920AE5}" type="datetimeFigureOut">
               <a:rPr lang="it-IT" smtClean="0"/>
-              <a:t>29/11/2018</a:t>
+              <a:t>04/12/2018</a:t>
             </a:fld>
             <a:endParaRPr lang="it-IT"/>
           </a:p>
@@ -3080,7 +3774,12 @@
             <p:ph type="ftr" sz="quarter" idx="11"/>
           </p:nvPr>
         </p:nvSpPr>
-        <p:spPr/>
+        <p:spPr>
+          <a:xfrm>
+            <a:off x="685800" y="381001"/>
+            <a:ext cx="6991492" cy="364065"/>
+          </a:xfrm>
+        </p:spPr>
         <p:txBody>
           <a:bodyPr/>
           <a:lstStyle/>
@@ -3099,7 +3798,12 @@
             <p:ph type="sldNum" sz="quarter" idx="12"/>
           </p:nvPr>
         </p:nvSpPr>
-        <p:spPr/>
+        <p:spPr>
+          <a:xfrm>
+            <a:off x="10862452" y="381000"/>
+            <a:ext cx="643748" cy="365125"/>
+          </a:xfrm>
+        </p:spPr>
         <p:txBody>
           <a:bodyPr/>
           <a:lstStyle/>
@@ -3115,7 +3819,7 @@
     </p:spTree>
     <p:extLst>
       <p:ext uri="{BB962C8B-B14F-4D97-AF65-F5344CB8AC3E}">
-        <p14:creationId xmlns:p14="http://schemas.microsoft.com/office/powerpoint/2010/main" val="2843897746"/>
+        <p14:creationId xmlns:p14="http://schemas.microsoft.com/office/powerpoint/2010/main" val="1334281971"/>
       </p:ext>
     </p:extLst>
   </p:cSld>
@@ -3127,7 +3831,7 @@
 
 <file path=ppt/slideLayouts/slideLayout4.xml><?xml version="1.0" encoding="utf-8"?>
 <p:sldLayout xmlns:a="http://schemas.openxmlformats.org/drawingml/2006/main" xmlns:r="http://schemas.openxmlformats.org/officeDocument/2006/relationships" xmlns:p="http://schemas.openxmlformats.org/presentationml/2006/main" type="twoObj" preserve="1">
-  <p:cSld name="Due contenuti">
+  <p:cSld name="Two Content">
     <p:spTree>
       <p:nvGrpSpPr>
         <p:cNvPr id="1" name=""/>
@@ -3158,8 +3862,8 @@
           <a:lstStyle/>
           <a:p>
             <a:r>
-              <a:rPr lang="it-IT"/>
-              <a:t>Fare clic per modificare lo stile del titolo</a:t>
+              <a:rPr lang="en-US" smtClean="0"/>
+              <a:t>Click to edit Master title style</a:t>
             </a:r>
             <a:endParaRPr lang="en-US" dirty="0"/>
           </a:p>
@@ -3177,48 +3881,46 @@
         </p:nvSpPr>
         <p:spPr>
           <a:xfrm>
-            <a:off x="684211" y="685800"/>
-            <a:ext cx="4937655" cy="3615267"/>
-          </a:xfrm>
-        </p:spPr>
-        <p:txBody>
-          <a:bodyPr>
-            <a:normAutofit/>
-          </a:bodyPr>
+            <a:off x="685800" y="2194559"/>
+            <a:ext cx="5334000" cy="4024125"/>
+          </a:xfrm>
+        </p:spPr>
+        <p:txBody>
+          <a:bodyPr/>
           <a:lstStyle/>
           <a:p>
             <a:pPr lvl="0"/>
             <a:r>
-              <a:rPr lang="it-IT"/>
-              <a:t>Fare clic per modificare stili del testo dello schema</a:t>
+              <a:rPr lang="en-US" smtClean="0"/>
+              <a:t>Edit Master text styles</a:t>
             </a:r>
           </a:p>
           <a:p>
             <a:pPr lvl="1"/>
             <a:r>
-              <a:rPr lang="it-IT"/>
-              <a:t>Secondo livello</a:t>
+              <a:rPr lang="en-US" smtClean="0"/>
+              <a:t>Second level</a:t>
             </a:r>
           </a:p>
           <a:p>
             <a:pPr lvl="2"/>
             <a:r>
-              <a:rPr lang="it-IT"/>
-              <a:t>Terzo livello</a:t>
+              <a:rPr lang="en-US" smtClean="0"/>
+              <a:t>Third level</a:t>
             </a:r>
           </a:p>
           <a:p>
             <a:pPr lvl="3"/>
             <a:r>
-              <a:rPr lang="it-IT"/>
-              <a:t>Quarto livello</a:t>
+              <a:rPr lang="en-US" smtClean="0"/>
+              <a:t>Fourth level</a:t>
             </a:r>
           </a:p>
           <a:p>
             <a:pPr lvl="4"/>
             <a:r>
-              <a:rPr lang="it-IT"/>
-              <a:t>Quinto livello</a:t>
+              <a:rPr lang="en-US" smtClean="0"/>
+              <a:t>Fifth level</a:t>
             </a:r>
             <a:endParaRPr lang="en-US" dirty="0"/>
           </a:p>
@@ -3236,48 +3938,46 @@
         </p:nvSpPr>
         <p:spPr>
           <a:xfrm>
-            <a:off x="5808133" y="685801"/>
-            <a:ext cx="4934479" cy="3615266"/>
-          </a:xfrm>
-        </p:spPr>
-        <p:txBody>
-          <a:bodyPr>
-            <a:normAutofit/>
-          </a:bodyPr>
+            <a:off x="6172200" y="2194559"/>
+            <a:ext cx="5334000" cy="4024125"/>
+          </a:xfrm>
+        </p:spPr>
+        <p:txBody>
+          <a:bodyPr/>
           <a:lstStyle/>
           <a:p>
             <a:pPr lvl="0"/>
             <a:r>
-              <a:rPr lang="it-IT"/>
-              <a:t>Fare clic per modificare stili del testo dello schema</a:t>
+              <a:rPr lang="en-US" smtClean="0"/>
+              <a:t>Edit Master text styles</a:t>
             </a:r>
           </a:p>
           <a:p>
             <a:pPr lvl="1"/>
             <a:r>
-              <a:rPr lang="it-IT"/>
-              <a:t>Secondo livello</a:t>
+              <a:rPr lang="en-US" smtClean="0"/>
+              <a:t>Second level</a:t>
             </a:r>
           </a:p>
           <a:p>
             <a:pPr lvl="2"/>
             <a:r>
-              <a:rPr lang="it-IT"/>
-              <a:t>Terzo livello</a:t>
+              <a:rPr lang="en-US" smtClean="0"/>
+              <a:t>Third level</a:t>
             </a:r>
           </a:p>
           <a:p>
             <a:pPr lvl="3"/>
             <a:r>
-              <a:rPr lang="it-IT"/>
-              <a:t>Quarto livello</a:t>
+              <a:rPr lang="en-US" smtClean="0"/>
+              <a:t>Fourth level</a:t>
             </a:r>
           </a:p>
           <a:p>
             <a:pPr lvl="4"/>
             <a:r>
-              <a:rPr lang="it-IT"/>
-              <a:t>Quinto livello</a:t>
+              <a:rPr lang="en-US" smtClean="0"/>
+              <a:t>Fifth level</a:t>
             </a:r>
             <a:endParaRPr lang="en-US" dirty="0"/>
           </a:p>
@@ -3300,7 +4000,7 @@
           <a:p>
             <a:fld id="{76906E81-2588-4A67-B0A1-CCAA73920AE5}" type="datetimeFigureOut">
               <a:rPr lang="it-IT" smtClean="0"/>
-              <a:t>29/11/2018</a:t>
+              <a:t>04/12/2018</a:t>
             </a:fld>
             <a:endParaRPr lang="it-IT"/>
           </a:p>
@@ -3351,7 +4051,7 @@
     </p:spTree>
     <p:extLst>
       <p:ext uri="{BB962C8B-B14F-4D97-AF65-F5344CB8AC3E}">
-        <p14:creationId xmlns:p14="http://schemas.microsoft.com/office/powerpoint/2010/main" val="1500245329"/>
+        <p14:creationId xmlns:p14="http://schemas.microsoft.com/office/powerpoint/2010/main" val="2748564670"/>
       </p:ext>
     </p:extLst>
   </p:cSld>
@@ -3363,7 +4063,7 @@
 
 <file path=ppt/slideLayouts/slideLayout5.xml><?xml version="1.0" encoding="utf-8"?>
 <p:sldLayout xmlns:a="http://schemas.openxmlformats.org/drawingml/2006/main" xmlns:r="http://schemas.openxmlformats.org/officeDocument/2006/relationships" xmlns:p="http://schemas.openxmlformats.org/presentationml/2006/main" type="twoTxTwoObj" preserve="1">
-  <p:cSld name="Confronto">
+  <p:cSld name="Comparison">
     <p:spTree>
       <p:nvGrpSpPr>
         <p:cNvPr id="1" name=""/>
@@ -3388,18 +4088,19 @@
             <p:ph type="title"/>
           </p:nvPr>
         </p:nvSpPr>
-        <p:spPr/>
+        <p:spPr>
+          <a:xfrm>
+            <a:off x="2895600" y="762000"/>
+            <a:ext cx="8610600" cy="1295400"/>
+          </a:xfrm>
+        </p:spPr>
         <p:txBody>
           <a:bodyPr/>
-          <a:lstStyle>
-            <a:lvl1pPr>
-              <a:defRPr/>
-            </a:lvl1pPr>
-          </a:lstStyle>
-          <a:p>
-            <a:r>
-              <a:rPr lang="it-IT"/>
-              <a:t>Fare clic per modificare lo stile del titolo</a:t>
+          <a:lstStyle/>
+          <a:p>
+            <a:r>
+              <a:rPr lang="en-US" smtClean="0"/>
+              <a:t>Click to edit Master title style</a:t>
             </a:r>
             <a:endParaRPr lang="en-US" dirty="0"/>
           </a:p>
@@ -3417,13 +4118,13 @@
         </p:nvSpPr>
         <p:spPr>
           <a:xfrm>
-            <a:off x="972080" y="685800"/>
-            <a:ext cx="4649787" cy="576262"/>
+            <a:off x="914409" y="2183802"/>
+            <a:ext cx="5079991" cy="823912"/>
           </a:xfrm>
         </p:spPr>
         <p:txBody>
           <a:bodyPr anchor="b">
-            <a:noAutofit/>
+            <a:normAutofit/>
           </a:bodyPr>
           <a:lstStyle>
             <a:lvl1pPr marL="0" indent="0">
@@ -3470,8 +4171,8 @@
           <a:p>
             <a:pPr lvl="0"/>
             <a:r>
-              <a:rPr lang="it-IT"/>
-              <a:t>Fare clic per modificare stili del testo dello schema</a:t>
+              <a:rPr lang="en-US" smtClean="0"/>
+              <a:t>Edit Master text styles</a:t>
             </a:r>
           </a:p>
         </p:txBody>
@@ -3488,72 +4189,70 @@
         </p:nvSpPr>
         <p:spPr>
           <a:xfrm>
-            <a:off x="684211" y="1270529"/>
-            <a:ext cx="4937655" cy="3030538"/>
-          </a:xfrm>
-        </p:spPr>
-        <p:txBody>
-          <a:bodyPr anchor="t">
+            <a:off x="685800" y="3132666"/>
+            <a:ext cx="5311775" cy="3086019"/>
+          </a:xfrm>
+        </p:spPr>
+        <p:txBody>
+          <a:bodyPr/>
+          <a:lstStyle/>
+          <a:p>
+            <a:pPr lvl="0"/>
+            <a:r>
+              <a:rPr lang="en-US" smtClean="0"/>
+              <a:t>Edit Master text styles</a:t>
+            </a:r>
+          </a:p>
+          <a:p>
+            <a:pPr lvl="1"/>
+            <a:r>
+              <a:rPr lang="en-US" smtClean="0"/>
+              <a:t>Second level</a:t>
+            </a:r>
+          </a:p>
+          <a:p>
+            <a:pPr lvl="2"/>
+            <a:r>
+              <a:rPr lang="en-US" smtClean="0"/>
+              <a:t>Third level</a:t>
+            </a:r>
+          </a:p>
+          <a:p>
+            <a:pPr lvl="3"/>
+            <a:r>
+              <a:rPr lang="en-US" smtClean="0"/>
+              <a:t>Fourth level</a:t>
+            </a:r>
+          </a:p>
+          <a:p>
+            <a:pPr lvl="4"/>
+            <a:r>
+              <a:rPr lang="en-US" smtClean="0"/>
+              <a:t>Fifth level</a:t>
+            </a:r>
+            <a:endParaRPr lang="en-US" dirty="0"/>
+          </a:p>
+        </p:txBody>
+      </p:sp>
+      <p:sp>
+        <p:nvSpPr>
+          <p:cNvPr id="5" name="Text Placeholder 4"/>
+          <p:cNvSpPr>
+            <a:spLocks noGrp="1"/>
+          </p:cNvSpPr>
+          <p:nvPr>
+            <p:ph type="body" sz="quarter" idx="3"/>
+          </p:nvPr>
+        </p:nvSpPr>
+        <p:spPr>
+          <a:xfrm>
+            <a:off x="6400800" y="2183802"/>
+            <a:ext cx="5105400" cy="823912"/>
+          </a:xfrm>
+        </p:spPr>
+        <p:txBody>
+          <a:bodyPr anchor="b">
             <a:normAutofit/>
-          </a:bodyPr>
-          <a:lstStyle/>
-          <a:p>
-            <a:pPr lvl="0"/>
-            <a:r>
-              <a:rPr lang="it-IT"/>
-              <a:t>Fare clic per modificare stili del testo dello schema</a:t>
-            </a:r>
-          </a:p>
-          <a:p>
-            <a:pPr lvl="1"/>
-            <a:r>
-              <a:rPr lang="it-IT"/>
-              <a:t>Secondo livello</a:t>
-            </a:r>
-          </a:p>
-          <a:p>
-            <a:pPr lvl="2"/>
-            <a:r>
-              <a:rPr lang="it-IT"/>
-              <a:t>Terzo livello</a:t>
-            </a:r>
-          </a:p>
-          <a:p>
-            <a:pPr lvl="3"/>
-            <a:r>
-              <a:rPr lang="it-IT"/>
-              <a:t>Quarto livello</a:t>
-            </a:r>
-          </a:p>
-          <a:p>
-            <a:pPr lvl="4"/>
-            <a:r>
-              <a:rPr lang="it-IT"/>
-              <a:t>Quinto livello</a:t>
-            </a:r>
-            <a:endParaRPr lang="en-US" dirty="0"/>
-          </a:p>
-        </p:txBody>
-      </p:sp>
-      <p:sp>
-        <p:nvSpPr>
-          <p:cNvPr id="5" name="Text Placeholder 4"/>
-          <p:cNvSpPr>
-            <a:spLocks noGrp="1"/>
-          </p:cNvSpPr>
-          <p:nvPr>
-            <p:ph type="body" sz="quarter" idx="3"/>
-          </p:nvPr>
-        </p:nvSpPr>
-        <p:spPr>
-          <a:xfrm>
-            <a:off x="6079066" y="685800"/>
-            <a:ext cx="4665134" cy="576262"/>
-          </a:xfrm>
-        </p:spPr>
-        <p:txBody>
-          <a:bodyPr anchor="b">
-            <a:noAutofit/>
           </a:bodyPr>
           <a:lstStyle>
             <a:lvl1pPr marL="0" indent="0">
@@ -3600,8 +4299,8 @@
           <a:p>
             <a:pPr lvl="0"/>
             <a:r>
-              <a:rPr lang="it-IT"/>
-              <a:t>Fare clic per modificare stili del testo dello schema</a:t>
+              <a:rPr lang="en-US" smtClean="0"/>
+              <a:t>Edit Master text styles</a:t>
             </a:r>
           </a:p>
         </p:txBody>
@@ -3618,48 +4317,46 @@
         </p:nvSpPr>
         <p:spPr>
           <a:xfrm>
-            <a:off x="5806545" y="1262062"/>
-            <a:ext cx="4929188" cy="3030538"/>
-          </a:xfrm>
-        </p:spPr>
-        <p:txBody>
-          <a:bodyPr anchor="t">
-            <a:normAutofit/>
-          </a:bodyPr>
+            <a:off x="6172200" y="3132666"/>
+            <a:ext cx="5334000" cy="3086019"/>
+          </a:xfrm>
+        </p:spPr>
+        <p:txBody>
+          <a:bodyPr/>
           <a:lstStyle/>
           <a:p>
             <a:pPr lvl="0"/>
             <a:r>
-              <a:rPr lang="it-IT"/>
-              <a:t>Fare clic per modificare stili del testo dello schema</a:t>
+              <a:rPr lang="en-US" smtClean="0"/>
+              <a:t>Edit Master text styles</a:t>
             </a:r>
           </a:p>
           <a:p>
             <a:pPr lvl="1"/>
             <a:r>
-              <a:rPr lang="it-IT"/>
-              <a:t>Secondo livello</a:t>
+              <a:rPr lang="en-US" smtClean="0"/>
+              <a:t>Second level</a:t>
             </a:r>
           </a:p>
           <a:p>
             <a:pPr lvl="2"/>
             <a:r>
-              <a:rPr lang="it-IT"/>
-              <a:t>Terzo livello</a:t>
+              <a:rPr lang="en-US" smtClean="0"/>
+              <a:t>Third level</a:t>
             </a:r>
           </a:p>
           <a:p>
             <a:pPr lvl="3"/>
             <a:r>
-              <a:rPr lang="it-IT"/>
-              <a:t>Quarto livello</a:t>
+              <a:rPr lang="en-US" smtClean="0"/>
+              <a:t>Fourth level</a:t>
             </a:r>
           </a:p>
           <a:p>
             <a:pPr lvl="4"/>
             <a:r>
-              <a:rPr lang="it-IT"/>
-              <a:t>Quinto livello</a:t>
+              <a:rPr lang="en-US" smtClean="0"/>
+              <a:t>Fifth level</a:t>
             </a:r>
             <a:endParaRPr lang="en-US" dirty="0"/>
           </a:p>
@@ -3682,7 +4379,7 @@
           <a:p>
             <a:fld id="{76906E81-2588-4A67-B0A1-CCAA73920AE5}" type="datetimeFigureOut">
               <a:rPr lang="it-IT" smtClean="0"/>
-              <a:t>29/11/2018</a:t>
+              <a:t>04/12/2018</a:t>
             </a:fld>
             <a:endParaRPr lang="it-IT"/>
           </a:p>
@@ -3733,7 +4430,7 @@
     </p:spTree>
     <p:extLst>
       <p:ext uri="{BB962C8B-B14F-4D97-AF65-F5344CB8AC3E}">
-        <p14:creationId xmlns:p14="http://schemas.microsoft.com/office/powerpoint/2010/main" val="600543125"/>
+        <p14:creationId xmlns:p14="http://schemas.microsoft.com/office/powerpoint/2010/main" val="1208460279"/>
       </p:ext>
     </p:extLst>
   </p:cSld>
@@ -3745,7 +4442,7 @@
 
 <file path=ppt/slideLayouts/slideLayout6.xml><?xml version="1.0" encoding="utf-8"?>
 <p:sldLayout xmlns:a="http://schemas.openxmlformats.org/drawingml/2006/main" xmlns:r="http://schemas.openxmlformats.org/officeDocument/2006/relationships" xmlns:p="http://schemas.openxmlformats.org/presentationml/2006/main" type="titleOnly" preserve="1">
-  <p:cSld name="Solo titolo">
+  <p:cSld name="Title Only">
     <p:spTree>
       <p:nvGrpSpPr>
         <p:cNvPr id="1" name=""/>
@@ -3776,8 +4473,8 @@
           <a:lstStyle/>
           <a:p>
             <a:r>
-              <a:rPr lang="it-IT"/>
-              <a:t>Fare clic per modificare lo stile del titolo</a:t>
+              <a:rPr lang="en-US" smtClean="0"/>
+              <a:t>Click to edit Master title style</a:t>
             </a:r>
             <a:endParaRPr lang="en-US" dirty="0"/>
           </a:p>
@@ -3800,7 +4497,7 @@
           <a:p>
             <a:fld id="{76906E81-2588-4A67-B0A1-CCAA73920AE5}" type="datetimeFigureOut">
               <a:rPr lang="it-IT" smtClean="0"/>
-              <a:t>29/11/2018</a:t>
+              <a:t>04/12/2018</a:t>
             </a:fld>
             <a:endParaRPr lang="it-IT"/>
           </a:p>
@@ -3851,7 +4548,7 @@
     </p:spTree>
     <p:extLst>
       <p:ext uri="{BB962C8B-B14F-4D97-AF65-F5344CB8AC3E}">
-        <p14:creationId xmlns:p14="http://schemas.microsoft.com/office/powerpoint/2010/main" val="210154691"/>
+        <p14:creationId xmlns:p14="http://schemas.microsoft.com/office/powerpoint/2010/main" val="603703348"/>
       </p:ext>
     </p:extLst>
   </p:cSld>
@@ -3863,7 +4560,7 @@
 
 <file path=ppt/slideLayouts/slideLayout7.xml><?xml version="1.0" encoding="utf-8"?>
 <p:sldLayout xmlns:a="http://schemas.openxmlformats.org/drawingml/2006/main" xmlns:r="http://schemas.openxmlformats.org/officeDocument/2006/relationships" xmlns:p="http://schemas.openxmlformats.org/presentationml/2006/main" type="blank" preserve="1">
-  <p:cSld name="Vuota">
+  <p:cSld name="Blank">
     <p:spTree>
       <p:nvGrpSpPr>
         <p:cNvPr id="1" name=""/>
@@ -3895,7 +4592,7 @@
           <a:p>
             <a:fld id="{76906E81-2588-4A67-B0A1-CCAA73920AE5}" type="datetimeFigureOut">
               <a:rPr lang="it-IT" smtClean="0"/>
-              <a:t>29/11/2018</a:t>
+              <a:t>04/12/2018</a:t>
             </a:fld>
             <a:endParaRPr lang="it-IT"/>
           </a:p>
@@ -3946,7 +4643,7 @@
     </p:spTree>
     <p:extLst>
       <p:ext uri="{BB962C8B-B14F-4D97-AF65-F5344CB8AC3E}">
-        <p14:creationId xmlns:p14="http://schemas.microsoft.com/office/powerpoint/2010/main" val="561510014"/>
+        <p14:creationId xmlns:p14="http://schemas.microsoft.com/office/powerpoint/2010/main" val="678152498"/>
       </p:ext>
     </p:extLst>
   </p:cSld>
@@ -3958,7 +4655,7 @@
 
 <file path=ppt/slideLayouts/slideLayout8.xml><?xml version="1.0" encoding="utf-8"?>
 <p:sldLayout xmlns:a="http://schemas.openxmlformats.org/drawingml/2006/main" xmlns:r="http://schemas.openxmlformats.org/officeDocument/2006/relationships" xmlns:p="http://schemas.openxmlformats.org/presentationml/2006/main" type="objTx" preserve="1">
-  <p:cSld name="Contenuto con didascalia">
+  <p:cSld name="Content with Caption">
     <p:spTree>
       <p:nvGrpSpPr>
         <p:cNvPr id="1" name=""/>
@@ -3985,23 +4682,21 @@
         </p:nvSpPr>
         <p:spPr>
           <a:xfrm>
-            <a:off x="7085012" y="685800"/>
-            <a:ext cx="3657600" cy="1371600"/>
-          </a:xfrm>
-        </p:spPr>
-        <p:txBody>
-          <a:bodyPr anchor="b">
-            <a:normAutofit/>
-          </a:bodyPr>
+            <a:off x="685800" y="1524000"/>
+            <a:ext cx="4114800" cy="1600200"/>
+          </a:xfrm>
+        </p:spPr>
+        <p:txBody>
+          <a:bodyPr anchor="b"/>
           <a:lstStyle>
             <a:lvl1pPr algn="l">
-              <a:defRPr sz="2400" b="0"/>
+              <a:defRPr sz="3200"/>
             </a:lvl1pPr>
           </a:lstStyle>
           <a:p>
             <a:r>
-              <a:rPr lang="it-IT"/>
-              <a:t>Fare clic per modificare lo stile del titolo</a:t>
+              <a:rPr lang="en-US" smtClean="0"/>
+              <a:t>Click to edit Master title style</a:t>
             </a:r>
             <a:endParaRPr lang="en-US" dirty="0"/>
           </a:p>
@@ -4019,48 +4714,46 @@
         </p:nvSpPr>
         <p:spPr>
           <a:xfrm>
-            <a:off x="684212" y="685800"/>
-            <a:ext cx="5943601" cy="5308600"/>
-          </a:xfrm>
-        </p:spPr>
-        <p:txBody>
-          <a:bodyPr anchor="ctr">
-            <a:normAutofit/>
-          </a:bodyPr>
+            <a:off x="4995582" y="746759"/>
+            <a:ext cx="6510618" cy="5471925"/>
+          </a:xfrm>
+        </p:spPr>
+        <p:txBody>
+          <a:bodyPr anchor="ctr"/>
           <a:lstStyle/>
           <a:p>
             <a:pPr lvl="0"/>
             <a:r>
-              <a:rPr lang="it-IT"/>
-              <a:t>Fare clic per modificare stili del testo dello schema</a:t>
+              <a:rPr lang="en-US" smtClean="0"/>
+              <a:t>Edit Master text styles</a:t>
             </a:r>
           </a:p>
           <a:p>
             <a:pPr lvl="1"/>
             <a:r>
-              <a:rPr lang="it-IT"/>
-              <a:t>Secondo livello</a:t>
+              <a:rPr lang="en-US" smtClean="0"/>
+              <a:t>Second level</a:t>
             </a:r>
           </a:p>
           <a:p>
             <a:pPr lvl="2"/>
             <a:r>
-              <a:rPr lang="it-IT"/>
-              <a:t>Terzo livello</a:t>
+              <a:rPr lang="en-US" smtClean="0"/>
+              <a:t>Third level</a:t>
             </a:r>
           </a:p>
           <a:p>
             <a:pPr lvl="3"/>
             <a:r>
-              <a:rPr lang="it-IT"/>
-              <a:t>Quarto livello</a:t>
+              <a:rPr lang="en-US" smtClean="0"/>
+              <a:t>Fourth level</a:t>
             </a:r>
           </a:p>
           <a:p>
             <a:pPr lvl="4"/>
             <a:r>
-              <a:rPr lang="it-IT"/>
-              <a:t>Quinto livello</a:t>
+              <a:rPr lang="en-US" smtClean="0"/>
+              <a:t>Fifth level</a:t>
             </a:r>
             <a:endParaRPr lang="en-US" dirty="0"/>
           </a:p>
@@ -4078,14 +4771,12 @@
         </p:nvSpPr>
         <p:spPr>
           <a:xfrm>
-            <a:off x="7085012" y="2209799"/>
-            <a:ext cx="3657600" cy="2091267"/>
-          </a:xfrm>
-        </p:spPr>
-        <p:txBody>
-          <a:bodyPr anchor="t">
-            <a:normAutofit/>
-          </a:bodyPr>
+            <a:off x="685800" y="3124199"/>
+            <a:ext cx="4114800" cy="3094485"/>
+          </a:xfrm>
+        </p:spPr>
+        <p:txBody>
+          <a:bodyPr/>
           <a:lstStyle>
             <a:lvl1pPr marL="0" indent="0">
               <a:buNone/>
@@ -4093,42 +4784,42 @@
             </a:lvl1pPr>
             <a:lvl2pPr marL="457200" indent="0">
               <a:buNone/>
-              <a:defRPr sz="1200"/>
+              <a:defRPr sz="1400"/>
             </a:lvl2pPr>
             <a:lvl3pPr marL="914400" indent="0">
               <a:buNone/>
-              <a:defRPr sz="1000"/>
+              <a:defRPr sz="1200"/>
             </a:lvl3pPr>
             <a:lvl4pPr marL="1371600" indent="0">
               <a:buNone/>
-              <a:defRPr sz="900"/>
+              <a:defRPr sz="1000"/>
             </a:lvl4pPr>
             <a:lvl5pPr marL="1828800" indent="0">
               <a:buNone/>
-              <a:defRPr sz="900"/>
+              <a:defRPr sz="1000"/>
             </a:lvl5pPr>
             <a:lvl6pPr marL="2286000" indent="0">
               <a:buNone/>
-              <a:defRPr sz="900"/>
+              <a:defRPr sz="1000"/>
             </a:lvl6pPr>
             <a:lvl7pPr marL="2743200" indent="0">
               <a:buNone/>
-              <a:defRPr sz="900"/>
+              <a:defRPr sz="1000"/>
             </a:lvl7pPr>
             <a:lvl8pPr marL="3200400" indent="0">
               <a:buNone/>
-              <a:defRPr sz="900"/>
+              <a:defRPr sz="1000"/>
             </a:lvl8pPr>
             <a:lvl9pPr marL="3657600" indent="0">
               <a:buNone/>
-              <a:defRPr sz="900"/>
+              <a:defRPr sz="1000"/>
             </a:lvl9pPr>
           </a:lstStyle>
           <a:p>
             <a:pPr lvl="0"/>
             <a:r>
-              <a:rPr lang="it-IT"/>
-              <a:t>Fare clic per modificare stili del testo dello schema</a:t>
+              <a:rPr lang="en-US" smtClean="0"/>
+              <a:t>Edit Master text styles</a:t>
             </a:r>
           </a:p>
         </p:txBody>
@@ -4150,7 +4841,7 @@
           <a:p>
             <a:fld id="{76906E81-2588-4A67-B0A1-CCAA73920AE5}" type="datetimeFigureOut">
               <a:rPr lang="it-IT" smtClean="0"/>
-              <a:t>29/11/2018</a:t>
+              <a:t>04/12/2018</a:t>
             </a:fld>
             <a:endParaRPr lang="it-IT"/>
           </a:p>
@@ -4201,7 +4892,7 @@
     </p:spTree>
     <p:extLst>
       <p:ext uri="{BB962C8B-B14F-4D97-AF65-F5344CB8AC3E}">
-        <p14:creationId xmlns:p14="http://schemas.microsoft.com/office/powerpoint/2010/main" val="1439467241"/>
+        <p14:creationId xmlns:p14="http://schemas.microsoft.com/office/powerpoint/2010/main" val="4017904539"/>
       </p:ext>
     </p:extLst>
   </p:cSld>
@@ -4213,7 +4904,7 @@
 
 <file path=ppt/slideLayouts/slideLayout9.xml><?xml version="1.0" encoding="utf-8"?>
 <p:sldLayout xmlns:a="http://schemas.openxmlformats.org/drawingml/2006/main" xmlns:r="http://schemas.openxmlformats.org/officeDocument/2006/relationships" xmlns:p="http://schemas.openxmlformats.org/presentationml/2006/main" type="picTx" preserve="1">
-  <p:cSld name="Immagine con didascalia">
+  <p:cSld name="Picture with Caption">
     <p:spTree>
       <p:nvGrpSpPr>
         <p:cNvPr id="1" name=""/>
@@ -4240,23 +4931,21 @@
         </p:nvSpPr>
         <p:spPr>
           <a:xfrm>
-            <a:off x="4722812" y="1447800"/>
-            <a:ext cx="6019800" cy="1143000"/>
-          </a:xfrm>
-        </p:spPr>
-        <p:txBody>
-          <a:bodyPr anchor="b">
-            <a:normAutofit/>
-          </a:bodyPr>
+            <a:off x="685800" y="1524000"/>
+            <a:ext cx="6873240" cy="1600200"/>
+          </a:xfrm>
+        </p:spPr>
+        <p:txBody>
+          <a:bodyPr anchor="b"/>
           <a:lstStyle>
             <a:lvl1pPr algn="l">
-              <a:defRPr sz="2800" b="0"/>
+              <a:defRPr sz="3200"/>
             </a:lvl1pPr>
           </a:lstStyle>
           <a:p>
             <a:r>
-              <a:rPr lang="it-IT"/>
-              <a:t>Fare clic per modificare lo stile del titolo</a:t>
+              <a:rPr lang="en-US" smtClean="0"/>
+              <a:t>Click to edit Master title style</a:t>
             </a:r>
             <a:endParaRPr lang="en-US" dirty="0"/>
           </a:p>
@@ -4264,7 +4953,7 @@
       </p:sp>
       <p:sp>
         <p:nvSpPr>
-          <p:cNvPr id="14" name="Picture Placeholder 2"/>
+          <p:cNvPr id="3" name="Picture Placeholder 2"/>
           <p:cNvSpPr>
             <a:spLocks noGrp="1" noChangeAspect="1"/>
           </p:cNvSpPr>
@@ -4274,144 +4963,120 @@
         </p:nvSpPr>
         <p:spPr>
           <a:xfrm>
-            <a:off x="989012" y="914400"/>
-            <a:ext cx="3280974" cy="4572000"/>
-          </a:xfrm>
-          <a:prstGeom prst="snip2DiagRect">
-            <a:avLst>
-              <a:gd name="adj1" fmla="val 10815"/>
-              <a:gd name="adj2" fmla="val 0"/>
-            </a:avLst>
-          </a:prstGeom>
-          <a:ln w="15875">
-            <a:solidFill>
-              <a:schemeClr val="tx1">
-                <a:alpha val="40000"/>
-              </a:schemeClr>
-            </a:solidFill>
-          </a:ln>
-          <a:effectLst>
-            <a:innerShdw blurRad="57150" dist="38100" dir="14460000">
-              <a:srgbClr val="000000">
-                <a:alpha val="70000"/>
-              </a:srgbClr>
-            </a:innerShdw>
-          </a:effectLst>
-        </p:spPr>
-        <p:txBody>
-          <a:bodyPr anchor="t">
-            <a:normAutofit/>
-          </a:bodyPr>
+            <a:off x="7861238" y="751241"/>
+            <a:ext cx="3644962" cy="5467443"/>
+          </a:xfrm>
+        </p:spPr>
+        <p:txBody>
+          <a:bodyPr anchor="t"/>
           <a:lstStyle>
-            <a:lvl1pPr marL="0" indent="0" algn="ctr">
+            <a:lvl1pPr marL="0" indent="0">
+              <a:buNone/>
+              <a:defRPr sz="3200"/>
+            </a:lvl1pPr>
+            <a:lvl2pPr marL="457200" indent="0">
+              <a:buNone/>
+              <a:defRPr sz="2800"/>
+            </a:lvl2pPr>
+            <a:lvl3pPr marL="914400" indent="0">
+              <a:buNone/>
+              <a:defRPr sz="2400"/>
+            </a:lvl3pPr>
+            <a:lvl4pPr marL="1371600" indent="0">
+              <a:buNone/>
+              <a:defRPr sz="2000"/>
+            </a:lvl4pPr>
+            <a:lvl5pPr marL="1828800" indent="0">
+              <a:buNone/>
+              <a:defRPr sz="2000"/>
+            </a:lvl5pPr>
+            <a:lvl6pPr marL="2286000" indent="0">
+              <a:buNone/>
+              <a:defRPr sz="2000"/>
+            </a:lvl6pPr>
+            <a:lvl7pPr marL="2743200" indent="0">
+              <a:buNone/>
+              <a:defRPr sz="2000"/>
+            </a:lvl7pPr>
+            <a:lvl8pPr marL="3200400" indent="0">
+              <a:buNone/>
+              <a:defRPr sz="2000"/>
+            </a:lvl8pPr>
+            <a:lvl9pPr marL="3657600" indent="0">
+              <a:buNone/>
+              <a:defRPr sz="2000"/>
+            </a:lvl9pPr>
+          </a:lstStyle>
+          <a:p>
+            <a:r>
+              <a:rPr lang="en-US" smtClean="0"/>
+              <a:t>Click icon to add picture</a:t>
+            </a:r>
+            <a:endParaRPr lang="en-US" dirty="0"/>
+          </a:p>
+        </p:txBody>
+      </p:sp>
+      <p:sp>
+        <p:nvSpPr>
+          <p:cNvPr id="4" name="Text Placeholder 3"/>
+          <p:cNvSpPr>
+            <a:spLocks noGrp="1"/>
+          </p:cNvSpPr>
+          <p:nvPr>
+            <p:ph type="body" sz="half" idx="2"/>
+          </p:nvPr>
+        </p:nvSpPr>
+        <p:spPr>
+          <a:xfrm>
+            <a:off x="685800" y="3124199"/>
+            <a:ext cx="6873240" cy="3094485"/>
+          </a:xfrm>
+        </p:spPr>
+        <p:txBody>
+          <a:bodyPr/>
+          <a:lstStyle>
+            <a:lvl1pPr marL="0" indent="0">
               <a:buNone/>
               <a:defRPr sz="1600"/>
             </a:lvl1pPr>
             <a:lvl2pPr marL="457200" indent="0">
               <a:buNone/>
-              <a:defRPr sz="1600"/>
+              <a:defRPr sz="1400"/>
             </a:lvl2pPr>
             <a:lvl3pPr marL="914400" indent="0">
               <a:buNone/>
-              <a:defRPr sz="1600"/>
+              <a:defRPr sz="1200"/>
             </a:lvl3pPr>
             <a:lvl4pPr marL="1371600" indent="0">
               <a:buNone/>
-              <a:defRPr sz="1600"/>
+              <a:defRPr sz="1000"/>
             </a:lvl4pPr>
             <a:lvl5pPr marL="1828800" indent="0">
               <a:buNone/>
-              <a:defRPr sz="1600"/>
+              <a:defRPr sz="1000"/>
             </a:lvl5pPr>
             <a:lvl6pPr marL="2286000" indent="0">
               <a:buNone/>
-              <a:defRPr sz="1600"/>
+              <a:defRPr sz="1000"/>
             </a:lvl6pPr>
             <a:lvl7pPr marL="2743200" indent="0">
               <a:buNone/>
-              <a:defRPr sz="1600"/>
+              <a:defRPr sz="1000"/>
             </a:lvl7pPr>
             <a:lvl8pPr marL="3200400" indent="0">
               <a:buNone/>
-              <a:defRPr sz="1600"/>
+              <a:defRPr sz="1000"/>
             </a:lvl8pPr>
             <a:lvl9pPr marL="3657600" indent="0">
               <a:buNone/>
-              <a:defRPr sz="1600"/>
+              <a:defRPr sz="1000"/>
             </a:lvl9pPr>
           </a:lstStyle>
           <a:p>
-            <a:r>
-              <a:rPr lang="it-IT"/>
-              <a:t>Fare clic sull'icona per inserire un'immagine</a:t>
-            </a:r>
-            <a:endParaRPr lang="en-US" dirty="0"/>
-          </a:p>
-        </p:txBody>
-      </p:sp>
-      <p:sp>
-        <p:nvSpPr>
-          <p:cNvPr id="4" name="Text Placeholder 3"/>
-          <p:cNvSpPr>
-            <a:spLocks noGrp="1"/>
-          </p:cNvSpPr>
-          <p:nvPr>
-            <p:ph type="body" sz="half" idx="2"/>
-          </p:nvPr>
-        </p:nvSpPr>
-        <p:spPr>
-          <a:xfrm>
-            <a:off x="4722812" y="2777066"/>
-            <a:ext cx="6021388" cy="2048933"/>
-          </a:xfrm>
-        </p:spPr>
-        <p:txBody>
-          <a:bodyPr anchor="t">
-            <a:normAutofit/>
-          </a:bodyPr>
-          <a:lstStyle>
-            <a:lvl1pPr marL="0" indent="0">
-              <a:buNone/>
-              <a:defRPr sz="1800"/>
-            </a:lvl1pPr>
-            <a:lvl2pPr marL="457200" indent="0">
-              <a:buNone/>
-              <a:defRPr sz="1200"/>
-            </a:lvl2pPr>
-            <a:lvl3pPr marL="914400" indent="0">
-              <a:buNone/>
-              <a:defRPr sz="1000"/>
-            </a:lvl3pPr>
-            <a:lvl4pPr marL="1371600" indent="0">
-              <a:buNone/>
-              <a:defRPr sz="900"/>
-            </a:lvl4pPr>
-            <a:lvl5pPr marL="1828800" indent="0">
-              <a:buNone/>
-              <a:defRPr sz="900"/>
-            </a:lvl5pPr>
-            <a:lvl6pPr marL="2286000" indent="0">
-              <a:buNone/>
-              <a:defRPr sz="900"/>
-            </a:lvl6pPr>
-            <a:lvl7pPr marL="2743200" indent="0">
-              <a:buNone/>
-              <a:defRPr sz="900"/>
-            </a:lvl7pPr>
-            <a:lvl8pPr marL="3200400" indent="0">
-              <a:buNone/>
-              <a:defRPr sz="900"/>
-            </a:lvl8pPr>
-            <a:lvl9pPr marL="3657600" indent="0">
-              <a:buNone/>
-              <a:defRPr sz="900"/>
-            </a:lvl9pPr>
-          </a:lstStyle>
-          <a:p>
             <a:pPr lvl="0"/>
             <a:r>
-              <a:rPr lang="it-IT"/>
-              <a:t>Fare clic per modificare stili del testo dello schema</a:t>
+              <a:rPr lang="en-US" smtClean="0"/>
+              <a:t>Edit Master text styles</a:t>
             </a:r>
           </a:p>
         </p:txBody>
@@ -4433,7 +5098,7 @@
           <a:p>
             <a:fld id="{76906E81-2588-4A67-B0A1-CCAA73920AE5}" type="datetimeFigureOut">
               <a:rPr lang="it-IT" smtClean="0"/>
-              <a:t>29/11/2018</a:t>
+              <a:t>04/12/2018</a:t>
             </a:fld>
             <a:endParaRPr lang="it-IT"/>
           </a:p>
@@ -4484,7 +5149,7 @@
     </p:spTree>
     <p:extLst>
       <p:ext uri="{BB962C8B-B14F-4D97-AF65-F5344CB8AC3E}">
-        <p14:creationId xmlns:p14="http://schemas.microsoft.com/office/powerpoint/2010/main" val="262062841"/>
+        <p14:creationId xmlns:p14="http://schemas.microsoft.com/office/powerpoint/2010/main" val="3324042243"/>
       </p:ext>
     </p:extLst>
   </p:cSld>
@@ -4498,8 +5163,8 @@
 <p:sldMaster xmlns:a="http://schemas.openxmlformats.org/drawingml/2006/main" xmlns:r="http://schemas.openxmlformats.org/officeDocument/2006/relationships" xmlns:p="http://schemas.openxmlformats.org/presentationml/2006/main">
   <p:cSld>
     <p:bg>
-      <p:bgRef idx="1002">
-        <a:schemeClr val="bg2"/>
+      <p:bgRef idx="1001">
+        <a:schemeClr val="bg1"/>
       </p:bgRef>
     </p:bg>
     <p:spTree>
@@ -4516,215 +5181,54 @@
           <a:chExt cx="0" cy="0"/>
         </a:xfrm>
       </p:grpSpPr>
-      <p:grpSp>
-        <p:nvGrpSpPr>
-          <p:cNvPr id="7" name="Group 6"/>
-          <p:cNvGrpSpPr/>
+      <p:pic>
+        <p:nvPicPr>
+          <p:cNvPr id="7" name="Picture 6" descr="C0-HD-TOP.png"/>
+          <p:cNvPicPr>
+            <a:picLocks noChangeAspect="1"/>
+          </p:cNvPicPr>
           <p:nvPr/>
-        </p:nvGrpSpPr>
-        <p:grpSpPr>
-          <a:xfrm>
-            <a:off x="9206969" y="2963333"/>
-            <a:ext cx="2981858" cy="3208867"/>
-            <a:chOff x="9206969" y="2963333"/>
-            <a:chExt cx="2981858" cy="3208867"/>
-          </a:xfrm>
-        </p:grpSpPr>
-        <p:cxnSp>
-          <p:nvCxnSpPr>
-            <p:cNvPr id="8" name="Straight Connector 7"/>
-            <p:cNvCxnSpPr/>
-            <p:nvPr/>
-          </p:nvCxnSpPr>
-          <p:spPr>
-            <a:xfrm flipH="1">
-              <a:off x="11276012" y="2963333"/>
-              <a:ext cx="912814" cy="912812"/>
-            </a:xfrm>
-            <a:prstGeom prst="line">
-              <a:avLst/>
-            </a:prstGeom>
-            <a:ln w="9525">
-              <a:solidFill>
-                <a:schemeClr val="tx1"/>
-              </a:solidFill>
-            </a:ln>
-          </p:spPr>
-          <p:style>
-            <a:lnRef idx="2">
-              <a:schemeClr val="accent1"/>
-            </a:lnRef>
-            <a:fillRef idx="0">
-              <a:schemeClr val="accent1"/>
-            </a:fillRef>
-            <a:effectRef idx="1">
-              <a:schemeClr val="accent1"/>
-            </a:effectRef>
-            <a:fontRef idx="minor">
-              <a:schemeClr val="tx1"/>
-            </a:fontRef>
-          </p:style>
-        </p:cxnSp>
-        <p:cxnSp>
-          <p:nvCxnSpPr>
-            <p:cNvPr id="9" name="Straight Connector 8"/>
-            <p:cNvCxnSpPr/>
-            <p:nvPr/>
-          </p:nvCxnSpPr>
-          <p:spPr>
-            <a:xfrm flipH="1">
-              <a:off x="9206969" y="3190344"/>
-              <a:ext cx="2981857" cy="2981856"/>
-            </a:xfrm>
-            <a:prstGeom prst="line">
-              <a:avLst/>
-            </a:prstGeom>
-            <a:ln w="9525">
-              <a:solidFill>
-                <a:schemeClr val="tx1"/>
-              </a:solidFill>
-            </a:ln>
-          </p:spPr>
-          <p:style>
-            <a:lnRef idx="2">
-              <a:schemeClr val="accent1"/>
-            </a:lnRef>
-            <a:fillRef idx="0">
-              <a:schemeClr val="accent1"/>
-            </a:fillRef>
-            <a:effectRef idx="1">
-              <a:schemeClr val="accent1"/>
-            </a:effectRef>
-            <a:fontRef idx="minor">
-              <a:schemeClr val="tx1"/>
-            </a:fontRef>
-          </p:style>
-        </p:cxnSp>
-        <p:cxnSp>
-          <p:nvCxnSpPr>
-            <p:cNvPr id="10" name="Straight Connector 9"/>
-            <p:cNvCxnSpPr/>
-            <p:nvPr/>
-          </p:nvCxnSpPr>
-          <p:spPr>
-            <a:xfrm flipH="1">
-              <a:off x="10292292" y="3285067"/>
-              <a:ext cx="1896534" cy="1896533"/>
-            </a:xfrm>
-            <a:prstGeom prst="line">
-              <a:avLst/>
-            </a:prstGeom>
-            <a:ln w="9525">
-              <a:solidFill>
-                <a:schemeClr val="tx1"/>
-              </a:solidFill>
-            </a:ln>
-          </p:spPr>
-          <p:style>
-            <a:lnRef idx="2">
-              <a:schemeClr val="accent1"/>
-            </a:lnRef>
-            <a:fillRef idx="0">
-              <a:schemeClr val="accent1"/>
-            </a:fillRef>
-            <a:effectRef idx="1">
-              <a:schemeClr val="accent1"/>
-            </a:effectRef>
-            <a:fontRef idx="minor">
-              <a:schemeClr val="tx1"/>
-            </a:fontRef>
-          </p:style>
-        </p:cxnSp>
-        <p:cxnSp>
-          <p:nvCxnSpPr>
-            <p:cNvPr id="11" name="Straight Connector 10"/>
-            <p:cNvCxnSpPr/>
-            <p:nvPr/>
-          </p:nvCxnSpPr>
-          <p:spPr>
-            <a:xfrm flipH="1">
-              <a:off x="10443103" y="3131080"/>
-              <a:ext cx="1745722" cy="1745720"/>
-            </a:xfrm>
-            <a:prstGeom prst="line">
-              <a:avLst/>
-            </a:prstGeom>
-            <a:ln w="28575">
-              <a:solidFill>
-                <a:schemeClr val="tx1"/>
-              </a:solidFill>
-            </a:ln>
-          </p:spPr>
-          <p:style>
-            <a:lnRef idx="2">
-              <a:schemeClr val="accent1"/>
-            </a:lnRef>
-            <a:fillRef idx="0">
-              <a:schemeClr val="accent1"/>
-            </a:fillRef>
-            <a:effectRef idx="1">
-              <a:schemeClr val="accent1"/>
-            </a:effectRef>
-            <a:fontRef idx="minor">
-              <a:schemeClr val="tx1"/>
-            </a:fontRef>
-          </p:style>
-        </p:cxnSp>
-        <p:cxnSp>
-          <p:nvCxnSpPr>
-            <p:cNvPr id="12" name="Straight Connector 11"/>
-            <p:cNvCxnSpPr/>
-            <p:nvPr/>
-          </p:nvCxnSpPr>
-          <p:spPr>
-            <a:xfrm flipH="1">
-              <a:off x="10918826" y="3683001"/>
-              <a:ext cx="1270001" cy="1269999"/>
-            </a:xfrm>
-            <a:prstGeom prst="line">
-              <a:avLst/>
-            </a:prstGeom>
-            <a:ln w="28575">
-              <a:solidFill>
-                <a:schemeClr val="tx1"/>
-              </a:solidFill>
-            </a:ln>
-          </p:spPr>
-          <p:style>
-            <a:lnRef idx="2">
-              <a:schemeClr val="accent1"/>
-            </a:lnRef>
-            <a:fillRef idx="0">
-              <a:schemeClr val="accent1"/>
-            </a:fillRef>
-            <a:effectRef idx="1">
-              <a:schemeClr val="accent1"/>
-            </a:effectRef>
-            <a:fontRef idx="minor">
-              <a:schemeClr val="tx1"/>
-            </a:fontRef>
-          </p:style>
-        </p:cxnSp>
-      </p:grpSp>
-      <p:sp>
-        <p:nvSpPr>
-          <p:cNvPr id="2" name="Title Placeholder 1"/>
-          <p:cNvSpPr>
-            <a:spLocks noGrp="1"/>
-          </p:cNvSpPr>
-          <p:nvPr>
-            <p:ph type="title"/>
-          </p:nvPr>
-        </p:nvSpPr>
-        <p:spPr>
-          <a:xfrm>
-            <a:off x="684212" y="4487332"/>
-            <a:ext cx="8534400" cy="1507067"/>
+        </p:nvPicPr>
+        <p:blipFill>
+          <a:blip r:embed="rId19">
+            <a:extLst>
+              <a:ext uri="{28A0092B-C50C-407E-A947-70E740481C1C}">
+                <a14:useLocalDpi xmlns:a14="http://schemas.microsoft.com/office/drawing/2010/main" val="0"/>
+              </a:ext>
+            </a:extLst>
+          </a:blip>
+          <a:stretch>
+            <a:fillRect/>
+          </a:stretch>
+        </p:blipFill>
+        <p:spPr>
+          <a:xfrm>
+            <a:off x="0" y="0"/>
+            <a:ext cx="12192000" cy="1441450"/>
           </a:xfrm>
           <a:prstGeom prst="rect">
             <a:avLst/>
           </a:prstGeom>
-          <a:effectLst/>
+        </p:spPr>
+      </p:pic>
+      <p:sp>
+        <p:nvSpPr>
+          <p:cNvPr id="2" name="Title Placeholder 1"/>
+          <p:cNvSpPr>
+            <a:spLocks noGrp="1"/>
+          </p:cNvSpPr>
+          <p:nvPr>
+            <p:ph type="title"/>
+          </p:nvPr>
+        </p:nvSpPr>
+        <p:spPr>
+          <a:xfrm>
+            <a:off x="2895600" y="764373"/>
+            <a:ext cx="8610600" cy="1293028"/>
+          </a:xfrm>
+          <a:prstGeom prst="rect">
+            <a:avLst/>
+          </a:prstGeom>
         </p:spPr>
         <p:txBody>
           <a:bodyPr vert="horz" lIns="91440" tIns="45720" rIns="91440" bIns="45720" rtlCol="0" anchor="ctr">
@@ -4733,8 +5237,8 @@
           <a:lstStyle/>
           <a:p>
             <a:r>
-              <a:rPr lang="it-IT"/>
-              <a:t>Fare clic per modificare lo stile del titolo</a:t>
+              <a:rPr lang="en-US" smtClean="0"/>
+              <a:t>Click to edit Master title style</a:t>
             </a:r>
             <a:endParaRPr lang="en-US" dirty="0"/>
           </a:p>
@@ -4752,51 +5256,51 @@
         </p:nvSpPr>
         <p:spPr>
           <a:xfrm>
-            <a:off x="684212" y="685800"/>
-            <a:ext cx="8534400" cy="3615267"/>
+            <a:off x="685800" y="2194560"/>
+            <a:ext cx="10820400" cy="4024125"/>
           </a:xfrm>
           <a:prstGeom prst="rect">
             <a:avLst/>
           </a:prstGeom>
         </p:spPr>
         <p:txBody>
-          <a:bodyPr vert="horz" lIns="91440" tIns="45720" rIns="91440" bIns="45720" rtlCol="0" anchor="ctr">
+          <a:bodyPr vert="horz" lIns="91440" tIns="45720" rIns="91440" bIns="45720" rtlCol="0">
             <a:normAutofit/>
           </a:bodyPr>
           <a:lstStyle/>
           <a:p>
             <a:pPr lvl="0"/>
             <a:r>
-              <a:rPr lang="it-IT"/>
-              <a:t>Fare clic per modificare stili del testo dello schema</a:t>
+              <a:rPr lang="en-US" smtClean="0"/>
+              <a:t>Edit Master text styles</a:t>
             </a:r>
           </a:p>
           <a:p>
             <a:pPr lvl="1"/>
             <a:r>
-              <a:rPr lang="it-IT"/>
-              <a:t>Secondo livello</a:t>
+              <a:rPr lang="en-US" smtClean="0"/>
+              <a:t>Second level</a:t>
             </a:r>
           </a:p>
           <a:p>
             <a:pPr lvl="2"/>
             <a:r>
-              <a:rPr lang="it-IT"/>
-              <a:t>Terzo livello</a:t>
+              <a:rPr lang="en-US" smtClean="0"/>
+              <a:t>Third level</a:t>
             </a:r>
           </a:p>
           <a:p>
             <a:pPr lvl="3"/>
             <a:r>
-              <a:rPr lang="it-IT"/>
-              <a:t>Quarto livello</a:t>
+              <a:rPr lang="en-US" smtClean="0"/>
+              <a:t>Fourth level</a:t>
             </a:r>
           </a:p>
           <a:p>
             <a:pPr lvl="4"/>
             <a:r>
-              <a:rPr lang="it-IT"/>
-              <a:t>Quinto livello</a:t>
+              <a:rPr lang="en-US" smtClean="0"/>
+              <a:t>Fifth level</a:t>
             </a:r>
             <a:endParaRPr lang="en-US" dirty="0"/>
           </a:p>
@@ -4814,32 +5318,30 @@
         </p:nvSpPr>
         <p:spPr>
           <a:xfrm>
-            <a:off x="9904412" y="6172200"/>
-            <a:ext cx="1600200" cy="365125"/>
+            <a:off x="8595360" y="6356350"/>
+            <a:ext cx="2910840" cy="365125"/>
           </a:xfrm>
           <a:prstGeom prst="rect">
             <a:avLst/>
           </a:prstGeom>
         </p:spPr>
         <p:txBody>
-          <a:bodyPr vert="horz" lIns="91440" tIns="45720" rIns="91440" bIns="45720" rtlCol="0" anchor="t"/>
+          <a:bodyPr vert="horz" lIns="91440" tIns="45720" rIns="91440" bIns="45720" rtlCol="0" anchor="ctr"/>
           <a:lstStyle>
             <a:lvl1pPr algn="r">
-              <a:defRPr sz="1000" b="0" i="0">
+              <a:defRPr sz="1050">
                 <a:solidFill>
-                  <a:schemeClr val="bg2">
-                    <a:lumMod val="50000"/>
+                  <a:schemeClr val="tx1">
+                    <a:tint val="75000"/>
                   </a:schemeClr>
                 </a:solidFill>
-                <a:effectLst/>
-                <a:latin typeface="+mn-lt"/>
               </a:defRPr>
             </a:lvl1pPr>
           </a:lstStyle>
           <a:p>
             <a:fld id="{76906E81-2588-4A67-B0A1-CCAA73920AE5}" type="datetimeFigureOut">
               <a:rPr lang="it-IT" smtClean="0"/>
-              <a:t>29/11/2018</a:t>
+              <a:t>04/12/2018</a:t>
             </a:fld>
             <a:endParaRPr lang="it-IT"/>
           </a:p>
@@ -4857,25 +5359,23 @@
         </p:nvSpPr>
         <p:spPr>
           <a:xfrm>
-            <a:off x="684212" y="6172200"/>
-            <a:ext cx="7543800" cy="365125"/>
+            <a:off x="685800" y="6355845"/>
+            <a:ext cx="7772400" cy="365125"/>
           </a:xfrm>
           <a:prstGeom prst="rect">
             <a:avLst/>
           </a:prstGeom>
         </p:spPr>
         <p:txBody>
-          <a:bodyPr vert="horz" lIns="91440" tIns="45720" rIns="91440" bIns="45720" rtlCol="0" anchor="t"/>
+          <a:bodyPr vert="horz" lIns="91440" tIns="45720" rIns="91440" bIns="45720" rtlCol="0" anchor="ctr"/>
           <a:lstStyle>
             <a:lvl1pPr algn="l">
-              <a:defRPr sz="1000" b="0" i="0">
+              <a:defRPr sz="1050">
                 <a:solidFill>
-                  <a:schemeClr val="bg2">
-                    <a:lumMod val="50000"/>
+                  <a:schemeClr val="tx1">
+                    <a:tint val="75000"/>
                   </a:schemeClr>
                 </a:solidFill>
-                <a:effectLst/>
-                <a:latin typeface="+mn-lt"/>
               </a:defRPr>
             </a:lvl1pPr>
           </a:lstStyle>
@@ -4896,25 +5396,23 @@
         </p:nvSpPr>
         <p:spPr>
           <a:xfrm>
-            <a:off x="10363200" y="5578475"/>
-            <a:ext cx="1142245" cy="669925"/>
+            <a:off x="8763000" y="381000"/>
+            <a:ext cx="2743200" cy="365125"/>
           </a:xfrm>
           <a:prstGeom prst="rect">
             <a:avLst/>
           </a:prstGeom>
         </p:spPr>
         <p:txBody>
-          <a:bodyPr vert="horz" lIns="91440" tIns="45720" rIns="91440" bIns="45720" rtlCol="0" anchor="b"/>
+          <a:bodyPr vert="horz" lIns="91440" tIns="45720" rIns="91440" bIns="45720" rtlCol="0" anchor="ctr"/>
           <a:lstStyle>
             <a:lvl1pPr algn="r">
-              <a:defRPr sz="3200" b="0" i="0">
+              <a:defRPr sz="1050">
                 <a:solidFill>
-                  <a:schemeClr val="bg2">
-                    <a:lumMod val="50000"/>
+                  <a:schemeClr val="tx1">
+                    <a:tint val="75000"/>
                   </a:schemeClr>
                 </a:solidFill>
-                <a:effectLst/>
-                <a:latin typeface="+mn-lt"/>
               </a:defRPr>
             </a:lvl1pPr>
           </a:lstStyle>
@@ -4930,328 +5428,208 @@
     </p:spTree>
     <p:extLst>
       <p:ext uri="{BB962C8B-B14F-4D97-AF65-F5344CB8AC3E}">
-        <p14:creationId xmlns:p14="http://schemas.microsoft.com/office/powerpoint/2010/main" val="3200367676"/>
+        <p14:creationId xmlns:p14="http://schemas.microsoft.com/office/powerpoint/2010/main" val="2595278500"/>
       </p:ext>
     </p:extLst>
   </p:cSld>
   <p:clrMap bg1="dk1" tx1="lt1" bg2="dk2" tx2="lt2" accent1="accent1" accent2="accent2" accent3="accent3" accent4="accent4" accent5="accent5" accent6="accent6" hlink="hlink" folHlink="folHlink"/>
   <p:sldLayoutIdLst>
-    <p:sldLayoutId id="2147483673" r:id="rId1"/>
-    <p:sldLayoutId id="2147483674" r:id="rId2"/>
-    <p:sldLayoutId id="2147483675" r:id="rId3"/>
-    <p:sldLayoutId id="2147483676" r:id="rId4"/>
-    <p:sldLayoutId id="2147483677" r:id="rId5"/>
-    <p:sldLayoutId id="2147483678" r:id="rId6"/>
-    <p:sldLayoutId id="2147483679" r:id="rId7"/>
-    <p:sldLayoutId id="2147483680" r:id="rId8"/>
-    <p:sldLayoutId id="2147483681" r:id="rId9"/>
-    <p:sldLayoutId id="2147483682" r:id="rId10"/>
-    <p:sldLayoutId id="2147483683" r:id="rId11"/>
-    <p:sldLayoutId id="2147483684" r:id="rId12"/>
-    <p:sldLayoutId id="2147483685" r:id="rId13"/>
-    <p:sldLayoutId id="2147483686" r:id="rId14"/>
-    <p:sldLayoutId id="2147483687" r:id="rId15"/>
-    <p:sldLayoutId id="2147483688" r:id="rId16"/>
-    <p:sldLayoutId id="2147483689" r:id="rId17"/>
+    <p:sldLayoutId id="2147483709" r:id="rId1"/>
+    <p:sldLayoutId id="2147483710" r:id="rId2"/>
+    <p:sldLayoutId id="2147483711" r:id="rId3"/>
+    <p:sldLayoutId id="2147483712" r:id="rId4"/>
+    <p:sldLayoutId id="2147483713" r:id="rId5"/>
+    <p:sldLayoutId id="2147483714" r:id="rId6"/>
+    <p:sldLayoutId id="2147483715" r:id="rId7"/>
+    <p:sldLayoutId id="2147483716" r:id="rId8"/>
+    <p:sldLayoutId id="2147483717" r:id="rId9"/>
+    <p:sldLayoutId id="2147483718" r:id="rId10"/>
+    <p:sldLayoutId id="2147483719" r:id="rId11"/>
+    <p:sldLayoutId id="2147483720" r:id="rId12"/>
+    <p:sldLayoutId id="2147483721" r:id="rId13"/>
+    <p:sldLayoutId id="2147483722" r:id="rId14"/>
+    <p:sldLayoutId id="2147483723" r:id="rId15"/>
+    <p:sldLayoutId id="2147483724" r:id="rId16"/>
+    <p:sldLayoutId id="2147483725" r:id="rId17"/>
   </p:sldLayoutIdLst>
   <p:txStyles>
     <p:titleStyle>
-      <a:lvl1pPr algn="l" defTabSz="457200" rtl="0" eaLnBrk="1" latinLnBrk="0" hangingPunct="1">
+      <a:lvl1pPr algn="r" defTabSz="914400" rtl="0" eaLnBrk="1" latinLnBrk="0" hangingPunct="1">
+        <a:lnSpc>
+          <a:spcPct val="90000"/>
+        </a:lnSpc>
         <a:spcBef>
           <a:spcPct val="0"/>
         </a:spcBef>
         <a:buNone/>
-        <a:defRPr sz="3600" kern="1200" cap="all">
-          <a:ln w="3175" cmpd="sng">
-            <a:noFill/>
-          </a:ln>
+        <a:defRPr sz="4000" kern="1200" cap="all" baseline="0">
           <a:solidFill>
             <a:schemeClr val="tx1"/>
           </a:solidFill>
-          <a:effectLst/>
           <a:latin typeface="+mj-lt"/>
           <a:ea typeface="+mj-ea"/>
           <a:cs typeface="+mj-cs"/>
         </a:defRPr>
       </a:lvl1pPr>
-      <a:lvl2pPr eaLnBrk="1" hangingPunct="1">
-        <a:defRPr>
-          <a:solidFill>
-            <a:schemeClr val="tx2"/>
-          </a:solidFill>
-        </a:defRPr>
-      </a:lvl2pPr>
-      <a:lvl3pPr eaLnBrk="1" hangingPunct="1">
-        <a:defRPr>
-          <a:solidFill>
-            <a:schemeClr val="tx2"/>
-          </a:solidFill>
-        </a:defRPr>
-      </a:lvl3pPr>
-      <a:lvl4pPr eaLnBrk="1" hangingPunct="1">
-        <a:defRPr>
-          <a:solidFill>
-            <a:schemeClr val="tx2"/>
-          </a:solidFill>
-        </a:defRPr>
-      </a:lvl4pPr>
-      <a:lvl5pPr eaLnBrk="1" hangingPunct="1">
-        <a:defRPr>
-          <a:solidFill>
-            <a:schemeClr val="tx2"/>
-          </a:solidFill>
-        </a:defRPr>
-      </a:lvl5pPr>
-      <a:lvl6pPr eaLnBrk="1" hangingPunct="1">
-        <a:defRPr>
-          <a:solidFill>
-            <a:schemeClr val="tx2"/>
-          </a:solidFill>
-        </a:defRPr>
-      </a:lvl6pPr>
-      <a:lvl7pPr eaLnBrk="1" hangingPunct="1">
-        <a:defRPr>
-          <a:solidFill>
-            <a:schemeClr val="tx2"/>
-          </a:solidFill>
-        </a:defRPr>
-      </a:lvl7pPr>
-      <a:lvl8pPr eaLnBrk="1" hangingPunct="1">
-        <a:defRPr>
-          <a:solidFill>
-            <a:schemeClr val="tx2"/>
-          </a:solidFill>
-        </a:defRPr>
-      </a:lvl8pPr>
-      <a:lvl9pPr eaLnBrk="1" hangingPunct="1">
-        <a:defRPr>
-          <a:solidFill>
-            <a:schemeClr val="tx2"/>
-          </a:solidFill>
-        </a:defRPr>
-      </a:lvl9pPr>
     </p:titleStyle>
     <p:bodyStyle>
-      <a:lvl1pPr marL="285750" indent="-285750" algn="l" defTabSz="457200" rtl="0" eaLnBrk="1" latinLnBrk="0" hangingPunct="1">
+      <a:lvl1pPr marL="228600" indent="-228600" algn="l" defTabSz="914400" rtl="0" eaLnBrk="1" latinLnBrk="0" hangingPunct="1">
+        <a:lnSpc>
+          <a:spcPct val="90000"/>
+        </a:lnSpc>
         <a:spcBef>
-          <a:spcPct val="20000"/>
+          <a:spcPts val="1000"/>
         </a:spcBef>
-        <a:spcAft>
-          <a:spcPts val="600"/>
-        </a:spcAft>
-        <a:buClr>
-          <a:schemeClr val="tx1"/>
-        </a:buClr>
-        <a:buSzPct val="80000"/>
-        <a:buFont typeface="Wingdings 3" panose="05040102010807070707" pitchFamily="18" charset="2"/>
-        <a:buChar char=""/>
-        <a:defRPr sz="2000" kern="1200" cap="none">
+        <a:buFont typeface="Arial" panose="020B0604020202020204" pitchFamily="34" charset="0"/>
+        <a:buChar char="•"/>
+        <a:defRPr sz="2200" kern="1200">
           <a:solidFill>
-            <a:schemeClr val="bg2">
-              <a:lumMod val="75000"/>
-            </a:schemeClr>
+            <a:schemeClr val="tx1"/>
           </a:solidFill>
-          <a:effectLst/>
           <a:latin typeface="+mn-lt"/>
           <a:ea typeface="+mn-ea"/>
           <a:cs typeface="+mn-cs"/>
         </a:defRPr>
       </a:lvl1pPr>
-      <a:lvl2pPr marL="742950" indent="-285750" algn="l" defTabSz="457200" rtl="0" eaLnBrk="1" latinLnBrk="0" hangingPunct="1">
+      <a:lvl2pPr marL="685800" indent="-228600" algn="l" defTabSz="914400" rtl="0" eaLnBrk="1" latinLnBrk="0" hangingPunct="1">
+        <a:lnSpc>
+          <a:spcPct val="90000"/>
+        </a:lnSpc>
         <a:spcBef>
-          <a:spcPct val="20000"/>
+          <a:spcPts val="500"/>
         </a:spcBef>
-        <a:spcAft>
-          <a:spcPts val="600"/>
-        </a:spcAft>
-        <a:buClr>
-          <a:schemeClr val="tx1"/>
-        </a:buClr>
-        <a:buSzPct val="80000"/>
-        <a:buFont typeface="Wingdings 3" panose="05040102010807070707" pitchFamily="18" charset="2"/>
-        <a:buChar char=""/>
-        <a:defRPr sz="1800" kern="1200" cap="none">
+        <a:buFont typeface="Arial" panose="020B0604020202020204" pitchFamily="34" charset="0"/>
+        <a:buChar char="•"/>
+        <a:defRPr sz="2000" kern="1200">
           <a:solidFill>
-            <a:schemeClr val="bg2">
-              <a:lumMod val="75000"/>
-            </a:schemeClr>
+            <a:schemeClr val="tx1"/>
           </a:solidFill>
-          <a:effectLst/>
           <a:latin typeface="+mn-lt"/>
           <a:ea typeface="+mn-ea"/>
           <a:cs typeface="+mn-cs"/>
         </a:defRPr>
       </a:lvl2pPr>
-      <a:lvl3pPr marL="1200150" indent="-285750" algn="l" defTabSz="457200" rtl="0" eaLnBrk="1" latinLnBrk="0" hangingPunct="1">
+      <a:lvl3pPr marL="1143000" indent="-228600" algn="l" defTabSz="914400" rtl="0" eaLnBrk="1" latinLnBrk="0" hangingPunct="1">
+        <a:lnSpc>
+          <a:spcPct val="90000"/>
+        </a:lnSpc>
         <a:spcBef>
-          <a:spcPct val="20000"/>
+          <a:spcPts val="500"/>
         </a:spcBef>
-        <a:spcAft>
-          <a:spcPts val="600"/>
-        </a:spcAft>
-        <a:buClr>
-          <a:schemeClr val="tx1"/>
-        </a:buClr>
-        <a:buSzPct val="80000"/>
-        <a:buFont typeface="Wingdings 3" panose="05040102010807070707" pitchFamily="18" charset="2"/>
-        <a:buChar char=""/>
-        <a:defRPr sz="1600" kern="1200" cap="none">
+        <a:buFont typeface="Arial" panose="020B0604020202020204" pitchFamily="34" charset="0"/>
+        <a:buChar char="•"/>
+        <a:defRPr sz="1800" kern="1200">
           <a:solidFill>
-            <a:schemeClr val="bg2">
-              <a:lumMod val="75000"/>
-            </a:schemeClr>
+            <a:schemeClr val="tx1"/>
           </a:solidFill>
-          <a:effectLst/>
           <a:latin typeface="+mn-lt"/>
           <a:ea typeface="+mn-ea"/>
           <a:cs typeface="+mn-cs"/>
         </a:defRPr>
       </a:lvl3pPr>
-      <a:lvl4pPr marL="1543050" indent="-171450" algn="l" defTabSz="457200" rtl="0" eaLnBrk="1" latinLnBrk="0" hangingPunct="1">
+      <a:lvl4pPr marL="1600200" indent="-228600" algn="l" defTabSz="914400" rtl="0" eaLnBrk="1" latinLnBrk="0" hangingPunct="1">
+        <a:lnSpc>
+          <a:spcPct val="90000"/>
+        </a:lnSpc>
         <a:spcBef>
-          <a:spcPct val="20000"/>
+          <a:spcPts val="500"/>
         </a:spcBef>
-        <a:spcAft>
-          <a:spcPts val="600"/>
-        </a:spcAft>
-        <a:buClr>
-          <a:schemeClr val="tx1"/>
-        </a:buClr>
-        <a:buSzPct val="80000"/>
-        <a:buFont typeface="Wingdings 3" panose="05040102010807070707" pitchFamily="18" charset="2"/>
-        <a:buChar char=""/>
-        <a:defRPr sz="1400" kern="1200" cap="none">
+        <a:buFont typeface="Arial" panose="020B0604020202020204" pitchFamily="34" charset="0"/>
+        <a:buChar char="•"/>
+        <a:defRPr sz="1600" kern="1200">
           <a:solidFill>
-            <a:schemeClr val="bg2">
-              <a:lumMod val="75000"/>
-            </a:schemeClr>
+            <a:schemeClr val="tx1"/>
           </a:solidFill>
-          <a:effectLst/>
           <a:latin typeface="+mn-lt"/>
           <a:ea typeface="+mn-ea"/>
           <a:cs typeface="+mn-cs"/>
         </a:defRPr>
       </a:lvl4pPr>
-      <a:lvl5pPr marL="2000250" indent="-171450" algn="l" defTabSz="457200" rtl="0" eaLnBrk="1" latinLnBrk="0" hangingPunct="1">
+      <a:lvl5pPr marL="2057400" indent="-228600" algn="l" defTabSz="914400" rtl="0" eaLnBrk="1" latinLnBrk="0" hangingPunct="1">
+        <a:lnSpc>
+          <a:spcPct val="90000"/>
+        </a:lnSpc>
         <a:spcBef>
-          <a:spcPct val="20000"/>
+          <a:spcPts val="500"/>
         </a:spcBef>
-        <a:spcAft>
-          <a:spcPts val="600"/>
-        </a:spcAft>
-        <a:buClr>
-          <a:schemeClr val="tx1"/>
-        </a:buClr>
-        <a:buSzPct val="80000"/>
-        <a:buFont typeface="Wingdings 3" panose="05040102010807070707" pitchFamily="18" charset="2"/>
-        <a:buChar char=""/>
-        <a:defRPr sz="1400" kern="1200" cap="none">
+        <a:buFont typeface="Arial" panose="020B0604020202020204" pitchFamily="34" charset="0"/>
+        <a:buChar char="•"/>
+        <a:defRPr sz="1600" kern="1200">
           <a:solidFill>
-            <a:schemeClr val="bg2">
-              <a:lumMod val="75000"/>
-            </a:schemeClr>
+            <a:schemeClr val="tx1"/>
           </a:solidFill>
-          <a:effectLst/>
           <a:latin typeface="+mn-lt"/>
           <a:ea typeface="+mn-ea"/>
           <a:cs typeface="+mn-cs"/>
         </a:defRPr>
       </a:lvl5pPr>
-      <a:lvl6pPr marL="2514600" indent="-228600" algn="l" defTabSz="457200" rtl="0" eaLnBrk="1" latinLnBrk="0" hangingPunct="1">
+      <a:lvl6pPr marL="2514600" indent="-228600" algn="l" defTabSz="914400" rtl="0" eaLnBrk="1" latinLnBrk="0" hangingPunct="1">
+        <a:lnSpc>
+          <a:spcPct val="90000"/>
+        </a:lnSpc>
         <a:spcBef>
-          <a:spcPct val="20000"/>
+          <a:spcPts val="500"/>
         </a:spcBef>
-        <a:spcAft>
-          <a:spcPts val="600"/>
-        </a:spcAft>
-        <a:buClr>
-          <a:schemeClr val="tx1"/>
-        </a:buClr>
-        <a:buSzPct val="80000"/>
-        <a:buFont typeface="Wingdings 3" panose="05040102010807070707" pitchFamily="18" charset="2"/>
-        <a:buChar char=""/>
-        <a:defRPr sz="1400" kern="1200" cap="none">
+        <a:buFont typeface="Arial" panose="020B0604020202020204" pitchFamily="34" charset="0"/>
+        <a:buChar char="•"/>
+        <a:defRPr sz="1600" kern="1200">
           <a:solidFill>
-            <a:schemeClr val="bg2">
-              <a:lumMod val="75000"/>
-            </a:schemeClr>
+            <a:schemeClr val="tx1"/>
           </a:solidFill>
-          <a:effectLst/>
           <a:latin typeface="+mn-lt"/>
           <a:ea typeface="+mn-ea"/>
           <a:cs typeface="+mn-cs"/>
         </a:defRPr>
       </a:lvl6pPr>
-      <a:lvl7pPr marL="2971800" indent="-228600" algn="l" defTabSz="457200" rtl="0" eaLnBrk="1" latinLnBrk="0" hangingPunct="1">
+      <a:lvl7pPr marL="2971800" indent="-228600" algn="l" defTabSz="914400" rtl="0" eaLnBrk="1" latinLnBrk="0" hangingPunct="1">
+        <a:lnSpc>
+          <a:spcPct val="90000"/>
+        </a:lnSpc>
         <a:spcBef>
-          <a:spcPct val="20000"/>
+          <a:spcPts val="500"/>
         </a:spcBef>
-        <a:spcAft>
-          <a:spcPts val="600"/>
-        </a:spcAft>
-        <a:buClr>
-          <a:schemeClr val="tx1"/>
-        </a:buClr>
-        <a:buSzPct val="80000"/>
-        <a:buFont typeface="Wingdings 3" panose="05040102010807070707" pitchFamily="18" charset="2"/>
-        <a:buChar char=""/>
-        <a:defRPr sz="1400" kern="1200" cap="none">
+        <a:buFont typeface="Arial" panose="020B0604020202020204" pitchFamily="34" charset="0"/>
+        <a:buChar char="•"/>
+        <a:defRPr sz="1600" kern="1200">
           <a:solidFill>
-            <a:schemeClr val="bg2">
-              <a:lumMod val="75000"/>
-            </a:schemeClr>
+            <a:schemeClr val="tx1"/>
           </a:solidFill>
-          <a:effectLst/>
           <a:latin typeface="+mn-lt"/>
           <a:ea typeface="+mn-ea"/>
           <a:cs typeface="+mn-cs"/>
         </a:defRPr>
       </a:lvl7pPr>
-      <a:lvl8pPr marL="3429000" indent="-228600" algn="l" defTabSz="457200" rtl="0" eaLnBrk="1" latinLnBrk="0" hangingPunct="1">
+      <a:lvl8pPr marL="3429000" indent="-228600" algn="l" defTabSz="914400" rtl="0" eaLnBrk="1" latinLnBrk="0" hangingPunct="1">
+        <a:lnSpc>
+          <a:spcPct val="90000"/>
+        </a:lnSpc>
         <a:spcBef>
-          <a:spcPct val="20000"/>
+          <a:spcPts val="500"/>
         </a:spcBef>
-        <a:spcAft>
-          <a:spcPts val="600"/>
-        </a:spcAft>
-        <a:buClr>
-          <a:schemeClr val="tx1"/>
-        </a:buClr>
-        <a:buSzPct val="80000"/>
-        <a:buFont typeface="Wingdings 3" panose="05040102010807070707" pitchFamily="18" charset="2"/>
-        <a:buChar char=""/>
-        <a:defRPr sz="1400" kern="1200" cap="none">
+        <a:buFont typeface="Arial" panose="020B0604020202020204" pitchFamily="34" charset="0"/>
+        <a:buChar char="•"/>
+        <a:defRPr sz="1600" kern="1200">
           <a:solidFill>
-            <a:schemeClr val="bg2">
-              <a:lumMod val="75000"/>
-            </a:schemeClr>
+            <a:schemeClr val="tx1"/>
           </a:solidFill>
-          <a:effectLst/>
           <a:latin typeface="+mn-lt"/>
           <a:ea typeface="+mn-ea"/>
           <a:cs typeface="+mn-cs"/>
         </a:defRPr>
       </a:lvl8pPr>
-      <a:lvl9pPr marL="3886200" indent="-228600" algn="l" defTabSz="457200" rtl="0" eaLnBrk="1" latinLnBrk="0" hangingPunct="1">
+      <a:lvl9pPr marL="3886200" indent="-228600" algn="l" defTabSz="914400" rtl="0" eaLnBrk="1" latinLnBrk="0" hangingPunct="1">
+        <a:lnSpc>
+          <a:spcPct val="90000"/>
+        </a:lnSpc>
         <a:spcBef>
-          <a:spcPct val="20000"/>
+          <a:spcPts val="500"/>
         </a:spcBef>
-        <a:spcAft>
-          <a:spcPts val="600"/>
-        </a:spcAft>
-        <a:buClr>
-          <a:schemeClr val="tx1"/>
-        </a:buClr>
-        <a:buSzPct val="80000"/>
-        <a:buFont typeface="Wingdings 3" panose="05040102010807070707" pitchFamily="18" charset="2"/>
-        <a:buChar char=""/>
-        <a:defRPr sz="1400" kern="1200" cap="none">
+        <a:buFont typeface="Arial" panose="020B0604020202020204" pitchFamily="34" charset="0"/>
+        <a:buChar char="•"/>
+        <a:defRPr sz="1600" kern="1200">
           <a:solidFill>
-            <a:schemeClr val="bg2">
-              <a:lumMod val="75000"/>
-            </a:schemeClr>
+            <a:schemeClr val="tx1"/>
           </a:solidFill>
-          <a:effectLst/>
           <a:latin typeface="+mn-lt"/>
           <a:ea typeface="+mn-ea"/>
           <a:cs typeface="+mn-cs"/>
@@ -5262,7 +5640,7 @@
       <a:defPPr>
         <a:defRPr lang="en-US"/>
       </a:defPPr>
-      <a:lvl1pPr marL="0" algn="l" defTabSz="457200" rtl="0" eaLnBrk="1" latinLnBrk="0" hangingPunct="1">
+      <a:lvl1pPr marL="0" algn="l" defTabSz="914400" rtl="0" eaLnBrk="1" latinLnBrk="0" hangingPunct="1">
         <a:defRPr sz="1800" kern="1200">
           <a:solidFill>
             <a:schemeClr val="tx1"/>
@@ -5272,7 +5650,7 @@
           <a:cs typeface="+mn-cs"/>
         </a:defRPr>
       </a:lvl1pPr>
-      <a:lvl2pPr marL="457200" algn="l" defTabSz="457200" rtl="0" eaLnBrk="1" latinLnBrk="0" hangingPunct="1">
+      <a:lvl2pPr marL="457200" algn="l" defTabSz="914400" rtl="0" eaLnBrk="1" latinLnBrk="0" hangingPunct="1">
         <a:defRPr sz="1800" kern="1200">
           <a:solidFill>
             <a:schemeClr val="tx1"/>
@@ -5282,7 +5660,7 @@
           <a:cs typeface="+mn-cs"/>
         </a:defRPr>
       </a:lvl2pPr>
-      <a:lvl3pPr marL="914400" algn="l" defTabSz="457200" rtl="0" eaLnBrk="1" latinLnBrk="0" hangingPunct="1">
+      <a:lvl3pPr marL="914400" algn="l" defTabSz="914400" rtl="0" eaLnBrk="1" latinLnBrk="0" hangingPunct="1">
         <a:defRPr sz="1800" kern="1200">
           <a:solidFill>
             <a:schemeClr val="tx1"/>
@@ -5292,7 +5670,7 @@
           <a:cs typeface="+mn-cs"/>
         </a:defRPr>
       </a:lvl3pPr>
-      <a:lvl4pPr marL="1371600" algn="l" defTabSz="457200" rtl="0" eaLnBrk="1" latinLnBrk="0" hangingPunct="1">
+      <a:lvl4pPr marL="1371600" algn="l" defTabSz="914400" rtl="0" eaLnBrk="1" latinLnBrk="0" hangingPunct="1">
         <a:defRPr sz="1800" kern="1200">
           <a:solidFill>
             <a:schemeClr val="tx1"/>
@@ -5302,7 +5680,7 @@
           <a:cs typeface="+mn-cs"/>
         </a:defRPr>
       </a:lvl4pPr>
-      <a:lvl5pPr marL="1828800" algn="l" defTabSz="457200" rtl="0" eaLnBrk="1" latinLnBrk="0" hangingPunct="1">
+      <a:lvl5pPr marL="1828800" algn="l" defTabSz="914400" rtl="0" eaLnBrk="1" latinLnBrk="0" hangingPunct="1">
         <a:defRPr sz="1800" kern="1200">
           <a:solidFill>
             <a:schemeClr val="tx1"/>
@@ -5312,7 +5690,7 @@
           <a:cs typeface="+mn-cs"/>
         </a:defRPr>
       </a:lvl5pPr>
-      <a:lvl6pPr marL="2286000" algn="l" defTabSz="457200" rtl="0" eaLnBrk="1" latinLnBrk="0" hangingPunct="1">
+      <a:lvl6pPr marL="2286000" algn="l" defTabSz="914400" rtl="0" eaLnBrk="1" latinLnBrk="0" hangingPunct="1">
         <a:defRPr sz="1800" kern="1200">
           <a:solidFill>
             <a:schemeClr val="tx1"/>
@@ -5322,7 +5700,7 @@
           <a:cs typeface="+mn-cs"/>
         </a:defRPr>
       </a:lvl6pPr>
-      <a:lvl7pPr marL="2743200" algn="l" defTabSz="457200" rtl="0" eaLnBrk="1" latinLnBrk="0" hangingPunct="1">
+      <a:lvl7pPr marL="2743200" algn="l" defTabSz="914400" rtl="0" eaLnBrk="1" latinLnBrk="0" hangingPunct="1">
         <a:defRPr sz="1800" kern="1200">
           <a:solidFill>
             <a:schemeClr val="tx1"/>
@@ -5332,7 +5710,7 @@
           <a:cs typeface="+mn-cs"/>
         </a:defRPr>
       </a:lvl7pPr>
-      <a:lvl8pPr marL="3200400" algn="l" defTabSz="457200" rtl="0" eaLnBrk="1" latinLnBrk="0" hangingPunct="1">
+      <a:lvl8pPr marL="3200400" algn="l" defTabSz="914400" rtl="0" eaLnBrk="1" latinLnBrk="0" hangingPunct="1">
         <a:defRPr sz="1800" kern="1200">
           <a:solidFill>
             <a:schemeClr val="tx1"/>
@@ -5342,7 +5720,7 @@
           <a:cs typeface="+mn-cs"/>
         </a:defRPr>
       </a:lvl8pPr>
-      <a:lvl9pPr marL="3657600" algn="l" defTabSz="457200" rtl="0" eaLnBrk="1" latinLnBrk="0" hangingPunct="1">
+      <a:lvl9pPr marL="3657600" algn="l" defTabSz="914400" rtl="0" eaLnBrk="1" latinLnBrk="0" hangingPunct="1">
         <a:defRPr sz="1800" kern="1200">
           <a:solidFill>
             <a:schemeClr val="tx1"/>
@@ -5386,16 +5764,19 @@
         </p:nvSpPr>
         <p:spPr>
           <a:xfrm>
-            <a:off x="838199" y="365125"/>
+            <a:off x="556845" y="1349863"/>
             <a:ext cx="10789693" cy="3210588"/>
           </a:xfrm>
         </p:spPr>
         <p:txBody>
-          <a:bodyPr/>
-          <a:lstStyle/>
-          <a:p>
-            <a:r>
-              <a:rPr lang="it-IT" dirty="0"/>
+          <a:bodyPr>
+            <a:normAutofit/>
+          </a:bodyPr>
+          <a:lstStyle/>
+          <a:p>
+            <a:pPr algn="ctr"/>
+            <a:r>
+              <a:rPr lang="it-IT" sz="7200" dirty="0"/>
               <a:t>Horror Arena</a:t>
             </a:r>
           </a:p>
@@ -5411,6 +5792,13 @@
   <p:clrMapOvr>
     <a:masterClrMapping/>
   </p:clrMapOvr>
+  <p:timing>
+    <p:tnLst>
+      <p:par>
+        <p:cTn id="1" dur="indefinite" restart="never" nodeType="tmRoot"/>
+      </p:par>
+    </p:tnLst>
+  </p:timing>
 </p:sld>
 </file>
 
@@ -5451,6 +5839,7 @@
           <a:bodyPr/>
           <a:lstStyle/>
           <a:p>
+            <a:pPr algn="ctr"/>
             <a:r>
               <a:rPr lang="it-IT" dirty="0" err="1"/>
               <a:t>Selling</a:t>
@@ -5484,545 +5873,120 @@
           </a:bodyPr>
           <a:lstStyle/>
           <a:p>
-            <a:pPr>
-              <a:buFont typeface="Wingdings" panose="05000000000000000000" pitchFamily="2" charset="2"/>
-              <a:buChar char="Ø"/>
-            </a:pPr>
-            <a:r>
-              <a:rPr lang="it-IT" dirty="0" err="1">
-                <a:solidFill>
-                  <a:schemeClr val="tx1"/>
-                </a:solidFill>
-              </a:rPr>
+            <a:r>
+              <a:rPr lang="en-US" dirty="0" err="1"/>
               <a:t>Adrenalinic</a:t>
             </a:r>
             <a:r>
-              <a:rPr lang="it-IT" dirty="0">
-                <a:solidFill>
-                  <a:schemeClr val="tx1"/>
-                </a:solidFill>
-              </a:rPr>
-              <a:t> and Fast </a:t>
-            </a:r>
-            <a:r>
-              <a:rPr lang="it-IT" dirty="0" err="1">
-                <a:solidFill>
-                  <a:schemeClr val="tx1"/>
-                </a:solidFill>
-              </a:rPr>
-              <a:t>Paced</a:t>
-            </a:r>
-            <a:r>
-              <a:rPr lang="it-IT" dirty="0">
-                <a:solidFill>
-                  <a:schemeClr val="tx1"/>
-                </a:solidFill>
-              </a:rPr>
+              <a:rPr lang="en-US" dirty="0"/>
+              <a:t> and Fast Paced</a:t>
+            </a:r>
+            <a:r>
+              <a:rPr lang="en-US" dirty="0" smtClean="0"/>
               <a:t>.</a:t>
             </a:r>
           </a:p>
           <a:p>
-            <a:pPr lvl="1">
-              <a:buFont typeface="Arial" panose="020B0604020202020204" pitchFamily="34" charset="0"/>
-              <a:buChar char="•"/>
-            </a:pPr>
-            <a:r>
-              <a:rPr lang="it-IT" dirty="0" err="1">
-                <a:solidFill>
-                  <a:schemeClr val="tx1"/>
-                </a:solidFill>
-              </a:rPr>
-              <a:t>As</a:t>
-            </a:r>
-            <a:r>
-              <a:rPr lang="it-IT" dirty="0">
-                <a:solidFill>
-                  <a:schemeClr val="tx1"/>
-                </a:solidFill>
-              </a:rPr>
-              <a:t> </a:t>
-            </a:r>
-            <a:r>
-              <a:rPr lang="it-IT" dirty="0" err="1">
-                <a:solidFill>
-                  <a:schemeClr val="tx1"/>
-                </a:solidFill>
-              </a:rPr>
-              <a:t>every</a:t>
-            </a:r>
-            <a:r>
-              <a:rPr lang="it-IT" dirty="0">
-                <a:solidFill>
-                  <a:schemeClr val="tx1"/>
-                </a:solidFill>
-              </a:rPr>
-              <a:t> </a:t>
-            </a:r>
-            <a:r>
-              <a:rPr lang="it-IT" dirty="0" err="1">
-                <a:solidFill>
-                  <a:schemeClr val="tx1"/>
-                </a:solidFill>
-              </a:rPr>
-              <a:t>fighting</a:t>
-            </a:r>
-            <a:r>
-              <a:rPr lang="it-IT" dirty="0">
-                <a:solidFill>
-                  <a:schemeClr val="tx1"/>
-                </a:solidFill>
-              </a:rPr>
-              <a:t> game </a:t>
-            </a:r>
-            <a:r>
-              <a:rPr lang="it-IT" dirty="0" err="1">
-                <a:solidFill>
-                  <a:schemeClr val="tx1"/>
-                </a:solidFill>
-              </a:rPr>
-              <a:t>your</a:t>
-            </a:r>
-            <a:r>
-              <a:rPr lang="it-IT" dirty="0">
-                <a:solidFill>
-                  <a:schemeClr val="tx1"/>
-                </a:solidFill>
-              </a:rPr>
-              <a:t> </a:t>
-            </a:r>
-            <a:r>
-              <a:rPr lang="it-IT" dirty="0" err="1">
-                <a:solidFill>
-                  <a:schemeClr val="tx1"/>
-                </a:solidFill>
-              </a:rPr>
-              <a:t>reflexes</a:t>
-            </a:r>
-            <a:r>
-              <a:rPr lang="it-IT" dirty="0">
-                <a:solidFill>
-                  <a:schemeClr val="tx1"/>
-                </a:solidFill>
-              </a:rPr>
-              <a:t> and </a:t>
-            </a:r>
-            <a:r>
-              <a:rPr lang="it-IT" dirty="0" err="1">
-                <a:solidFill>
-                  <a:schemeClr val="tx1"/>
-                </a:solidFill>
-              </a:rPr>
-              <a:t>your</a:t>
-            </a:r>
-            <a:r>
-              <a:rPr lang="it-IT" dirty="0">
-                <a:solidFill>
-                  <a:schemeClr val="tx1"/>
-                </a:solidFill>
-              </a:rPr>
-              <a:t> </a:t>
-            </a:r>
-            <a:r>
-              <a:rPr lang="it-IT" dirty="0" err="1">
-                <a:solidFill>
-                  <a:schemeClr val="tx1"/>
-                </a:solidFill>
-              </a:rPr>
-              <a:t>reaction</a:t>
-            </a:r>
-            <a:r>
-              <a:rPr lang="it-IT" dirty="0">
-                <a:solidFill>
-                  <a:schemeClr val="tx1"/>
-                </a:solidFill>
-              </a:rPr>
-              <a:t> time </a:t>
-            </a:r>
-            <a:r>
-              <a:rPr lang="it-IT" dirty="0" err="1">
-                <a:solidFill>
-                  <a:schemeClr val="tx1"/>
-                </a:solidFill>
-              </a:rPr>
-              <a:t>will</a:t>
-            </a:r>
-            <a:r>
-              <a:rPr lang="it-IT" dirty="0">
-                <a:solidFill>
-                  <a:schemeClr val="tx1"/>
-                </a:solidFill>
-              </a:rPr>
-              <a:t> be </a:t>
-            </a:r>
-            <a:r>
-              <a:rPr lang="it-IT" dirty="0" err="1">
-                <a:solidFill>
-                  <a:schemeClr val="tx1"/>
-                </a:solidFill>
-              </a:rPr>
-              <a:t>hardly</a:t>
-            </a:r>
-            <a:r>
-              <a:rPr lang="it-IT" dirty="0">
-                <a:solidFill>
-                  <a:schemeClr val="tx1"/>
-                </a:solidFill>
-              </a:rPr>
-              <a:t> </a:t>
-            </a:r>
-            <a:r>
-              <a:rPr lang="it-IT" dirty="0" err="1">
-                <a:solidFill>
-                  <a:schemeClr val="tx1"/>
-                </a:solidFill>
-              </a:rPr>
-              <a:t>tested</a:t>
-            </a:r>
-            <a:r>
-              <a:rPr lang="it-IT" dirty="0">
-                <a:solidFill>
-                  <a:schemeClr val="tx1"/>
-                </a:solidFill>
-              </a:rPr>
-              <a:t> by </a:t>
-            </a:r>
-            <a:r>
-              <a:rPr lang="it-IT" dirty="0" err="1">
-                <a:solidFill>
-                  <a:schemeClr val="tx1"/>
-                </a:solidFill>
-              </a:rPr>
-              <a:t>your</a:t>
-            </a:r>
-            <a:r>
-              <a:rPr lang="it-IT" dirty="0">
-                <a:solidFill>
-                  <a:schemeClr val="tx1"/>
-                </a:solidFill>
-              </a:rPr>
-              <a:t> </a:t>
-            </a:r>
-            <a:r>
-              <a:rPr lang="it-IT" dirty="0" err="1">
-                <a:solidFill>
-                  <a:schemeClr val="tx1"/>
-                </a:solidFill>
-              </a:rPr>
+            <a:pPr lvl="1"/>
+            <a:r>
+              <a:rPr lang="en-US" dirty="0" smtClean="0"/>
+              <a:t>Like </a:t>
+            </a:r>
+            <a:r>
+              <a:rPr lang="en-US" dirty="0"/>
+              <a:t>every fighting game your reflexes and your reaction time will be hardly tested by your </a:t>
+            </a:r>
+            <a:r>
+              <a:rPr lang="en-US" dirty="0" smtClean="0"/>
               <a:t>opponent</a:t>
+            </a:r>
+          </a:p>
+          <a:p>
+            <a:r>
+              <a:rPr lang="en-US" dirty="0" smtClean="0"/>
+              <a:t>Multiplayer </a:t>
+            </a:r>
+            <a:r>
+              <a:rPr lang="en-US" dirty="0"/>
+              <a:t>1 Vs </a:t>
+            </a:r>
+            <a:r>
+              <a:rPr lang="en-US" dirty="0" smtClean="0"/>
+              <a:t>1</a:t>
+            </a:r>
+          </a:p>
+          <a:p>
+            <a:pPr lvl="1"/>
+            <a:r>
+              <a:rPr lang="en-US" dirty="0" smtClean="0"/>
+              <a:t>Gather </a:t>
+            </a:r>
+            <a:r>
+              <a:rPr lang="en-US" dirty="0"/>
+              <a:t>your friends for have fun together (or to decide who’s going to pay for the drinks tonight) in the final Tournament</a:t>
+            </a:r>
+            <a:r>
+              <a:rPr lang="en-US" dirty="0" smtClean="0"/>
+              <a:t>.</a:t>
+            </a:r>
+          </a:p>
+          <a:p>
+            <a:r>
+              <a:rPr lang="en-US" dirty="0" smtClean="0"/>
+              <a:t>Many </a:t>
+            </a:r>
+            <a:r>
+              <a:rPr lang="en-US" dirty="0"/>
+              <a:t>different Characters with different Move </a:t>
+            </a:r>
+            <a:r>
+              <a:rPr lang="en-US" dirty="0" smtClean="0"/>
+              <a:t>Sets</a:t>
+            </a:r>
+          </a:p>
+          <a:p>
+            <a:pPr lvl="1"/>
+            <a:r>
+              <a:rPr lang="en-US" dirty="0" smtClean="0"/>
+              <a:t>Inspired </a:t>
+            </a:r>
+            <a:r>
+              <a:rPr lang="en-US" dirty="0"/>
+              <a:t>by the creepiest Gothic setting, and reinterpreted with a Sci-Fi </a:t>
+            </a:r>
+            <a:r>
+              <a:rPr lang="en-US" dirty="0" smtClean="0"/>
+              <a:t>twist</a:t>
+            </a:r>
+          </a:p>
+          <a:p>
+            <a:r>
+              <a:rPr lang="en-US" dirty="0" smtClean="0"/>
+              <a:t>Old </a:t>
+            </a:r>
+            <a:r>
+              <a:rPr lang="en-US" dirty="0"/>
+              <a:t>School looking game</a:t>
+            </a:r>
+            <a:r>
+              <a:rPr lang="en-US" dirty="0" smtClean="0"/>
+              <a:t>.</a:t>
+            </a:r>
+          </a:p>
+          <a:p>
+            <a:r>
+              <a:rPr lang="en-US" dirty="0" smtClean="0"/>
+              <a:t>Punch </a:t>
+            </a:r>
+            <a:r>
+              <a:rPr lang="en-US" dirty="0"/>
+              <a:t>someone in the face is never out of style</a:t>
             </a:r>
             <a:endParaRPr lang="it-IT" dirty="0">
               <a:solidFill>
                 <a:schemeClr val="tx1"/>
               </a:solidFill>
             </a:endParaRPr>
-          </a:p>
-          <a:p>
-            <a:pPr>
-              <a:buFont typeface="Wingdings" panose="05000000000000000000" pitchFamily="2" charset="2"/>
-              <a:buChar char="Ø"/>
-            </a:pPr>
-            <a:r>
-              <a:rPr lang="it-IT" dirty="0">
-                <a:solidFill>
-                  <a:schemeClr val="tx1"/>
-                </a:solidFill>
-              </a:rPr>
-              <a:t>Multiplayer 1 Vs 1</a:t>
-            </a:r>
-          </a:p>
-          <a:p>
-            <a:pPr lvl="1">
-              <a:buFont typeface="Arial" panose="020B0604020202020204" pitchFamily="34" charset="0"/>
-              <a:buChar char="•"/>
-            </a:pPr>
-            <a:r>
-              <a:rPr lang="it-IT" dirty="0">
-                <a:solidFill>
-                  <a:schemeClr val="tx1"/>
-                </a:solidFill>
-              </a:rPr>
-              <a:t>Gather your friends for have fun together (or to decide who’s gonna pay for the drinks tonight) in the ultimate Tournament.</a:t>
-            </a:r>
-          </a:p>
-          <a:p>
-            <a:pPr>
-              <a:buFont typeface="Wingdings" panose="05000000000000000000" pitchFamily="2" charset="2"/>
-              <a:buChar char="Ø"/>
-            </a:pPr>
-            <a:r>
-              <a:rPr lang="it-IT" dirty="0" err="1">
-                <a:solidFill>
-                  <a:schemeClr val="tx1"/>
-                </a:solidFill>
-              </a:rPr>
-              <a:t>Many</a:t>
-            </a:r>
-            <a:r>
-              <a:rPr lang="it-IT" dirty="0">
-                <a:solidFill>
-                  <a:schemeClr val="tx1"/>
-                </a:solidFill>
-              </a:rPr>
-              <a:t> </a:t>
-            </a:r>
-            <a:r>
-              <a:rPr lang="it-IT" dirty="0" err="1">
-                <a:solidFill>
-                  <a:schemeClr val="tx1"/>
-                </a:solidFill>
-              </a:rPr>
-              <a:t>different</a:t>
-            </a:r>
-            <a:r>
-              <a:rPr lang="it-IT" dirty="0">
-                <a:solidFill>
-                  <a:schemeClr val="tx1"/>
-                </a:solidFill>
-              </a:rPr>
-              <a:t> </a:t>
-            </a:r>
-            <a:r>
-              <a:rPr lang="it-IT" dirty="0" err="1">
-                <a:solidFill>
-                  <a:schemeClr val="tx1"/>
-                </a:solidFill>
-              </a:rPr>
-              <a:t>Characters</a:t>
-            </a:r>
-            <a:r>
-              <a:rPr lang="it-IT" dirty="0">
-                <a:solidFill>
-                  <a:schemeClr val="tx1"/>
-                </a:solidFill>
-              </a:rPr>
-              <a:t> with </a:t>
-            </a:r>
-            <a:r>
-              <a:rPr lang="it-IT" dirty="0" err="1">
-                <a:solidFill>
-                  <a:schemeClr val="tx1"/>
-                </a:solidFill>
-              </a:rPr>
-              <a:t>different</a:t>
-            </a:r>
-            <a:r>
-              <a:rPr lang="it-IT" dirty="0">
-                <a:solidFill>
-                  <a:schemeClr val="tx1"/>
-                </a:solidFill>
-              </a:rPr>
-              <a:t> </a:t>
-            </a:r>
-            <a:r>
-              <a:rPr lang="it-IT" dirty="0" err="1">
-                <a:solidFill>
-                  <a:schemeClr val="tx1"/>
-                </a:solidFill>
-              </a:rPr>
-              <a:t>Move</a:t>
-            </a:r>
-            <a:r>
-              <a:rPr lang="it-IT" dirty="0">
-                <a:solidFill>
-                  <a:schemeClr val="tx1"/>
-                </a:solidFill>
-              </a:rPr>
-              <a:t> Sets</a:t>
-            </a:r>
-          </a:p>
-          <a:p>
-            <a:pPr lvl="1">
-              <a:buFont typeface="Arial" panose="020B0604020202020204" pitchFamily="34" charset="0"/>
-              <a:buChar char="•"/>
-            </a:pPr>
-            <a:r>
-              <a:rPr lang="it-IT" dirty="0" err="1">
-                <a:solidFill>
-                  <a:schemeClr val="tx1"/>
-                </a:solidFill>
-              </a:rPr>
-              <a:t>Inspired</a:t>
-            </a:r>
-            <a:r>
-              <a:rPr lang="it-IT" dirty="0">
-                <a:solidFill>
-                  <a:schemeClr val="tx1"/>
-                </a:solidFill>
-              </a:rPr>
-              <a:t> by the </a:t>
-            </a:r>
-            <a:r>
-              <a:rPr lang="it-IT" dirty="0" err="1">
-                <a:solidFill>
-                  <a:schemeClr val="tx1"/>
-                </a:solidFill>
-              </a:rPr>
-              <a:t>creepiest</a:t>
-            </a:r>
-            <a:r>
-              <a:rPr lang="it-IT" dirty="0">
-                <a:solidFill>
-                  <a:schemeClr val="tx1"/>
-                </a:solidFill>
-              </a:rPr>
-              <a:t> </a:t>
-            </a:r>
-            <a:r>
-              <a:rPr lang="it-IT" dirty="0" err="1">
-                <a:solidFill>
-                  <a:schemeClr val="tx1"/>
-                </a:solidFill>
-              </a:rPr>
-              <a:t>Gothic</a:t>
-            </a:r>
-            <a:r>
-              <a:rPr lang="it-IT" dirty="0">
-                <a:solidFill>
-                  <a:schemeClr val="tx1"/>
-                </a:solidFill>
-              </a:rPr>
-              <a:t> </a:t>
-            </a:r>
-            <a:r>
-              <a:rPr lang="it-IT" dirty="0" err="1">
-                <a:solidFill>
-                  <a:schemeClr val="tx1"/>
-                </a:solidFill>
-              </a:rPr>
-              <a:t>setting</a:t>
-            </a:r>
-            <a:r>
-              <a:rPr lang="it-IT" dirty="0">
-                <a:solidFill>
-                  <a:schemeClr val="tx1"/>
-                </a:solidFill>
-              </a:rPr>
-              <a:t> ,and </a:t>
-            </a:r>
-            <a:r>
-              <a:rPr lang="it-IT" dirty="0" err="1">
-                <a:solidFill>
-                  <a:schemeClr val="tx1"/>
-                </a:solidFill>
-              </a:rPr>
-              <a:t>reinterpreted</a:t>
-            </a:r>
-            <a:r>
-              <a:rPr lang="it-IT" dirty="0">
-                <a:solidFill>
-                  <a:schemeClr val="tx1"/>
-                </a:solidFill>
-              </a:rPr>
-              <a:t> with a Sci-Fi twist</a:t>
-            </a:r>
-          </a:p>
-          <a:p>
-            <a:pPr>
-              <a:buFont typeface="Wingdings" panose="05000000000000000000" pitchFamily="2" charset="2"/>
-              <a:buChar char="Ø"/>
-            </a:pPr>
-            <a:r>
-              <a:rPr lang="it-IT" dirty="0" err="1">
-                <a:solidFill>
-                  <a:schemeClr val="tx1"/>
-                </a:solidFill>
-              </a:rPr>
-              <a:t>Old</a:t>
-            </a:r>
-            <a:r>
-              <a:rPr lang="it-IT" dirty="0">
-                <a:solidFill>
-                  <a:schemeClr val="tx1"/>
-                </a:solidFill>
-              </a:rPr>
-              <a:t> School </a:t>
-            </a:r>
-            <a:r>
-              <a:rPr lang="it-IT" dirty="0" err="1">
-                <a:solidFill>
-                  <a:schemeClr val="tx1"/>
-                </a:solidFill>
-              </a:rPr>
-              <a:t>looking</a:t>
-            </a:r>
-            <a:r>
-              <a:rPr lang="it-IT" dirty="0">
-                <a:solidFill>
-                  <a:schemeClr val="tx1"/>
-                </a:solidFill>
-              </a:rPr>
-              <a:t> game.</a:t>
-            </a:r>
-          </a:p>
-          <a:p>
-            <a:pPr lvl="1">
-              <a:buFont typeface="Arial" panose="020B0604020202020204" pitchFamily="34" charset="0"/>
-              <a:buChar char="•"/>
-            </a:pPr>
-            <a:r>
-              <a:rPr lang="it-IT" dirty="0" err="1">
-                <a:solidFill>
-                  <a:schemeClr val="tx1"/>
-                </a:solidFill>
-              </a:rPr>
-              <a:t>Pounch</a:t>
-            </a:r>
-            <a:r>
-              <a:rPr lang="it-IT" dirty="0">
-                <a:solidFill>
-                  <a:schemeClr val="tx1"/>
-                </a:solidFill>
-              </a:rPr>
-              <a:t> </a:t>
-            </a:r>
-            <a:r>
-              <a:rPr lang="it-IT" dirty="0" err="1">
-                <a:solidFill>
-                  <a:schemeClr val="tx1"/>
-                </a:solidFill>
-              </a:rPr>
-              <a:t>someone</a:t>
-            </a:r>
-            <a:r>
-              <a:rPr lang="it-IT" dirty="0">
-                <a:solidFill>
-                  <a:schemeClr val="tx1"/>
-                </a:solidFill>
-              </a:rPr>
-              <a:t> in the face </a:t>
-            </a:r>
-            <a:r>
-              <a:rPr lang="it-IT" dirty="0" err="1">
-                <a:solidFill>
-                  <a:schemeClr val="tx1"/>
-                </a:solidFill>
-              </a:rPr>
-              <a:t>is</a:t>
-            </a:r>
-            <a:r>
-              <a:rPr lang="it-IT" dirty="0">
-                <a:solidFill>
-                  <a:schemeClr val="tx1"/>
-                </a:solidFill>
-              </a:rPr>
-              <a:t> </a:t>
-            </a:r>
-            <a:r>
-              <a:rPr lang="it-IT" dirty="0" err="1">
-                <a:solidFill>
-                  <a:schemeClr val="tx1"/>
-                </a:solidFill>
-              </a:rPr>
-              <a:t>never</a:t>
-            </a:r>
-            <a:r>
-              <a:rPr lang="it-IT" dirty="0">
-                <a:solidFill>
-                  <a:schemeClr val="tx1"/>
-                </a:solidFill>
-              </a:rPr>
-              <a:t> out of style</a:t>
-            </a:r>
           </a:p>
         </p:txBody>
       </p:sp>
@@ -6036,6 +6000,13 @@
   <p:clrMapOvr>
     <a:masterClrMapping/>
   </p:clrMapOvr>
+  <p:timing>
+    <p:tnLst>
+      <p:par>
+        <p:cTn id="1" dur="indefinite" restart="never" nodeType="tmRoot"/>
+      </p:par>
+    </p:tnLst>
+  </p:timing>
 </p:sld>
 </file>
 
@@ -6073,7 +6044,9 @@
           </a:xfrm>
         </p:spPr>
         <p:txBody>
-          <a:bodyPr/>
+          <a:bodyPr>
+            <a:normAutofit fontScale="90000"/>
+          </a:bodyPr>
           <a:lstStyle/>
           <a:p>
             <a:r>
@@ -6321,6 +6294,13 @@
   <p:clrMapOvr>
     <a:masterClrMapping/>
   </p:clrMapOvr>
+  <p:timing>
+    <p:tnLst>
+      <p:par>
+        <p:cTn id="1" dur="indefinite" restart="never" nodeType="tmRoot"/>
+      </p:par>
+    </p:tnLst>
+  </p:timing>
 </p:sld>
 </file>
 
@@ -6361,13 +6341,21 @@
           <a:bodyPr/>
           <a:lstStyle/>
           <a:p>
+            <a:pPr algn="ctr"/>
             <a:r>
               <a:rPr lang="it-IT" dirty="0"/>
               <a:t>Game </a:t>
             </a:r>
             <a:r>
-              <a:rPr lang="it-IT" dirty="0" err="1"/>
+              <a:rPr lang="it-IT" dirty="0" smtClean="0"/>
               <a:t>mechanics</a:t>
+            </a:r>
+            <a:br>
+              <a:rPr lang="it-IT" dirty="0" smtClean="0"/>
+            </a:br>
+            <a:r>
+              <a:rPr lang="it-IT" dirty="0" smtClean="0"/>
+              <a:t>high priority</a:t>
             </a:r>
             <a:endParaRPr lang="it-IT" dirty="0"/>
           </a:p>
@@ -6410,7 +6398,23 @@
           <a:p>
             <a:r>
               <a:rPr lang="it-IT" dirty="0"/>
-              <a:t>W,A,S,D = Movement	F = Punch	G = Block</a:t>
+              <a:t>W,A,S,D = Movement	</a:t>
+            </a:r>
+            <a:r>
+              <a:rPr lang="it-IT" dirty="0" smtClean="0"/>
+              <a:t>F </a:t>
+            </a:r>
+            <a:r>
+              <a:rPr lang="it-IT" dirty="0"/>
+              <a:t>= Punch	</a:t>
+            </a:r>
+            <a:r>
+              <a:rPr lang="it-IT" dirty="0" smtClean="0"/>
+              <a:t>G </a:t>
+            </a:r>
+            <a:r>
+              <a:rPr lang="it-IT" dirty="0"/>
+              <a:t>= Block</a:t>
             </a:r>
           </a:p>
           <a:p>
@@ -6505,47 +6509,27 @@
             </a:pPr>
             <a:r>
               <a:rPr lang="it-IT" dirty="0"/>
-              <a:t>Clear HUD </a:t>
-            </a:r>
-            <a:r>
-              <a:rPr lang="it-IT" dirty="0" err="1"/>
-              <a:t>showing</a:t>
+              <a:t>Clear HUD showing: Health </a:t>
+            </a:r>
+            <a:r>
+              <a:rPr lang="it-IT" dirty="0" smtClean="0"/>
+              <a:t>Bar, </a:t>
             </a:r>
             <a:r>
               <a:rPr lang="it-IT" dirty="0"/>
-              <a:t>: </a:t>
-            </a:r>
-            <a:r>
-              <a:rPr lang="it-IT" dirty="0" err="1"/>
-              <a:t>Health</a:t>
+              <a:t>Number of </a:t>
             </a:r>
             <a:r>
               <a:rPr lang="it-IT" dirty="0"/>
-              <a:t> Bar, </a:t>
-            </a:r>
-            <a:r>
-              <a:rPr lang="it-IT" dirty="0" err="1"/>
-              <a:t>Number</a:t>
+              <a:t>rounds </a:t>
+            </a:r>
+            <a:r>
+              <a:rPr lang="it-IT" dirty="0" smtClean="0"/>
+              <a:t>won </a:t>
             </a:r>
             <a:r>
               <a:rPr lang="it-IT" dirty="0"/>
-              <a:t> of </a:t>
-            </a:r>
-            <a:r>
-              <a:rPr lang="it-IT" dirty="0" err="1"/>
-              <a:t>won’s</a:t>
-            </a:r>
-            <a:r>
-              <a:rPr lang="it-IT" dirty="0"/>
-              <a:t> </a:t>
-            </a:r>
-            <a:r>
-              <a:rPr lang="it-IT" dirty="0" err="1"/>
-              <a:t>rounds</a:t>
-            </a:r>
-            <a:r>
-              <a:rPr lang="it-IT" dirty="0"/>
-              <a:t> and timer</a:t>
+              <a:t>and timer</a:t>
             </a:r>
           </a:p>
           <a:p>
@@ -6577,6 +6561,13 @@
   <p:clrMapOvr>
     <a:masterClrMapping/>
   </p:clrMapOvr>
+  <p:timing>
+    <p:tnLst>
+      <p:par>
+        <p:cTn id="1" dur="indefinite" restart="never" nodeType="tmRoot"/>
+      </p:par>
+    </p:tnLst>
+  </p:timing>
 </p:sld>
 </file>
 
@@ -6599,7 +6590,7 @@
       </p:grpSpPr>
       <p:sp>
         <p:nvSpPr>
-          <p:cNvPr id="2" name="Titolo 1"/>
+          <p:cNvPr id="2" name="Title 1"/>
           <p:cNvSpPr>
             <a:spLocks noGrp="1"/>
           </p:cNvSpPr>
@@ -6609,64 +6600,92 @@
         </p:nvSpPr>
         <p:spPr>
           <a:xfrm>
-            <a:off x="561382" y="256526"/>
-            <a:ext cx="8534400" cy="1507067"/>
+            <a:off x="684212" y="545123"/>
+            <a:ext cx="8534400" cy="1422399"/>
           </a:xfrm>
         </p:spPr>
         <p:txBody>
           <a:bodyPr/>
           <a:lstStyle/>
           <a:p>
-            <a:r>
-              <a:rPr lang="it-IT" dirty="0"/>
-              <a:t>Attract mode</a:t>
-            </a:r>
-          </a:p>
-        </p:txBody>
-      </p:sp>
-      <p:sp>
-        <p:nvSpPr>
-          <p:cNvPr id="4" name="CasellaDiTesto 3"/>
-          <p:cNvSpPr txBox="1"/>
-          <p:nvPr/>
-        </p:nvSpPr>
-        <p:spPr>
-          <a:xfrm>
-            <a:off x="561382" y="1763593"/>
-            <a:ext cx="9949218" cy="923330"/>
-          </a:xfrm>
-          <a:prstGeom prst="rect">
-            <a:avLst/>
-          </a:prstGeom>
-          <a:noFill/>
-        </p:spPr>
-        <p:txBody>
-          <a:bodyPr wrap="square" rtlCol="0">
-            <a:spAutoFit/>
-          </a:bodyPr>
-          <a:lstStyle/>
-          <a:p>
-            <a:r>
-              <a:rPr lang="it-IT" dirty="0"/>
-              <a:t>Brief Gameplay after 20 seconds of inactivit recorded by *The program that Adrian told me* , including sound effect and music</a:t>
-            </a:r>
-          </a:p>
-          <a:p>
-            <a:pPr lvl="1"/>
-            <a:endParaRPr lang="it-IT" dirty="0"/>
+            <a:pPr algn="ctr"/>
+            <a:r>
+              <a:rPr lang="it-IT" dirty="0" smtClean="0"/>
+              <a:t>Game mechanics</a:t>
+            </a:r>
+            <a:br>
+              <a:rPr lang="it-IT" dirty="0" smtClean="0"/>
+            </a:br>
+            <a:r>
+              <a:rPr lang="it-IT" dirty="0" smtClean="0"/>
+              <a:t>Low priority.</a:t>
+            </a:r>
+            <a:endParaRPr lang="en-GB" dirty="0"/>
+          </a:p>
+        </p:txBody>
+      </p:sp>
+      <p:sp>
+        <p:nvSpPr>
+          <p:cNvPr id="3" name="Content Placeholder 2"/>
+          <p:cNvSpPr>
+            <a:spLocks noGrp="1"/>
+          </p:cNvSpPr>
+          <p:nvPr>
+            <p:ph idx="1"/>
+          </p:nvPr>
+        </p:nvSpPr>
+        <p:spPr>
+          <a:xfrm>
+            <a:off x="684212" y="2708030"/>
+            <a:ext cx="8541604" cy="3668021"/>
+          </a:xfrm>
+        </p:spPr>
+        <p:txBody>
+          <a:bodyPr/>
+          <a:lstStyle/>
+          <a:p>
+            <a:r>
+              <a:rPr lang="en-US" dirty="0"/>
+              <a:t>Stamina bar, to regulate the gameplay`s flow</a:t>
+            </a:r>
+            <a:r>
+              <a:rPr lang="en-US" dirty="0" smtClean="0"/>
+              <a:t>.</a:t>
+            </a:r>
+          </a:p>
+          <a:p>
+            <a:r>
+              <a:rPr lang="en-US" dirty="0" smtClean="0"/>
+              <a:t>Pressing </a:t>
+            </a:r>
+            <a:r>
+              <a:rPr lang="en-US" dirty="0"/>
+              <a:t>the Block button would effectively block only for a certain amount of time.</a:t>
+            </a:r>
+            <a:endParaRPr lang="en-GB" dirty="0" smtClean="0"/>
+          </a:p>
+          <a:p>
+            <a:endParaRPr lang="en-GB" dirty="0"/>
           </a:p>
         </p:txBody>
       </p:sp>
     </p:spTree>
     <p:extLst>
       <p:ext uri="{BB962C8B-B14F-4D97-AF65-F5344CB8AC3E}">
-        <p14:creationId xmlns:p14="http://schemas.microsoft.com/office/powerpoint/2010/main" val="1939388221"/>
+        <p14:creationId xmlns:p14="http://schemas.microsoft.com/office/powerpoint/2010/main" val="140936646"/>
       </p:ext>
     </p:extLst>
   </p:cSld>
   <p:clrMapOvr>
     <a:masterClrMapping/>
   </p:clrMapOvr>
+  <p:timing>
+    <p:tnLst>
+      <p:par>
+        <p:cTn id="1" dur="indefinite" restart="never" nodeType="tmRoot"/>
+      </p:par>
+    </p:tnLst>
+  </p:timing>
 </p:sld>
 </file>
 
@@ -6699,74 +6718,59 @@
         </p:nvSpPr>
         <p:spPr>
           <a:xfrm>
-            <a:off x="766098" y="1102687"/>
-            <a:ext cx="10179405" cy="2677743"/>
+            <a:off x="561382" y="256526"/>
+            <a:ext cx="8534400" cy="1507067"/>
           </a:xfrm>
         </p:spPr>
         <p:txBody>
           <a:bodyPr/>
           <a:lstStyle/>
           <a:p>
-            <a:r>
-              <a:rPr lang="it-IT" dirty="0" err="1"/>
-              <a:t>Question</a:t>
-            </a:r>
+            <a:pPr algn="ctr"/>
             <a:r>
               <a:rPr lang="it-IT" dirty="0"/>
-              <a:t> time! </a:t>
-            </a:r>
-            <a:r>
-              <a:rPr lang="it-IT" dirty="0" err="1"/>
-              <a:t>Tell</a:t>
-            </a:r>
+              <a:t>Attract mode</a:t>
+            </a:r>
+          </a:p>
+        </p:txBody>
+      </p:sp>
+      <p:sp>
+        <p:nvSpPr>
+          <p:cNvPr id="4" name="CasellaDiTesto 3"/>
+          <p:cNvSpPr txBox="1"/>
+          <p:nvPr/>
+        </p:nvSpPr>
+        <p:spPr>
+          <a:xfrm>
+            <a:off x="561382" y="1763593"/>
+            <a:ext cx="9949218" cy="923330"/>
+          </a:xfrm>
+          <a:prstGeom prst="rect">
+            <a:avLst/>
+          </a:prstGeom>
+          <a:noFill/>
+        </p:spPr>
+        <p:txBody>
+          <a:bodyPr wrap="square" rtlCol="0">
+            <a:spAutoFit/>
+          </a:bodyPr>
+          <a:lstStyle/>
+          <a:p>
             <a:r>
               <a:rPr lang="it-IT" dirty="0"/>
-              <a:t> </a:t>
-            </a:r>
-            <a:r>
-              <a:rPr lang="it-IT" dirty="0" err="1"/>
-              <a:t>us</a:t>
+              <a:t>Brief Gameplay after 20 seconds of inactivit recorded by </a:t>
+            </a:r>
+            <a:r>
+              <a:rPr lang="it-IT" dirty="0" smtClean="0"/>
+              <a:t>OBS </a:t>
             </a:r>
             <a:r>
               <a:rPr lang="it-IT" dirty="0"/>
-              <a:t> </a:t>
-            </a:r>
-            <a:r>
-              <a:rPr lang="it-IT" dirty="0" err="1"/>
-              <a:t>what</a:t>
-            </a:r>
-            <a:r>
-              <a:rPr lang="it-IT" dirty="0"/>
-              <a:t> </a:t>
-            </a:r>
-            <a:r>
-              <a:rPr lang="it-IT" dirty="0" err="1"/>
-              <a:t>you</a:t>
-            </a:r>
-            <a:r>
-              <a:rPr lang="it-IT" dirty="0"/>
-              <a:t> </a:t>
-            </a:r>
-            <a:r>
-              <a:rPr lang="it-IT" dirty="0" err="1"/>
-              <a:t>think</a:t>
-            </a:r>
-            <a:r>
-              <a:rPr lang="it-IT" dirty="0"/>
-              <a:t> </a:t>
-            </a:r>
-            <a:r>
-              <a:rPr lang="it-IT" dirty="0" err="1"/>
-              <a:t>about</a:t>
-            </a:r>
-            <a:r>
-              <a:rPr lang="it-IT" dirty="0"/>
-              <a:t> </a:t>
-            </a:r>
-            <a:r>
-              <a:rPr lang="it-IT" dirty="0" err="1"/>
-              <a:t>it!</a:t>
-            </a:r>
+              <a:t>, including sound effect and music</a:t>
+            </a:r>
+          </a:p>
+          <a:p>
+            <a:pPr lvl="1"/>
             <a:endParaRPr lang="it-IT" dirty="0"/>
           </a:p>
         </p:txBody>
@@ -6774,13 +6778,20 @@
     </p:spTree>
     <p:extLst>
       <p:ext uri="{BB962C8B-B14F-4D97-AF65-F5344CB8AC3E}">
-        <p14:creationId xmlns:p14="http://schemas.microsoft.com/office/powerpoint/2010/main" val="2938327985"/>
+        <p14:creationId xmlns:p14="http://schemas.microsoft.com/office/powerpoint/2010/main" val="1939388221"/>
       </p:ext>
     </p:extLst>
   </p:cSld>
   <p:clrMapOvr>
     <a:masterClrMapping/>
   </p:clrMapOvr>
+  <p:timing>
+    <p:tnLst>
+      <p:par>
+        <p:cTn id="1" dur="indefinite" restart="never" nodeType="tmRoot"/>
+      </p:par>
+    </p:tnLst>
+  </p:timing>
 </p:sld>
 </file>
 
@@ -6813,6 +6824,127 @@
         </p:nvSpPr>
         <p:spPr>
           <a:xfrm>
+            <a:off x="766098" y="1102687"/>
+            <a:ext cx="10179405" cy="2677743"/>
+          </a:xfrm>
+        </p:spPr>
+        <p:txBody>
+          <a:bodyPr/>
+          <a:lstStyle/>
+          <a:p>
+            <a:r>
+              <a:rPr lang="it-IT" dirty="0" err="1"/>
+              <a:t>Question</a:t>
+            </a:r>
+            <a:r>
+              <a:rPr lang="it-IT" dirty="0"/>
+              <a:t> time! </a:t>
+            </a:r>
+            <a:r>
+              <a:rPr lang="it-IT" dirty="0" err="1"/>
+              <a:t>Tell</a:t>
+            </a:r>
+            <a:r>
+              <a:rPr lang="it-IT" dirty="0"/>
+              <a:t> </a:t>
+            </a:r>
+            <a:r>
+              <a:rPr lang="it-IT" dirty="0" err="1"/>
+              <a:t>us</a:t>
+            </a:r>
+            <a:r>
+              <a:rPr lang="it-IT" dirty="0"/>
+              <a:t> </a:t>
+            </a:r>
+            <a:r>
+              <a:rPr lang="it-IT" dirty="0" err="1"/>
+              <a:t>what</a:t>
+            </a:r>
+            <a:r>
+              <a:rPr lang="it-IT" dirty="0"/>
+              <a:t> </a:t>
+            </a:r>
+            <a:r>
+              <a:rPr lang="it-IT" dirty="0" err="1"/>
+              <a:t>you</a:t>
+            </a:r>
+            <a:r>
+              <a:rPr lang="it-IT" dirty="0"/>
+              <a:t> </a:t>
+            </a:r>
+            <a:r>
+              <a:rPr lang="it-IT" dirty="0" err="1"/>
+              <a:t>think</a:t>
+            </a:r>
+            <a:r>
+              <a:rPr lang="it-IT" dirty="0"/>
+              <a:t> </a:t>
+            </a:r>
+            <a:r>
+              <a:rPr lang="it-IT" dirty="0" err="1"/>
+              <a:t>about</a:t>
+            </a:r>
+            <a:r>
+              <a:rPr lang="it-IT" dirty="0"/>
+              <a:t> </a:t>
+            </a:r>
+            <a:r>
+              <a:rPr lang="it-IT" dirty="0" err="1"/>
+              <a:t>it!</a:t>
+            </a:r>
+            <a:endParaRPr lang="it-IT" dirty="0"/>
+          </a:p>
+        </p:txBody>
+      </p:sp>
+    </p:spTree>
+    <p:extLst>
+      <p:ext uri="{BB962C8B-B14F-4D97-AF65-F5344CB8AC3E}">
+        <p14:creationId xmlns:p14="http://schemas.microsoft.com/office/powerpoint/2010/main" val="2938327985"/>
+      </p:ext>
+    </p:extLst>
+  </p:cSld>
+  <p:clrMapOvr>
+    <a:masterClrMapping/>
+  </p:clrMapOvr>
+  <p:timing>
+    <p:tnLst>
+      <p:par>
+        <p:cTn id="1" dur="indefinite" restart="never" nodeType="tmRoot"/>
+      </p:par>
+    </p:tnLst>
+  </p:timing>
+</p:sld>
+</file>
+
+<file path=ppt/slides/slide8.xml><?xml version="1.0" encoding="utf-8"?>
+<p:sld xmlns:a="http://schemas.openxmlformats.org/drawingml/2006/main" xmlns:r="http://schemas.openxmlformats.org/officeDocument/2006/relationships" xmlns:p="http://schemas.openxmlformats.org/presentationml/2006/main">
+  <p:cSld>
+    <p:spTree>
+      <p:nvGrpSpPr>
+        <p:cNvPr id="1" name=""/>
+        <p:cNvGrpSpPr/>
+        <p:nvPr/>
+      </p:nvGrpSpPr>
+      <p:grpSpPr>
+        <a:xfrm>
+          <a:off x="0" y="0"/>
+          <a:ext cx="0" cy="0"/>
+          <a:chOff x="0" y="0"/>
+          <a:chExt cx="0" cy="0"/>
+        </a:xfrm>
+      </p:grpSpPr>
+      <p:sp>
+        <p:nvSpPr>
+          <p:cNvPr id="2" name="Titolo 1"/>
+          <p:cNvSpPr>
+            <a:spLocks noGrp="1"/>
+          </p:cNvSpPr>
+          <p:nvPr>
+            <p:ph type="title"/>
+          </p:nvPr>
+        </p:nvSpPr>
+        <p:spPr>
+          <a:xfrm>
             <a:off x="684213" y="1143630"/>
             <a:ext cx="9442426" cy="4465600"/>
           </a:xfrm>
@@ -6872,6 +7004,10 @@
             <a:br>
               <a:rPr lang="it-IT" dirty="0"/>
             </a:br>
+            <a:r>
+              <a:rPr lang="it-IT" dirty="0"/>
+              <a:t/>
+            </a:r>
             <a:br>
               <a:rPr lang="it-IT" dirty="0"/>
             </a:br>
@@ -6928,13 +7064,20 @@
   <p:clrMapOvr>
     <a:masterClrMapping/>
   </p:clrMapOvr>
+  <p:timing>
+    <p:tnLst>
+      <p:par>
+        <p:cTn id="1" dur="indefinite" restart="never" nodeType="tmRoot"/>
+      </p:par>
+    </p:tnLst>
+  </p:timing>
 </p:sld>
 </file>
 
 <file path=ppt/theme/theme1.xml><?xml version="1.0" encoding="utf-8"?>
-<a:theme xmlns:a="http://schemas.openxmlformats.org/drawingml/2006/main" name="Sezione">
+<a:theme xmlns:a="http://schemas.openxmlformats.org/drawingml/2006/main" name="Vapor Trail">
   <a:themeElements>
-    <a:clrScheme name="Sezione">
+    <a:clrScheme name="Vapor Trail">
       <a:dk1>
         <a:sysClr val="windowText" lastClr="000000"/>
       </a:dk1>
@@ -6942,48 +7085,83 @@
         <a:sysClr val="window" lastClr="FFFFFF"/>
       </a:lt1>
       <a:dk2>
-        <a:srgbClr val="146194"/>
+        <a:srgbClr val="454545"/>
       </a:dk2>
       <a:lt2>
-        <a:srgbClr val="76DBF4"/>
+        <a:srgbClr val="DADADA"/>
       </a:lt2>
       <a:accent1>
-        <a:srgbClr val="052F61"/>
+        <a:srgbClr val="DF2E28"/>
       </a:accent1>
       <a:accent2>
-        <a:srgbClr val="A50E82"/>
+        <a:srgbClr val="FE801A"/>
       </a:accent2>
       <a:accent3>
-        <a:srgbClr val="14967C"/>
+        <a:srgbClr val="E9BF35"/>
       </a:accent3>
       <a:accent4>
-        <a:srgbClr val="6A9E1F"/>
+        <a:srgbClr val="81BB42"/>
       </a:accent4>
       <a:accent5>
-        <a:srgbClr val="E87D37"/>
+        <a:srgbClr val="32C7A9"/>
       </a:accent5>
       <a:accent6>
-        <a:srgbClr val="C62324"/>
+        <a:srgbClr val="4A9BDC"/>
       </a:accent6>
       <a:hlink>
-        <a:srgbClr val="0D2E46"/>
+        <a:srgbClr val="F0532B"/>
       </a:hlink>
       <a:folHlink>
-        <a:srgbClr val="356A95"/>
+        <a:srgbClr val="F38B53"/>
       </a:folHlink>
     </a:clrScheme>
-    <a:fontScheme name="Sezione">
+    <a:fontScheme name="Vapor Trail">
       <a:majorFont>
         <a:latin typeface="Century Gothic" panose="020B0502020202020204"/>
         <a:ea typeface=""/>
         <a:cs typeface=""/>
-        <a:font script="Jpan" typeface="メイリオ"/>
-        <a:font script="Hang" typeface="HY중고딕"/>
-        <a:font script="Hans" typeface="幼圆"/>
-        <a:font script="Hant" typeface="微軟正黑體"/>
-        <a:font script="Arab" typeface="Tahoma"/>
-        <a:font script="Hebr" typeface="Gisha"/>
-        <a:font script="Thai" typeface="DilleniaUPC"/>
+        <a:font script="Jpan" typeface="ＭＳ Ｐゴシック"/>
+        <a:font script="Hang" typeface="맑은 고딕"/>
+        <a:font script="Hans" typeface="宋体"/>
+        <a:font script="Hant" typeface="新細明體"/>
+        <a:font script="Arab" typeface="Times New Roman"/>
+        <a:font script="Hebr" typeface="Times New Roman"/>
+        <a:font script="Thai" typeface="Angsana New"/>
+        <a:font script="Ethi" typeface="Nyala"/>
+        <a:font script="Beng" typeface="Vrinda"/>
+        <a:font script="Gujr" typeface="Shruti"/>
+        <a:font script="Khmr" typeface="MoolBoran"/>
+        <a:font script="Knda" typeface="Tunga"/>
+        <a:font script="Guru" typeface="Raavi"/>
+        <a:font script="Cans" typeface="Euphemia"/>
+        <a:font script="Cher" typeface="Plantagenet Cherokee"/>
+        <a:font script="Yiii" typeface="Microsoft Yi Baiti"/>
+        <a:font script="Tibt" typeface="Microsoft Himalaya"/>
+        <a:font script="Thaa" typeface="MV Boli"/>
+        <a:font script="Deva" typeface="Mangal"/>
+        <a:font script="Telu" typeface="Gautami"/>
+        <a:font script="Taml" typeface="Latha"/>
+        <a:font script="Syrc" typeface="Estrangelo Edessa"/>
+        <a:font script="Orya" typeface="Kalinga"/>
+        <a:font script="Mlym" typeface="Kartika"/>
+        <a:font script="Laoo" typeface="DokChampa"/>
+        <a:font script="Sinh" typeface="Iskoola Pota"/>
+        <a:font script="Mong" typeface="Mongolian Baiti"/>
+        <a:font script="Viet" typeface="Times New Roman"/>
+        <a:font script="Uigh" typeface="Microsoft Uighur"/>
+        <a:font script="Geor" typeface="Sylfaen"/>
+      </a:majorFont>
+      <a:minorFont>
+        <a:latin typeface="Century Gothic" panose="020B0502020202020204"/>
+        <a:ea typeface=""/>
+        <a:cs typeface=""/>
+        <a:font script="Jpan" typeface="ＭＳ Ｐゴシック"/>
+        <a:font script="Hang" typeface="맑은 고딕"/>
+        <a:font script="Hans" typeface="宋体"/>
+        <a:font script="Hant" typeface="新細明體"/>
+        <a:font script="Arab" typeface="Arial"/>
+        <a:font script="Hebr" typeface="Arial"/>
+        <a:font script="Thai" typeface="Cordia New"/>
         <a:font script="Ethi" typeface="Nyala"/>
         <a:font script="Beng" typeface="Vrinda"/>
         <a:font script="Gujr" typeface="Shruti"/>
@@ -7004,47 +7182,12 @@
         <a:font script="Laoo" typeface="DokChampa"/>
         <a:font script="Sinh" typeface="Iskoola Pota"/>
         <a:font script="Mong" typeface="Mongolian Baiti"/>
-        <a:font script="Viet" typeface="Tahoma"/>
-        <a:font script="Uigh" typeface="Microsoft Uighur"/>
-        <a:font script="Geor" typeface="Sylfaen"/>
-      </a:majorFont>
-      <a:minorFont>
-        <a:latin typeface="Century Gothic" panose="020B0502020202020204"/>
-        <a:ea typeface=""/>
-        <a:cs typeface=""/>
-        <a:font script="Jpan" typeface="メイリオ"/>
-        <a:font script="Hang" typeface="HY중고딕"/>
-        <a:font script="Hans" typeface="幼圆"/>
-        <a:font script="Hant" typeface="微軟正黑體"/>
-        <a:font script="Arab" typeface="Tahoma"/>
-        <a:font script="Hebr" typeface="Gisha"/>
-        <a:font script="Thai" typeface="DilleniaUPC"/>
-        <a:font script="Ethi" typeface="Nyala"/>
-        <a:font script="Beng" typeface="Vrinda"/>
-        <a:font script="Gujr" typeface="Shruti"/>
-        <a:font script="Khmr" typeface="DaunPenh"/>
-        <a:font script="Knda" typeface="Tunga"/>
-        <a:font script="Guru" typeface="Raavi"/>
-        <a:font script="Cans" typeface="Euphemia"/>
-        <a:font script="Cher" typeface="Plantagenet Cherokee"/>
-        <a:font script="Yiii" typeface="Microsoft Yi Baiti"/>
-        <a:font script="Tibt" typeface="Microsoft Himalaya"/>
-        <a:font script="Thaa" typeface="MV Boli"/>
-        <a:font script="Deva" typeface="Mangal"/>
-        <a:font script="Telu" typeface="Gautami"/>
-        <a:font script="Taml" typeface="Latha"/>
-        <a:font script="Syrc" typeface="Estrangelo Edessa"/>
-        <a:font script="Orya" typeface="Kalinga"/>
-        <a:font script="Mlym" typeface="Kartika"/>
-        <a:font script="Laoo" typeface="DokChampa"/>
-        <a:font script="Sinh" typeface="Iskoola Pota"/>
-        <a:font script="Mong" typeface="Mongolian Baiti"/>
-        <a:font script="Viet" typeface="Tahoma"/>
+        <a:font script="Viet" typeface="Arial"/>
         <a:font script="Uigh" typeface="Microsoft Uighur"/>
         <a:font script="Geor" typeface="Sylfaen"/>
       </a:minorFont>
     </a:fontScheme>
-    <a:fmtScheme name="Sezione">
+    <a:fmtScheme name="Vapor Trail">
       <a:fillStyleLst>
         <a:solidFill>
           <a:schemeClr val="phClr"/>
@@ -7053,16 +7196,24 @@
           <a:gsLst>
             <a:gs pos="0">
               <a:schemeClr val="phClr">
-                <a:tint val="62000"/>
-                <a:hueMod val="94000"/>
-                <a:satMod val="140000"/>
+                <a:tint val="69000"/>
+                <a:alpha val="100000"/>
+                <a:satMod val="109000"/>
                 <a:lumMod val="110000"/>
+              </a:schemeClr>
+            </a:gs>
+            <a:gs pos="52000">
+              <a:schemeClr val="phClr">
+                <a:tint val="74000"/>
+                <a:satMod val="100000"/>
+                <a:lumMod val="104000"/>
               </a:schemeClr>
             </a:gs>
             <a:gs pos="100000">
               <a:schemeClr val="phClr">
-                <a:tint val="84000"/>
-                <a:satMod val="160000"/>
+                <a:tint val="78000"/>
+                <a:satMod val="100000"/>
+                <a:lumMod val="100000"/>
               </a:schemeClr>
             </a:gs>
           </a:gsLst>
@@ -7072,16 +7223,16 @@
           <a:gsLst>
             <a:gs pos="0">
               <a:schemeClr val="phClr">
-                <a:tint val="98000"/>
-                <a:hueMod val="94000"/>
-                <a:satMod val="130000"/>
-                <a:lumMod val="128000"/>
+                <a:tint val="96000"/>
+                <a:satMod val="100000"/>
+                <a:lumMod val="104000"/>
               </a:schemeClr>
             </a:gs>
-            <a:gs pos="100000">
+            <a:gs pos="78000">
               <a:schemeClr val="phClr">
-                <a:shade val="94000"/>
-                <a:lumMod val="88000"/>
+                <a:shade val="100000"/>
+                <a:satMod val="110000"/>
+                <a:lumMod val="100000"/>
               </a:schemeClr>
             </a:gs>
           </a:gsLst>
@@ -7089,25 +7240,19 @@
         </a:gradFill>
       </a:fillStyleLst>
       <a:lnStyleLst>
-        <a:ln w="9525" cap="rnd" cmpd="sng" algn="ctr">
+        <a:ln w="9525" cap="flat" cmpd="sng" algn="ctr">
           <a:solidFill>
-            <a:schemeClr val="phClr">
-              <a:tint val="76000"/>
-              <a:alpha val="60000"/>
-              <a:hueMod val="94000"/>
-            </a:schemeClr>
+            <a:schemeClr val="phClr"/>
           </a:solidFill>
           <a:prstDash val="solid"/>
         </a:ln>
-        <a:ln w="15875" cap="rnd" cmpd="sng" algn="ctr">
+        <a:ln w="12700" cap="flat" cmpd="sng" algn="ctr">
           <a:solidFill>
-            <a:schemeClr val="phClr">
-              <a:hueMod val="94000"/>
-            </a:schemeClr>
+            <a:schemeClr val="phClr"/>
           </a:solidFill>
           <a:prstDash val="solid"/>
         </a:ln>
-        <a:ln w="28575" cap="rnd" cmpd="sng" algn="ctr">
+        <a:ln w="19050" cap="flat" cmpd="sng" algn="ctr">
           <a:solidFill>
             <a:schemeClr val="phClr"/>
           </a:solidFill>
@@ -7119,19 +7264,22 @@
           <a:effectLst/>
         </a:effectStyle>
         <a:effectStyle>
-          <a:effectLst>
-            <a:innerShdw blurRad="25400" dist="12700" dir="13500000">
-              <a:srgbClr val="000000">
-                <a:alpha val="45000"/>
-              </a:srgbClr>
-            </a:innerShdw>
-          </a:effectLst>
+          <a:effectLst/>
+          <a:scene3d>
+            <a:camera prst="orthographicFront">
+              <a:rot lat="0" lon="0" rev="0"/>
+            </a:camera>
+            <a:lightRig rig="threePt" dir="t"/>
+          </a:scene3d>
+          <a:sp3d>
+            <a:bevelT w="25400" h="12700"/>
+          </a:sp3d>
         </a:effectStyle>
         <a:effectStyle>
           <a:effectLst>
-            <a:outerShdw blurRad="50800" dist="38100" dir="5400000" rotWithShape="0">
+            <a:outerShdw blurRad="57150" dist="19050" dir="5400000" algn="ctr" rotWithShape="0">
               <a:srgbClr val="000000">
-                <a:alpha val="46000"/>
+                <a:alpha val="48000"/>
               </a:srgbClr>
             </a:outerShdw>
           </a:effectLst>
@@ -7141,8 +7289,8 @@
             </a:camera>
             <a:lightRig rig="threePt" dir="t"/>
           </a:scene3d>
-          <a:sp3d prstMaterial="plastic">
-            <a:bevelT w="25400" h="25400"/>
+          <a:sp3d>
+            <a:bevelT w="50800" h="25400"/>
           </a:sp3d>
         </a:effectStyle>
       </a:effectStyleLst>
@@ -7150,47 +7298,38 @@
         <a:solidFill>
           <a:schemeClr val="phClr"/>
         </a:solidFill>
+        <a:solidFill>
+          <a:schemeClr val="phClr">
+            <a:tint val="95000"/>
+            <a:satMod val="170000"/>
+          </a:schemeClr>
+        </a:solidFill>
         <a:gradFill rotWithShape="1">
           <a:gsLst>
-            <a:gs pos="10000">
+            <a:gs pos="0">
               <a:schemeClr val="phClr">
-                <a:tint val="97000"/>
-                <a:hueMod val="92000"/>
-                <a:satMod val="169000"/>
-                <a:lumMod val="164000"/>
+                <a:tint val="93000"/>
+                <a:shade val="98000"/>
+                <a:satMod val="150000"/>
+                <a:lumMod val="102000"/>
+              </a:schemeClr>
+            </a:gs>
+            <a:gs pos="50000">
+              <a:schemeClr val="phClr">
+                <a:tint val="98000"/>
+                <a:shade val="90000"/>
+                <a:satMod val="130000"/>
+                <a:lumMod val="103000"/>
               </a:schemeClr>
             </a:gs>
             <a:gs pos="100000">
               <a:schemeClr val="phClr">
-                <a:shade val="96000"/>
+                <a:shade val="63000"/>
                 <a:satMod val="120000"/>
-                <a:lumMod val="90000"/>
               </a:schemeClr>
             </a:gs>
           </a:gsLst>
-          <a:lin ang="6120000" scaled="1"/>
-        </a:gradFill>
-        <a:gradFill rotWithShape="1">
-          <a:gsLst>
-            <a:gs pos="0">
-              <a:schemeClr val="phClr">
-                <a:tint val="97000"/>
-                <a:hueMod val="92000"/>
-                <a:satMod val="169000"/>
-                <a:lumMod val="164000"/>
-              </a:schemeClr>
-            </a:gs>
-            <a:gs pos="100000">
-              <a:schemeClr val="phClr">
-                <a:shade val="96000"/>
-                <a:satMod val="120000"/>
-                <a:lumMod val="90000"/>
-              </a:schemeClr>
-            </a:gs>
-          </a:gsLst>
-          <a:path path="circle">
-            <a:fillToRect b="100000"/>
-          </a:path>
+          <a:lin ang="5400000" scaled="0"/>
         </a:gradFill>
       </a:bgFillStyleLst>
     </a:fmtScheme>
@@ -7199,7 +7338,7 @@
   <a:extraClrSchemeLst/>
   <a:extLst>
     <a:ext uri="{05A4C25C-085E-4340-85A3-A5531E510DB2}">
-      <thm15:themeFamily xmlns:thm15="http://schemas.microsoft.com/office/thememl/2012/main" name="Slice" id="{0507925B-6AC9-4358-8E18-C330545D08F8}" vid="{13FEC7C6-62A9-40C4-99D2-581AACACAA2F}"/>
+      <thm15:themeFamily xmlns:thm15="http://schemas.microsoft.com/office/thememl/2012/main" name="Vapor Trail" id="{4FDF2955-7D9C-493C-B9F9-C205151B46CD}" vid="{8F31A783-2159-4870-BC29-2BA7D038EA44}"/>
     </a:ext>
   </a:extLst>
 </a:theme>

--- a/Portfolio Project.pptx
+++ b/Portfolio Project.pptx
@@ -289,7 +289,7 @@
           <a:p>
             <a:fld id="{76906E81-2588-4A67-B0A1-CCAA73920AE5}" type="datetimeFigureOut">
               <a:rPr lang="it-IT" smtClean="0"/>
-              <a:t>04/12/2018</a:t>
+              <a:t>05/12/2018</a:t>
             </a:fld>
             <a:endParaRPr lang="it-IT"/>
           </a:p>
@@ -556,7 +556,7 @@
           <a:p>
             <a:fld id="{76906E81-2588-4A67-B0A1-CCAA73920AE5}" type="datetimeFigureOut">
               <a:rPr lang="it-IT" smtClean="0"/>
-              <a:t>04/12/2018</a:t>
+              <a:t>05/12/2018</a:t>
             </a:fld>
             <a:endParaRPr lang="it-IT"/>
           </a:p>
@@ -787,7 +787,7 @@
           <a:p>
             <a:fld id="{76906E81-2588-4A67-B0A1-CCAA73920AE5}" type="datetimeFigureOut">
               <a:rPr lang="it-IT" smtClean="0"/>
-              <a:t>04/12/2018</a:t>
+              <a:t>05/12/2018</a:t>
             </a:fld>
             <a:endParaRPr lang="it-IT"/>
           </a:p>
@@ -1097,7 +1097,7 @@
           <a:p>
             <a:fld id="{76906E81-2588-4A67-B0A1-CCAA73920AE5}" type="datetimeFigureOut">
               <a:rPr lang="it-IT" smtClean="0"/>
-              <a:t>04/12/2018</a:t>
+              <a:t>05/12/2018</a:t>
             </a:fld>
             <a:endParaRPr lang="it-IT"/>
           </a:p>
@@ -1570,7 +1570,7 @@
           <a:p>
             <a:fld id="{76906E81-2588-4A67-B0A1-CCAA73920AE5}" type="datetimeFigureOut">
               <a:rPr lang="it-IT" smtClean="0"/>
-              <a:t>04/12/2018</a:t>
+              <a:t>05/12/2018</a:t>
             </a:fld>
             <a:endParaRPr lang="it-IT"/>
           </a:p>
@@ -2117,7 +2117,7 @@
           <a:p>
             <a:fld id="{76906E81-2588-4A67-B0A1-CCAA73920AE5}" type="datetimeFigureOut">
               <a:rPr lang="it-IT" smtClean="0"/>
-              <a:t>04/12/2018</a:t>
+              <a:t>05/12/2018</a:t>
             </a:fld>
             <a:endParaRPr lang="it-IT"/>
           </a:p>
@@ -2891,7 +2891,7 @@
           <a:p>
             <a:fld id="{76906E81-2588-4A67-B0A1-CCAA73920AE5}" type="datetimeFigureOut">
               <a:rPr lang="it-IT" smtClean="0"/>
-              <a:t>04/12/2018</a:t>
+              <a:t>05/12/2018</a:t>
             </a:fld>
             <a:endParaRPr lang="it-IT"/>
           </a:p>
@@ -3066,7 +3066,7 @@
           <a:p>
             <a:fld id="{76906E81-2588-4A67-B0A1-CCAA73920AE5}" type="datetimeFigureOut">
               <a:rPr lang="it-IT" smtClean="0"/>
-              <a:t>04/12/2018</a:t>
+              <a:t>05/12/2018</a:t>
             </a:fld>
             <a:endParaRPr lang="it-IT"/>
           </a:p>
@@ -3289,7 +3289,7 @@
           <a:p>
             <a:fld id="{76906E81-2588-4A67-B0A1-CCAA73920AE5}" type="datetimeFigureOut">
               <a:rPr lang="it-IT" smtClean="0"/>
-              <a:t>04/12/2018</a:t>
+              <a:t>05/12/2018</a:t>
             </a:fld>
             <a:endParaRPr lang="it-IT"/>
           </a:p>
@@ -3469,7 +3469,7 @@
           <a:p>
             <a:fld id="{76906E81-2588-4A67-B0A1-CCAA73920AE5}" type="datetimeFigureOut">
               <a:rPr lang="it-IT" smtClean="0"/>
-              <a:t>04/12/2018</a:t>
+              <a:t>05/12/2018</a:t>
             </a:fld>
             <a:endParaRPr lang="it-IT"/>
           </a:p>
@@ -3758,7 +3758,7 @@
           <a:p>
             <a:fld id="{76906E81-2588-4A67-B0A1-CCAA73920AE5}" type="datetimeFigureOut">
               <a:rPr lang="it-IT" smtClean="0"/>
-              <a:t>04/12/2018</a:t>
+              <a:t>05/12/2018</a:t>
             </a:fld>
             <a:endParaRPr lang="it-IT"/>
           </a:p>
@@ -4000,7 +4000,7 @@
           <a:p>
             <a:fld id="{76906E81-2588-4A67-B0A1-CCAA73920AE5}" type="datetimeFigureOut">
               <a:rPr lang="it-IT" smtClean="0"/>
-              <a:t>04/12/2018</a:t>
+              <a:t>05/12/2018</a:t>
             </a:fld>
             <a:endParaRPr lang="it-IT"/>
           </a:p>
@@ -4379,7 +4379,7 @@
           <a:p>
             <a:fld id="{76906E81-2588-4A67-B0A1-CCAA73920AE5}" type="datetimeFigureOut">
               <a:rPr lang="it-IT" smtClean="0"/>
-              <a:t>04/12/2018</a:t>
+              <a:t>05/12/2018</a:t>
             </a:fld>
             <a:endParaRPr lang="it-IT"/>
           </a:p>
@@ -4497,7 +4497,7 @@
           <a:p>
             <a:fld id="{76906E81-2588-4A67-B0A1-CCAA73920AE5}" type="datetimeFigureOut">
               <a:rPr lang="it-IT" smtClean="0"/>
-              <a:t>04/12/2018</a:t>
+              <a:t>05/12/2018</a:t>
             </a:fld>
             <a:endParaRPr lang="it-IT"/>
           </a:p>
@@ -4592,7 +4592,7 @@
           <a:p>
             <a:fld id="{76906E81-2588-4A67-B0A1-CCAA73920AE5}" type="datetimeFigureOut">
               <a:rPr lang="it-IT" smtClean="0"/>
-              <a:t>04/12/2018</a:t>
+              <a:t>05/12/2018</a:t>
             </a:fld>
             <a:endParaRPr lang="it-IT"/>
           </a:p>
@@ -4841,7 +4841,7 @@
           <a:p>
             <a:fld id="{76906E81-2588-4A67-B0A1-CCAA73920AE5}" type="datetimeFigureOut">
               <a:rPr lang="it-IT" smtClean="0"/>
-              <a:t>04/12/2018</a:t>
+              <a:t>05/12/2018</a:t>
             </a:fld>
             <a:endParaRPr lang="it-IT"/>
           </a:p>
@@ -5098,7 +5098,7 @@
           <a:p>
             <a:fld id="{76906E81-2588-4A67-B0A1-CCAA73920AE5}" type="datetimeFigureOut">
               <a:rPr lang="it-IT" smtClean="0"/>
-              <a:t>04/12/2018</a:t>
+              <a:t>05/12/2018</a:t>
             </a:fld>
             <a:endParaRPr lang="it-IT"/>
           </a:p>
@@ -5341,7 +5341,7 @@
           <a:p>
             <a:fld id="{76906E81-2588-4A67-B0A1-CCAA73920AE5}" type="datetimeFigureOut">
               <a:rPr lang="it-IT" smtClean="0"/>
-              <a:t>04/12/2018</a:t>
+              <a:t>05/12/2018</a:t>
             </a:fld>
             <a:endParaRPr lang="it-IT"/>
           </a:p>
@@ -5752,6 +5752,36 @@
           <a:chExt cx="0" cy="0"/>
         </a:xfrm>
       </p:grpSpPr>
+      <p:pic>
+        <p:nvPicPr>
+          <p:cNvPr id="2" name="Picture 1"/>
+          <p:cNvPicPr>
+            <a:picLocks noChangeAspect="1"/>
+          </p:cNvPicPr>
+          <p:nvPr/>
+        </p:nvPicPr>
+        <p:blipFill>
+          <a:blip r:embed="rId2">
+            <a:extLst>
+              <a:ext uri="{28A0092B-C50C-407E-A947-70E740481C1C}">
+                <a14:useLocalDpi xmlns:a14="http://schemas.microsoft.com/office/drawing/2010/main" val="0"/>
+              </a:ext>
+            </a:extLst>
+          </a:blip>
+          <a:stretch>
+            <a:fillRect/>
+          </a:stretch>
+        </p:blipFill>
+        <p:spPr>
+          <a:xfrm>
+            <a:off x="3334436" y="0"/>
+            <a:ext cx="5523127" cy="6858000"/>
+          </a:xfrm>
+          <a:prstGeom prst="rect">
+            <a:avLst/>
+          </a:prstGeom>
+        </p:spPr>
+      </p:pic>
       <p:sp>
         <p:nvSpPr>
           <p:cNvPr id="4" name="Titolo 3"/>
@@ -5831,8 +5861,8 @@
         </p:nvSpPr>
         <p:spPr>
           <a:xfrm>
-            <a:off x="575030" y="201935"/>
-            <a:ext cx="8534400" cy="1507067"/>
+            <a:off x="465993" y="-111369"/>
+            <a:ext cx="4114800" cy="1600200"/>
           </a:xfrm>
         </p:spPr>
         <p:txBody>
@@ -5851,142 +5881,138 @@
           </a:p>
         </p:txBody>
       </p:sp>
-      <p:sp>
-        <p:nvSpPr>
-          <p:cNvPr id="3" name="Segnaposto contenuto 2"/>
-          <p:cNvSpPr>
-            <a:spLocks noGrp="1"/>
-          </p:cNvSpPr>
+      <p:pic>
+        <p:nvPicPr>
+          <p:cNvPr id="7" name="Content Placeholder 6"/>
+          <p:cNvPicPr>
+            <a:picLocks noGrp="1" noChangeAspect="1"/>
+          </p:cNvPicPr>
           <p:nvPr>
             <p:ph idx="1"/>
           </p:nvPr>
-        </p:nvSpPr>
-        <p:spPr>
-          <a:xfrm>
-            <a:off x="838200" y="1501254"/>
-            <a:ext cx="10515600" cy="5158853"/>
+        </p:nvPicPr>
+        <p:blipFill>
+          <a:blip r:embed="rId2" cstate="print">
+            <a:extLst>
+              <a:ext uri="{28A0092B-C50C-407E-A947-70E740481C1C}">
+                <a14:useLocalDpi xmlns:a14="http://schemas.microsoft.com/office/drawing/2010/main" val="0"/>
+              </a:ext>
+            </a:extLst>
+          </a:blip>
+          <a:stretch>
+            <a:fillRect/>
+          </a:stretch>
+        </p:blipFill>
+        <p:spPr>
+          <a:xfrm>
+            <a:off x="4995863" y="1791867"/>
+            <a:ext cx="6510337" cy="3380628"/>
+          </a:xfrm>
+        </p:spPr>
+      </p:pic>
+      <p:sp>
+        <p:nvSpPr>
+          <p:cNvPr id="6" name="Text Placeholder 5"/>
+          <p:cNvSpPr>
+            <a:spLocks noGrp="1"/>
+          </p:cNvSpPr>
+          <p:nvPr>
+            <p:ph type="body" sz="half" idx="2"/>
+          </p:nvPr>
+        </p:nvSpPr>
+        <p:spPr>
+          <a:xfrm>
+            <a:off x="685800" y="1791867"/>
+            <a:ext cx="4114800" cy="4426817"/>
           </a:xfrm>
         </p:spPr>
         <p:txBody>
           <a:bodyPr>
-            <a:noAutofit/>
+            <a:normAutofit/>
           </a:bodyPr>
           <a:lstStyle/>
           <a:p>
             <a:r>
-              <a:rPr lang="en-US" dirty="0" err="1"/>
-              <a:t>Adrenalinic</a:t>
+              <a:rPr lang="en-US" dirty="0" smtClean="0"/>
+              <a:t>Adrenaline-inducing </a:t>
             </a:r>
             <a:r>
               <a:rPr lang="en-US" dirty="0"/>
-              <a:t> and Fast Paced</a:t>
+              <a:t>and Fast Paced.</a:t>
+            </a:r>
+          </a:p>
+          <a:p>
+            <a:pPr lvl="1"/>
+            <a:r>
+              <a:rPr lang="en-US" dirty="0"/>
+              <a:t>Like every fighting game your reflexes and your reaction time will be hardly tested by your </a:t>
             </a:r>
             <a:r>
               <a:rPr lang="en-US" dirty="0" smtClean="0"/>
-              <a:t>.</a:t>
-            </a:r>
+              <a:t>opponent.</a:t>
+            </a:r>
+            <a:endParaRPr lang="en-US" dirty="0"/>
+          </a:p>
+          <a:p>
+            <a:r>
+              <a:rPr lang="en-US" dirty="0"/>
+              <a:t>Multiplayer 1 Vs </a:t>
+            </a:r>
+            <a:r>
+              <a:rPr lang="en-US" dirty="0" smtClean="0"/>
+              <a:t>1.</a:t>
+            </a:r>
+            <a:endParaRPr lang="en-US" dirty="0"/>
           </a:p>
           <a:p>
             <a:pPr lvl="1"/>
             <a:r>
+              <a:rPr lang="en-US" dirty="0"/>
+              <a:t>Gather your friends for have fun together in the final Tournament.</a:t>
+            </a:r>
+          </a:p>
+          <a:p>
+            <a:r>
+              <a:rPr lang="en-US" dirty="0"/>
+              <a:t>Many different Characters with different Move </a:t>
+            </a:r>
+            <a:r>
               <a:rPr lang="en-US" dirty="0" smtClean="0"/>
-              <a:t>Like </a:t>
-            </a:r>
+              <a:t>Sets.</a:t>
+            </a:r>
+            <a:endParaRPr lang="en-US" dirty="0"/>
+          </a:p>
+          <a:p>
+            <a:pPr lvl="1"/>
             <a:r>
               <a:rPr lang="en-US" dirty="0"/>
-              <a:t>every fighting game your reflexes and your reaction time will be hardly tested by your </a:t>
+              <a:t>Inspired by the </a:t>
             </a:r>
             <a:r>
               <a:rPr lang="en-US" dirty="0" smtClean="0"/>
-              <a:t>opponent</a:t>
-            </a:r>
-          </a:p>
-          <a:p>
+              <a:t>creepiest Sci-Fi settings.</a:t>
+            </a:r>
+            <a:endParaRPr lang="en-US" dirty="0"/>
+          </a:p>
+          <a:p>
+            <a:r>
+              <a:rPr lang="en-US" dirty="0"/>
+              <a:t>Old School looking game.</a:t>
+            </a:r>
+          </a:p>
+          <a:p>
+            <a:r>
+              <a:rPr lang="en-US" dirty="0"/>
+              <a:t>Punch someone in the face is never out of </a:t>
+            </a:r>
             <a:r>
               <a:rPr lang="en-US" dirty="0" smtClean="0"/>
-              <a:t>Multiplayer </a:t>
-            </a:r>
-            <a:r>
-              <a:rPr lang="en-US" dirty="0"/>
-              <a:t>1 Vs </a:t>
-            </a:r>
-            <a:r>
-              <a:rPr lang="en-US" dirty="0" smtClean="0"/>
-              <a:t>1</a:t>
-            </a:r>
-          </a:p>
-          <a:p>
-            <a:pPr lvl="1"/>
-            <a:r>
-              <a:rPr lang="en-US" dirty="0" smtClean="0"/>
-              <a:t>Gather </a:t>
-            </a:r>
-            <a:r>
-              <a:rPr lang="en-US" dirty="0"/>
-              <a:t>your friends for have fun together (or to decide who’s going to pay for the drinks tonight) in the final Tournament</a:t>
-            </a:r>
-            <a:r>
-              <a:rPr lang="en-US" dirty="0" smtClean="0"/>
-              <a:t>.</a:t>
-            </a:r>
-          </a:p>
-          <a:p>
-            <a:r>
-              <a:rPr lang="en-US" dirty="0" smtClean="0"/>
-              <a:t>Many </a:t>
-            </a:r>
-            <a:r>
-              <a:rPr lang="en-US" dirty="0"/>
-              <a:t>different Characters with different Move </a:t>
-            </a:r>
-            <a:r>
-              <a:rPr lang="en-US" dirty="0" smtClean="0"/>
-              <a:t>Sets</a:t>
-            </a:r>
-          </a:p>
-          <a:p>
-            <a:pPr lvl="1"/>
-            <a:r>
-              <a:rPr lang="en-US" dirty="0" smtClean="0"/>
-              <a:t>Inspired </a:t>
-            </a:r>
-            <a:r>
-              <a:rPr lang="en-US" dirty="0"/>
-              <a:t>by the creepiest Gothic setting, and reinterpreted with a Sci-Fi </a:t>
-            </a:r>
-            <a:r>
-              <a:rPr lang="en-US" dirty="0" smtClean="0"/>
-              <a:t>twist</a:t>
-            </a:r>
-          </a:p>
-          <a:p>
-            <a:r>
-              <a:rPr lang="en-US" dirty="0" smtClean="0"/>
-              <a:t>Old </a:t>
-            </a:r>
-            <a:r>
-              <a:rPr lang="en-US" dirty="0"/>
-              <a:t>School looking game</a:t>
-            </a:r>
-            <a:r>
-              <a:rPr lang="en-US" dirty="0" smtClean="0"/>
-              <a:t>.</a:t>
-            </a:r>
-          </a:p>
-          <a:p>
-            <a:r>
-              <a:rPr lang="en-US" dirty="0" smtClean="0"/>
-              <a:t>Punch </a:t>
-            </a:r>
-            <a:r>
-              <a:rPr lang="en-US" dirty="0"/>
-              <a:t>someone in the face is never out of style</a:t>
-            </a:r>
-            <a:endParaRPr lang="it-IT" dirty="0">
-              <a:solidFill>
-                <a:schemeClr val="tx1"/>
-              </a:solidFill>
-            </a:endParaRPr>
+              <a:t>style.</a:t>
+            </a:r>
+            <a:endParaRPr lang="it-IT" dirty="0"/>
+          </a:p>
+          <a:p>
+            <a:endParaRPr lang="en-GB" dirty="0"/>
           </a:p>
         </p:txBody>
       </p:sp>
@@ -6284,6 +6310,36 @@
           </a:p>
         </p:txBody>
       </p:sp>
+      <p:pic>
+        <p:nvPicPr>
+          <p:cNvPr id="3" name="Picture 2"/>
+          <p:cNvPicPr>
+            <a:picLocks noChangeAspect="1"/>
+          </p:cNvPicPr>
+          <p:nvPr/>
+        </p:nvPicPr>
+        <p:blipFill>
+          <a:blip r:embed="rId2">
+            <a:extLst>
+              <a:ext uri="{28A0092B-C50C-407E-A947-70E740481C1C}">
+                <a14:useLocalDpi xmlns:a14="http://schemas.microsoft.com/office/drawing/2010/main" val="0"/>
+              </a:ext>
+            </a:extLst>
+          </a:blip>
+          <a:stretch>
+            <a:fillRect/>
+          </a:stretch>
+        </p:blipFill>
+        <p:spPr>
+          <a:xfrm>
+            <a:off x="7658100" y="0"/>
+            <a:ext cx="4533899" cy="6858000"/>
+          </a:xfrm>
+          <a:prstGeom prst="rect">
+            <a:avLst/>
+          </a:prstGeom>
+        </p:spPr>
+      </p:pic>
     </p:spTree>
     <p:extLst>
       <p:ext uri="{BB962C8B-B14F-4D97-AF65-F5344CB8AC3E}">
@@ -6517,11 +6573,7 @@
             </a:r>
             <a:r>
               <a:rPr lang="it-IT" dirty="0"/>
-              <a:t>Number of </a:t>
-            </a:r>
-            <a:r>
-              <a:rPr lang="it-IT" dirty="0"/>
-              <a:t>rounds </a:t>
+              <a:t>Number of rounds </a:t>
             </a:r>
             <a:r>
               <a:rPr lang="it-IT" dirty="0" smtClean="0"/>
